--- a/src/main/resources/prez.pptx
+++ b/src/main/resources/prez.pptx
@@ -3,19 +3,22 @@
 <p:presentation xmlns:a="http://schemas.openxmlformats.org/drawingml/2006/main" xmlns:p="http://schemas.openxmlformats.org/presentationml/2006/main" xmlns:r="http://schemas.openxmlformats.org/officeDocument/2006/relationships">
   <p:sldMasterIdLst>
     <p:sldMasterId id="2147483648" r:id="rId2"/>
+    <p:sldMasterId id="2147483661" r:id="rId3"/>
   </p:sldMasterIdLst>
   <p:sldIdLst>
-    <p:sldId id="256" r:id="rId3"/>
-    <p:sldId id="257" r:id="rId4"/>
-    <p:sldId id="258" r:id="rId5"/>
-    <p:sldId id="259" r:id="rId6"/>
-    <p:sldId id="260" r:id="rId7"/>
-    <p:sldId id="261" r:id="rId8"/>
-    <p:sldId id="262" r:id="rId9"/>
-    <p:sldId id="263" r:id="rId10"/>
-    <p:sldId id="264" r:id="rId11"/>
-    <p:sldId id="265" r:id="rId12"/>
-    <p:sldId id="266" r:id="rId13"/>
+    <p:sldId id="256" r:id="rId4"/>
+    <p:sldId id="257" r:id="rId5"/>
+    <p:sldId id="258" r:id="rId6"/>
+    <p:sldId id="259" r:id="rId7"/>
+    <p:sldId id="260" r:id="rId8"/>
+    <p:sldId id="261" r:id="rId9"/>
+    <p:sldId id="262" r:id="rId10"/>
+    <p:sldId id="263" r:id="rId11"/>
+    <p:sldId id="264" r:id="rId12"/>
+    <p:sldId id="265" r:id="rId13"/>
+    <p:sldId id="266" r:id="rId14"/>
+    <p:sldId id="267" r:id="rId15"/>
+    <p:sldId id="268" r:id="rId16"/>
   </p:sldIdLst>
   <p:sldSz cx="10080625" cy="7559675"/>
   <p:notesSz cx="7772400" cy="10058400"/>
@@ -63,7 +66,7 @@
       </p:grpSpPr>
       <p:sp>
         <p:nvSpPr>
-          <p:cNvPr id="26" name="PlaceHolder 1"/>
+          <p:cNvPr id="23" name="PlaceHolder 1"/>
           <p:cNvSpPr>
             <a:spLocks noGrp="1"/>
           </p:cNvSpPr>
@@ -74,7 +77,7 @@
         <p:spPr>
           <a:xfrm>
             <a:off x="504000" y="301320"/>
-            <a:ext cx="9071640" cy="1262160"/>
+            <a:ext cx="9072000" cy="1261800"/>
           </a:xfrm>
           <a:prstGeom prst="rect">
             <a:avLst/>
@@ -100,7 +103,7 @@
       </p:sp>
       <p:sp>
         <p:nvSpPr>
-          <p:cNvPr id="27" name="PlaceHolder 2"/>
+          <p:cNvPr id="24" name="PlaceHolder 2"/>
           <p:cNvSpPr>
             <a:spLocks noGrp="1"/>
           </p:cNvSpPr>
@@ -110,8 +113,8 @@
         </p:nvSpPr>
         <p:spPr>
           <a:xfrm>
-            <a:off x="504000" y="1769040"/>
-            <a:ext cx="9071640" cy="2091240"/>
+            <a:off x="504000" y="1768680"/>
+            <a:ext cx="9072000" cy="2090880"/>
           </a:xfrm>
           <a:prstGeom prst="rect">
             <a:avLst/>
@@ -136,7 +139,7 @@
       </p:sp>
       <p:sp>
         <p:nvSpPr>
-          <p:cNvPr id="28" name="PlaceHolder 3"/>
+          <p:cNvPr id="25" name="PlaceHolder 3"/>
           <p:cNvSpPr>
             <a:spLocks noGrp="1"/>
           </p:cNvSpPr>
@@ -146,8 +149,8 @@
         </p:nvSpPr>
         <p:spPr>
           <a:xfrm>
-            <a:off x="504000" y="4059360"/>
-            <a:ext cx="9071640" cy="2091240"/>
+            <a:off x="504000" y="4058640"/>
+            <a:ext cx="9072000" cy="2090880"/>
           </a:xfrm>
           <a:prstGeom prst="rect">
             <a:avLst/>
@@ -194,7 +197,7 @@
       </p:grpSpPr>
       <p:sp>
         <p:nvSpPr>
-          <p:cNvPr id="29" name="PlaceHolder 1"/>
+          <p:cNvPr id="26" name="PlaceHolder 1"/>
           <p:cNvSpPr>
             <a:spLocks noGrp="1"/>
           </p:cNvSpPr>
@@ -205,7 +208,7 @@
         <p:spPr>
           <a:xfrm>
             <a:off x="504000" y="301320"/>
-            <a:ext cx="9071640" cy="1262160"/>
+            <a:ext cx="9072000" cy="1261800"/>
           </a:xfrm>
           <a:prstGeom prst="rect">
             <a:avLst/>
@@ -231,7 +234,7 @@
       </p:sp>
       <p:sp>
         <p:nvSpPr>
-          <p:cNvPr id="30" name="PlaceHolder 2"/>
+          <p:cNvPr id="27" name="PlaceHolder 2"/>
           <p:cNvSpPr>
             <a:spLocks noGrp="1"/>
           </p:cNvSpPr>
@@ -241,8 +244,8 @@
         </p:nvSpPr>
         <p:spPr>
           <a:xfrm>
-            <a:off x="504000" y="1769040"/>
-            <a:ext cx="4426920" cy="2091240"/>
+            <a:off x="504000" y="1768680"/>
+            <a:ext cx="4426920" cy="2090880"/>
           </a:xfrm>
           <a:prstGeom prst="rect">
             <a:avLst/>
@@ -267,7 +270,7 @@
       </p:sp>
       <p:sp>
         <p:nvSpPr>
-          <p:cNvPr id="31" name="PlaceHolder 3"/>
+          <p:cNvPr id="28" name="PlaceHolder 3"/>
           <p:cNvSpPr>
             <a:spLocks noGrp="1"/>
           </p:cNvSpPr>
@@ -277,8 +280,8 @@
         </p:nvSpPr>
         <p:spPr>
           <a:xfrm>
-            <a:off x="5152680" y="1769040"/>
-            <a:ext cx="4426920" cy="2091240"/>
+            <a:off x="5152680" y="1768680"/>
+            <a:ext cx="4426920" cy="2090880"/>
           </a:xfrm>
           <a:prstGeom prst="rect">
             <a:avLst/>
@@ -303,7 +306,7 @@
       </p:sp>
       <p:sp>
         <p:nvSpPr>
-          <p:cNvPr id="32" name="PlaceHolder 4"/>
+          <p:cNvPr id="29" name="PlaceHolder 4"/>
           <p:cNvSpPr>
             <a:spLocks noGrp="1"/>
           </p:cNvSpPr>
@@ -313,8 +316,8 @@
         </p:nvSpPr>
         <p:spPr>
           <a:xfrm>
-            <a:off x="5152680" y="4059360"/>
-            <a:ext cx="4426920" cy="2091240"/>
+            <a:off x="5152680" y="4058640"/>
+            <a:ext cx="4426920" cy="2090880"/>
           </a:xfrm>
           <a:prstGeom prst="rect">
             <a:avLst/>
@@ -339,7 +342,7 @@
       </p:sp>
       <p:sp>
         <p:nvSpPr>
-          <p:cNvPr id="33" name="PlaceHolder 5"/>
+          <p:cNvPr id="30" name="PlaceHolder 5"/>
           <p:cNvSpPr>
             <a:spLocks noGrp="1"/>
           </p:cNvSpPr>
@@ -349,8 +352,8 @@
         </p:nvSpPr>
         <p:spPr>
           <a:xfrm>
-            <a:off x="504000" y="4059360"/>
-            <a:ext cx="4426920" cy="2091240"/>
+            <a:off x="504000" y="4058640"/>
+            <a:ext cx="4426920" cy="2090880"/>
           </a:xfrm>
           <a:prstGeom prst="rect">
             <a:avLst/>
@@ -397,7 +400,7 @@
       </p:grpSpPr>
       <p:sp>
         <p:nvSpPr>
-          <p:cNvPr id="34" name="PlaceHolder 1"/>
+          <p:cNvPr id="31" name="PlaceHolder 1"/>
           <p:cNvSpPr>
             <a:spLocks noGrp="1"/>
           </p:cNvSpPr>
@@ -408,7 +411,7 @@
         <p:spPr>
           <a:xfrm>
             <a:off x="504000" y="301320"/>
-            <a:ext cx="9071640" cy="1262160"/>
+            <a:ext cx="9072000" cy="1261800"/>
           </a:xfrm>
           <a:prstGeom prst="rect">
             <a:avLst/>
@@ -434,7 +437,7 @@
       </p:sp>
       <p:sp>
         <p:nvSpPr>
-          <p:cNvPr id="35" name="PlaceHolder 2"/>
+          <p:cNvPr id="32" name="PlaceHolder 2"/>
           <p:cNvSpPr>
             <a:spLocks noGrp="1"/>
           </p:cNvSpPr>
@@ -444,8 +447,8 @@
         </p:nvSpPr>
         <p:spPr>
           <a:xfrm>
-            <a:off x="504000" y="1769040"/>
-            <a:ext cx="9071640" cy="4384440"/>
+            <a:off x="504000" y="1768680"/>
+            <a:ext cx="9072000" cy="4384080"/>
           </a:xfrm>
           <a:prstGeom prst="rect">
             <a:avLst/>
@@ -470,7 +473,7 @@
       </p:sp>
       <p:sp>
         <p:nvSpPr>
-          <p:cNvPr id="36" name="PlaceHolder 3"/>
+          <p:cNvPr id="33" name="PlaceHolder 3"/>
           <p:cNvSpPr>
             <a:spLocks noGrp="1"/>
           </p:cNvSpPr>
@@ -480,8 +483,8 @@
         </p:nvSpPr>
         <p:spPr>
           <a:xfrm>
-            <a:off x="504000" y="1769040"/>
-            <a:ext cx="9071640" cy="4384440"/>
+            <a:off x="504000" y="1768680"/>
+            <a:ext cx="9072000" cy="4384080"/>
           </a:xfrm>
           <a:prstGeom prst="rect">
             <a:avLst/>
@@ -506,7 +509,7 @@
       </p:sp>
       <p:pic>
         <p:nvPicPr>
-          <p:cNvPr id="37" name="" descr=""/>
+          <p:cNvPr id="34" name="" descr=""/>
           <p:cNvPicPr/>
           <p:nvPr/>
         </p:nvPicPr>
@@ -516,8 +519,8 @@
         </p:blipFill>
         <p:spPr>
           <a:xfrm>
-            <a:off x="2292120" y="1768680"/>
-            <a:ext cx="5495040" cy="4384440"/>
+            <a:off x="2292480" y="1768680"/>
+            <a:ext cx="5494680" cy="4384080"/>
           </a:xfrm>
           <a:prstGeom prst="rect">
             <a:avLst/>
@@ -529,7 +532,7 @@
       </p:pic>
       <p:pic>
         <p:nvPicPr>
-          <p:cNvPr id="38" name="" descr=""/>
+          <p:cNvPr id="35" name="" descr=""/>
           <p:cNvPicPr/>
           <p:nvPr/>
         </p:nvPicPr>
@@ -539,8 +542,8 @@
         </p:blipFill>
         <p:spPr>
           <a:xfrm>
-            <a:off x="2292120" y="1768680"/>
-            <a:ext cx="5495040" cy="4384440"/>
+            <a:off x="2292480" y="1768680"/>
+            <a:ext cx="5494680" cy="4384080"/>
           </a:xfrm>
           <a:prstGeom prst="rect">
             <a:avLst/>
@@ -550,6 +553,635 @@
           </a:ln>
         </p:spPr>
       </p:pic>
+    </p:spTree>
+  </p:cSld>
+</p:sldLayout>
+</file>
+
+<file path=ppt/slideLayouts/slideLayout13.xml><?xml version="1.0" encoding="utf-8"?>
+<p:sldLayout xmlns:a="http://schemas.openxmlformats.org/drawingml/2006/main" xmlns:p="http://schemas.openxmlformats.org/presentationml/2006/main" xmlns:r="http://schemas.openxmlformats.org/officeDocument/2006/relationships" type="blank" preserve="1">
+  <p:cSld name="Blank Slide">
+    <p:spTree>
+      <p:nvGrpSpPr>
+        <p:cNvPr id="1" name=""/>
+        <p:cNvGrpSpPr/>
+        <p:nvPr/>
+      </p:nvGrpSpPr>
+      <p:grpSpPr>
+        <a:xfrm>
+          <a:off x="0" y="0"/>
+          <a:ext cx="0" cy="0"/>
+          <a:chOff x="0" y="0"/>
+          <a:chExt cx="0" cy="0"/>
+        </a:xfrm>
+      </p:grpSpPr>
+    </p:spTree>
+  </p:cSld>
+</p:sldLayout>
+</file>
+
+<file path=ppt/slideLayouts/slideLayout14.xml><?xml version="1.0" encoding="utf-8"?>
+<p:sldLayout xmlns:a="http://schemas.openxmlformats.org/drawingml/2006/main" xmlns:p="http://schemas.openxmlformats.org/presentationml/2006/main" xmlns:r="http://schemas.openxmlformats.org/officeDocument/2006/relationships" type="tx" preserve="1">
+  <p:cSld name="Title Slide">
+    <p:spTree>
+      <p:nvGrpSpPr>
+        <p:cNvPr id="1" name=""/>
+        <p:cNvGrpSpPr/>
+        <p:nvPr/>
+      </p:nvGrpSpPr>
+      <p:grpSpPr>
+        <a:xfrm>
+          <a:off x="0" y="0"/>
+          <a:ext cx="0" cy="0"/>
+          <a:chOff x="0" y="0"/>
+          <a:chExt cx="0" cy="0"/>
+        </a:xfrm>
+      </p:grpSpPr>
+      <p:sp>
+        <p:nvSpPr>
+          <p:cNvPr id="38" name="PlaceHolder 1"/>
+          <p:cNvSpPr>
+            <a:spLocks noGrp="1"/>
+          </p:cNvSpPr>
+          <p:nvPr>
+            <p:ph type="title"/>
+          </p:nvPr>
+        </p:nvSpPr>
+        <p:spPr>
+          <a:xfrm>
+            <a:off x="504000" y="301320"/>
+            <a:ext cx="9072000" cy="1261800"/>
+          </a:xfrm>
+          <a:prstGeom prst="rect">
+            <a:avLst/>
+          </a:prstGeom>
+        </p:spPr>
+        <p:txBody>
+          <a:bodyPr lIns="0" rIns="0" tIns="0" bIns="0" anchor="ctr"/>
+          <a:p>
+            <a:pPr algn="ctr"/>
+            <a:endParaRPr lang="en-US" sz="4400" spc="-1" strike="noStrike">
+              <a:solidFill>
+                <a:srgbClr val="000000"/>
+              </a:solidFill>
+              <a:uFill>
+                <a:solidFill>
+                  <a:srgbClr val="ffffff"/>
+                </a:solidFill>
+              </a:uFill>
+              <a:latin typeface="Arial"/>
+            </a:endParaRPr>
+          </a:p>
+        </p:txBody>
+      </p:sp>
+      <p:sp>
+        <p:nvSpPr>
+          <p:cNvPr id="39" name="PlaceHolder 2"/>
+          <p:cNvSpPr>
+            <a:spLocks noGrp="1"/>
+          </p:cNvSpPr>
+          <p:nvPr>
+            <p:ph type="subTitle"/>
+          </p:nvPr>
+        </p:nvSpPr>
+        <p:spPr>
+          <a:xfrm>
+            <a:off x="504000" y="1768680"/>
+            <a:ext cx="9072000" cy="4384080"/>
+          </a:xfrm>
+          <a:prstGeom prst="rect">
+            <a:avLst/>
+          </a:prstGeom>
+        </p:spPr>
+        <p:txBody>
+          <a:bodyPr lIns="0" rIns="0" tIns="0" bIns="0" anchor="ctr"/>
+          <a:p>
+            <a:pPr algn="ctr"/>
+            <a:endParaRPr lang="en-US" sz="3200" spc="-1" strike="noStrike">
+              <a:solidFill>
+                <a:srgbClr val="000000"/>
+              </a:solidFill>
+              <a:uFill>
+                <a:solidFill>
+                  <a:srgbClr val="ffffff"/>
+                </a:solidFill>
+              </a:uFill>
+              <a:latin typeface="Arial"/>
+            </a:endParaRPr>
+          </a:p>
+        </p:txBody>
+      </p:sp>
+    </p:spTree>
+  </p:cSld>
+</p:sldLayout>
+</file>
+
+<file path=ppt/slideLayouts/slideLayout15.xml><?xml version="1.0" encoding="utf-8"?>
+<p:sldLayout xmlns:a="http://schemas.openxmlformats.org/drawingml/2006/main" xmlns:p="http://schemas.openxmlformats.org/presentationml/2006/main" xmlns:r="http://schemas.openxmlformats.org/officeDocument/2006/relationships" type="obj" preserve="1">
+  <p:cSld name="Title, Content">
+    <p:spTree>
+      <p:nvGrpSpPr>
+        <p:cNvPr id="1" name=""/>
+        <p:cNvGrpSpPr/>
+        <p:nvPr/>
+      </p:nvGrpSpPr>
+      <p:grpSpPr>
+        <a:xfrm>
+          <a:off x="0" y="0"/>
+          <a:ext cx="0" cy="0"/>
+          <a:chOff x="0" y="0"/>
+          <a:chExt cx="0" cy="0"/>
+        </a:xfrm>
+      </p:grpSpPr>
+      <p:sp>
+        <p:nvSpPr>
+          <p:cNvPr id="40" name="PlaceHolder 1"/>
+          <p:cNvSpPr>
+            <a:spLocks noGrp="1"/>
+          </p:cNvSpPr>
+          <p:nvPr>
+            <p:ph type="title"/>
+          </p:nvPr>
+        </p:nvSpPr>
+        <p:spPr>
+          <a:xfrm>
+            <a:off x="504000" y="301320"/>
+            <a:ext cx="9072000" cy="1261800"/>
+          </a:xfrm>
+          <a:prstGeom prst="rect">
+            <a:avLst/>
+          </a:prstGeom>
+        </p:spPr>
+        <p:txBody>
+          <a:bodyPr lIns="0" rIns="0" tIns="0" bIns="0" anchor="ctr"/>
+          <a:p>
+            <a:pPr algn="ctr"/>
+            <a:endParaRPr lang="en-US" sz="4400" spc="-1" strike="noStrike">
+              <a:solidFill>
+                <a:srgbClr val="000000"/>
+              </a:solidFill>
+              <a:uFill>
+                <a:solidFill>
+                  <a:srgbClr val="ffffff"/>
+                </a:solidFill>
+              </a:uFill>
+              <a:latin typeface="Arial"/>
+            </a:endParaRPr>
+          </a:p>
+        </p:txBody>
+      </p:sp>
+      <p:sp>
+        <p:nvSpPr>
+          <p:cNvPr id="41" name="PlaceHolder 2"/>
+          <p:cNvSpPr>
+            <a:spLocks noGrp="1"/>
+          </p:cNvSpPr>
+          <p:nvPr>
+            <p:ph type="body"/>
+          </p:nvPr>
+        </p:nvSpPr>
+        <p:spPr>
+          <a:xfrm>
+            <a:off x="504000" y="1768680"/>
+            <a:ext cx="9072000" cy="4384080"/>
+          </a:xfrm>
+          <a:prstGeom prst="rect">
+            <a:avLst/>
+          </a:prstGeom>
+        </p:spPr>
+        <p:txBody>
+          <a:bodyPr lIns="0" rIns="0" tIns="0" bIns="0"/>
+          <a:p>
+            <a:endParaRPr lang="en-US" sz="3200" spc="-1" strike="noStrike">
+              <a:solidFill>
+                <a:srgbClr val="000000"/>
+              </a:solidFill>
+              <a:uFill>
+                <a:solidFill>
+                  <a:srgbClr val="ffffff"/>
+                </a:solidFill>
+              </a:uFill>
+              <a:latin typeface="Arial"/>
+            </a:endParaRPr>
+          </a:p>
+        </p:txBody>
+      </p:sp>
+    </p:spTree>
+  </p:cSld>
+</p:sldLayout>
+</file>
+
+<file path=ppt/slideLayouts/slideLayout16.xml><?xml version="1.0" encoding="utf-8"?>
+<p:sldLayout xmlns:a="http://schemas.openxmlformats.org/drawingml/2006/main" xmlns:p="http://schemas.openxmlformats.org/presentationml/2006/main" xmlns:r="http://schemas.openxmlformats.org/officeDocument/2006/relationships" type="twoObj" preserve="1">
+  <p:cSld name="Title, 2 Content">
+    <p:spTree>
+      <p:nvGrpSpPr>
+        <p:cNvPr id="1" name=""/>
+        <p:cNvGrpSpPr/>
+        <p:nvPr/>
+      </p:nvGrpSpPr>
+      <p:grpSpPr>
+        <a:xfrm>
+          <a:off x="0" y="0"/>
+          <a:ext cx="0" cy="0"/>
+          <a:chOff x="0" y="0"/>
+          <a:chExt cx="0" cy="0"/>
+        </a:xfrm>
+      </p:grpSpPr>
+      <p:sp>
+        <p:nvSpPr>
+          <p:cNvPr id="42" name="PlaceHolder 1"/>
+          <p:cNvSpPr>
+            <a:spLocks noGrp="1"/>
+          </p:cNvSpPr>
+          <p:nvPr>
+            <p:ph type="title"/>
+          </p:nvPr>
+        </p:nvSpPr>
+        <p:spPr>
+          <a:xfrm>
+            <a:off x="504000" y="301320"/>
+            <a:ext cx="9072000" cy="1261800"/>
+          </a:xfrm>
+          <a:prstGeom prst="rect">
+            <a:avLst/>
+          </a:prstGeom>
+        </p:spPr>
+        <p:txBody>
+          <a:bodyPr lIns="0" rIns="0" tIns="0" bIns="0" anchor="ctr"/>
+          <a:p>
+            <a:pPr algn="ctr"/>
+            <a:endParaRPr lang="en-US" sz="4400" spc="-1" strike="noStrike">
+              <a:solidFill>
+                <a:srgbClr val="000000"/>
+              </a:solidFill>
+              <a:uFill>
+                <a:solidFill>
+                  <a:srgbClr val="ffffff"/>
+                </a:solidFill>
+              </a:uFill>
+              <a:latin typeface="Arial"/>
+            </a:endParaRPr>
+          </a:p>
+        </p:txBody>
+      </p:sp>
+      <p:sp>
+        <p:nvSpPr>
+          <p:cNvPr id="43" name="PlaceHolder 2"/>
+          <p:cNvSpPr>
+            <a:spLocks noGrp="1"/>
+          </p:cNvSpPr>
+          <p:nvPr>
+            <p:ph type="body"/>
+          </p:nvPr>
+        </p:nvSpPr>
+        <p:spPr>
+          <a:xfrm>
+            <a:off x="504000" y="1768680"/>
+            <a:ext cx="4426920" cy="4384080"/>
+          </a:xfrm>
+          <a:prstGeom prst="rect">
+            <a:avLst/>
+          </a:prstGeom>
+        </p:spPr>
+        <p:txBody>
+          <a:bodyPr lIns="0" rIns="0" tIns="0" bIns="0"/>
+          <a:p>
+            <a:endParaRPr lang="en-US" sz="3200" spc="-1" strike="noStrike">
+              <a:solidFill>
+                <a:srgbClr val="000000"/>
+              </a:solidFill>
+              <a:uFill>
+                <a:solidFill>
+                  <a:srgbClr val="ffffff"/>
+                </a:solidFill>
+              </a:uFill>
+              <a:latin typeface="Arial"/>
+            </a:endParaRPr>
+          </a:p>
+        </p:txBody>
+      </p:sp>
+      <p:sp>
+        <p:nvSpPr>
+          <p:cNvPr id="44" name="PlaceHolder 3"/>
+          <p:cNvSpPr>
+            <a:spLocks noGrp="1"/>
+          </p:cNvSpPr>
+          <p:nvPr>
+            <p:ph type="body"/>
+          </p:nvPr>
+        </p:nvSpPr>
+        <p:spPr>
+          <a:xfrm>
+            <a:off x="5152680" y="1768680"/>
+            <a:ext cx="4426920" cy="4384080"/>
+          </a:xfrm>
+          <a:prstGeom prst="rect">
+            <a:avLst/>
+          </a:prstGeom>
+        </p:spPr>
+        <p:txBody>
+          <a:bodyPr lIns="0" rIns="0" tIns="0" bIns="0"/>
+          <a:p>
+            <a:endParaRPr lang="en-US" sz="3200" spc="-1" strike="noStrike">
+              <a:solidFill>
+                <a:srgbClr val="000000"/>
+              </a:solidFill>
+              <a:uFill>
+                <a:solidFill>
+                  <a:srgbClr val="ffffff"/>
+                </a:solidFill>
+              </a:uFill>
+              <a:latin typeface="Arial"/>
+            </a:endParaRPr>
+          </a:p>
+        </p:txBody>
+      </p:sp>
+    </p:spTree>
+  </p:cSld>
+</p:sldLayout>
+</file>
+
+<file path=ppt/slideLayouts/slideLayout17.xml><?xml version="1.0" encoding="utf-8"?>
+<p:sldLayout xmlns:a="http://schemas.openxmlformats.org/drawingml/2006/main" xmlns:p="http://schemas.openxmlformats.org/presentationml/2006/main" xmlns:r="http://schemas.openxmlformats.org/officeDocument/2006/relationships" type="titleOnly" preserve="1">
+  <p:cSld name="Title Only">
+    <p:spTree>
+      <p:nvGrpSpPr>
+        <p:cNvPr id="1" name=""/>
+        <p:cNvGrpSpPr/>
+        <p:nvPr/>
+      </p:nvGrpSpPr>
+      <p:grpSpPr>
+        <a:xfrm>
+          <a:off x="0" y="0"/>
+          <a:ext cx="0" cy="0"/>
+          <a:chOff x="0" y="0"/>
+          <a:chExt cx="0" cy="0"/>
+        </a:xfrm>
+      </p:grpSpPr>
+      <p:sp>
+        <p:nvSpPr>
+          <p:cNvPr id="45" name="PlaceHolder 1"/>
+          <p:cNvSpPr>
+            <a:spLocks noGrp="1"/>
+          </p:cNvSpPr>
+          <p:nvPr>
+            <p:ph type="title"/>
+          </p:nvPr>
+        </p:nvSpPr>
+        <p:spPr>
+          <a:xfrm>
+            <a:off x="504000" y="301320"/>
+            <a:ext cx="9072000" cy="1261800"/>
+          </a:xfrm>
+          <a:prstGeom prst="rect">
+            <a:avLst/>
+          </a:prstGeom>
+        </p:spPr>
+        <p:txBody>
+          <a:bodyPr lIns="0" rIns="0" tIns="0" bIns="0" anchor="ctr"/>
+          <a:p>
+            <a:pPr algn="ctr"/>
+            <a:endParaRPr lang="en-US" sz="4400" spc="-1" strike="noStrike">
+              <a:solidFill>
+                <a:srgbClr val="000000"/>
+              </a:solidFill>
+              <a:uFill>
+                <a:solidFill>
+                  <a:srgbClr val="ffffff"/>
+                </a:solidFill>
+              </a:uFill>
+              <a:latin typeface="Arial"/>
+            </a:endParaRPr>
+          </a:p>
+        </p:txBody>
+      </p:sp>
+    </p:spTree>
+  </p:cSld>
+</p:sldLayout>
+</file>
+
+<file path=ppt/slideLayouts/slideLayout18.xml><?xml version="1.0" encoding="utf-8"?>
+<p:sldLayout xmlns:a="http://schemas.openxmlformats.org/drawingml/2006/main" xmlns:p="http://schemas.openxmlformats.org/presentationml/2006/main" xmlns:r="http://schemas.openxmlformats.org/officeDocument/2006/relationships" type="objOnly" preserve="1">
+  <p:cSld name="Centered Text">
+    <p:spTree>
+      <p:nvGrpSpPr>
+        <p:cNvPr id="1" name=""/>
+        <p:cNvGrpSpPr/>
+        <p:nvPr/>
+      </p:nvGrpSpPr>
+      <p:grpSpPr>
+        <a:xfrm>
+          <a:off x="0" y="0"/>
+          <a:ext cx="0" cy="0"/>
+          <a:chOff x="0" y="0"/>
+          <a:chExt cx="0" cy="0"/>
+        </a:xfrm>
+      </p:grpSpPr>
+      <p:sp>
+        <p:nvSpPr>
+          <p:cNvPr id="46" name="PlaceHolder 1"/>
+          <p:cNvSpPr>
+            <a:spLocks noGrp="1"/>
+          </p:cNvSpPr>
+          <p:nvPr>
+            <p:ph type="subTitle"/>
+          </p:nvPr>
+        </p:nvSpPr>
+        <p:spPr>
+          <a:xfrm>
+            <a:off x="504000" y="301320"/>
+            <a:ext cx="9072000" cy="5850360"/>
+          </a:xfrm>
+          <a:prstGeom prst="rect">
+            <a:avLst/>
+          </a:prstGeom>
+        </p:spPr>
+        <p:txBody>
+          <a:bodyPr lIns="0" rIns="0" tIns="0" bIns="0" anchor="ctr"/>
+          <a:p>
+            <a:pPr algn="ctr"/>
+            <a:endParaRPr lang="en-US" sz="3200" spc="-1" strike="noStrike">
+              <a:solidFill>
+                <a:srgbClr val="000000"/>
+              </a:solidFill>
+              <a:uFill>
+                <a:solidFill>
+                  <a:srgbClr val="ffffff"/>
+                </a:solidFill>
+              </a:uFill>
+              <a:latin typeface="Arial"/>
+            </a:endParaRPr>
+          </a:p>
+        </p:txBody>
+      </p:sp>
+    </p:spTree>
+  </p:cSld>
+</p:sldLayout>
+</file>
+
+<file path=ppt/slideLayouts/slideLayout19.xml><?xml version="1.0" encoding="utf-8"?>
+<p:sldLayout xmlns:a="http://schemas.openxmlformats.org/drawingml/2006/main" xmlns:p="http://schemas.openxmlformats.org/presentationml/2006/main" xmlns:r="http://schemas.openxmlformats.org/officeDocument/2006/relationships" type="twoObjAndObj" preserve="1">
+  <p:cSld name="Title, 2 Content and Content">
+    <p:spTree>
+      <p:nvGrpSpPr>
+        <p:cNvPr id="1" name=""/>
+        <p:cNvGrpSpPr/>
+        <p:nvPr/>
+      </p:nvGrpSpPr>
+      <p:grpSpPr>
+        <a:xfrm>
+          <a:off x="0" y="0"/>
+          <a:ext cx="0" cy="0"/>
+          <a:chOff x="0" y="0"/>
+          <a:chExt cx="0" cy="0"/>
+        </a:xfrm>
+      </p:grpSpPr>
+      <p:sp>
+        <p:nvSpPr>
+          <p:cNvPr id="47" name="PlaceHolder 1"/>
+          <p:cNvSpPr>
+            <a:spLocks noGrp="1"/>
+          </p:cNvSpPr>
+          <p:nvPr>
+            <p:ph type="title"/>
+          </p:nvPr>
+        </p:nvSpPr>
+        <p:spPr>
+          <a:xfrm>
+            <a:off x="504000" y="301320"/>
+            <a:ext cx="9072000" cy="1261800"/>
+          </a:xfrm>
+          <a:prstGeom prst="rect">
+            <a:avLst/>
+          </a:prstGeom>
+        </p:spPr>
+        <p:txBody>
+          <a:bodyPr lIns="0" rIns="0" tIns="0" bIns="0" anchor="ctr"/>
+          <a:p>
+            <a:pPr algn="ctr"/>
+            <a:endParaRPr lang="en-US" sz="4400" spc="-1" strike="noStrike">
+              <a:solidFill>
+                <a:srgbClr val="000000"/>
+              </a:solidFill>
+              <a:uFill>
+                <a:solidFill>
+                  <a:srgbClr val="ffffff"/>
+                </a:solidFill>
+              </a:uFill>
+              <a:latin typeface="Arial"/>
+            </a:endParaRPr>
+          </a:p>
+        </p:txBody>
+      </p:sp>
+      <p:sp>
+        <p:nvSpPr>
+          <p:cNvPr id="48" name="PlaceHolder 2"/>
+          <p:cNvSpPr>
+            <a:spLocks noGrp="1"/>
+          </p:cNvSpPr>
+          <p:nvPr>
+            <p:ph type="body"/>
+          </p:nvPr>
+        </p:nvSpPr>
+        <p:spPr>
+          <a:xfrm>
+            <a:off x="504000" y="1768680"/>
+            <a:ext cx="4426920" cy="2090880"/>
+          </a:xfrm>
+          <a:prstGeom prst="rect">
+            <a:avLst/>
+          </a:prstGeom>
+        </p:spPr>
+        <p:txBody>
+          <a:bodyPr lIns="0" rIns="0" tIns="0" bIns="0"/>
+          <a:p>
+            <a:endParaRPr lang="en-US" sz="3200" spc="-1" strike="noStrike">
+              <a:solidFill>
+                <a:srgbClr val="000000"/>
+              </a:solidFill>
+              <a:uFill>
+                <a:solidFill>
+                  <a:srgbClr val="ffffff"/>
+                </a:solidFill>
+              </a:uFill>
+              <a:latin typeface="Arial"/>
+            </a:endParaRPr>
+          </a:p>
+        </p:txBody>
+      </p:sp>
+      <p:sp>
+        <p:nvSpPr>
+          <p:cNvPr id="49" name="PlaceHolder 3"/>
+          <p:cNvSpPr>
+            <a:spLocks noGrp="1"/>
+          </p:cNvSpPr>
+          <p:nvPr>
+            <p:ph type="body"/>
+          </p:nvPr>
+        </p:nvSpPr>
+        <p:spPr>
+          <a:xfrm>
+            <a:off x="504000" y="4058640"/>
+            <a:ext cx="4426920" cy="2090880"/>
+          </a:xfrm>
+          <a:prstGeom prst="rect">
+            <a:avLst/>
+          </a:prstGeom>
+        </p:spPr>
+        <p:txBody>
+          <a:bodyPr lIns="0" rIns="0" tIns="0" bIns="0"/>
+          <a:p>
+            <a:endParaRPr lang="en-US" sz="3200" spc="-1" strike="noStrike">
+              <a:solidFill>
+                <a:srgbClr val="000000"/>
+              </a:solidFill>
+              <a:uFill>
+                <a:solidFill>
+                  <a:srgbClr val="ffffff"/>
+                </a:solidFill>
+              </a:uFill>
+              <a:latin typeface="Arial"/>
+            </a:endParaRPr>
+          </a:p>
+        </p:txBody>
+      </p:sp>
+      <p:sp>
+        <p:nvSpPr>
+          <p:cNvPr id="50" name="PlaceHolder 4"/>
+          <p:cNvSpPr>
+            <a:spLocks noGrp="1"/>
+          </p:cNvSpPr>
+          <p:nvPr>
+            <p:ph type="body"/>
+          </p:nvPr>
+        </p:nvSpPr>
+        <p:spPr>
+          <a:xfrm>
+            <a:off x="5152680" y="1768680"/>
+            <a:ext cx="4426920" cy="4384080"/>
+          </a:xfrm>
+          <a:prstGeom prst="rect">
+            <a:avLst/>
+          </a:prstGeom>
+        </p:spPr>
+        <p:txBody>
+          <a:bodyPr lIns="0" rIns="0" tIns="0" bIns="0"/>
+          <a:p>
+            <a:endParaRPr lang="en-US" sz="3200" spc="-1" strike="noStrike">
+              <a:solidFill>
+                <a:srgbClr val="000000"/>
+              </a:solidFill>
+              <a:uFill>
+                <a:solidFill>
+                  <a:srgbClr val="ffffff"/>
+                </a:solidFill>
+              </a:uFill>
+              <a:latin typeface="Arial"/>
+            </a:endParaRPr>
+          </a:p>
+        </p:txBody>
+      </p:sp>
     </p:spTree>
   </p:cSld>
 </p:sldLayout>
@@ -574,7 +1206,7 @@
       </p:grpSpPr>
       <p:sp>
         <p:nvSpPr>
-          <p:cNvPr id="5" name="PlaceHolder 1"/>
+          <p:cNvPr id="2" name="PlaceHolder 1"/>
           <p:cNvSpPr>
             <a:spLocks noGrp="1"/>
           </p:cNvSpPr>
@@ -585,7 +1217,7 @@
         <p:spPr>
           <a:xfrm>
             <a:off x="504000" y="301320"/>
-            <a:ext cx="9071640" cy="1262160"/>
+            <a:ext cx="9072000" cy="1261800"/>
           </a:xfrm>
           <a:prstGeom prst="rect">
             <a:avLst/>
@@ -611,7 +1243,7 @@
       </p:sp>
       <p:sp>
         <p:nvSpPr>
-          <p:cNvPr id="6" name="PlaceHolder 2"/>
+          <p:cNvPr id="3" name="PlaceHolder 2"/>
           <p:cNvSpPr>
             <a:spLocks noGrp="1"/>
           </p:cNvSpPr>
@@ -621,8 +1253,8 @@
         </p:nvSpPr>
         <p:spPr>
           <a:xfrm>
-            <a:off x="504000" y="1769040"/>
-            <a:ext cx="9071640" cy="4384440"/>
+            <a:off x="504000" y="1768680"/>
+            <a:ext cx="9072000" cy="4384080"/>
           </a:xfrm>
           <a:prstGeom prst="rect">
             <a:avLst/>
@@ -646,6 +1278,851 @@
           </a:p>
         </p:txBody>
       </p:sp>
+    </p:spTree>
+  </p:cSld>
+</p:sldLayout>
+</file>
+
+<file path=ppt/slideLayouts/slideLayout20.xml><?xml version="1.0" encoding="utf-8"?>
+<p:sldLayout xmlns:a="http://schemas.openxmlformats.org/drawingml/2006/main" xmlns:p="http://schemas.openxmlformats.org/presentationml/2006/main" xmlns:r="http://schemas.openxmlformats.org/officeDocument/2006/relationships" type="objAndTwoObj" preserve="1">
+  <p:cSld name="Title Content and 2 Content">
+    <p:spTree>
+      <p:nvGrpSpPr>
+        <p:cNvPr id="1" name=""/>
+        <p:cNvGrpSpPr/>
+        <p:nvPr/>
+      </p:nvGrpSpPr>
+      <p:grpSpPr>
+        <a:xfrm>
+          <a:off x="0" y="0"/>
+          <a:ext cx="0" cy="0"/>
+          <a:chOff x="0" y="0"/>
+          <a:chExt cx="0" cy="0"/>
+        </a:xfrm>
+      </p:grpSpPr>
+      <p:sp>
+        <p:nvSpPr>
+          <p:cNvPr id="51" name="PlaceHolder 1"/>
+          <p:cNvSpPr>
+            <a:spLocks noGrp="1"/>
+          </p:cNvSpPr>
+          <p:nvPr>
+            <p:ph type="title"/>
+          </p:nvPr>
+        </p:nvSpPr>
+        <p:spPr>
+          <a:xfrm>
+            <a:off x="504000" y="301320"/>
+            <a:ext cx="9072000" cy="1261800"/>
+          </a:xfrm>
+          <a:prstGeom prst="rect">
+            <a:avLst/>
+          </a:prstGeom>
+        </p:spPr>
+        <p:txBody>
+          <a:bodyPr lIns="0" rIns="0" tIns="0" bIns="0" anchor="ctr"/>
+          <a:p>
+            <a:pPr algn="ctr"/>
+            <a:endParaRPr lang="en-US" sz="4400" spc="-1" strike="noStrike">
+              <a:solidFill>
+                <a:srgbClr val="000000"/>
+              </a:solidFill>
+              <a:uFill>
+                <a:solidFill>
+                  <a:srgbClr val="ffffff"/>
+                </a:solidFill>
+              </a:uFill>
+              <a:latin typeface="Arial"/>
+            </a:endParaRPr>
+          </a:p>
+        </p:txBody>
+      </p:sp>
+      <p:sp>
+        <p:nvSpPr>
+          <p:cNvPr id="52" name="PlaceHolder 2"/>
+          <p:cNvSpPr>
+            <a:spLocks noGrp="1"/>
+          </p:cNvSpPr>
+          <p:nvPr>
+            <p:ph type="body"/>
+          </p:nvPr>
+        </p:nvSpPr>
+        <p:spPr>
+          <a:xfrm>
+            <a:off x="504000" y="1768680"/>
+            <a:ext cx="4426920" cy="4384080"/>
+          </a:xfrm>
+          <a:prstGeom prst="rect">
+            <a:avLst/>
+          </a:prstGeom>
+        </p:spPr>
+        <p:txBody>
+          <a:bodyPr lIns="0" rIns="0" tIns="0" bIns="0"/>
+          <a:p>
+            <a:endParaRPr lang="en-US" sz="3200" spc="-1" strike="noStrike">
+              <a:solidFill>
+                <a:srgbClr val="000000"/>
+              </a:solidFill>
+              <a:uFill>
+                <a:solidFill>
+                  <a:srgbClr val="ffffff"/>
+                </a:solidFill>
+              </a:uFill>
+              <a:latin typeface="Arial"/>
+            </a:endParaRPr>
+          </a:p>
+        </p:txBody>
+      </p:sp>
+      <p:sp>
+        <p:nvSpPr>
+          <p:cNvPr id="53" name="PlaceHolder 3"/>
+          <p:cNvSpPr>
+            <a:spLocks noGrp="1"/>
+          </p:cNvSpPr>
+          <p:nvPr>
+            <p:ph type="body"/>
+          </p:nvPr>
+        </p:nvSpPr>
+        <p:spPr>
+          <a:xfrm>
+            <a:off x="5152680" y="1768680"/>
+            <a:ext cx="4426920" cy="2090880"/>
+          </a:xfrm>
+          <a:prstGeom prst="rect">
+            <a:avLst/>
+          </a:prstGeom>
+        </p:spPr>
+        <p:txBody>
+          <a:bodyPr lIns="0" rIns="0" tIns="0" bIns="0"/>
+          <a:p>
+            <a:endParaRPr lang="en-US" sz="3200" spc="-1" strike="noStrike">
+              <a:solidFill>
+                <a:srgbClr val="000000"/>
+              </a:solidFill>
+              <a:uFill>
+                <a:solidFill>
+                  <a:srgbClr val="ffffff"/>
+                </a:solidFill>
+              </a:uFill>
+              <a:latin typeface="Arial"/>
+            </a:endParaRPr>
+          </a:p>
+        </p:txBody>
+      </p:sp>
+      <p:sp>
+        <p:nvSpPr>
+          <p:cNvPr id="54" name="PlaceHolder 4"/>
+          <p:cNvSpPr>
+            <a:spLocks noGrp="1"/>
+          </p:cNvSpPr>
+          <p:nvPr>
+            <p:ph type="body"/>
+          </p:nvPr>
+        </p:nvSpPr>
+        <p:spPr>
+          <a:xfrm>
+            <a:off x="5152680" y="4058640"/>
+            <a:ext cx="4426920" cy="2090880"/>
+          </a:xfrm>
+          <a:prstGeom prst="rect">
+            <a:avLst/>
+          </a:prstGeom>
+        </p:spPr>
+        <p:txBody>
+          <a:bodyPr lIns="0" rIns="0" tIns="0" bIns="0"/>
+          <a:p>
+            <a:endParaRPr lang="en-US" sz="3200" spc="-1" strike="noStrike">
+              <a:solidFill>
+                <a:srgbClr val="000000"/>
+              </a:solidFill>
+              <a:uFill>
+                <a:solidFill>
+                  <a:srgbClr val="ffffff"/>
+                </a:solidFill>
+              </a:uFill>
+              <a:latin typeface="Arial"/>
+            </a:endParaRPr>
+          </a:p>
+        </p:txBody>
+      </p:sp>
+    </p:spTree>
+  </p:cSld>
+</p:sldLayout>
+</file>
+
+<file path=ppt/slideLayouts/slideLayout21.xml><?xml version="1.0" encoding="utf-8"?>
+<p:sldLayout xmlns:a="http://schemas.openxmlformats.org/drawingml/2006/main" xmlns:p="http://schemas.openxmlformats.org/presentationml/2006/main" xmlns:r="http://schemas.openxmlformats.org/officeDocument/2006/relationships" type="twoObjOverTx" preserve="1">
+  <p:cSld name="Title, 2 Content over Content">
+    <p:spTree>
+      <p:nvGrpSpPr>
+        <p:cNvPr id="1" name=""/>
+        <p:cNvGrpSpPr/>
+        <p:nvPr/>
+      </p:nvGrpSpPr>
+      <p:grpSpPr>
+        <a:xfrm>
+          <a:off x="0" y="0"/>
+          <a:ext cx="0" cy="0"/>
+          <a:chOff x="0" y="0"/>
+          <a:chExt cx="0" cy="0"/>
+        </a:xfrm>
+      </p:grpSpPr>
+      <p:sp>
+        <p:nvSpPr>
+          <p:cNvPr id="55" name="PlaceHolder 1"/>
+          <p:cNvSpPr>
+            <a:spLocks noGrp="1"/>
+          </p:cNvSpPr>
+          <p:nvPr>
+            <p:ph type="title"/>
+          </p:nvPr>
+        </p:nvSpPr>
+        <p:spPr>
+          <a:xfrm>
+            <a:off x="504000" y="301320"/>
+            <a:ext cx="9072000" cy="1261800"/>
+          </a:xfrm>
+          <a:prstGeom prst="rect">
+            <a:avLst/>
+          </a:prstGeom>
+        </p:spPr>
+        <p:txBody>
+          <a:bodyPr lIns="0" rIns="0" tIns="0" bIns="0" anchor="ctr"/>
+          <a:p>
+            <a:pPr algn="ctr"/>
+            <a:endParaRPr lang="en-US" sz="4400" spc="-1" strike="noStrike">
+              <a:solidFill>
+                <a:srgbClr val="000000"/>
+              </a:solidFill>
+              <a:uFill>
+                <a:solidFill>
+                  <a:srgbClr val="ffffff"/>
+                </a:solidFill>
+              </a:uFill>
+              <a:latin typeface="Arial"/>
+            </a:endParaRPr>
+          </a:p>
+        </p:txBody>
+      </p:sp>
+      <p:sp>
+        <p:nvSpPr>
+          <p:cNvPr id="56" name="PlaceHolder 2"/>
+          <p:cNvSpPr>
+            <a:spLocks noGrp="1"/>
+          </p:cNvSpPr>
+          <p:nvPr>
+            <p:ph type="body"/>
+          </p:nvPr>
+        </p:nvSpPr>
+        <p:spPr>
+          <a:xfrm>
+            <a:off x="504000" y="1768680"/>
+            <a:ext cx="4426920" cy="2090880"/>
+          </a:xfrm>
+          <a:prstGeom prst="rect">
+            <a:avLst/>
+          </a:prstGeom>
+        </p:spPr>
+        <p:txBody>
+          <a:bodyPr lIns="0" rIns="0" tIns="0" bIns="0"/>
+          <a:p>
+            <a:endParaRPr lang="en-US" sz="3200" spc="-1" strike="noStrike">
+              <a:solidFill>
+                <a:srgbClr val="000000"/>
+              </a:solidFill>
+              <a:uFill>
+                <a:solidFill>
+                  <a:srgbClr val="ffffff"/>
+                </a:solidFill>
+              </a:uFill>
+              <a:latin typeface="Arial"/>
+            </a:endParaRPr>
+          </a:p>
+        </p:txBody>
+      </p:sp>
+      <p:sp>
+        <p:nvSpPr>
+          <p:cNvPr id="57" name="PlaceHolder 3"/>
+          <p:cNvSpPr>
+            <a:spLocks noGrp="1"/>
+          </p:cNvSpPr>
+          <p:nvPr>
+            <p:ph type="body"/>
+          </p:nvPr>
+        </p:nvSpPr>
+        <p:spPr>
+          <a:xfrm>
+            <a:off x="5152680" y="1768680"/>
+            <a:ext cx="4426920" cy="2090880"/>
+          </a:xfrm>
+          <a:prstGeom prst="rect">
+            <a:avLst/>
+          </a:prstGeom>
+        </p:spPr>
+        <p:txBody>
+          <a:bodyPr lIns="0" rIns="0" tIns="0" bIns="0"/>
+          <a:p>
+            <a:endParaRPr lang="en-US" sz="3200" spc="-1" strike="noStrike">
+              <a:solidFill>
+                <a:srgbClr val="000000"/>
+              </a:solidFill>
+              <a:uFill>
+                <a:solidFill>
+                  <a:srgbClr val="ffffff"/>
+                </a:solidFill>
+              </a:uFill>
+              <a:latin typeface="Arial"/>
+            </a:endParaRPr>
+          </a:p>
+        </p:txBody>
+      </p:sp>
+      <p:sp>
+        <p:nvSpPr>
+          <p:cNvPr id="58" name="PlaceHolder 4"/>
+          <p:cNvSpPr>
+            <a:spLocks noGrp="1"/>
+          </p:cNvSpPr>
+          <p:nvPr>
+            <p:ph type="body"/>
+          </p:nvPr>
+        </p:nvSpPr>
+        <p:spPr>
+          <a:xfrm>
+            <a:off x="504000" y="4058640"/>
+            <a:ext cx="9072000" cy="2090880"/>
+          </a:xfrm>
+          <a:prstGeom prst="rect">
+            <a:avLst/>
+          </a:prstGeom>
+        </p:spPr>
+        <p:txBody>
+          <a:bodyPr lIns="0" rIns="0" tIns="0" bIns="0"/>
+          <a:p>
+            <a:endParaRPr lang="en-US" sz="3200" spc="-1" strike="noStrike">
+              <a:solidFill>
+                <a:srgbClr val="000000"/>
+              </a:solidFill>
+              <a:uFill>
+                <a:solidFill>
+                  <a:srgbClr val="ffffff"/>
+                </a:solidFill>
+              </a:uFill>
+              <a:latin typeface="Arial"/>
+            </a:endParaRPr>
+          </a:p>
+        </p:txBody>
+      </p:sp>
+    </p:spTree>
+  </p:cSld>
+</p:sldLayout>
+</file>
+
+<file path=ppt/slideLayouts/slideLayout22.xml><?xml version="1.0" encoding="utf-8"?>
+<p:sldLayout xmlns:a="http://schemas.openxmlformats.org/drawingml/2006/main" xmlns:p="http://schemas.openxmlformats.org/presentationml/2006/main" xmlns:r="http://schemas.openxmlformats.org/officeDocument/2006/relationships" type="objOverTx" preserve="1">
+  <p:cSld name="Title, Content over Content">
+    <p:spTree>
+      <p:nvGrpSpPr>
+        <p:cNvPr id="1" name=""/>
+        <p:cNvGrpSpPr/>
+        <p:nvPr/>
+      </p:nvGrpSpPr>
+      <p:grpSpPr>
+        <a:xfrm>
+          <a:off x="0" y="0"/>
+          <a:ext cx="0" cy="0"/>
+          <a:chOff x="0" y="0"/>
+          <a:chExt cx="0" cy="0"/>
+        </a:xfrm>
+      </p:grpSpPr>
+      <p:sp>
+        <p:nvSpPr>
+          <p:cNvPr id="59" name="PlaceHolder 1"/>
+          <p:cNvSpPr>
+            <a:spLocks noGrp="1"/>
+          </p:cNvSpPr>
+          <p:nvPr>
+            <p:ph type="title"/>
+          </p:nvPr>
+        </p:nvSpPr>
+        <p:spPr>
+          <a:xfrm>
+            <a:off x="504000" y="301320"/>
+            <a:ext cx="9072000" cy="1261800"/>
+          </a:xfrm>
+          <a:prstGeom prst="rect">
+            <a:avLst/>
+          </a:prstGeom>
+        </p:spPr>
+        <p:txBody>
+          <a:bodyPr lIns="0" rIns="0" tIns="0" bIns="0" anchor="ctr"/>
+          <a:p>
+            <a:pPr algn="ctr"/>
+            <a:endParaRPr lang="en-US" sz="4400" spc="-1" strike="noStrike">
+              <a:solidFill>
+                <a:srgbClr val="000000"/>
+              </a:solidFill>
+              <a:uFill>
+                <a:solidFill>
+                  <a:srgbClr val="ffffff"/>
+                </a:solidFill>
+              </a:uFill>
+              <a:latin typeface="Arial"/>
+            </a:endParaRPr>
+          </a:p>
+        </p:txBody>
+      </p:sp>
+      <p:sp>
+        <p:nvSpPr>
+          <p:cNvPr id="60" name="PlaceHolder 2"/>
+          <p:cNvSpPr>
+            <a:spLocks noGrp="1"/>
+          </p:cNvSpPr>
+          <p:nvPr>
+            <p:ph type="body"/>
+          </p:nvPr>
+        </p:nvSpPr>
+        <p:spPr>
+          <a:xfrm>
+            <a:off x="504000" y="1768680"/>
+            <a:ext cx="9072000" cy="2090880"/>
+          </a:xfrm>
+          <a:prstGeom prst="rect">
+            <a:avLst/>
+          </a:prstGeom>
+        </p:spPr>
+        <p:txBody>
+          <a:bodyPr lIns="0" rIns="0" tIns="0" bIns="0"/>
+          <a:p>
+            <a:endParaRPr lang="en-US" sz="3200" spc="-1" strike="noStrike">
+              <a:solidFill>
+                <a:srgbClr val="000000"/>
+              </a:solidFill>
+              <a:uFill>
+                <a:solidFill>
+                  <a:srgbClr val="ffffff"/>
+                </a:solidFill>
+              </a:uFill>
+              <a:latin typeface="Arial"/>
+            </a:endParaRPr>
+          </a:p>
+        </p:txBody>
+      </p:sp>
+      <p:sp>
+        <p:nvSpPr>
+          <p:cNvPr id="61" name="PlaceHolder 3"/>
+          <p:cNvSpPr>
+            <a:spLocks noGrp="1"/>
+          </p:cNvSpPr>
+          <p:nvPr>
+            <p:ph type="body"/>
+          </p:nvPr>
+        </p:nvSpPr>
+        <p:spPr>
+          <a:xfrm>
+            <a:off x="504000" y="4058640"/>
+            <a:ext cx="9072000" cy="2090880"/>
+          </a:xfrm>
+          <a:prstGeom prst="rect">
+            <a:avLst/>
+          </a:prstGeom>
+        </p:spPr>
+        <p:txBody>
+          <a:bodyPr lIns="0" rIns="0" tIns="0" bIns="0"/>
+          <a:p>
+            <a:endParaRPr lang="en-US" sz="3200" spc="-1" strike="noStrike">
+              <a:solidFill>
+                <a:srgbClr val="000000"/>
+              </a:solidFill>
+              <a:uFill>
+                <a:solidFill>
+                  <a:srgbClr val="ffffff"/>
+                </a:solidFill>
+              </a:uFill>
+              <a:latin typeface="Arial"/>
+            </a:endParaRPr>
+          </a:p>
+        </p:txBody>
+      </p:sp>
+    </p:spTree>
+  </p:cSld>
+</p:sldLayout>
+</file>
+
+<file path=ppt/slideLayouts/slideLayout23.xml><?xml version="1.0" encoding="utf-8"?>
+<p:sldLayout xmlns:a="http://schemas.openxmlformats.org/drawingml/2006/main" xmlns:p="http://schemas.openxmlformats.org/presentationml/2006/main" xmlns:r="http://schemas.openxmlformats.org/officeDocument/2006/relationships" type="fourObj" preserve="1">
+  <p:cSld name="Title, 4 Content">
+    <p:spTree>
+      <p:nvGrpSpPr>
+        <p:cNvPr id="1" name=""/>
+        <p:cNvGrpSpPr/>
+        <p:nvPr/>
+      </p:nvGrpSpPr>
+      <p:grpSpPr>
+        <a:xfrm>
+          <a:off x="0" y="0"/>
+          <a:ext cx="0" cy="0"/>
+          <a:chOff x="0" y="0"/>
+          <a:chExt cx="0" cy="0"/>
+        </a:xfrm>
+      </p:grpSpPr>
+      <p:sp>
+        <p:nvSpPr>
+          <p:cNvPr id="62" name="PlaceHolder 1"/>
+          <p:cNvSpPr>
+            <a:spLocks noGrp="1"/>
+          </p:cNvSpPr>
+          <p:nvPr>
+            <p:ph type="title"/>
+          </p:nvPr>
+        </p:nvSpPr>
+        <p:spPr>
+          <a:xfrm>
+            <a:off x="504000" y="301320"/>
+            <a:ext cx="9072000" cy="1261800"/>
+          </a:xfrm>
+          <a:prstGeom prst="rect">
+            <a:avLst/>
+          </a:prstGeom>
+        </p:spPr>
+        <p:txBody>
+          <a:bodyPr lIns="0" rIns="0" tIns="0" bIns="0" anchor="ctr"/>
+          <a:p>
+            <a:pPr algn="ctr"/>
+            <a:endParaRPr lang="en-US" sz="4400" spc="-1" strike="noStrike">
+              <a:solidFill>
+                <a:srgbClr val="000000"/>
+              </a:solidFill>
+              <a:uFill>
+                <a:solidFill>
+                  <a:srgbClr val="ffffff"/>
+                </a:solidFill>
+              </a:uFill>
+              <a:latin typeface="Arial"/>
+            </a:endParaRPr>
+          </a:p>
+        </p:txBody>
+      </p:sp>
+      <p:sp>
+        <p:nvSpPr>
+          <p:cNvPr id="63" name="PlaceHolder 2"/>
+          <p:cNvSpPr>
+            <a:spLocks noGrp="1"/>
+          </p:cNvSpPr>
+          <p:nvPr>
+            <p:ph type="body"/>
+          </p:nvPr>
+        </p:nvSpPr>
+        <p:spPr>
+          <a:xfrm>
+            <a:off x="504000" y="1768680"/>
+            <a:ext cx="4426920" cy="2090880"/>
+          </a:xfrm>
+          <a:prstGeom prst="rect">
+            <a:avLst/>
+          </a:prstGeom>
+        </p:spPr>
+        <p:txBody>
+          <a:bodyPr lIns="0" rIns="0" tIns="0" bIns="0"/>
+          <a:p>
+            <a:endParaRPr lang="en-US" sz="3200" spc="-1" strike="noStrike">
+              <a:solidFill>
+                <a:srgbClr val="000000"/>
+              </a:solidFill>
+              <a:uFill>
+                <a:solidFill>
+                  <a:srgbClr val="ffffff"/>
+                </a:solidFill>
+              </a:uFill>
+              <a:latin typeface="Arial"/>
+            </a:endParaRPr>
+          </a:p>
+        </p:txBody>
+      </p:sp>
+      <p:sp>
+        <p:nvSpPr>
+          <p:cNvPr id="64" name="PlaceHolder 3"/>
+          <p:cNvSpPr>
+            <a:spLocks noGrp="1"/>
+          </p:cNvSpPr>
+          <p:nvPr>
+            <p:ph type="body"/>
+          </p:nvPr>
+        </p:nvSpPr>
+        <p:spPr>
+          <a:xfrm>
+            <a:off x="5152680" y="1768680"/>
+            <a:ext cx="4426920" cy="2090880"/>
+          </a:xfrm>
+          <a:prstGeom prst="rect">
+            <a:avLst/>
+          </a:prstGeom>
+        </p:spPr>
+        <p:txBody>
+          <a:bodyPr lIns="0" rIns="0" tIns="0" bIns="0"/>
+          <a:p>
+            <a:endParaRPr lang="en-US" sz="3200" spc="-1" strike="noStrike">
+              <a:solidFill>
+                <a:srgbClr val="000000"/>
+              </a:solidFill>
+              <a:uFill>
+                <a:solidFill>
+                  <a:srgbClr val="ffffff"/>
+                </a:solidFill>
+              </a:uFill>
+              <a:latin typeface="Arial"/>
+            </a:endParaRPr>
+          </a:p>
+        </p:txBody>
+      </p:sp>
+      <p:sp>
+        <p:nvSpPr>
+          <p:cNvPr id="65" name="PlaceHolder 4"/>
+          <p:cNvSpPr>
+            <a:spLocks noGrp="1"/>
+          </p:cNvSpPr>
+          <p:nvPr>
+            <p:ph type="body"/>
+          </p:nvPr>
+        </p:nvSpPr>
+        <p:spPr>
+          <a:xfrm>
+            <a:off x="5152680" y="4058640"/>
+            <a:ext cx="4426920" cy="2090880"/>
+          </a:xfrm>
+          <a:prstGeom prst="rect">
+            <a:avLst/>
+          </a:prstGeom>
+        </p:spPr>
+        <p:txBody>
+          <a:bodyPr lIns="0" rIns="0" tIns="0" bIns="0"/>
+          <a:p>
+            <a:endParaRPr lang="en-US" sz="3200" spc="-1" strike="noStrike">
+              <a:solidFill>
+                <a:srgbClr val="000000"/>
+              </a:solidFill>
+              <a:uFill>
+                <a:solidFill>
+                  <a:srgbClr val="ffffff"/>
+                </a:solidFill>
+              </a:uFill>
+              <a:latin typeface="Arial"/>
+            </a:endParaRPr>
+          </a:p>
+        </p:txBody>
+      </p:sp>
+      <p:sp>
+        <p:nvSpPr>
+          <p:cNvPr id="66" name="PlaceHolder 5"/>
+          <p:cNvSpPr>
+            <a:spLocks noGrp="1"/>
+          </p:cNvSpPr>
+          <p:nvPr>
+            <p:ph type="body"/>
+          </p:nvPr>
+        </p:nvSpPr>
+        <p:spPr>
+          <a:xfrm>
+            <a:off x="504000" y="4058640"/>
+            <a:ext cx="4426920" cy="2090880"/>
+          </a:xfrm>
+          <a:prstGeom prst="rect">
+            <a:avLst/>
+          </a:prstGeom>
+        </p:spPr>
+        <p:txBody>
+          <a:bodyPr lIns="0" rIns="0" tIns="0" bIns="0"/>
+          <a:p>
+            <a:endParaRPr lang="en-US" sz="3200" spc="-1" strike="noStrike">
+              <a:solidFill>
+                <a:srgbClr val="000000"/>
+              </a:solidFill>
+              <a:uFill>
+                <a:solidFill>
+                  <a:srgbClr val="ffffff"/>
+                </a:solidFill>
+              </a:uFill>
+              <a:latin typeface="Arial"/>
+            </a:endParaRPr>
+          </a:p>
+        </p:txBody>
+      </p:sp>
+    </p:spTree>
+  </p:cSld>
+</p:sldLayout>
+</file>
+
+<file path=ppt/slideLayouts/slideLayout24.xml><?xml version="1.0" encoding="utf-8"?>
+<p:sldLayout xmlns:a="http://schemas.openxmlformats.org/drawingml/2006/main" xmlns:p="http://schemas.openxmlformats.org/presentationml/2006/main" xmlns:r="http://schemas.openxmlformats.org/officeDocument/2006/relationships" type="blank" preserve="1">
+  <p:cSld name="Title, 6 Content">
+    <p:spTree>
+      <p:nvGrpSpPr>
+        <p:cNvPr id="1" name=""/>
+        <p:cNvGrpSpPr/>
+        <p:nvPr/>
+      </p:nvGrpSpPr>
+      <p:grpSpPr>
+        <a:xfrm>
+          <a:off x="0" y="0"/>
+          <a:ext cx="0" cy="0"/>
+          <a:chOff x="0" y="0"/>
+          <a:chExt cx="0" cy="0"/>
+        </a:xfrm>
+      </p:grpSpPr>
+      <p:sp>
+        <p:nvSpPr>
+          <p:cNvPr id="67" name="PlaceHolder 1"/>
+          <p:cNvSpPr>
+            <a:spLocks noGrp="1"/>
+          </p:cNvSpPr>
+          <p:nvPr>
+            <p:ph type="title"/>
+          </p:nvPr>
+        </p:nvSpPr>
+        <p:spPr>
+          <a:xfrm>
+            <a:off x="504000" y="301320"/>
+            <a:ext cx="9072000" cy="1261800"/>
+          </a:xfrm>
+          <a:prstGeom prst="rect">
+            <a:avLst/>
+          </a:prstGeom>
+        </p:spPr>
+        <p:txBody>
+          <a:bodyPr lIns="0" rIns="0" tIns="0" bIns="0" anchor="ctr"/>
+          <a:p>
+            <a:pPr algn="ctr"/>
+            <a:endParaRPr lang="en-US" sz="4400" spc="-1" strike="noStrike">
+              <a:solidFill>
+                <a:srgbClr val="000000"/>
+              </a:solidFill>
+              <a:uFill>
+                <a:solidFill>
+                  <a:srgbClr val="ffffff"/>
+                </a:solidFill>
+              </a:uFill>
+              <a:latin typeface="Arial"/>
+            </a:endParaRPr>
+          </a:p>
+        </p:txBody>
+      </p:sp>
+      <p:sp>
+        <p:nvSpPr>
+          <p:cNvPr id="68" name="PlaceHolder 2"/>
+          <p:cNvSpPr>
+            <a:spLocks noGrp="1"/>
+          </p:cNvSpPr>
+          <p:nvPr>
+            <p:ph type="body"/>
+          </p:nvPr>
+        </p:nvSpPr>
+        <p:spPr>
+          <a:xfrm>
+            <a:off x="504000" y="1768680"/>
+            <a:ext cx="9072000" cy="4384080"/>
+          </a:xfrm>
+          <a:prstGeom prst="rect">
+            <a:avLst/>
+          </a:prstGeom>
+        </p:spPr>
+        <p:txBody>
+          <a:bodyPr lIns="0" rIns="0" tIns="0" bIns="0"/>
+          <a:p>
+            <a:endParaRPr lang="en-US" sz="3200" spc="-1" strike="noStrike">
+              <a:solidFill>
+                <a:srgbClr val="000000"/>
+              </a:solidFill>
+              <a:uFill>
+                <a:solidFill>
+                  <a:srgbClr val="ffffff"/>
+                </a:solidFill>
+              </a:uFill>
+              <a:latin typeface="Arial"/>
+            </a:endParaRPr>
+          </a:p>
+        </p:txBody>
+      </p:sp>
+      <p:sp>
+        <p:nvSpPr>
+          <p:cNvPr id="69" name="PlaceHolder 3"/>
+          <p:cNvSpPr>
+            <a:spLocks noGrp="1"/>
+          </p:cNvSpPr>
+          <p:nvPr>
+            <p:ph type="body"/>
+          </p:nvPr>
+        </p:nvSpPr>
+        <p:spPr>
+          <a:xfrm>
+            <a:off x="504000" y="1768680"/>
+            <a:ext cx="9072000" cy="4384080"/>
+          </a:xfrm>
+          <a:prstGeom prst="rect">
+            <a:avLst/>
+          </a:prstGeom>
+        </p:spPr>
+        <p:txBody>
+          <a:bodyPr lIns="0" rIns="0" tIns="0" bIns="0"/>
+          <a:p>
+            <a:endParaRPr lang="en-US" sz="3200" spc="-1" strike="noStrike">
+              <a:solidFill>
+                <a:srgbClr val="000000"/>
+              </a:solidFill>
+              <a:uFill>
+                <a:solidFill>
+                  <a:srgbClr val="ffffff"/>
+                </a:solidFill>
+              </a:uFill>
+              <a:latin typeface="Arial"/>
+            </a:endParaRPr>
+          </a:p>
+        </p:txBody>
+      </p:sp>
+      <p:pic>
+        <p:nvPicPr>
+          <p:cNvPr id="70" name="" descr=""/>
+          <p:cNvPicPr/>
+          <p:nvPr/>
+        </p:nvPicPr>
+        <p:blipFill>
+          <a:blip r:embed="rId2"/>
+          <a:stretch/>
+        </p:blipFill>
+        <p:spPr>
+          <a:xfrm>
+            <a:off x="2292480" y="1768680"/>
+            <a:ext cx="5494680" cy="4384080"/>
+          </a:xfrm>
+          <a:prstGeom prst="rect">
+            <a:avLst/>
+          </a:prstGeom>
+          <a:ln>
+            <a:noFill/>
+          </a:ln>
+        </p:spPr>
+      </p:pic>
+      <p:pic>
+        <p:nvPicPr>
+          <p:cNvPr id="71" name="" descr=""/>
+          <p:cNvPicPr/>
+          <p:nvPr/>
+        </p:nvPicPr>
+        <p:blipFill>
+          <a:blip r:embed="rId3"/>
+          <a:stretch/>
+        </p:blipFill>
+        <p:spPr>
+          <a:xfrm>
+            <a:off x="2292480" y="1768680"/>
+            <a:ext cx="5494680" cy="4384080"/>
+          </a:xfrm>
+          <a:prstGeom prst="rect">
+            <a:avLst/>
+          </a:prstGeom>
+          <a:ln>
+            <a:noFill/>
+          </a:ln>
+        </p:spPr>
+      </p:pic>
     </p:spTree>
   </p:cSld>
 </p:sldLayout>
@@ -670,7 +2147,7 @@
       </p:grpSpPr>
       <p:sp>
         <p:nvSpPr>
-          <p:cNvPr id="7" name="PlaceHolder 1"/>
+          <p:cNvPr id="4" name="PlaceHolder 1"/>
           <p:cNvSpPr>
             <a:spLocks noGrp="1"/>
           </p:cNvSpPr>
@@ -681,7 +2158,7 @@
         <p:spPr>
           <a:xfrm>
             <a:off x="504000" y="301320"/>
-            <a:ext cx="9071640" cy="1262160"/>
+            <a:ext cx="9072000" cy="1261800"/>
           </a:xfrm>
           <a:prstGeom prst="rect">
             <a:avLst/>
@@ -707,7 +2184,7 @@
       </p:sp>
       <p:sp>
         <p:nvSpPr>
-          <p:cNvPr id="8" name="PlaceHolder 2"/>
+          <p:cNvPr id="5" name="PlaceHolder 2"/>
           <p:cNvSpPr>
             <a:spLocks noGrp="1"/>
           </p:cNvSpPr>
@@ -717,8 +2194,8 @@
         </p:nvSpPr>
         <p:spPr>
           <a:xfrm>
-            <a:off x="504000" y="1769040"/>
-            <a:ext cx="9071640" cy="4384440"/>
+            <a:off x="504000" y="1768680"/>
+            <a:ext cx="9072000" cy="4384080"/>
           </a:xfrm>
           <a:prstGeom prst="rect">
             <a:avLst/>
@@ -765,7 +2242,7 @@
       </p:grpSpPr>
       <p:sp>
         <p:nvSpPr>
-          <p:cNvPr id="9" name="PlaceHolder 1"/>
+          <p:cNvPr id="6" name="PlaceHolder 1"/>
           <p:cNvSpPr>
             <a:spLocks noGrp="1"/>
           </p:cNvSpPr>
@@ -776,7 +2253,7 @@
         <p:spPr>
           <a:xfrm>
             <a:off x="504000" y="301320"/>
-            <a:ext cx="9071640" cy="1262160"/>
+            <a:ext cx="9072000" cy="1261800"/>
           </a:xfrm>
           <a:prstGeom prst="rect">
             <a:avLst/>
@@ -802,7 +2279,7 @@
       </p:sp>
       <p:sp>
         <p:nvSpPr>
-          <p:cNvPr id="10" name="PlaceHolder 2"/>
+          <p:cNvPr id="7" name="PlaceHolder 2"/>
           <p:cNvSpPr>
             <a:spLocks noGrp="1"/>
           </p:cNvSpPr>
@@ -812,8 +2289,8 @@
         </p:nvSpPr>
         <p:spPr>
           <a:xfrm>
-            <a:off x="504000" y="1769040"/>
-            <a:ext cx="4426920" cy="4384440"/>
+            <a:off x="504000" y="1768680"/>
+            <a:ext cx="4426920" cy="4384080"/>
           </a:xfrm>
           <a:prstGeom prst="rect">
             <a:avLst/>
@@ -838,7 +2315,7 @@
       </p:sp>
       <p:sp>
         <p:nvSpPr>
-          <p:cNvPr id="11" name="PlaceHolder 3"/>
+          <p:cNvPr id="8" name="PlaceHolder 3"/>
           <p:cNvSpPr>
             <a:spLocks noGrp="1"/>
           </p:cNvSpPr>
@@ -848,8 +2325,8 @@
         </p:nvSpPr>
         <p:spPr>
           <a:xfrm>
-            <a:off x="5152680" y="1769040"/>
-            <a:ext cx="4426920" cy="4384440"/>
+            <a:off x="5152680" y="1768680"/>
+            <a:ext cx="4426920" cy="4384080"/>
           </a:xfrm>
           <a:prstGeom prst="rect">
             <a:avLst/>
@@ -896,7 +2373,7 @@
       </p:grpSpPr>
       <p:sp>
         <p:nvSpPr>
-          <p:cNvPr id="12" name="PlaceHolder 1"/>
+          <p:cNvPr id="9" name="PlaceHolder 1"/>
           <p:cNvSpPr>
             <a:spLocks noGrp="1"/>
           </p:cNvSpPr>
@@ -907,7 +2384,7 @@
         <p:spPr>
           <a:xfrm>
             <a:off x="504000" y="301320"/>
-            <a:ext cx="9071640" cy="1262160"/>
+            <a:ext cx="9072000" cy="1261800"/>
           </a:xfrm>
           <a:prstGeom prst="rect">
             <a:avLst/>
@@ -955,7 +2432,7 @@
       </p:grpSpPr>
       <p:sp>
         <p:nvSpPr>
-          <p:cNvPr id="13" name="PlaceHolder 1"/>
+          <p:cNvPr id="10" name="PlaceHolder 1"/>
           <p:cNvSpPr>
             <a:spLocks noGrp="1"/>
           </p:cNvSpPr>
@@ -966,7 +2443,7 @@
         <p:spPr>
           <a:xfrm>
             <a:off x="504000" y="301320"/>
-            <a:ext cx="9071640" cy="5851800"/>
+            <a:ext cx="9072000" cy="5850360"/>
           </a:xfrm>
           <a:prstGeom prst="rect">
             <a:avLst/>
@@ -1014,7 +2491,7 @@
       </p:grpSpPr>
       <p:sp>
         <p:nvSpPr>
-          <p:cNvPr id="14" name="PlaceHolder 1"/>
+          <p:cNvPr id="11" name="PlaceHolder 1"/>
           <p:cNvSpPr>
             <a:spLocks noGrp="1"/>
           </p:cNvSpPr>
@@ -1025,7 +2502,7 @@
         <p:spPr>
           <a:xfrm>
             <a:off x="504000" y="301320"/>
-            <a:ext cx="9071640" cy="1262160"/>
+            <a:ext cx="9072000" cy="1261800"/>
           </a:xfrm>
           <a:prstGeom prst="rect">
             <a:avLst/>
@@ -1051,7 +2528,7 @@
       </p:sp>
       <p:sp>
         <p:nvSpPr>
-          <p:cNvPr id="15" name="PlaceHolder 2"/>
+          <p:cNvPr id="12" name="PlaceHolder 2"/>
           <p:cNvSpPr>
             <a:spLocks noGrp="1"/>
           </p:cNvSpPr>
@@ -1061,8 +2538,8 @@
         </p:nvSpPr>
         <p:spPr>
           <a:xfrm>
-            <a:off x="504000" y="1769040"/>
-            <a:ext cx="4426920" cy="2091240"/>
+            <a:off x="504000" y="1768680"/>
+            <a:ext cx="4426920" cy="2090880"/>
           </a:xfrm>
           <a:prstGeom prst="rect">
             <a:avLst/>
@@ -1087,7 +2564,7 @@
       </p:sp>
       <p:sp>
         <p:nvSpPr>
-          <p:cNvPr id="16" name="PlaceHolder 3"/>
+          <p:cNvPr id="13" name="PlaceHolder 3"/>
           <p:cNvSpPr>
             <a:spLocks noGrp="1"/>
           </p:cNvSpPr>
@@ -1097,8 +2574,8 @@
         </p:nvSpPr>
         <p:spPr>
           <a:xfrm>
-            <a:off x="504000" y="4059360"/>
-            <a:ext cx="4426920" cy="2091240"/>
+            <a:off x="504000" y="4058640"/>
+            <a:ext cx="4426920" cy="2090880"/>
           </a:xfrm>
           <a:prstGeom prst="rect">
             <a:avLst/>
@@ -1123,7 +2600,7 @@
       </p:sp>
       <p:sp>
         <p:nvSpPr>
-          <p:cNvPr id="17" name="PlaceHolder 4"/>
+          <p:cNvPr id="14" name="PlaceHolder 4"/>
           <p:cNvSpPr>
             <a:spLocks noGrp="1"/>
           </p:cNvSpPr>
@@ -1133,8 +2610,8 @@
         </p:nvSpPr>
         <p:spPr>
           <a:xfrm>
-            <a:off x="5152680" y="1769040"/>
-            <a:ext cx="4426920" cy="4384440"/>
+            <a:off x="5152680" y="1768680"/>
+            <a:ext cx="4426920" cy="4384080"/>
           </a:xfrm>
           <a:prstGeom prst="rect">
             <a:avLst/>
@@ -1181,7 +2658,7 @@
       </p:grpSpPr>
       <p:sp>
         <p:nvSpPr>
-          <p:cNvPr id="18" name="PlaceHolder 1"/>
+          <p:cNvPr id="15" name="PlaceHolder 1"/>
           <p:cNvSpPr>
             <a:spLocks noGrp="1"/>
           </p:cNvSpPr>
@@ -1192,7 +2669,7 @@
         <p:spPr>
           <a:xfrm>
             <a:off x="504000" y="301320"/>
-            <a:ext cx="9071640" cy="1262160"/>
+            <a:ext cx="9072000" cy="1261800"/>
           </a:xfrm>
           <a:prstGeom prst="rect">
             <a:avLst/>
@@ -1218,7 +2695,7 @@
       </p:sp>
       <p:sp>
         <p:nvSpPr>
-          <p:cNvPr id="19" name="PlaceHolder 2"/>
+          <p:cNvPr id="16" name="PlaceHolder 2"/>
           <p:cNvSpPr>
             <a:spLocks noGrp="1"/>
           </p:cNvSpPr>
@@ -1228,8 +2705,8 @@
         </p:nvSpPr>
         <p:spPr>
           <a:xfrm>
-            <a:off x="504000" y="1769040"/>
-            <a:ext cx="4426920" cy="4384440"/>
+            <a:off x="504000" y="1768680"/>
+            <a:ext cx="4426920" cy="4384080"/>
           </a:xfrm>
           <a:prstGeom prst="rect">
             <a:avLst/>
@@ -1254,7 +2731,7 @@
       </p:sp>
       <p:sp>
         <p:nvSpPr>
-          <p:cNvPr id="20" name="PlaceHolder 3"/>
+          <p:cNvPr id="17" name="PlaceHolder 3"/>
           <p:cNvSpPr>
             <a:spLocks noGrp="1"/>
           </p:cNvSpPr>
@@ -1264,8 +2741,8 @@
         </p:nvSpPr>
         <p:spPr>
           <a:xfrm>
-            <a:off x="5152680" y="1769040"/>
-            <a:ext cx="4426920" cy="2091240"/>
+            <a:off x="5152680" y="1768680"/>
+            <a:ext cx="4426920" cy="2090880"/>
           </a:xfrm>
           <a:prstGeom prst="rect">
             <a:avLst/>
@@ -1290,7 +2767,7 @@
       </p:sp>
       <p:sp>
         <p:nvSpPr>
-          <p:cNvPr id="21" name="PlaceHolder 4"/>
+          <p:cNvPr id="18" name="PlaceHolder 4"/>
           <p:cNvSpPr>
             <a:spLocks noGrp="1"/>
           </p:cNvSpPr>
@@ -1300,8 +2777,8 @@
         </p:nvSpPr>
         <p:spPr>
           <a:xfrm>
-            <a:off x="5152680" y="4059360"/>
-            <a:ext cx="4426920" cy="2091240"/>
+            <a:off x="5152680" y="4058640"/>
+            <a:ext cx="4426920" cy="2090880"/>
           </a:xfrm>
           <a:prstGeom prst="rect">
             <a:avLst/>
@@ -1348,7 +2825,7 @@
       </p:grpSpPr>
       <p:sp>
         <p:nvSpPr>
-          <p:cNvPr id="22" name="PlaceHolder 1"/>
+          <p:cNvPr id="19" name="PlaceHolder 1"/>
           <p:cNvSpPr>
             <a:spLocks noGrp="1"/>
           </p:cNvSpPr>
@@ -1359,7 +2836,7 @@
         <p:spPr>
           <a:xfrm>
             <a:off x="504000" y="301320"/>
-            <a:ext cx="9071640" cy="1262160"/>
+            <a:ext cx="9072000" cy="1261800"/>
           </a:xfrm>
           <a:prstGeom prst="rect">
             <a:avLst/>
@@ -1385,7 +2862,7 @@
       </p:sp>
       <p:sp>
         <p:nvSpPr>
-          <p:cNvPr id="23" name="PlaceHolder 2"/>
+          <p:cNvPr id="20" name="PlaceHolder 2"/>
           <p:cNvSpPr>
             <a:spLocks noGrp="1"/>
           </p:cNvSpPr>
@@ -1395,8 +2872,8 @@
         </p:nvSpPr>
         <p:spPr>
           <a:xfrm>
-            <a:off x="504000" y="1769040"/>
-            <a:ext cx="4426920" cy="2091240"/>
+            <a:off x="504000" y="1768680"/>
+            <a:ext cx="4426920" cy="2090880"/>
           </a:xfrm>
           <a:prstGeom prst="rect">
             <a:avLst/>
@@ -1421,7 +2898,7 @@
       </p:sp>
       <p:sp>
         <p:nvSpPr>
-          <p:cNvPr id="24" name="PlaceHolder 3"/>
+          <p:cNvPr id="21" name="PlaceHolder 3"/>
           <p:cNvSpPr>
             <a:spLocks noGrp="1"/>
           </p:cNvSpPr>
@@ -1431,8 +2908,8 @@
         </p:nvSpPr>
         <p:spPr>
           <a:xfrm>
-            <a:off x="5152680" y="1769040"/>
-            <a:ext cx="4426920" cy="2091240"/>
+            <a:off x="5152680" y="1768680"/>
+            <a:ext cx="4426920" cy="2090880"/>
           </a:xfrm>
           <a:prstGeom prst="rect">
             <a:avLst/>
@@ -1457,7 +2934,7 @@
       </p:sp>
       <p:sp>
         <p:nvSpPr>
-          <p:cNvPr id="25" name="PlaceHolder 4"/>
+          <p:cNvPr id="22" name="PlaceHolder 4"/>
           <p:cNvSpPr>
             <a:spLocks noGrp="1"/>
           </p:cNvSpPr>
@@ -1467,8 +2944,8 @@
         </p:nvSpPr>
         <p:spPr>
           <a:xfrm>
-            <a:off x="504000" y="4059360"/>
-            <a:ext cx="9071640" cy="2091240"/>
+            <a:off x="504000" y="4058640"/>
+            <a:ext cx="9072000" cy="2090880"/>
           </a:xfrm>
           <a:prstGeom prst="rect">
             <a:avLst/>
@@ -1526,7 +3003,7 @@
         <p:spPr>
           <a:xfrm>
             <a:off x="504000" y="301320"/>
-            <a:ext cx="9071640" cy="1262160"/>
+            <a:ext cx="9072000" cy="1261800"/>
           </a:xfrm>
           <a:prstGeom prst="rect">
             <a:avLst/>
@@ -1576,8 +3053,8 @@
         </p:nvSpPr>
         <p:spPr>
           <a:xfrm>
-            <a:off x="504000" y="1769040"/>
-            <a:ext cx="9071640" cy="4384440"/>
+            <a:off x="504000" y="1768680"/>
+            <a:ext cx="9072000" cy="4384080"/>
           </a:xfrm>
           <a:prstGeom prst="rect">
             <a:avLst/>
@@ -1828,158 +3305,6 @@
                 </a:solidFill>
               </a:uFill>
               <a:latin typeface="Arial"/>
-            </a:endParaRPr>
-          </a:p>
-        </p:txBody>
-      </p:sp>
-      <p:sp>
-        <p:nvSpPr>
-          <p:cNvPr id="2" name="PlaceHolder 3"/>
-          <p:cNvSpPr>
-            <a:spLocks noGrp="1"/>
-          </p:cNvSpPr>
-          <p:nvPr>
-            <p:ph type="dt"/>
-          </p:nvPr>
-        </p:nvSpPr>
-        <p:spPr>
-          <a:xfrm>
-            <a:off x="504000" y="6887160"/>
-            <a:ext cx="2348280" cy="521280"/>
-          </a:xfrm>
-          <a:prstGeom prst="rect">
-            <a:avLst/>
-          </a:prstGeom>
-        </p:spPr>
-        <p:txBody>
-          <a:bodyPr lIns="0" rIns="0" tIns="0" bIns="0"/>
-          <a:p>
-            <a:r>
-              <a:rPr lang="en-US" sz="1400" spc="-1" strike="noStrike">
-                <a:solidFill>
-                  <a:srgbClr val="000000"/>
-                </a:solidFill>
-                <a:uFill>
-                  <a:solidFill>
-                    <a:srgbClr val="ffffff"/>
-                  </a:solidFill>
-                </a:uFill>
-                <a:latin typeface="Times New Roman"/>
-              </a:rPr>
-              <a:t>&lt;date/time&gt;</a:t>
-            </a:r>
-            <a:endParaRPr lang="en-US" sz="1400" spc="-1" strike="noStrike">
-              <a:solidFill>
-                <a:srgbClr val="000000"/>
-              </a:solidFill>
-              <a:uFill>
-                <a:solidFill>
-                  <a:srgbClr val="ffffff"/>
-                </a:solidFill>
-              </a:uFill>
-              <a:latin typeface="Times New Roman"/>
-            </a:endParaRPr>
-          </a:p>
-        </p:txBody>
-      </p:sp>
-      <p:sp>
-        <p:nvSpPr>
-          <p:cNvPr id="3" name="PlaceHolder 4"/>
-          <p:cNvSpPr>
-            <a:spLocks noGrp="1"/>
-          </p:cNvSpPr>
-          <p:nvPr>
-            <p:ph type="ftr"/>
-          </p:nvPr>
-        </p:nvSpPr>
-        <p:spPr>
-          <a:xfrm>
-            <a:off x="3447360" y="6887160"/>
-            <a:ext cx="3195000" cy="521280"/>
-          </a:xfrm>
-          <a:prstGeom prst="rect">
-            <a:avLst/>
-          </a:prstGeom>
-        </p:spPr>
-        <p:txBody>
-          <a:bodyPr lIns="0" rIns="0" tIns="0" bIns="0"/>
-          <a:p>
-            <a:pPr algn="ctr"/>
-            <a:r>
-              <a:rPr lang="en-US" sz="1400" spc="-1" strike="noStrike">
-                <a:solidFill>
-                  <a:srgbClr val="000000"/>
-                </a:solidFill>
-                <a:uFill>
-                  <a:solidFill>
-                    <a:srgbClr val="ffffff"/>
-                  </a:solidFill>
-                </a:uFill>
-                <a:latin typeface="Times New Roman"/>
-              </a:rPr>
-              <a:t>&lt;footer&gt;</a:t>
-            </a:r>
-            <a:endParaRPr lang="en-US" sz="1400" spc="-1" strike="noStrike">
-              <a:solidFill>
-                <a:srgbClr val="000000"/>
-              </a:solidFill>
-              <a:uFill>
-                <a:solidFill>
-                  <a:srgbClr val="ffffff"/>
-                </a:solidFill>
-              </a:uFill>
-              <a:latin typeface="Times New Roman"/>
-            </a:endParaRPr>
-          </a:p>
-        </p:txBody>
-      </p:sp>
-      <p:sp>
-        <p:nvSpPr>
-          <p:cNvPr id="4" name="PlaceHolder 5"/>
-          <p:cNvSpPr>
-            <a:spLocks noGrp="1"/>
-          </p:cNvSpPr>
-          <p:nvPr>
-            <p:ph type="sldNum"/>
-          </p:nvPr>
-        </p:nvSpPr>
-        <p:spPr>
-          <a:xfrm>
-            <a:off x="7227360" y="6887160"/>
-            <a:ext cx="2348280" cy="521280"/>
-          </a:xfrm>
-          <a:prstGeom prst="rect">
-            <a:avLst/>
-          </a:prstGeom>
-        </p:spPr>
-        <p:txBody>
-          <a:bodyPr lIns="0" rIns="0" tIns="0" bIns="0"/>
-          <a:p>
-            <a:pPr algn="r"/>
-            <a:fld id="{F803F457-00B2-442A-A1F5-B476D1D02726}" type="slidenum">
-              <a:rPr lang="en-US" sz="1400" spc="-1" strike="noStrike">
-                <a:solidFill>
-                  <a:srgbClr val="000000"/>
-                </a:solidFill>
-                <a:uFill>
-                  <a:solidFill>
-                    <a:srgbClr val="ffffff"/>
-                  </a:solidFill>
-                </a:uFill>
-                <a:latin typeface="Times New Roman"/>
-              </a:rPr>
-              <a:t>&lt;number&gt;</a:t>
-            </a:fld>
-            <a:endParaRPr lang="en-US" sz="1400" spc="-1" strike="noStrike">
-              <a:solidFill>
-                <a:srgbClr val="000000"/>
-              </a:solidFill>
-              <a:uFill>
-                <a:solidFill>
-                  <a:srgbClr val="ffffff"/>
-                </a:solidFill>
-              </a:uFill>
-              <a:latin typeface="Times New Roman"/>
             </a:endParaRPr>
           </a:p>
         </p:txBody>
@@ -2000,6 +3325,362 @@
     <p:sldLayoutId id="2147483658" r:id="rId11"/>
     <p:sldLayoutId id="2147483659" r:id="rId12"/>
     <p:sldLayoutId id="2147483660" r:id="rId13"/>
+  </p:sldLayoutIdLst>
+</p:sldMaster>
+</file>
+
+<file path=ppt/slideMasters/slideMaster2.xml><?xml version="1.0" encoding="utf-8"?>
+<p:sldMaster xmlns:a="http://schemas.openxmlformats.org/drawingml/2006/main" xmlns:p="http://schemas.openxmlformats.org/presentationml/2006/main" xmlns:r="http://schemas.openxmlformats.org/officeDocument/2006/relationships">
+  <p:cSld>
+    <p:spTree>
+      <p:nvGrpSpPr>
+        <p:cNvPr id="1" name=""/>
+        <p:cNvGrpSpPr/>
+        <p:nvPr/>
+      </p:nvGrpSpPr>
+      <p:grpSpPr>
+        <a:xfrm>
+          <a:off x="0" y="0"/>
+          <a:ext cx="0" cy="0"/>
+          <a:chOff x="0" y="0"/>
+          <a:chExt cx="0" cy="0"/>
+        </a:xfrm>
+      </p:grpSpPr>
+      <p:sp>
+        <p:nvSpPr>
+          <p:cNvPr id="36" name="PlaceHolder 1"/>
+          <p:cNvSpPr>
+            <a:spLocks noGrp="1"/>
+          </p:cNvSpPr>
+          <p:nvPr>
+            <p:ph type="title"/>
+          </p:nvPr>
+        </p:nvSpPr>
+        <p:spPr>
+          <a:xfrm>
+            <a:off x="504000" y="301320"/>
+            <a:ext cx="9072000" cy="1261800"/>
+          </a:xfrm>
+          <a:prstGeom prst="rect">
+            <a:avLst/>
+          </a:prstGeom>
+        </p:spPr>
+        <p:txBody>
+          <a:bodyPr lIns="0" rIns="0" tIns="0" bIns="0" anchor="ctr"/>
+          <a:p>
+            <a:pPr algn="ctr"/>
+            <a:r>
+              <a:rPr lang="en-US" sz="4400" spc="-1" strike="noStrike">
+                <a:solidFill>
+                  <a:srgbClr val="000000"/>
+                </a:solidFill>
+                <a:uFill>
+                  <a:solidFill>
+                    <a:srgbClr val="ffffff"/>
+                  </a:solidFill>
+                </a:uFill>
+                <a:latin typeface="Arial"/>
+              </a:rPr>
+              <a:t>Click to edit the title text format</a:t>
+            </a:r>
+            <a:endParaRPr lang="en-US" sz="4400" spc="-1" strike="noStrike">
+              <a:solidFill>
+                <a:srgbClr val="000000"/>
+              </a:solidFill>
+              <a:uFill>
+                <a:solidFill>
+                  <a:srgbClr val="ffffff"/>
+                </a:solidFill>
+              </a:uFill>
+              <a:latin typeface="Arial"/>
+            </a:endParaRPr>
+          </a:p>
+        </p:txBody>
+      </p:sp>
+      <p:sp>
+        <p:nvSpPr>
+          <p:cNvPr id="37" name="PlaceHolder 2"/>
+          <p:cNvSpPr>
+            <a:spLocks noGrp="1"/>
+          </p:cNvSpPr>
+          <p:nvPr>
+            <p:ph type="body"/>
+          </p:nvPr>
+        </p:nvSpPr>
+        <p:spPr>
+          <a:xfrm>
+            <a:off x="504000" y="1768680"/>
+            <a:ext cx="9072000" cy="4384080"/>
+          </a:xfrm>
+          <a:prstGeom prst="rect">
+            <a:avLst/>
+          </a:prstGeom>
+        </p:spPr>
+        <p:txBody>
+          <a:bodyPr lIns="0" rIns="0" tIns="0" bIns="0"/>
+          <a:p>
+            <a:pPr marL="432000" indent="-324000">
+              <a:buClr>
+                <a:srgbClr val="000000"/>
+              </a:buClr>
+              <a:buSzPct val="45000"/>
+              <a:buFont typeface="Wingdings" charset="2"/>
+              <a:buChar char=""/>
+            </a:pPr>
+            <a:r>
+              <a:rPr lang="en-US" sz="3200" spc="-1" strike="noStrike">
+                <a:solidFill>
+                  <a:srgbClr val="000000"/>
+                </a:solidFill>
+                <a:uFill>
+                  <a:solidFill>
+                    <a:srgbClr val="ffffff"/>
+                  </a:solidFill>
+                </a:uFill>
+                <a:latin typeface="Arial"/>
+              </a:rPr>
+              <a:t>Click to edit the outline text format</a:t>
+            </a:r>
+            <a:endParaRPr lang="en-US" sz="3200" spc="-1" strike="noStrike">
+              <a:solidFill>
+                <a:srgbClr val="000000"/>
+              </a:solidFill>
+              <a:uFill>
+                <a:solidFill>
+                  <a:srgbClr val="ffffff"/>
+                </a:solidFill>
+              </a:uFill>
+              <a:latin typeface="Arial"/>
+            </a:endParaRPr>
+          </a:p>
+          <a:p>
+            <a:pPr lvl="1" marL="864000" indent="-324000">
+              <a:buClr>
+                <a:srgbClr val="000000"/>
+              </a:buClr>
+              <a:buSzPct val="75000"/>
+              <a:buFont typeface="Symbol" charset="2"/>
+              <a:buChar char=""/>
+            </a:pPr>
+            <a:r>
+              <a:rPr lang="en-US" sz="2800" spc="-1" strike="noStrike">
+                <a:solidFill>
+                  <a:srgbClr val="000000"/>
+                </a:solidFill>
+                <a:uFill>
+                  <a:solidFill>
+                    <a:srgbClr val="ffffff"/>
+                  </a:solidFill>
+                </a:uFill>
+                <a:latin typeface="Arial"/>
+              </a:rPr>
+              <a:t>Second Outline Level</a:t>
+            </a:r>
+            <a:endParaRPr lang="en-US" sz="2800" spc="-1" strike="noStrike">
+              <a:solidFill>
+                <a:srgbClr val="000000"/>
+              </a:solidFill>
+              <a:uFill>
+                <a:solidFill>
+                  <a:srgbClr val="ffffff"/>
+                </a:solidFill>
+              </a:uFill>
+              <a:latin typeface="Arial"/>
+            </a:endParaRPr>
+          </a:p>
+          <a:p>
+            <a:pPr lvl="2" marL="1296000" indent="-288000">
+              <a:buClr>
+                <a:srgbClr val="000000"/>
+              </a:buClr>
+              <a:buSzPct val="45000"/>
+              <a:buFont typeface="Wingdings" charset="2"/>
+              <a:buChar char=""/>
+            </a:pPr>
+            <a:r>
+              <a:rPr lang="en-US" sz="2400" spc="-1" strike="noStrike">
+                <a:solidFill>
+                  <a:srgbClr val="000000"/>
+                </a:solidFill>
+                <a:uFill>
+                  <a:solidFill>
+                    <a:srgbClr val="ffffff"/>
+                  </a:solidFill>
+                </a:uFill>
+                <a:latin typeface="Arial"/>
+              </a:rPr>
+              <a:t>Third Outline Level</a:t>
+            </a:r>
+            <a:endParaRPr lang="en-US" sz="2400" spc="-1" strike="noStrike">
+              <a:solidFill>
+                <a:srgbClr val="000000"/>
+              </a:solidFill>
+              <a:uFill>
+                <a:solidFill>
+                  <a:srgbClr val="ffffff"/>
+                </a:solidFill>
+              </a:uFill>
+              <a:latin typeface="Arial"/>
+            </a:endParaRPr>
+          </a:p>
+          <a:p>
+            <a:pPr lvl="3" marL="1728000" indent="-216000">
+              <a:buClr>
+                <a:srgbClr val="000000"/>
+              </a:buClr>
+              <a:buSzPct val="75000"/>
+              <a:buFont typeface="Symbol" charset="2"/>
+              <a:buChar char=""/>
+            </a:pPr>
+            <a:r>
+              <a:rPr lang="en-US" sz="2000" spc="-1" strike="noStrike">
+                <a:solidFill>
+                  <a:srgbClr val="000000"/>
+                </a:solidFill>
+                <a:uFill>
+                  <a:solidFill>
+                    <a:srgbClr val="ffffff"/>
+                  </a:solidFill>
+                </a:uFill>
+                <a:latin typeface="Arial"/>
+              </a:rPr>
+              <a:t>Fourth Outline Level</a:t>
+            </a:r>
+            <a:endParaRPr lang="en-US" sz="2000" spc="-1" strike="noStrike">
+              <a:solidFill>
+                <a:srgbClr val="000000"/>
+              </a:solidFill>
+              <a:uFill>
+                <a:solidFill>
+                  <a:srgbClr val="ffffff"/>
+                </a:solidFill>
+              </a:uFill>
+              <a:latin typeface="Arial"/>
+            </a:endParaRPr>
+          </a:p>
+          <a:p>
+            <a:pPr lvl="4" marL="2160000" indent="-216000">
+              <a:buClr>
+                <a:srgbClr val="000000"/>
+              </a:buClr>
+              <a:buSzPct val="45000"/>
+              <a:buFont typeface="Wingdings" charset="2"/>
+              <a:buChar char=""/>
+            </a:pPr>
+            <a:r>
+              <a:rPr lang="en-US" sz="2000" spc="-1" strike="noStrike">
+                <a:solidFill>
+                  <a:srgbClr val="000000"/>
+                </a:solidFill>
+                <a:uFill>
+                  <a:solidFill>
+                    <a:srgbClr val="ffffff"/>
+                  </a:solidFill>
+                </a:uFill>
+                <a:latin typeface="Arial"/>
+              </a:rPr>
+              <a:t>Fifth Outline Level</a:t>
+            </a:r>
+            <a:endParaRPr lang="en-US" sz="2000" spc="-1" strike="noStrike">
+              <a:solidFill>
+                <a:srgbClr val="000000"/>
+              </a:solidFill>
+              <a:uFill>
+                <a:solidFill>
+                  <a:srgbClr val="ffffff"/>
+                </a:solidFill>
+              </a:uFill>
+              <a:latin typeface="Arial"/>
+            </a:endParaRPr>
+          </a:p>
+          <a:p>
+            <a:pPr lvl="5" marL="2592000" indent="-216000">
+              <a:buClr>
+                <a:srgbClr val="000000"/>
+              </a:buClr>
+              <a:buSzPct val="45000"/>
+              <a:buFont typeface="Wingdings" charset="2"/>
+              <a:buChar char=""/>
+            </a:pPr>
+            <a:r>
+              <a:rPr lang="en-US" sz="2000" spc="-1" strike="noStrike">
+                <a:solidFill>
+                  <a:srgbClr val="000000"/>
+                </a:solidFill>
+                <a:uFill>
+                  <a:solidFill>
+                    <a:srgbClr val="ffffff"/>
+                  </a:solidFill>
+                </a:uFill>
+                <a:latin typeface="Arial"/>
+              </a:rPr>
+              <a:t>Sixth Outline Level</a:t>
+            </a:r>
+            <a:endParaRPr lang="en-US" sz="2000" spc="-1" strike="noStrike">
+              <a:solidFill>
+                <a:srgbClr val="000000"/>
+              </a:solidFill>
+              <a:uFill>
+                <a:solidFill>
+                  <a:srgbClr val="ffffff"/>
+                </a:solidFill>
+              </a:uFill>
+              <a:latin typeface="Arial"/>
+            </a:endParaRPr>
+          </a:p>
+          <a:p>
+            <a:pPr lvl="6" marL="3024000" indent="-216000">
+              <a:buClr>
+                <a:srgbClr val="000000"/>
+              </a:buClr>
+              <a:buSzPct val="45000"/>
+              <a:buFont typeface="Wingdings" charset="2"/>
+              <a:buChar char=""/>
+            </a:pPr>
+            <a:r>
+              <a:rPr lang="en-US" sz="2000" spc="-1" strike="noStrike">
+                <a:solidFill>
+                  <a:srgbClr val="000000"/>
+                </a:solidFill>
+                <a:uFill>
+                  <a:solidFill>
+                    <a:srgbClr val="ffffff"/>
+                  </a:solidFill>
+                </a:uFill>
+                <a:latin typeface="Arial"/>
+              </a:rPr>
+              <a:t>Seventh Outline Level</a:t>
+            </a:r>
+            <a:endParaRPr lang="en-US" sz="2000" spc="-1" strike="noStrike">
+              <a:solidFill>
+                <a:srgbClr val="000000"/>
+              </a:solidFill>
+              <a:uFill>
+                <a:solidFill>
+                  <a:srgbClr val="ffffff"/>
+                </a:solidFill>
+              </a:uFill>
+              <a:latin typeface="Arial"/>
+            </a:endParaRPr>
+          </a:p>
+        </p:txBody>
+      </p:sp>
+    </p:spTree>
+  </p:cSld>
+  <p:clrMap bg1="lt1" bg2="lt2" tx1="dk1" tx2="dk2" accent1="accent1" accent2="accent2" accent3="accent3" accent4="accent4" accent5="accent5" accent6="accent6" hlink="hlink" folHlink="folHlink"/>
+  <p:sldLayoutIdLst>
+    <p:sldLayoutId id="2147483662" r:id="rId2"/>
+    <p:sldLayoutId id="2147483663" r:id="rId3"/>
+    <p:sldLayoutId id="2147483664" r:id="rId4"/>
+    <p:sldLayoutId id="2147483665" r:id="rId5"/>
+    <p:sldLayoutId id="2147483666" r:id="rId6"/>
+    <p:sldLayoutId id="2147483667" r:id="rId7"/>
+    <p:sldLayoutId id="2147483668" r:id="rId8"/>
+    <p:sldLayoutId id="2147483669" r:id="rId9"/>
+    <p:sldLayoutId id="2147483670" r:id="rId10"/>
+    <p:sldLayoutId id="2147483671" r:id="rId11"/>
+    <p:sldLayoutId id="2147483672" r:id="rId12"/>
+    <p:sldLayoutId id="2147483673" r:id="rId13"/>
   </p:sldLayoutIdLst>
 </p:sldMaster>
 </file>
@@ -2023,14 +3704,14 @@
       </p:grpSpPr>
       <p:sp>
         <p:nvSpPr>
-          <p:cNvPr id="39" name="TextShape 1"/>
-          <p:cNvSpPr txBox="1"/>
+          <p:cNvPr id="72" name="CustomShape 1"/>
+          <p:cNvSpPr/>
           <p:nvPr/>
         </p:nvSpPr>
         <p:spPr>
           <a:xfrm>
             <a:off x="621000" y="2560320"/>
-            <a:ext cx="9071640" cy="1262160"/>
+            <a:ext cx="9070560" cy="1261080"/>
           </a:xfrm>
           <a:prstGeom prst="rect">
             <a:avLst/>
@@ -2040,10 +3721,20 @@
             <a:noFill/>
           </a:ln>
         </p:spPr>
+        <p:style>
+          <a:lnRef idx="0"/>
+          <a:fillRef idx="0"/>
+          <a:effectRef idx="0"/>
+          <a:fontRef idx="minor"/>
+        </p:style>
         <p:txBody>
           <a:bodyPr lIns="0" rIns="0" tIns="0" bIns="0" anchor="ctr"/>
           <a:p>
-            <a:pPr algn="ctr"/>
+            <a:pPr algn="ctr">
+              <a:lnSpc>
+                <a:spcPct val="100000"/>
+              </a:lnSpc>
+            </a:pPr>
             <a:r>
               <a:rPr b="1" lang="en-US" sz="4400" spc="-1" strike="noStrike">
                 <a:solidFill>
@@ -2055,12 +3746,13 @@
                   </a:solidFill>
                 </a:uFill>
                 <a:latin typeface="Arial"/>
+                <a:ea typeface="DejaVu Sans"/>
               </a:rPr>
               <a:t>Documenter son API</a:t>
             </a:r>
-            <a:endParaRPr b="1" lang="en-US" sz="4400" spc="-1" strike="noStrike">
-              <a:solidFill>
-                <a:srgbClr val="cc3300"/>
+            <a:endParaRPr lang="en-US" sz="1800" spc="-1" strike="noStrike">
+              <a:solidFill>
+                <a:srgbClr val="000000"/>
               </a:solidFill>
               <a:uFill>
                 <a:solidFill>
@@ -2123,14 +3815,14 @@
       </p:grpSpPr>
       <p:sp>
         <p:nvSpPr>
-          <p:cNvPr id="60" name="TextShape 1"/>
-          <p:cNvSpPr txBox="1"/>
+          <p:cNvPr id="93" name="CustomShape 1"/>
+          <p:cNvSpPr/>
           <p:nvPr/>
         </p:nvSpPr>
         <p:spPr>
           <a:xfrm>
             <a:off x="504000" y="49320"/>
-            <a:ext cx="9071640" cy="1262160"/>
+            <a:ext cx="9070560" cy="1261080"/>
           </a:xfrm>
           <a:prstGeom prst="rect">
             <a:avLst/>
@@ -2140,10 +3832,20 @@
             <a:noFill/>
           </a:ln>
         </p:spPr>
+        <p:style>
+          <a:lnRef idx="0"/>
+          <a:fillRef idx="0"/>
+          <a:effectRef idx="0"/>
+          <a:fontRef idx="minor"/>
+        </p:style>
         <p:txBody>
           <a:bodyPr lIns="0" rIns="0" tIns="0" bIns="0" anchor="ctr"/>
           <a:p>
-            <a:pPr algn="ctr"/>
+            <a:pPr algn="ctr">
+              <a:lnSpc>
+                <a:spcPct val="100000"/>
+              </a:lnSpc>
+            </a:pPr>
             <a:r>
               <a:rPr lang="en-US" sz="4400" spc="-1" strike="noStrike">
                 <a:solidFill>
@@ -2155,12 +3857,13 @@
                   </a:solidFill>
                 </a:uFill>
                 <a:latin typeface="Arial"/>
+                <a:ea typeface="DejaVu Sans"/>
               </a:rPr>
               <a:t>Spring Rest-doc</a:t>
             </a:r>
-            <a:endParaRPr lang="en-US" sz="4400" spc="-1" strike="noStrike">
-              <a:solidFill>
-                <a:srgbClr val="cc3300"/>
+            <a:endParaRPr lang="en-US" sz="1800" spc="-1" strike="noStrike">
+              <a:solidFill>
+                <a:srgbClr val="000000"/>
               </a:solidFill>
               <a:uFill>
                 <a:solidFill>
@@ -2174,7 +3877,7 @@
       </p:sp>
       <p:pic>
         <p:nvPicPr>
-          <p:cNvPr id="61" name="" descr=""/>
+          <p:cNvPr id="94" name="" descr=""/>
           <p:cNvPicPr/>
           <p:nvPr/>
         </p:nvPicPr>
@@ -2185,7 +3888,7 @@
         <p:spPr>
           <a:xfrm>
             <a:off x="299160" y="2325240"/>
-            <a:ext cx="9543600" cy="3314520"/>
+            <a:ext cx="9542520" cy="3313440"/>
           </a:xfrm>
           <a:prstGeom prst="rect">
             <a:avLst/>
@@ -2246,14 +3949,14 @@
       </p:grpSpPr>
       <p:sp>
         <p:nvSpPr>
-          <p:cNvPr id="62" name="TextShape 1"/>
-          <p:cNvSpPr txBox="1"/>
+          <p:cNvPr id="95" name="CustomShape 1"/>
+          <p:cNvSpPr/>
           <p:nvPr/>
         </p:nvSpPr>
         <p:spPr>
           <a:xfrm>
             <a:off x="504000" y="49320"/>
-            <a:ext cx="9071640" cy="1262160"/>
+            <a:ext cx="9070560" cy="1261080"/>
           </a:xfrm>
           <a:prstGeom prst="rect">
             <a:avLst/>
@@ -2263,14 +3966,98 @@
             <a:noFill/>
           </a:ln>
         </p:spPr>
+        <p:style>
+          <a:lnRef idx="0"/>
+          <a:fillRef idx="0"/>
+          <a:effectRef idx="0"/>
+          <a:fontRef idx="minor"/>
+        </p:style>
         <p:txBody>
           <a:bodyPr lIns="0" rIns="0" tIns="0" bIns="0" anchor="ctr"/>
           <a:p>
-            <a:pPr algn="ctr"/>
+            <a:pPr algn="ctr">
+              <a:lnSpc>
+                <a:spcPct val="100000"/>
+              </a:lnSpc>
+            </a:pPr>
             <a:r>
               <a:rPr lang="en-US" sz="4400" spc="-1" strike="noStrike">
                 <a:solidFill>
                   <a:srgbClr val="cc3300"/>
+                </a:solidFill>
+                <a:uFill>
+                  <a:solidFill>
+                    <a:srgbClr val="ffffff"/>
+                  </a:solidFill>
+                </a:uFill>
+                <a:latin typeface="Arial"/>
+                <a:ea typeface="DejaVu Sans"/>
+              </a:rPr>
+              <a:t>Spring Rest-doc</a:t>
+            </a:r>
+            <a:endParaRPr lang="en-US" sz="1800" spc="-1" strike="noStrike">
+              <a:solidFill>
+                <a:srgbClr val="000000"/>
+              </a:solidFill>
+              <a:uFill>
+                <a:solidFill>
+                  <a:srgbClr val="ffffff"/>
+                </a:solidFill>
+              </a:uFill>
+              <a:latin typeface="Arial"/>
+            </a:endParaRPr>
+          </a:p>
+        </p:txBody>
+      </p:sp>
+      <p:pic>
+        <p:nvPicPr>
+          <p:cNvPr id="96" name="" descr=""/>
+          <p:cNvPicPr/>
+          <p:nvPr/>
+        </p:nvPicPr>
+        <p:blipFill>
+          <a:blip r:embed="rId1"/>
+          <a:stretch/>
+        </p:blipFill>
+        <p:spPr>
+          <a:xfrm>
+            <a:off x="6583680" y="1920240"/>
+            <a:ext cx="2773800" cy="2127600"/>
+          </a:xfrm>
+          <a:prstGeom prst="rect">
+            <a:avLst/>
+          </a:prstGeom>
+          <a:ln>
+            <a:noFill/>
+          </a:ln>
+        </p:spPr>
+      </p:pic>
+      <p:sp>
+        <p:nvSpPr>
+          <p:cNvPr id="97" name="TextShape 2"/>
+          <p:cNvSpPr txBox="1"/>
+          <p:nvPr/>
+        </p:nvSpPr>
+        <p:spPr>
+          <a:xfrm>
+            <a:off x="548640" y="2286000"/>
+            <a:ext cx="4580640" cy="2905920"/>
+          </a:xfrm>
+          <a:prstGeom prst="rect">
+            <a:avLst/>
+          </a:prstGeom>
+          <a:noFill/>
+          <a:ln>
+            <a:noFill/>
+          </a:ln>
+        </p:spPr>
+        <p:txBody>
+          <a:bodyPr lIns="90000" rIns="90000" tIns="45000" bIns="45000"/>
+          <a:p>
+            <a:r>
+              <a:rPr lang="en-US" sz="1800" spc="-1" strike="noStrike">
+                <a:solidFill>
+                  <a:srgbClr val="000000"/>
                 </a:solidFill>
                 <a:uFill>
                   <a:solidFill>
@@ -2279,11 +4066,392 @@
                 </a:uFill>
                 <a:latin typeface="Arial"/>
               </a:rPr>
+              <a:t>Possibilité de customiser plusieurs choses :</a:t>
+            </a:r>
+            <a:endParaRPr lang="en-US" sz="1800" spc="-1" strike="noStrike">
+              <a:solidFill>
+                <a:srgbClr val="000000"/>
+              </a:solidFill>
+              <a:uFill>
+                <a:solidFill>
+                  <a:srgbClr val="ffffff"/>
+                </a:solidFill>
+              </a:uFill>
+              <a:latin typeface="Arial"/>
+            </a:endParaRPr>
+          </a:p>
+          <a:p>
+            <a:endParaRPr lang="en-US" sz="1800" spc="-1" strike="noStrike">
+              <a:solidFill>
+                <a:srgbClr val="000000"/>
+              </a:solidFill>
+              <a:uFill>
+                <a:solidFill>
+                  <a:srgbClr val="ffffff"/>
+                </a:solidFill>
+              </a:uFill>
+              <a:latin typeface="Arial"/>
+            </a:endParaRPr>
+          </a:p>
+          <a:p>
+            <a:r>
+              <a:rPr lang="en-US" sz="1800" spc="-1" strike="noStrike">
+                <a:solidFill>
+                  <a:srgbClr val="000000"/>
+                </a:solidFill>
+                <a:uFill>
+                  <a:solidFill>
+                    <a:srgbClr val="ffffff"/>
+                  </a:solidFill>
+                </a:uFill>
+                <a:latin typeface="Arial"/>
+              </a:rPr>
+              <a:t>	</a:t>
+            </a:r>
+            <a:r>
+              <a:rPr lang="en-US" sz="1800" spc="-1" strike="noStrike">
+                <a:solidFill>
+                  <a:srgbClr val="000000"/>
+                </a:solidFill>
+                <a:uFill>
+                  <a:solidFill>
+                    <a:srgbClr val="ffffff"/>
+                  </a:solidFill>
+                </a:uFill>
+                <a:latin typeface="Arial"/>
+              </a:rPr>
+              <a:t>- le template final</a:t>
+            </a:r>
+            <a:endParaRPr lang="en-US" sz="1800" spc="-1" strike="noStrike">
+              <a:solidFill>
+                <a:srgbClr val="000000"/>
+              </a:solidFill>
+              <a:uFill>
+                <a:solidFill>
+                  <a:srgbClr val="ffffff"/>
+                </a:solidFill>
+              </a:uFill>
+              <a:latin typeface="Arial"/>
+            </a:endParaRPr>
+          </a:p>
+          <a:p>
+            <a:endParaRPr lang="en-US" sz="1800" spc="-1" strike="noStrike">
+              <a:solidFill>
+                <a:srgbClr val="000000"/>
+              </a:solidFill>
+              <a:uFill>
+                <a:solidFill>
+                  <a:srgbClr val="ffffff"/>
+                </a:solidFill>
+              </a:uFill>
+              <a:latin typeface="Arial"/>
+            </a:endParaRPr>
+          </a:p>
+          <a:p>
+            <a:r>
+              <a:rPr lang="en-US" sz="1800" spc="-1" strike="noStrike">
+                <a:solidFill>
+                  <a:srgbClr val="000000"/>
+                </a:solidFill>
+                <a:uFill>
+                  <a:solidFill>
+                    <a:srgbClr val="ffffff"/>
+                  </a:solidFill>
+                </a:uFill>
+                <a:latin typeface="Arial"/>
+              </a:rPr>
+              <a:t>	</a:t>
+            </a:r>
+            <a:r>
+              <a:rPr lang="en-US" sz="1800" spc="-1" strike="noStrike">
+                <a:solidFill>
+                  <a:srgbClr val="000000"/>
+                </a:solidFill>
+                <a:uFill>
+                  <a:solidFill>
+                    <a:srgbClr val="ffffff"/>
+                  </a:solidFill>
+                </a:uFill>
+                <a:latin typeface="Arial"/>
+              </a:rPr>
+              <a:t>- de nouveaux snippets</a:t>
+            </a:r>
+            <a:endParaRPr lang="en-US" sz="1800" spc="-1" strike="noStrike">
+              <a:solidFill>
+                <a:srgbClr val="000000"/>
+              </a:solidFill>
+              <a:uFill>
+                <a:solidFill>
+                  <a:srgbClr val="ffffff"/>
+                </a:solidFill>
+              </a:uFill>
+              <a:latin typeface="Arial"/>
+            </a:endParaRPr>
+          </a:p>
+          <a:p>
+            <a:endParaRPr lang="en-US" sz="1800" spc="-1" strike="noStrike">
+              <a:solidFill>
+                <a:srgbClr val="000000"/>
+              </a:solidFill>
+              <a:uFill>
+                <a:solidFill>
+                  <a:srgbClr val="ffffff"/>
+                </a:solidFill>
+              </a:uFill>
+              <a:latin typeface="Arial"/>
+            </a:endParaRPr>
+          </a:p>
+          <a:p>
+            <a:r>
+              <a:rPr lang="en-US" sz="1800" spc="-1" strike="noStrike">
+                <a:solidFill>
+                  <a:srgbClr val="000000"/>
+                </a:solidFill>
+                <a:uFill>
+                  <a:solidFill>
+                    <a:srgbClr val="ffffff"/>
+                  </a:solidFill>
+                </a:uFill>
+                <a:latin typeface="Arial"/>
+              </a:rPr>
+              <a:t>	</a:t>
+            </a:r>
+            <a:r>
+              <a:rPr lang="en-US" sz="1800" spc="-1" strike="noStrike">
+                <a:solidFill>
+                  <a:srgbClr val="000000"/>
+                </a:solidFill>
+                <a:uFill>
+                  <a:solidFill>
+                    <a:srgbClr val="ffffff"/>
+                  </a:solidFill>
+                </a:uFill>
+                <a:latin typeface="Arial"/>
+              </a:rPr>
+              <a:t>- le template des snippets existants</a:t>
+            </a:r>
+            <a:endParaRPr lang="en-US" sz="1800" spc="-1" strike="noStrike">
+              <a:solidFill>
+                <a:srgbClr val="000000"/>
+              </a:solidFill>
+              <a:uFill>
+                <a:solidFill>
+                  <a:srgbClr val="ffffff"/>
+                </a:solidFill>
+              </a:uFill>
+              <a:latin typeface="Arial"/>
+            </a:endParaRPr>
+          </a:p>
+          <a:p>
+            <a:endParaRPr lang="en-US" sz="1800" spc="-1" strike="noStrike">
+              <a:solidFill>
+                <a:srgbClr val="000000"/>
+              </a:solidFill>
+              <a:uFill>
+                <a:solidFill>
+                  <a:srgbClr val="ffffff"/>
+                </a:solidFill>
+              </a:uFill>
+              <a:latin typeface="Arial"/>
+            </a:endParaRPr>
+          </a:p>
+          <a:p>
+            <a:r>
+              <a:rPr lang="en-US" sz="1800" spc="-1" strike="noStrike">
+                <a:solidFill>
+                  <a:srgbClr val="000000"/>
+                </a:solidFill>
+                <a:uFill>
+                  <a:solidFill>
+                    <a:srgbClr val="ffffff"/>
+                  </a:solidFill>
+                </a:uFill>
+                <a:latin typeface="Arial"/>
+              </a:rPr>
+              <a:t>	</a:t>
+            </a:r>
+            <a:r>
+              <a:rPr lang="en-US" sz="1800" spc="-1" strike="noStrike">
+                <a:solidFill>
+                  <a:srgbClr val="000000"/>
+                </a:solidFill>
+                <a:uFill>
+                  <a:solidFill>
+                    <a:srgbClr val="ffffff"/>
+                  </a:solidFill>
+                </a:uFill>
+                <a:latin typeface="Arial"/>
+              </a:rPr>
+              <a:t>- le style de la documentation</a:t>
+            </a:r>
+            <a:endParaRPr lang="en-US" sz="1800" spc="-1" strike="noStrike">
+              <a:solidFill>
+                <a:srgbClr val="000000"/>
+              </a:solidFill>
+              <a:uFill>
+                <a:solidFill>
+                  <a:srgbClr val="ffffff"/>
+                </a:solidFill>
+              </a:uFill>
+              <a:latin typeface="Arial"/>
+            </a:endParaRPr>
+          </a:p>
+          <a:p>
+            <a:endParaRPr lang="en-US" sz="1800" spc="-1" strike="noStrike">
+              <a:solidFill>
+                <a:srgbClr val="000000"/>
+              </a:solidFill>
+              <a:uFill>
+                <a:solidFill>
+                  <a:srgbClr val="ffffff"/>
+                </a:solidFill>
+              </a:uFill>
+              <a:latin typeface="Arial"/>
+            </a:endParaRPr>
+          </a:p>
+          <a:p>
+            <a:r>
+              <a:rPr lang="en-US" sz="1800" spc="-1" strike="noStrike">
+                <a:solidFill>
+                  <a:srgbClr val="000000"/>
+                </a:solidFill>
+                <a:uFill>
+                  <a:solidFill>
+                    <a:srgbClr val="ffffff"/>
+                  </a:solidFill>
+                </a:uFill>
+                <a:latin typeface="Arial"/>
+              </a:rPr>
+              <a:t>	</a:t>
+            </a:r>
+            <a:r>
+              <a:rPr lang="en-US" sz="1800" spc="-1" strike="noStrike">
+                <a:solidFill>
+                  <a:srgbClr val="000000"/>
+                </a:solidFill>
+                <a:uFill>
+                  <a:solidFill>
+                    <a:srgbClr val="ffffff"/>
+                  </a:solidFill>
+                </a:uFill>
+                <a:latin typeface="Arial"/>
+              </a:rPr>
+              <a:t>- ...</a:t>
+            </a:r>
+            <a:endParaRPr lang="en-US" sz="1800" spc="-1" strike="noStrike">
+              <a:solidFill>
+                <a:srgbClr val="000000"/>
+              </a:solidFill>
+              <a:uFill>
+                <a:solidFill>
+                  <a:srgbClr val="ffffff"/>
+                </a:solidFill>
+              </a:uFill>
+              <a:latin typeface="Arial"/>
+            </a:endParaRPr>
+          </a:p>
+        </p:txBody>
+      </p:sp>
+    </p:spTree>
+  </p:cSld>
+  <p:timing>
+    <p:tnLst>
+      <p:par>
+        <p:cTn id="21" dur="indefinite" restart="never" nodeType="tmRoot">
+          <p:childTnLst>
+            <p:seq>
+              <p:cTn id="22" nodeType="mainSeq"/>
+              <p:prevCondLst>
+                <p:cond delay="0" evt="onPrev">
+                  <p:tgtEl>
+                    <p:sldTgt/>
+                  </p:tgtEl>
+                </p:cond>
+              </p:prevCondLst>
+              <p:nextCondLst>
+                <p:cond delay="0" evt="onNext">
+                  <p:tgtEl>
+                    <p:sldTgt/>
+                  </p:tgtEl>
+                </p:cond>
+              </p:nextCondLst>
+            </p:seq>
+          </p:childTnLst>
+        </p:cTn>
+      </p:par>
+    </p:tnLst>
+  </p:timing>
+</p:sld>
+</file>
+
+<file path=ppt/slides/slide12.xml><?xml version="1.0" encoding="utf-8"?>
+<p:sld xmlns:a="http://schemas.openxmlformats.org/drawingml/2006/main" xmlns:p="http://schemas.openxmlformats.org/presentationml/2006/main" xmlns:r="http://schemas.openxmlformats.org/officeDocument/2006/relationships">
+  <p:cSld>
+    <p:spTree>
+      <p:nvGrpSpPr>
+        <p:cNvPr id="1" name=""/>
+        <p:cNvGrpSpPr/>
+        <p:nvPr/>
+      </p:nvGrpSpPr>
+      <p:grpSpPr>
+        <a:xfrm>
+          <a:off x="0" y="0"/>
+          <a:ext cx="0" cy="0"/>
+          <a:chOff x="0" y="0"/>
+          <a:chExt cx="0" cy="0"/>
+        </a:xfrm>
+      </p:grpSpPr>
+      <p:sp>
+        <p:nvSpPr>
+          <p:cNvPr id="98" name="CustomShape 1"/>
+          <p:cNvSpPr/>
+          <p:nvPr/>
+        </p:nvSpPr>
+        <p:spPr>
+          <a:xfrm>
+            <a:off x="504000" y="49320"/>
+            <a:ext cx="9070560" cy="1261080"/>
+          </a:xfrm>
+          <a:prstGeom prst="rect">
+            <a:avLst/>
+          </a:prstGeom>
+          <a:noFill/>
+          <a:ln>
+            <a:noFill/>
+          </a:ln>
+        </p:spPr>
+        <p:style>
+          <a:lnRef idx="0"/>
+          <a:fillRef idx="0"/>
+          <a:effectRef idx="0"/>
+          <a:fontRef idx="minor"/>
+        </p:style>
+        <p:txBody>
+          <a:bodyPr lIns="0" rIns="0" tIns="0" bIns="0" anchor="ctr"/>
+          <a:p>
+            <a:pPr algn="ctr">
+              <a:lnSpc>
+                <a:spcPct val="100000"/>
+              </a:lnSpc>
+            </a:pPr>
+            <a:r>
+              <a:rPr lang="en-US" sz="4400" spc="-1" strike="noStrike">
+                <a:solidFill>
+                  <a:srgbClr val="cc3300"/>
+                </a:solidFill>
+                <a:uFill>
+                  <a:solidFill>
+                    <a:srgbClr val="ffffff"/>
+                  </a:solidFill>
+                </a:uFill>
+                <a:latin typeface="Arial"/>
+                <a:ea typeface="DejaVu Sans"/>
+              </a:rPr>
               <a:t>Spring Rest-doc</a:t>
             </a:r>
-            <a:endParaRPr lang="en-US" sz="4400" spc="-1" strike="noStrike">
-              <a:solidFill>
-                <a:srgbClr val="cc3300"/>
+            <a:endParaRPr lang="en-US" sz="1800" spc="-1" strike="noStrike">
+              <a:solidFill>
+                <a:srgbClr val="000000"/>
               </a:solidFill>
               <a:uFill>
                 <a:solidFill>
@@ -2297,13 +4465,13 @@
       </p:sp>
       <p:graphicFrame>
         <p:nvGraphicFramePr>
-          <p:cNvPr id="63" name="Table 2"/>
+          <p:cNvPr id="99" name="Table 2"/>
           <p:cNvGraphicFramePr/>
           <p:nvPr/>
         </p:nvGraphicFramePr>
         <p:xfrm>
           <a:off x="1414080" y="1780920"/>
-          <a:ext cx="7187040" cy="3912480"/>
+          <a:ext cx="7186680" cy="4125960"/>
         </p:xfrm>
         <a:graphic>
           <a:graphicData uri="http://schemas.openxmlformats.org/drawingml/2006/table">
@@ -2313,10 +4481,10 @@
                 <a:gridCol w="2867400"/>
                 <a:gridCol w="4319640"/>
               </a:tblGrid>
-              <a:tr h="93600">
+              <a:tr h="320400">
                 <a:tc>
                   <a:txBody>
-                    <a:bodyPr lIns="90000" rIns="90000" tIns="46800" bIns="46800"/>
+                    <a:bodyPr lIns="90000" rIns="90000"/>
                     <a:p>
                       <a:r>
                         <a:rPr lang="en-US" sz="1600" spc="-1" strike="noStrike">
@@ -2332,7 +4500,7 @@
                         </a:rPr>
                         <a:t>Point fort</a:t>
                       </a:r>
-                      <a:endParaRPr lang="en-US" sz="1600" spc="-1" strike="noStrike">
+                      <a:endParaRPr lang="en-US" sz="1800" spc="-1" strike="noStrike">
                         <a:solidFill>
                           <a:srgbClr val="000000"/>
                         </a:solidFill>
@@ -2373,7 +4541,7 @@
                 </a:tc>
                 <a:tc>
                   <a:txBody>
-                    <a:bodyPr lIns="90000" rIns="90000" tIns="46800" bIns="46800"/>
+                    <a:bodyPr lIns="90000" rIns="90000"/>
                     <a:p>
                       <a:r>
                         <a:rPr lang="en-US" sz="1600" spc="-1" strike="noStrike">
@@ -2389,7 +4557,7 @@
                         </a:rPr>
                         <a:t>Point faible</a:t>
                       </a:r>
-                      <a:endParaRPr lang="en-US" sz="1600" spc="-1" strike="noStrike">
+                      <a:endParaRPr lang="en-US" sz="1800" spc="-1" strike="noStrike">
                         <a:solidFill>
                           <a:srgbClr val="000000"/>
                         </a:solidFill>
@@ -2429,10 +4597,10 @@
                   </a:tcPr>
                 </a:tc>
               </a:tr>
-              <a:tr h="0">
+              <a:tr h="549000">
                 <a:tc>
                   <a:txBody>
-                    <a:bodyPr lIns="90000" rIns="90000" tIns="46800" bIns="46800"/>
+                    <a:bodyPr lIns="90000" rIns="90000"/>
                     <a:p>
                       <a:r>
                         <a:rPr lang="en-US" sz="1600" spc="-1" strike="noStrike">
@@ -2448,7 +4616,7 @@
                         </a:rPr>
                         <a:t>Basé sur Asciidoc ou Markdown</a:t>
                       </a:r>
-                      <a:endParaRPr lang="en-US" sz="1600" spc="-1" strike="noStrike">
+                      <a:endParaRPr lang="en-US" sz="1800" spc="-1" strike="noStrike">
                         <a:solidFill>
                           <a:srgbClr val="000000"/>
                         </a:solidFill>
@@ -2489,7 +4657,7 @@
                 </a:tc>
                 <a:tc>
                   <a:txBody>
-                    <a:bodyPr lIns="90000" rIns="90000" tIns="46800" bIns="46800"/>
+                    <a:bodyPr lIns="90000" rIns="90000"/>
                     <a:p>
                       <a:r>
                         <a:rPr lang="en-US" sz="1600" spc="-1" strike="noStrike">
@@ -2505,7 +4673,7 @@
                         </a:rPr>
                         <a:t>Sans Spring dans le projet c'est compliqué</a:t>
                       </a:r>
-                      <a:endParaRPr lang="en-US" sz="1600" spc="-1" strike="noStrike">
+                      <a:endParaRPr lang="en-US" sz="1800" spc="-1" strike="noStrike">
                         <a:solidFill>
                           <a:srgbClr val="000000"/>
                         </a:solidFill>
@@ -2545,10 +4713,10 @@
                   </a:tcPr>
                 </a:tc>
               </a:tr>
-              <a:tr h="0">
+              <a:tr h="549000">
                 <a:tc>
                   <a:txBody>
-                    <a:bodyPr lIns="90000" rIns="90000" tIns="46800" bIns="46800"/>
+                    <a:bodyPr lIns="90000" rIns="90000"/>
                     <a:p>
                       <a:r>
                         <a:rPr lang="en-US" sz="1600" spc="-1" strike="noStrike">
@@ -2564,7 +4732,7 @@
                         </a:rPr>
                         <a:t>Doc statique (facilement distribuable)</a:t>
                       </a:r>
-                      <a:endParaRPr lang="en-US" sz="1600" spc="-1" strike="noStrike">
+                      <a:endParaRPr lang="en-US" sz="1800" spc="-1" strike="noStrike">
                         <a:solidFill>
                           <a:srgbClr val="000000"/>
                         </a:solidFill>
@@ -2605,7 +4773,7 @@
                 </a:tc>
                 <a:tc>
                   <a:txBody>
-                    <a:bodyPr lIns="90000" rIns="90000" tIns="46800" bIns="46800"/>
+                    <a:bodyPr lIns="90000" rIns="90000"/>
                     <a:p>
                       <a:r>
                         <a:rPr lang="en-US" sz="1600" spc="-1" strike="noStrike">
@@ -2621,7 +4789,7 @@
                         </a:rPr>
                         <a:t>Migration au milieu d'un projet prend du temps</a:t>
                       </a:r>
-                      <a:endParaRPr lang="en-US" sz="1600" spc="-1" strike="noStrike">
+                      <a:endParaRPr lang="en-US" sz="1800" spc="-1" strike="noStrike">
                         <a:solidFill>
                           <a:srgbClr val="000000"/>
                         </a:solidFill>
@@ -2661,10 +4829,10 @@
                   </a:tcPr>
                 </a:tc>
               </a:tr>
-              <a:tr h="0">
+              <a:tr h="777600">
                 <a:tc>
                   <a:txBody>
-                    <a:bodyPr lIns="90000" rIns="90000" tIns="46800" bIns="46800"/>
+                    <a:bodyPr lIns="90000" rIns="90000"/>
                     <a:p>
                       <a:r>
                         <a:rPr lang="en-US" sz="1600" spc="-1" strike="noStrike">
@@ -2680,7 +4848,7 @@
                         </a:rPr>
                         <a:t>Force à faire des TI et à bien les faire pour avoir une bonne documentation</a:t>
                       </a:r>
-                      <a:endParaRPr lang="en-US" sz="1600" spc="-1" strike="noStrike">
+                      <a:endParaRPr lang="en-US" sz="1800" spc="-1" strike="noStrike">
                         <a:solidFill>
                           <a:srgbClr val="000000"/>
                         </a:solidFill>
@@ -2721,7 +4889,7 @@
                 </a:tc>
                 <a:tc>
                   <a:txBody>
-                    <a:bodyPr lIns="90000" rIns="90000" tIns="46800" bIns="46800"/>
+                    <a:bodyPr lIns="90000" rIns="90000"/>
                     <a:p>
                       <a:r>
                         <a:rPr lang="en-US" sz="1600" spc="-1" strike="noStrike">
@@ -2737,7 +4905,7 @@
                         </a:rPr>
                         <a:t>Esthétisme à tuner</a:t>
                       </a:r>
-                      <a:endParaRPr lang="en-US" sz="1600" spc="-1" strike="noStrike">
+                      <a:endParaRPr lang="en-US" sz="1800" spc="-1" strike="noStrike">
                         <a:solidFill>
                           <a:srgbClr val="000000"/>
                         </a:solidFill>
@@ -2777,10 +4945,10 @@
                   </a:tcPr>
                 </a:tc>
               </a:tr>
-              <a:tr h="0">
+              <a:tr h="549000">
                 <a:tc>
                   <a:txBody>
-                    <a:bodyPr lIns="90000" rIns="90000" tIns="46800" bIns="46800"/>
+                    <a:bodyPr lIns="90000" rIns="90000"/>
                     <a:p>
                       <a:r>
                         <a:rPr lang="en-US" sz="1600" spc="-1" strike="noStrike">
@@ -2796,7 +4964,7 @@
                         </a:rPr>
                         <a:t>Ne pollue pas le code applicatif</a:t>
                       </a:r>
-                      <a:endParaRPr lang="en-US" sz="1600" spc="-1" strike="noStrike">
+                      <a:endParaRPr lang="en-US" sz="1800" spc="-1" strike="noStrike">
                         <a:solidFill>
                           <a:srgbClr val="000000"/>
                         </a:solidFill>
@@ -2837,7 +5005,7 @@
                 </a:tc>
                 <a:tc>
                   <a:txBody>
-                    <a:bodyPr lIns="90000" rIns="90000" tIns="46800" bIns="46800"/>
+                    <a:bodyPr lIns="90000" rIns="90000"/>
                     <a:p>
                       <a:r>
                         <a:rPr lang="en-US" sz="1600" spc="-1" strike="noStrike">
@@ -2853,7 +5021,7 @@
                         </a:rPr>
                         <a:t>Nécessite une montée en compétence</a:t>
                       </a:r>
-                      <a:endParaRPr lang="en-US" sz="1600" spc="-1" strike="noStrike">
+                      <a:endParaRPr lang="en-US" sz="1800" spc="-1" strike="noStrike">
                         <a:solidFill>
                           <a:srgbClr val="000000"/>
                         </a:solidFill>
@@ -2893,10 +5061,10 @@
                   </a:tcPr>
                 </a:tc>
               </a:tr>
-              <a:tr h="0">
+              <a:tr h="603720">
                 <a:tc>
                   <a:txBody>
-                    <a:bodyPr lIns="90000" rIns="90000" tIns="46800" bIns="46800"/>
+                    <a:bodyPr lIns="90000" rIns="90000"/>
                     <a:p>
                       <a:r>
                         <a:rPr lang="en-US" sz="1800" spc="-1" strike="noStrike">
@@ -2979,10 +5147,10 @@
                   </a:tcPr>
                 </a:tc>
               </a:tr>
-              <a:tr h="0">
+              <a:tr h="549000">
                 <a:tc>
                   <a:txBody>
-                    <a:bodyPr lIns="90000" rIns="90000" tIns="46800" bIns="46800"/>
+                    <a:bodyPr lIns="90000" rIns="90000"/>
                     <a:p>
                       <a:r>
                         <a:rPr lang="en-US" sz="1600" spc="-1" strike="noStrike">
@@ -2998,7 +5166,7 @@
                         </a:rPr>
                         <a:t>Tout est documentable, les erreurs, les cas particuliers</a:t>
                       </a:r>
-                      <a:endParaRPr lang="en-US" sz="1600" spc="-1" strike="noStrike">
+                      <a:endParaRPr lang="en-US" sz="1800" spc="-1" strike="noStrike">
                         <a:solidFill>
                           <a:srgbClr val="000000"/>
                         </a:solidFill>
@@ -3065,6 +5233,92 @@
                   </a:tcPr>
                 </a:tc>
               </a:tr>
+              <a:tr h="603720">
+                <a:tc>
+                  <a:txBody>
+                    <a:bodyPr lIns="90000" rIns="90000"/>
+                    <a:p>
+                      <a:r>
+                        <a:rPr lang="en-US" sz="1800" spc="-1" strike="noStrike">
+                          <a:solidFill>
+                            <a:srgbClr val="000000"/>
+                          </a:solidFill>
+                          <a:uFill>
+                            <a:solidFill>
+                              <a:srgbClr val="ffffff"/>
+                            </a:solidFill>
+                          </a:uFill>
+                          <a:latin typeface="Arial"/>
+                        </a:rPr>
+                        <a:t>Facilement customisable (PathParamSnippet...)</a:t>
+                      </a:r>
+                      <a:endParaRPr lang="en-US" sz="1800" spc="-1" strike="noStrike">
+                        <a:solidFill>
+                          <a:srgbClr val="000000"/>
+                        </a:solidFill>
+                        <a:uFill>
+                          <a:solidFill>
+                            <a:srgbClr val="ffffff"/>
+                          </a:solidFill>
+                        </a:uFill>
+                        <a:latin typeface="Arial"/>
+                      </a:endParaRPr>
+                    </a:p>
+                  </a:txBody>
+                  <a:tcPr marL="90000" marR="90000">
+                    <a:lnL w="720">
+                      <a:solidFill>
+                        <a:srgbClr val="ffffff"/>
+                      </a:solidFill>
+                    </a:lnL>
+                    <a:lnR w="720">
+                      <a:solidFill>
+                        <a:srgbClr val="ffffff"/>
+                      </a:solidFill>
+                    </a:lnR>
+                    <a:lnT w="720">
+                      <a:solidFill>
+                        <a:srgbClr val="ffffff"/>
+                      </a:solidFill>
+                    </a:lnT>
+                    <a:lnB w="720">
+                      <a:solidFill>
+                        <a:srgbClr val="ffffff"/>
+                      </a:solidFill>
+                    </a:lnB>
+                    <a:solidFill>
+                      <a:srgbClr val="cccccc"/>
+                    </a:solidFill>
+                  </a:tcPr>
+                </a:tc>
+                <a:tc>
+                  <a:tcPr marL="90000" marR="90000">
+                    <a:lnL w="720">
+                      <a:solidFill>
+                        <a:srgbClr val="ffffff"/>
+                      </a:solidFill>
+                    </a:lnL>
+                    <a:lnR w="720">
+                      <a:solidFill>
+                        <a:srgbClr val="ffffff"/>
+                      </a:solidFill>
+                    </a:lnR>
+                    <a:lnT w="720">
+                      <a:solidFill>
+                        <a:srgbClr val="ffffff"/>
+                      </a:solidFill>
+                    </a:lnT>
+                    <a:lnB w="720">
+                      <a:solidFill>
+                        <a:srgbClr val="ffffff"/>
+                      </a:solidFill>
+                    </a:lnB>
+                    <a:solidFill>
+                      <a:srgbClr val="cccccc"/>
+                    </a:solidFill>
+                  </a:tcPr>
+                </a:tc>
+              </a:tr>
             </a:tbl>
           </a:graphicData>
         </a:graphic>
@@ -3074,10 +5328,121 @@
   <p:timing>
     <p:tnLst>
       <p:par>
-        <p:cTn id="21" dur="indefinite" restart="never" nodeType="tmRoot">
+        <p:cTn id="23" dur="indefinite" restart="never" nodeType="tmRoot">
           <p:childTnLst>
             <p:seq>
-              <p:cTn id="22" nodeType="mainSeq"/>
+              <p:cTn id="24" nodeType="mainSeq"/>
+              <p:prevCondLst>
+                <p:cond delay="0" evt="onPrev">
+                  <p:tgtEl>
+                    <p:sldTgt/>
+                  </p:tgtEl>
+                </p:cond>
+              </p:prevCondLst>
+              <p:nextCondLst>
+                <p:cond delay="0" evt="onNext">
+                  <p:tgtEl>
+                    <p:sldTgt/>
+                  </p:tgtEl>
+                </p:cond>
+              </p:nextCondLst>
+            </p:seq>
+          </p:childTnLst>
+        </p:cTn>
+      </p:par>
+    </p:tnLst>
+  </p:timing>
+</p:sld>
+</file>
+
+<file path=ppt/slides/slide13.xml><?xml version="1.0" encoding="utf-8"?>
+<p:sld xmlns:a="http://schemas.openxmlformats.org/drawingml/2006/main" xmlns:p="http://schemas.openxmlformats.org/presentationml/2006/main" xmlns:r="http://schemas.openxmlformats.org/officeDocument/2006/relationships">
+  <p:cSld>
+    <p:spTree>
+      <p:nvGrpSpPr>
+        <p:cNvPr id="1" name=""/>
+        <p:cNvGrpSpPr/>
+        <p:nvPr/>
+      </p:nvGrpSpPr>
+      <p:grpSpPr>
+        <a:xfrm>
+          <a:off x="0" y="0"/>
+          <a:ext cx="0" cy="0"/>
+          <a:chOff x="0" y="0"/>
+          <a:chExt cx="0" cy="0"/>
+        </a:xfrm>
+      </p:grpSpPr>
+      <p:sp>
+        <p:nvSpPr>
+          <p:cNvPr id="100" name="CustomShape 1"/>
+          <p:cNvSpPr/>
+          <p:nvPr/>
+        </p:nvSpPr>
+        <p:spPr>
+          <a:xfrm>
+            <a:off x="457200" y="1695600"/>
+            <a:ext cx="9070560" cy="3181320"/>
+          </a:xfrm>
+          <a:prstGeom prst="rect">
+            <a:avLst/>
+          </a:prstGeom>
+          <a:noFill/>
+          <a:ln>
+            <a:noFill/>
+          </a:ln>
+        </p:spPr>
+        <p:style>
+          <a:lnRef idx="0"/>
+          <a:fillRef idx="0"/>
+          <a:effectRef idx="0"/>
+          <a:fontRef idx="minor"/>
+        </p:style>
+        <p:txBody>
+          <a:bodyPr lIns="0" rIns="0" tIns="0" bIns="0" anchor="ctr"/>
+          <a:p>
+            <a:pPr algn="ctr">
+              <a:lnSpc>
+                <a:spcPct val="100000"/>
+              </a:lnSpc>
+            </a:pPr>
+            <a:r>
+              <a:rPr lang="en-US" sz="6600" spc="-1" strike="noStrike">
+                <a:solidFill>
+                  <a:srgbClr val="cc3300"/>
+                </a:solidFill>
+                <a:uFill>
+                  <a:solidFill>
+                    <a:srgbClr val="ffffff"/>
+                  </a:solidFill>
+                </a:uFill>
+                <a:latin typeface="Arial"/>
+                <a:ea typeface="DejaVu Sans"/>
+              </a:rPr>
+              <a:t>Merci pour votre attention</a:t>
+            </a:r>
+            <a:endParaRPr lang="en-US" sz="1800" spc="-1" strike="noStrike">
+              <a:solidFill>
+                <a:srgbClr val="000000"/>
+              </a:solidFill>
+              <a:uFill>
+                <a:solidFill>
+                  <a:srgbClr val="ffffff"/>
+                </a:solidFill>
+              </a:uFill>
+              <a:latin typeface="Arial"/>
+            </a:endParaRPr>
+          </a:p>
+        </p:txBody>
+      </p:sp>
+    </p:spTree>
+  </p:cSld>
+  <p:timing>
+    <p:tnLst>
+      <p:par>
+        <p:cTn id="25" dur="indefinite" restart="never" nodeType="tmRoot">
+          <p:childTnLst>
+            <p:seq>
+              <p:cTn id="26" nodeType="mainSeq"/>
               <p:prevCondLst>
                 <p:cond delay="0" evt="onPrev">
                   <p:tgtEl>
@@ -3120,14 +5485,14 @@
       </p:grpSpPr>
       <p:sp>
         <p:nvSpPr>
-          <p:cNvPr id="40" name="TextShape 1"/>
-          <p:cNvSpPr txBox="1"/>
+          <p:cNvPr id="73" name="CustomShape 1"/>
+          <p:cNvSpPr/>
           <p:nvPr/>
         </p:nvSpPr>
         <p:spPr>
           <a:xfrm>
             <a:off x="504000" y="301320"/>
-            <a:ext cx="9071640" cy="1262160"/>
+            <a:ext cx="9070560" cy="1261080"/>
           </a:xfrm>
           <a:prstGeom prst="rect">
             <a:avLst/>
@@ -3137,10 +5502,20 @@
             <a:noFill/>
           </a:ln>
         </p:spPr>
+        <p:style>
+          <a:lnRef idx="0"/>
+          <a:fillRef idx="0"/>
+          <a:effectRef idx="0"/>
+          <a:fontRef idx="minor"/>
+        </p:style>
         <p:txBody>
           <a:bodyPr lIns="0" rIns="0" tIns="0" bIns="0" anchor="ctr"/>
           <a:p>
-            <a:pPr algn="ctr"/>
+            <a:pPr algn="ctr">
+              <a:lnSpc>
+                <a:spcPct val="100000"/>
+              </a:lnSpc>
+            </a:pPr>
             <a:r>
               <a:rPr lang="en-US" sz="4400" spc="-1" strike="noStrike">
                 <a:solidFill>
@@ -3152,33 +5527,34 @@
                   </a:solidFill>
                 </a:uFill>
                 <a:latin typeface="Arial"/>
+                <a:ea typeface="DejaVu Sans"/>
               </a:rPr>
               <a:t>Comment faire ?</a:t>
             </a:r>
-            <a:endParaRPr lang="en-US" sz="4400" spc="-1" strike="noStrike">
-              <a:solidFill>
-                <a:srgbClr val="cc3300"/>
-              </a:solidFill>
-              <a:uFill>
-                <a:solidFill>
-                  <a:srgbClr val="ffffff"/>
-                </a:solidFill>
-              </a:uFill>
-              <a:latin typeface="Arial"/>
-            </a:endParaRPr>
-          </a:p>
-        </p:txBody>
-      </p:sp>
-      <p:sp>
-        <p:nvSpPr>
-          <p:cNvPr id="41" name="TextShape 2"/>
-          <p:cNvSpPr txBox="1"/>
+            <a:endParaRPr lang="en-US" sz="1800" spc="-1" strike="noStrike">
+              <a:solidFill>
+                <a:srgbClr val="000000"/>
+              </a:solidFill>
+              <a:uFill>
+                <a:solidFill>
+                  <a:srgbClr val="ffffff"/>
+                </a:solidFill>
+              </a:uFill>
+              <a:latin typeface="Arial"/>
+            </a:endParaRPr>
+          </a:p>
+        </p:txBody>
+      </p:sp>
+      <p:sp>
+        <p:nvSpPr>
+          <p:cNvPr id="74" name="CustomShape 2"/>
+          <p:cNvSpPr/>
           <p:nvPr/>
         </p:nvSpPr>
         <p:spPr>
           <a:xfrm>
             <a:off x="504000" y="2016360"/>
-            <a:ext cx="9071640" cy="4384440"/>
+            <a:ext cx="9070560" cy="4383360"/>
           </a:xfrm>
           <a:prstGeom prst="rect">
             <a:avLst/>
@@ -3188,10 +5564,19 @@
             <a:noFill/>
           </a:ln>
         </p:spPr>
+        <p:style>
+          <a:lnRef idx="0"/>
+          <a:fillRef idx="0"/>
+          <a:effectRef idx="0"/>
+          <a:fontRef idx="minor"/>
+        </p:style>
         <p:txBody>
           <a:bodyPr lIns="0" rIns="0" tIns="0" bIns="0"/>
           <a:p>
-            <a:pPr marL="432000" indent="-324000">
+            <a:pPr marL="432000" indent="-322920">
+              <a:lnSpc>
+                <a:spcPct val="100000"/>
+              </a:lnSpc>
               <a:buClr>
                 <a:srgbClr val="000000"/>
               </a:buClr>
@@ -3210,23 +5595,27 @@
                   </a:solidFill>
                 </a:uFill>
                 <a:latin typeface="Arial"/>
+                <a:ea typeface="DejaVu Sans"/>
               </a:rPr>
               <a:t>1) WSDL</a:t>
             </a:r>
-            <a:endParaRPr lang="en-US" sz="2800" spc="-1" strike="noStrike">
-              <a:solidFill>
-                <a:srgbClr val="000000"/>
-              </a:solidFill>
-              <a:uFill>
-                <a:solidFill>
-                  <a:srgbClr val="ffffff"/>
-                </a:solidFill>
-              </a:uFill>
-              <a:latin typeface="Arial"/>
-            </a:endParaRPr>
-          </a:p>
-          <a:p>
-            <a:pPr marL="432000" indent="-324000">
+            <a:endParaRPr lang="en-US" sz="1800" spc="-1" strike="noStrike">
+              <a:solidFill>
+                <a:srgbClr val="000000"/>
+              </a:solidFill>
+              <a:uFill>
+                <a:solidFill>
+                  <a:srgbClr val="ffffff"/>
+                </a:solidFill>
+              </a:uFill>
+              <a:latin typeface="Arial"/>
+            </a:endParaRPr>
+          </a:p>
+          <a:p>
+            <a:pPr marL="432000" indent="-322920">
+              <a:lnSpc>
+                <a:spcPct val="100000"/>
+              </a:lnSpc>
               <a:buClr>
                 <a:srgbClr val="000000"/>
               </a:buClr>
@@ -3245,23 +5634,27 @@
                   </a:solidFill>
                 </a:uFill>
                 <a:latin typeface="Arial"/>
+                <a:ea typeface="DejaVu Sans"/>
               </a:rPr>
               <a:t>2) Postman</a:t>
             </a:r>
-            <a:endParaRPr lang="en-US" sz="2800" spc="-1" strike="noStrike">
-              <a:solidFill>
-                <a:srgbClr val="000000"/>
-              </a:solidFill>
-              <a:uFill>
-                <a:solidFill>
-                  <a:srgbClr val="ffffff"/>
-                </a:solidFill>
-              </a:uFill>
-              <a:latin typeface="Arial"/>
-            </a:endParaRPr>
-          </a:p>
-          <a:p>
-            <a:pPr marL="432000" indent="-324000">
+            <a:endParaRPr lang="en-US" sz="1800" spc="-1" strike="noStrike">
+              <a:solidFill>
+                <a:srgbClr val="000000"/>
+              </a:solidFill>
+              <a:uFill>
+                <a:solidFill>
+                  <a:srgbClr val="ffffff"/>
+                </a:solidFill>
+              </a:uFill>
+              <a:latin typeface="Arial"/>
+            </a:endParaRPr>
+          </a:p>
+          <a:p>
+            <a:pPr marL="432000" indent="-322920">
+              <a:lnSpc>
+                <a:spcPct val="100000"/>
+              </a:lnSpc>
               <a:buClr>
                 <a:srgbClr val="000000"/>
               </a:buClr>
@@ -3280,23 +5673,27 @@
                   </a:solidFill>
                 </a:uFill>
                 <a:latin typeface="Arial"/>
+                <a:ea typeface="DejaVu Sans"/>
               </a:rPr>
               <a:t>3) Swagger</a:t>
             </a:r>
-            <a:endParaRPr lang="en-US" sz="2800" spc="-1" strike="noStrike">
-              <a:solidFill>
-                <a:srgbClr val="000000"/>
-              </a:solidFill>
-              <a:uFill>
-                <a:solidFill>
-                  <a:srgbClr val="ffffff"/>
-                </a:solidFill>
-              </a:uFill>
-              <a:latin typeface="Arial"/>
-            </a:endParaRPr>
-          </a:p>
-          <a:p>
-            <a:pPr marL="432000" indent="-324000">
+            <a:endParaRPr lang="en-US" sz="1800" spc="-1" strike="noStrike">
+              <a:solidFill>
+                <a:srgbClr val="000000"/>
+              </a:solidFill>
+              <a:uFill>
+                <a:solidFill>
+                  <a:srgbClr val="ffffff"/>
+                </a:solidFill>
+              </a:uFill>
+              <a:latin typeface="Arial"/>
+            </a:endParaRPr>
+          </a:p>
+          <a:p>
+            <a:pPr marL="432000" indent="-322920">
+              <a:lnSpc>
+                <a:spcPct val="100000"/>
+              </a:lnSpc>
               <a:buClr>
                 <a:srgbClr val="000000"/>
               </a:buClr>
@@ -3315,10 +5712,11 @@
                   </a:solidFill>
                 </a:uFill>
                 <a:latin typeface="Arial"/>
+                <a:ea typeface="DejaVu Sans"/>
               </a:rPr>
               <a:t>4) Spring Rest Doc</a:t>
             </a:r>
-            <a:endParaRPr lang="en-US" sz="2800" spc="-1" strike="noStrike">
+            <a:endParaRPr lang="en-US" sz="1800" spc="-1" strike="noStrike">
               <a:solidFill>
                 <a:srgbClr val="000000"/>
               </a:solidFill>
@@ -3383,14 +5781,14 @@
       </p:grpSpPr>
       <p:sp>
         <p:nvSpPr>
-          <p:cNvPr id="42" name="TextShape 1"/>
-          <p:cNvSpPr txBox="1"/>
+          <p:cNvPr id="75" name="CustomShape 1"/>
+          <p:cNvSpPr/>
           <p:nvPr/>
         </p:nvSpPr>
         <p:spPr>
           <a:xfrm>
             <a:off x="504000" y="301320"/>
-            <a:ext cx="9071640" cy="1262160"/>
+            <a:ext cx="9070560" cy="1261080"/>
           </a:xfrm>
           <a:prstGeom prst="rect">
             <a:avLst/>
@@ -3400,10 +5798,20 @@
             <a:noFill/>
           </a:ln>
         </p:spPr>
+        <p:style>
+          <a:lnRef idx="0"/>
+          <a:fillRef idx="0"/>
+          <a:effectRef idx="0"/>
+          <a:fontRef idx="minor"/>
+        </p:style>
         <p:txBody>
           <a:bodyPr lIns="0" rIns="0" tIns="0" bIns="0" anchor="ctr"/>
           <a:p>
-            <a:pPr algn="ctr"/>
+            <a:pPr algn="ctr">
+              <a:lnSpc>
+                <a:spcPct val="100000"/>
+              </a:lnSpc>
+            </a:pPr>
             <a:r>
               <a:rPr lang="en-US" sz="4400" spc="-1" strike="noStrike">
                 <a:solidFill>
@@ -3415,12 +5823,13 @@
                   </a:solidFill>
                 </a:uFill>
                 <a:latin typeface="Arial"/>
+                <a:ea typeface="DejaVu Sans"/>
               </a:rPr>
               <a:t>WSDL</a:t>
             </a:r>
-            <a:endParaRPr lang="en-US" sz="4400" spc="-1" strike="noStrike">
-              <a:solidFill>
-                <a:srgbClr val="cc3300"/>
+            <a:endParaRPr lang="en-US" sz="1800" spc="-1" strike="noStrike">
+              <a:solidFill>
+                <a:srgbClr val="000000"/>
               </a:solidFill>
               <a:uFill>
                 <a:solidFill>
@@ -3434,7 +5843,7 @@
       </p:sp>
       <p:pic>
         <p:nvPicPr>
-          <p:cNvPr id="43" name="" descr=""/>
+          <p:cNvPr id="76" name="" descr=""/>
           <p:cNvPicPr/>
           <p:nvPr/>
         </p:nvPicPr>
@@ -3445,7 +5854,7 @@
         <p:spPr>
           <a:xfrm>
             <a:off x="2377440" y="2269080"/>
-            <a:ext cx="5347440" cy="3125880"/>
+            <a:ext cx="5346360" cy="3124800"/>
           </a:xfrm>
           <a:prstGeom prst="rect">
             <a:avLst/>
@@ -3506,14 +5915,14 @@
       </p:grpSpPr>
       <p:sp>
         <p:nvSpPr>
-          <p:cNvPr id="44" name="TextShape 1"/>
-          <p:cNvSpPr txBox="1"/>
+          <p:cNvPr id="77" name="CustomShape 1"/>
+          <p:cNvSpPr/>
           <p:nvPr/>
         </p:nvSpPr>
         <p:spPr>
           <a:xfrm>
             <a:off x="504000" y="49320"/>
-            <a:ext cx="9071640" cy="1262160"/>
+            <a:ext cx="9070560" cy="1261080"/>
           </a:xfrm>
           <a:prstGeom prst="rect">
             <a:avLst/>
@@ -3523,10 +5932,20 @@
             <a:noFill/>
           </a:ln>
         </p:spPr>
+        <p:style>
+          <a:lnRef idx="0"/>
+          <a:fillRef idx="0"/>
+          <a:effectRef idx="0"/>
+          <a:fontRef idx="minor"/>
+        </p:style>
         <p:txBody>
           <a:bodyPr lIns="0" rIns="0" tIns="0" bIns="0" anchor="ctr"/>
           <a:p>
-            <a:pPr algn="ctr"/>
+            <a:pPr algn="ctr">
+              <a:lnSpc>
+                <a:spcPct val="100000"/>
+              </a:lnSpc>
+            </a:pPr>
             <a:r>
               <a:rPr lang="en-US" sz="4400" spc="-1" strike="noStrike">
                 <a:solidFill>
@@ -3538,12 +5957,13 @@
                   </a:solidFill>
                 </a:uFill>
                 <a:latin typeface="Arial"/>
+                <a:ea typeface="DejaVu Sans"/>
               </a:rPr>
               <a:t>Mais...</a:t>
             </a:r>
-            <a:endParaRPr lang="en-US" sz="4400" spc="-1" strike="noStrike">
-              <a:solidFill>
-                <a:srgbClr val="cc3300"/>
+            <a:endParaRPr lang="en-US" sz="1800" spc="-1" strike="noStrike">
+              <a:solidFill>
+                <a:srgbClr val="000000"/>
               </a:solidFill>
               <a:uFill>
                 <a:solidFill>
@@ -3557,7 +5977,7 @@
       </p:sp>
       <p:pic>
         <p:nvPicPr>
-          <p:cNvPr id="45" name="" descr=""/>
+          <p:cNvPr id="78" name="" descr=""/>
           <p:cNvPicPr/>
           <p:nvPr/>
         </p:nvPicPr>
@@ -3568,7 +5988,7 @@
         <p:spPr>
           <a:xfrm>
             <a:off x="2743200" y="1188720"/>
-            <a:ext cx="5212080" cy="5810400"/>
+            <a:ext cx="5211000" cy="5809320"/>
           </a:xfrm>
           <a:prstGeom prst="rect">
             <a:avLst/>
@@ -3629,14 +6049,14 @@
       </p:grpSpPr>
       <p:sp>
         <p:nvSpPr>
-          <p:cNvPr id="46" name="TextShape 1"/>
-          <p:cNvSpPr txBox="1"/>
+          <p:cNvPr id="79" name="CustomShape 1"/>
+          <p:cNvSpPr/>
           <p:nvPr/>
         </p:nvSpPr>
         <p:spPr>
           <a:xfrm>
             <a:off x="504000" y="49320"/>
-            <a:ext cx="9071640" cy="1262160"/>
+            <a:ext cx="9070560" cy="1261080"/>
           </a:xfrm>
           <a:prstGeom prst="rect">
             <a:avLst/>
@@ -3646,10 +6066,20 @@
             <a:noFill/>
           </a:ln>
         </p:spPr>
+        <p:style>
+          <a:lnRef idx="0"/>
+          <a:fillRef idx="0"/>
+          <a:effectRef idx="0"/>
+          <a:fontRef idx="minor"/>
+        </p:style>
         <p:txBody>
           <a:bodyPr lIns="0" rIns="0" tIns="0" bIns="0" anchor="ctr"/>
           <a:p>
-            <a:pPr algn="ctr"/>
+            <a:pPr algn="ctr">
+              <a:lnSpc>
+                <a:spcPct val="100000"/>
+              </a:lnSpc>
+            </a:pPr>
             <a:r>
               <a:rPr lang="en-US" sz="4400" spc="-1" strike="noStrike">
                 <a:solidFill>
@@ -3661,12 +6091,13 @@
                   </a:solidFill>
                 </a:uFill>
                 <a:latin typeface="Arial"/>
+                <a:ea typeface="DejaVu Sans"/>
               </a:rPr>
               <a:t>Postman</a:t>
             </a:r>
-            <a:endParaRPr lang="en-US" sz="4400" spc="-1" strike="noStrike">
-              <a:solidFill>
-                <a:srgbClr val="cc3300"/>
+            <a:endParaRPr lang="en-US" sz="1800" spc="-1" strike="noStrike">
+              <a:solidFill>
+                <a:srgbClr val="000000"/>
               </a:solidFill>
               <a:uFill>
                 <a:solidFill>
@@ -3680,7 +6111,7 @@
       </p:sp>
       <p:pic>
         <p:nvPicPr>
-          <p:cNvPr id="47" name="" descr=""/>
+          <p:cNvPr id="80" name="" descr=""/>
           <p:cNvPicPr/>
           <p:nvPr/>
         </p:nvPicPr>
@@ -3691,7 +6122,7 @@
         <p:spPr>
           <a:xfrm>
             <a:off x="6309360" y="1221480"/>
-            <a:ext cx="3428640" cy="1247400"/>
+            <a:ext cx="3427560" cy="1246320"/>
           </a:xfrm>
           <a:prstGeom prst="rect">
             <a:avLst/>
@@ -3703,14 +6134,14 @@
       </p:pic>
       <p:sp>
         <p:nvSpPr>
-          <p:cNvPr id="48" name="TextShape 2"/>
-          <p:cNvSpPr txBox="1"/>
+          <p:cNvPr id="81" name="CustomShape 2"/>
+          <p:cNvSpPr/>
           <p:nvPr/>
         </p:nvSpPr>
         <p:spPr>
           <a:xfrm>
-            <a:off x="1005840" y="1939680"/>
-            <a:ext cx="4480560" cy="1077840"/>
+            <a:off x="822960" y="1391400"/>
+            <a:ext cx="4479480" cy="1076760"/>
           </a:xfrm>
           <a:prstGeom prst="rect">
             <a:avLst/>
@@ -3720,6 +6151,12 @@
             <a:noFill/>
           </a:ln>
         </p:spPr>
+        <p:style>
+          <a:lnRef idx="0"/>
+          <a:fillRef idx="0"/>
+          <a:effectRef idx="0"/>
+          <a:fontRef idx="minor"/>
+        </p:style>
         <p:txBody>
           <a:bodyPr lIns="90000" rIns="90000" tIns="45000" bIns="45000"/>
           <a:p>
@@ -3734,6 +6171,7 @@
                   </a:solidFill>
                 </a:uFill>
                 <a:latin typeface="Arial"/>
+                <a:ea typeface="DejaVu Sans"/>
               </a:rPr>
               <a:t>Importer une collection avec Postman au format JSON.</a:t>
             </a:r>
@@ -3753,7 +6191,7 @@
       </p:sp>
       <p:pic>
         <p:nvPicPr>
-          <p:cNvPr id="49" name="" descr=""/>
+          <p:cNvPr id="82" name="" descr=""/>
           <p:cNvPicPr/>
           <p:nvPr/>
         </p:nvPicPr>
@@ -3764,7 +6202,7 @@
         <p:spPr>
           <a:xfrm>
             <a:off x="1676880" y="2743200"/>
-            <a:ext cx="6735600" cy="4289760"/>
+            <a:ext cx="6734520" cy="4288680"/>
           </a:xfrm>
           <a:prstGeom prst="rect">
             <a:avLst/>
@@ -3825,14 +6263,14 @@
       </p:grpSpPr>
       <p:sp>
         <p:nvSpPr>
-          <p:cNvPr id="50" name="TextShape 1"/>
-          <p:cNvSpPr txBox="1"/>
+          <p:cNvPr id="83" name="CustomShape 1"/>
+          <p:cNvSpPr/>
           <p:nvPr/>
         </p:nvSpPr>
         <p:spPr>
           <a:xfrm>
             <a:off x="504000" y="49320"/>
-            <a:ext cx="9071640" cy="1262160"/>
+            <a:ext cx="9070560" cy="1261080"/>
           </a:xfrm>
           <a:prstGeom prst="rect">
             <a:avLst/>
@@ -3842,10 +6280,20 @@
             <a:noFill/>
           </a:ln>
         </p:spPr>
+        <p:style>
+          <a:lnRef idx="0"/>
+          <a:fillRef idx="0"/>
+          <a:effectRef idx="0"/>
+          <a:fontRef idx="minor"/>
+        </p:style>
         <p:txBody>
           <a:bodyPr lIns="0" rIns="0" tIns="0" bIns="0" anchor="ctr"/>
           <a:p>
-            <a:pPr algn="ctr"/>
+            <a:pPr algn="ctr">
+              <a:lnSpc>
+                <a:spcPct val="100000"/>
+              </a:lnSpc>
+            </a:pPr>
             <a:r>
               <a:rPr lang="en-US" sz="4400" spc="-1" strike="noStrike">
                 <a:solidFill>
@@ -3857,12 +6305,13 @@
                   </a:solidFill>
                 </a:uFill>
                 <a:latin typeface="Arial"/>
+                <a:ea typeface="DejaVu Sans"/>
               </a:rPr>
               <a:t>Swagger</a:t>
             </a:r>
-            <a:endParaRPr lang="en-US" sz="4400" spc="-1" strike="noStrike">
-              <a:solidFill>
-                <a:srgbClr val="cc3300"/>
+            <a:endParaRPr lang="en-US" sz="1800" spc="-1" strike="noStrike">
+              <a:solidFill>
+                <a:srgbClr val="000000"/>
               </a:solidFill>
               <a:uFill>
                 <a:solidFill>
@@ -3876,7 +6325,7 @@
       </p:sp>
       <p:pic>
         <p:nvPicPr>
-          <p:cNvPr id="51" name="" descr=""/>
+          <p:cNvPr id="84" name="" descr=""/>
           <p:cNvPicPr/>
           <p:nvPr/>
         </p:nvPicPr>
@@ -3887,7 +6336,7 @@
         <p:spPr>
           <a:xfrm>
             <a:off x="1005840" y="2011680"/>
-            <a:ext cx="8036280" cy="4164840"/>
+            <a:ext cx="8035200" cy="4163760"/>
           </a:xfrm>
           <a:prstGeom prst="rect">
             <a:avLst/>
@@ -3899,7 +6348,7 @@
       </p:pic>
       <p:pic>
         <p:nvPicPr>
-          <p:cNvPr id="52" name="" descr=""/>
+          <p:cNvPr id="85" name="" descr=""/>
           <p:cNvPicPr/>
           <p:nvPr/>
         </p:nvPicPr>
@@ -3910,7 +6359,7 @@
         <p:spPr>
           <a:xfrm>
             <a:off x="8157960" y="365760"/>
-            <a:ext cx="1351800" cy="1323360"/>
+            <a:ext cx="1350720" cy="1322280"/>
           </a:xfrm>
           <a:prstGeom prst="rect">
             <a:avLst/>
@@ -3971,14 +6420,14 @@
       </p:grpSpPr>
       <p:sp>
         <p:nvSpPr>
-          <p:cNvPr id="53" name="TextShape 1"/>
-          <p:cNvSpPr txBox="1"/>
+          <p:cNvPr id="86" name="CustomShape 1"/>
+          <p:cNvSpPr/>
           <p:nvPr/>
         </p:nvSpPr>
         <p:spPr>
           <a:xfrm>
             <a:off x="504000" y="49320"/>
-            <a:ext cx="9071640" cy="1262160"/>
+            <a:ext cx="9070560" cy="1261080"/>
           </a:xfrm>
           <a:prstGeom prst="rect">
             <a:avLst/>
@@ -3988,10 +6437,20 @@
             <a:noFill/>
           </a:ln>
         </p:spPr>
+        <p:style>
+          <a:lnRef idx="0"/>
+          <a:fillRef idx="0"/>
+          <a:effectRef idx="0"/>
+          <a:fontRef idx="minor"/>
+        </p:style>
         <p:txBody>
           <a:bodyPr lIns="0" rIns="0" tIns="0" bIns="0" anchor="ctr"/>
           <a:p>
-            <a:pPr algn="ctr"/>
+            <a:pPr algn="ctr">
+              <a:lnSpc>
+                <a:spcPct val="100000"/>
+              </a:lnSpc>
+            </a:pPr>
             <a:r>
               <a:rPr lang="en-US" sz="4400" spc="-1" strike="noStrike">
                 <a:solidFill>
@@ -4003,12 +6462,13 @@
                   </a:solidFill>
                 </a:uFill>
                 <a:latin typeface="Arial"/>
+                <a:ea typeface="DejaVu Sans"/>
               </a:rPr>
               <a:t>Swagger</a:t>
             </a:r>
-            <a:endParaRPr lang="en-US" sz="4400" spc="-1" strike="noStrike">
-              <a:solidFill>
-                <a:srgbClr val="cc3300"/>
+            <a:endParaRPr lang="en-US" sz="1800" spc="-1" strike="noStrike">
+              <a:solidFill>
+                <a:srgbClr val="000000"/>
               </a:solidFill>
               <a:uFill>
                 <a:solidFill>
@@ -4022,7 +6482,7 @@
       </p:sp>
       <p:pic>
         <p:nvPicPr>
-          <p:cNvPr id="54" name="" descr=""/>
+          <p:cNvPr id="87" name="" descr=""/>
           <p:cNvPicPr/>
           <p:nvPr/>
         </p:nvPicPr>
@@ -4033,7 +6493,7 @@
         <p:spPr>
           <a:xfrm>
             <a:off x="914400" y="2406240"/>
-            <a:ext cx="8433360" cy="2805840"/>
+            <a:ext cx="8432280" cy="2804760"/>
           </a:xfrm>
           <a:prstGeom prst="rect">
             <a:avLst/>
@@ -4094,14 +6554,14 @@
       </p:grpSpPr>
       <p:sp>
         <p:nvSpPr>
-          <p:cNvPr id="55" name="TextShape 1"/>
-          <p:cNvSpPr txBox="1"/>
+          <p:cNvPr id="88" name="CustomShape 1"/>
+          <p:cNvSpPr/>
           <p:nvPr/>
         </p:nvSpPr>
         <p:spPr>
           <a:xfrm>
             <a:off x="504000" y="49320"/>
-            <a:ext cx="9071640" cy="1262160"/>
+            <a:ext cx="9070560" cy="1261080"/>
           </a:xfrm>
           <a:prstGeom prst="rect">
             <a:avLst/>
@@ -4111,10 +6571,20 @@
             <a:noFill/>
           </a:ln>
         </p:spPr>
+        <p:style>
+          <a:lnRef idx="0"/>
+          <a:fillRef idx="0"/>
+          <a:effectRef idx="0"/>
+          <a:fontRef idx="minor"/>
+        </p:style>
         <p:txBody>
           <a:bodyPr lIns="0" rIns="0" tIns="0" bIns="0" anchor="ctr"/>
           <a:p>
-            <a:pPr algn="ctr"/>
+            <a:pPr algn="ctr">
+              <a:lnSpc>
+                <a:spcPct val="100000"/>
+              </a:lnSpc>
+            </a:pPr>
             <a:r>
               <a:rPr lang="en-US" sz="4400" spc="-1" strike="noStrike">
                 <a:solidFill>
@@ -4126,12 +6596,13 @@
                   </a:solidFill>
                 </a:uFill>
                 <a:latin typeface="Arial"/>
+                <a:ea typeface="DejaVu Sans"/>
               </a:rPr>
               <a:t>Swagger</a:t>
             </a:r>
-            <a:endParaRPr lang="en-US" sz="4400" spc="-1" strike="noStrike">
-              <a:solidFill>
-                <a:srgbClr val="cc3300"/>
+            <a:endParaRPr lang="en-US" sz="1800" spc="-1" strike="noStrike">
+              <a:solidFill>
+                <a:srgbClr val="000000"/>
               </a:solidFill>
               <a:uFill>
                 <a:solidFill>
@@ -4145,13 +6616,13 @@
       </p:sp>
       <p:graphicFrame>
         <p:nvGraphicFramePr>
-          <p:cNvPr id="56" name="Table 2"/>
+          <p:cNvPr id="89" name="Table 2"/>
           <p:cNvGraphicFramePr/>
           <p:nvPr/>
         </p:nvGraphicFramePr>
         <p:xfrm>
           <a:off x="1774080" y="1780920"/>
-          <a:ext cx="6854760" cy="3216960"/>
+          <a:ext cx="6854400" cy="93240"/>
         </p:xfrm>
         <a:graphic>
           <a:graphicData uri="http://schemas.openxmlformats.org/drawingml/2006/table">
@@ -4164,7 +6635,7 @@
               <a:tr h="93600">
                 <a:tc>
                   <a:txBody>
-                    <a:bodyPr lIns="90000" rIns="90000" tIns="46800" bIns="46800"/>
+                    <a:bodyPr lIns="90000" rIns="90000"/>
                     <a:p>
                       <a:r>
                         <a:rPr lang="en-US" sz="1600" spc="-1" strike="noStrike">
@@ -4221,7 +6692,7 @@
                 </a:tc>
                 <a:tc>
                   <a:txBody>
-                    <a:bodyPr lIns="90000" rIns="90000" tIns="46800" bIns="46800"/>
+                    <a:bodyPr lIns="90000" rIns="90000"/>
                     <a:p>
                       <a:r>
                         <a:rPr lang="en-US" sz="1600" spc="-1" strike="noStrike">
@@ -4280,7 +6751,7 @@
               <a:tr h="0">
                 <a:tc>
                   <a:txBody>
-                    <a:bodyPr lIns="90000" rIns="90000" tIns="46800" bIns="46800"/>
+                    <a:bodyPr lIns="90000" rIns="90000"/>
                     <a:p>
                       <a:r>
                         <a:rPr lang="en-US" sz="1600" spc="-1" strike="noStrike">
@@ -4337,7 +6808,7 @@
                 </a:tc>
                 <a:tc>
                   <a:txBody>
-                    <a:bodyPr lIns="90000" rIns="90000" tIns="46800" bIns="46800"/>
+                    <a:bodyPr lIns="90000" rIns="90000"/>
                     <a:p>
                       <a:r>
                         <a:rPr lang="en-US" sz="1600" spc="-1" strike="noStrike">
@@ -4396,7 +6867,7 @@
               <a:tr h="0">
                 <a:tc>
                   <a:txBody>
-                    <a:bodyPr lIns="90000" rIns="90000" tIns="46800" bIns="46800"/>
+                    <a:bodyPr lIns="90000" rIns="90000"/>
                     <a:p>
                       <a:r>
                         <a:rPr lang="en-US" sz="1600" spc="-1" strike="noStrike">
@@ -4453,7 +6924,7 @@
                 </a:tc>
                 <a:tc>
                   <a:txBody>
-                    <a:bodyPr lIns="90000" rIns="90000" tIns="46800" bIns="46800"/>
+                    <a:bodyPr lIns="90000" rIns="90000"/>
                     <a:p>
                       <a:r>
                         <a:rPr lang="en-US" sz="1600" spc="-1" strike="noStrike">
@@ -4512,7 +6983,7 @@
               <a:tr h="0">
                 <a:tc>
                   <a:txBody>
-                    <a:bodyPr lIns="90000" rIns="90000" tIns="46800" bIns="46800"/>
+                    <a:bodyPr lIns="90000" rIns="90000"/>
                     <a:p>
                       <a:r>
                         <a:rPr lang="en-US" sz="1600" spc="-1" strike="noStrike">
@@ -4569,7 +7040,7 @@
                 </a:tc>
                 <a:tc>
                   <a:txBody>
-                    <a:bodyPr lIns="90000" rIns="90000" tIns="46800" bIns="46800"/>
+                    <a:bodyPr lIns="90000" rIns="90000"/>
                     <a:p>
                       <a:r>
                         <a:rPr lang="en-US" sz="1600" spc="-1" strike="noStrike">
@@ -4628,7 +7099,7 @@
               <a:tr h="0">
                 <a:tc>
                   <a:txBody>
-                    <a:bodyPr lIns="90000" rIns="90000" tIns="46800" bIns="46800"/>
+                    <a:bodyPr lIns="90000" rIns="90000"/>
                     <a:p>
                       <a:r>
                         <a:rPr lang="en-US" sz="1600" spc="-1" strike="noStrike">
@@ -4685,7 +7156,7 @@
                 </a:tc>
                 <a:tc>
                   <a:txBody>
-                    <a:bodyPr lIns="90000" rIns="90000" tIns="46800" bIns="46800"/>
+                    <a:bodyPr lIns="90000" rIns="90000"/>
                     <a:p>
                       <a:r>
                         <a:rPr lang="en-US" sz="1600" spc="-1" strike="noStrike">
@@ -4744,7 +7215,7 @@
               <a:tr h="0">
                 <a:tc>
                   <a:txBody>
-                    <a:bodyPr lIns="90000" rIns="90000" tIns="46800" bIns="46800"/>
+                    <a:bodyPr lIns="90000" rIns="90000"/>
                     <a:p>
                       <a:r>
                         <a:rPr lang="en-US" sz="1600" spc="-1" strike="noStrike">
@@ -4801,7 +7272,7 @@
                 </a:tc>
                 <a:tc>
                   <a:txBody>
-                    <a:bodyPr lIns="90000" rIns="90000" tIns="46800" bIns="46800"/>
+                    <a:bodyPr lIns="90000" rIns="90000"/>
                     <a:p>
                       <a:r>
                         <a:rPr lang="en-US" sz="1600" spc="-1" strike="noStrike">
@@ -4860,7 +7331,7 @@
               <a:tr h="0">
                 <a:tc>
                   <a:txBody>
-                    <a:bodyPr lIns="90000" rIns="90000" tIns="46800" bIns="46800"/>
+                    <a:bodyPr lIns="90000" rIns="90000"/>
                     <a:p>
                       <a:r>
                         <a:rPr lang="en-US" sz="1600" spc="-1" strike="noStrike">
@@ -4917,7 +7388,7 @@
                 </a:tc>
                 <a:tc>
                   <a:txBody>
-                    <a:bodyPr lIns="90000" rIns="90000" tIns="46800" bIns="46800"/>
+                    <a:bodyPr lIns="90000" rIns="90000"/>
                     <a:p>
                       <a:r>
                         <a:rPr lang="en-US" sz="1600" spc="-1" strike="noStrike">
@@ -5028,14 +7499,14 @@
       </p:grpSpPr>
       <p:sp>
         <p:nvSpPr>
-          <p:cNvPr id="57" name="TextShape 1"/>
-          <p:cNvSpPr txBox="1"/>
+          <p:cNvPr id="90" name="CustomShape 1"/>
+          <p:cNvSpPr/>
           <p:nvPr/>
         </p:nvSpPr>
         <p:spPr>
           <a:xfrm>
             <a:off x="504000" y="49320"/>
-            <a:ext cx="9071640" cy="1262160"/>
+            <a:ext cx="9070560" cy="1261080"/>
           </a:xfrm>
           <a:prstGeom prst="rect">
             <a:avLst/>
@@ -5045,10 +7516,20 @@
             <a:noFill/>
           </a:ln>
         </p:spPr>
+        <p:style>
+          <a:lnRef idx="0"/>
+          <a:fillRef idx="0"/>
+          <a:effectRef idx="0"/>
+          <a:fontRef idx="minor"/>
+        </p:style>
         <p:txBody>
           <a:bodyPr lIns="0" rIns="0" tIns="0" bIns="0" anchor="ctr"/>
           <a:p>
-            <a:pPr algn="ctr"/>
+            <a:pPr algn="ctr">
+              <a:lnSpc>
+                <a:spcPct val="100000"/>
+              </a:lnSpc>
+            </a:pPr>
             <a:r>
               <a:rPr lang="en-US" sz="4400" spc="-1" strike="noStrike">
                 <a:solidFill>
@@ -5060,12 +7541,13 @@
                   </a:solidFill>
                 </a:uFill>
                 <a:latin typeface="Arial"/>
+                <a:ea typeface="DejaVu Sans"/>
               </a:rPr>
               <a:t>Spring Rest-doc</a:t>
             </a:r>
-            <a:endParaRPr lang="en-US" sz="4400" spc="-1" strike="noStrike">
-              <a:solidFill>
-                <a:srgbClr val="cc3300"/>
+            <a:endParaRPr lang="en-US" sz="1800" spc="-1" strike="noStrike">
+              <a:solidFill>
+                <a:srgbClr val="000000"/>
               </a:solidFill>
               <a:uFill>
                 <a:solidFill>
@@ -5079,7 +7561,7 @@
       </p:sp>
       <p:pic>
         <p:nvPicPr>
-          <p:cNvPr id="58" name="" descr=""/>
+          <p:cNvPr id="91" name="" descr=""/>
           <p:cNvPicPr/>
           <p:nvPr/>
         </p:nvPicPr>
@@ -5090,7 +7572,7 @@
         <p:spPr>
           <a:xfrm>
             <a:off x="7772400" y="419040"/>
-            <a:ext cx="1737360" cy="1737360"/>
+            <a:ext cx="1736280" cy="1736280"/>
           </a:xfrm>
           <a:prstGeom prst="rect">
             <a:avLst/>
@@ -5102,7 +7584,7 @@
       </p:pic>
       <p:pic>
         <p:nvPicPr>
-          <p:cNvPr id="59" name="" descr=""/>
+          <p:cNvPr id="92" name="" descr=""/>
           <p:cNvPicPr/>
           <p:nvPr/>
         </p:nvPicPr>
@@ -5113,7 +7595,7 @@
         <p:spPr>
           <a:xfrm>
             <a:off x="457200" y="2308320"/>
-            <a:ext cx="8771760" cy="4197600"/>
+            <a:ext cx="8770680" cy="4196520"/>
           </a:xfrm>
           <a:prstGeom prst="rect">
             <a:avLst/>
@@ -5376,4 +7858,227 @@
     </a:fmtScheme>
   </a:themeElements>
 </a:theme>
+</file>
+
+<file path=ppt/theme/theme2.xml><?xml version="1.0" encoding="utf-8"?>
+<a:theme xmlns:a="http://schemas.openxmlformats.org/drawingml/2006/main" name="Office Theme">
+  <a:themeElements>
+    <a:clrScheme name="Office">
+      <a:dk1>
+        <a:sysClr val="windowText" lastClr="000000"/>
+      </a:dk1>
+      <a:lt1>
+        <a:sysClr val="window" lastClr="FFFFFF"/>
+      </a:lt1>
+      <a:dk2>
+        <a:srgbClr val="1F497D"/>
+      </a:dk2>
+      <a:lt2>
+        <a:srgbClr val="EEECE1"/>
+      </a:lt2>
+      <a:accent1>
+        <a:srgbClr val="4F81BD"/>
+      </a:accent1>
+      <a:accent2>
+        <a:srgbClr val="C0504D"/>
+      </a:accent2>
+      <a:accent3>
+        <a:srgbClr val="9BBB59"/>
+      </a:accent3>
+      <a:accent4>
+        <a:srgbClr val="8064A2"/>
+      </a:accent4>
+      <a:accent5>
+        <a:srgbClr val="4BACC6"/>
+      </a:accent5>
+      <a:accent6>
+        <a:srgbClr val="F79646"/>
+      </a:accent6>
+      <a:hlink>
+        <a:srgbClr val="0000FF"/>
+      </a:hlink>
+      <a:folHlink>
+        <a:srgbClr val="800080"/>
+      </a:folHlink>
+    </a:clrScheme>
+    <a:fontScheme name="Office">
+      <a:majorFont>
+        <a:latin typeface="Arial"/>
+        <a:ea typeface="DejaVu Sans"/>
+        <a:cs typeface="DejaVu Sans"/>
+      </a:majorFont>
+      <a:minorFont>
+        <a:latin typeface="Arial"/>
+        <a:ea typeface="DejaVu Sans"/>
+        <a:cs typeface="DejaVu Sans"/>
+      </a:minorFont>
+    </a:fontScheme>
+    <a:fmtScheme name="Office">
+      <a:fillStyleLst>
+        <a:solidFill>
+          <a:schemeClr val="phClr"/>
+        </a:solidFill>
+        <a:gradFill rotWithShape="1">
+          <a:gsLst>
+            <a:gs pos="0">
+              <a:schemeClr val="phClr">
+                <a:tint val="50000"/>
+                <a:satMod val="300000"/>
+              </a:schemeClr>
+            </a:gs>
+            <a:gs pos="35000">
+              <a:schemeClr val="phClr">
+                <a:tint val="37000"/>
+                <a:satMod val="300000"/>
+              </a:schemeClr>
+            </a:gs>
+            <a:gs pos="100000">
+              <a:schemeClr val="phClr">
+                <a:tint val="15000"/>
+                <a:satMod val="350000"/>
+              </a:schemeClr>
+            </a:gs>
+          </a:gsLst>
+          <a:lin ang="16200000" scaled="1"/>
+        </a:gradFill>
+        <a:gradFill rotWithShape="1">
+          <a:gsLst>
+            <a:gs pos="0">
+              <a:schemeClr val="phClr">
+                <a:shade val="51000"/>
+                <a:satMod val="130000"/>
+              </a:schemeClr>
+            </a:gs>
+            <a:gs pos="80000">
+              <a:schemeClr val="phClr">
+                <a:shade val="93000"/>
+                <a:satMod val="130000"/>
+              </a:schemeClr>
+            </a:gs>
+            <a:gs pos="100000">
+              <a:schemeClr val="phClr">
+                <a:shade val="94000"/>
+                <a:satMod val="135000"/>
+              </a:schemeClr>
+            </a:gs>
+          </a:gsLst>
+          <a:lin ang="16200000" scaled="0"/>
+        </a:gradFill>
+      </a:fillStyleLst>
+      <a:lnStyleLst>
+        <a:ln w="9525" cap="flat" cmpd="sng" algn="ctr">
+          <a:solidFill>
+            <a:schemeClr val="phClr">
+              <a:shade val="95000"/>
+              <a:satMod val="105000"/>
+            </a:schemeClr>
+          </a:solidFill>
+          <a:prstDash val="solid"/>
+        </a:ln>
+        <a:ln w="25400" cap="flat" cmpd="sng" algn="ctr">
+          <a:solidFill>
+            <a:schemeClr val="phClr"/>
+          </a:solidFill>
+          <a:prstDash val="solid"/>
+        </a:ln>
+        <a:ln w="38100" cap="flat" cmpd="sng" algn="ctr">
+          <a:solidFill>
+            <a:schemeClr val="phClr"/>
+          </a:solidFill>
+          <a:prstDash val="solid"/>
+        </a:ln>
+      </a:lnStyleLst>
+      <a:effectStyleLst>
+        <a:effectStyle>
+          <a:effectLst>
+            <a:outerShdw blurRad="40000" dist="20000" dir="5400000" rotWithShape="0">
+              <a:srgbClr val="000000">
+                <a:alpha val="38000"/>
+              </a:srgbClr>
+            </a:outerShdw>
+          </a:effectLst>
+        </a:effectStyle>
+        <a:effectStyle>
+          <a:effectLst>
+            <a:outerShdw blurRad="40000" dist="23000" dir="5400000" rotWithShape="0">
+              <a:srgbClr val="000000">
+                <a:alpha val="35000"/>
+              </a:srgbClr>
+            </a:outerShdw>
+          </a:effectLst>
+        </a:effectStyle>
+        <a:effectStyle>
+          <a:effectLst>
+            <a:outerShdw blurRad="40000" dist="23000" dir="5400000" rotWithShape="0">
+              <a:srgbClr val="000000">
+                <a:alpha val="35000"/>
+              </a:srgbClr>
+            </a:outerShdw>
+          </a:effectLst>
+          <a:scene3d>
+            <a:camera prst="orthographicFront">
+              <a:rot lat="0" lon="0" rev="0"/>
+            </a:camera>
+            <a:lightRig rig="threePt" dir="t">
+              <a:rot lat="0" lon="0" rev="1200000"/>
+            </a:lightRig>
+          </a:scene3d>
+          <a:sp3d>
+            <a:bevelT w="63500" h="25400"/>
+          </a:sp3d>
+        </a:effectStyle>
+      </a:effectStyleLst>
+      <a:bgFillStyleLst>
+        <a:solidFill>
+          <a:schemeClr val="phClr"/>
+        </a:solidFill>
+        <a:gradFill rotWithShape="1">
+          <a:gsLst>
+            <a:gs pos="0">
+              <a:schemeClr val="phClr">
+                <a:tint val="40000"/>
+                <a:satMod val="350000"/>
+              </a:schemeClr>
+            </a:gs>
+            <a:gs pos="40000">
+              <a:schemeClr val="phClr">
+                <a:tint val="45000"/>
+                <a:shade val="99000"/>
+                <a:satMod val="350000"/>
+              </a:schemeClr>
+            </a:gs>
+            <a:gs pos="100000">
+              <a:schemeClr val="phClr">
+                <a:shade val="20000"/>
+                <a:satMod val="255000"/>
+              </a:schemeClr>
+            </a:gs>
+          </a:gsLst>
+          <a:path path="circle">
+            <a:fillToRect l="50000" t="-80000" r="50000" b="180000"/>
+          </a:path>
+        </a:gradFill>
+        <a:gradFill rotWithShape="1">
+          <a:gsLst>
+            <a:gs pos="0">
+              <a:schemeClr val="phClr">
+                <a:tint val="80000"/>
+                <a:satMod val="300000"/>
+              </a:schemeClr>
+            </a:gs>
+            <a:gs pos="100000">
+              <a:schemeClr val="phClr">
+                <a:shade val="30000"/>
+                <a:satMod val="200000"/>
+              </a:schemeClr>
+            </a:gs>
+          </a:gsLst>
+          <a:path path="circle">
+            <a:fillToRect l="50000" t="50000" r="50000" b="50000"/>
+          </a:path>
+        </a:gradFill>
+      </a:bgFillStyleLst>
+    </a:fmtScheme>
+  </a:themeElements>
+</a:theme>
 </file>
--- a/src/main/resources/prez.pptx
+++ b/src/main/resources/prez.pptx
@@ -19,6 +19,9 @@
     <p:sldId id="266" r:id="rId14"/>
     <p:sldId id="267" r:id="rId15"/>
     <p:sldId id="268" r:id="rId16"/>
+    <p:sldId id="269" r:id="rId17"/>
+    <p:sldId id="270" r:id="rId18"/>
+    <p:sldId id="271" r:id="rId19"/>
   </p:sldIdLst>
   <p:sldSz cx="10080625" cy="7559675"/>
   <p:notesSz cx="7772400" cy="10058400"/>
@@ -3711,7 +3714,7 @@
         <p:spPr>
           <a:xfrm>
             <a:off x="621000" y="2560320"/>
-            <a:ext cx="9070560" cy="1261080"/>
+            <a:ext cx="9070200" cy="1260720"/>
           </a:xfrm>
           <a:prstGeom prst="rect">
             <a:avLst/>
@@ -3815,14 +3818,14 @@
       </p:grpSpPr>
       <p:sp>
         <p:nvSpPr>
-          <p:cNvPr id="93" name="CustomShape 1"/>
+          <p:cNvPr id="94" name="CustomShape 1"/>
           <p:cNvSpPr/>
           <p:nvPr/>
         </p:nvSpPr>
         <p:spPr>
           <a:xfrm>
             <a:off x="504000" y="49320"/>
-            <a:ext cx="9070560" cy="1261080"/>
+            <a:ext cx="9070200" cy="1260720"/>
           </a:xfrm>
           <a:prstGeom prst="rect">
             <a:avLst/>
@@ -3877,7 +3880,7 @@
       </p:sp>
       <p:pic>
         <p:nvPicPr>
-          <p:cNvPr id="94" name="" descr=""/>
+          <p:cNvPr id="95" name="" descr=""/>
           <p:cNvPicPr/>
           <p:nvPr/>
         </p:nvPicPr>
@@ -3887,8 +3890,31 @@
         </p:blipFill>
         <p:spPr>
           <a:xfrm>
-            <a:off x="299160" y="2325240"/>
-            <a:ext cx="9542520" cy="3313440"/>
+            <a:off x="7772400" y="419040"/>
+            <a:ext cx="1735920" cy="1735920"/>
+          </a:xfrm>
+          <a:prstGeom prst="rect">
+            <a:avLst/>
+          </a:prstGeom>
+          <a:ln>
+            <a:noFill/>
+          </a:ln>
+        </p:spPr>
+      </p:pic>
+      <p:pic>
+        <p:nvPicPr>
+          <p:cNvPr id="96" name="" descr=""/>
+          <p:cNvPicPr/>
+          <p:nvPr/>
+        </p:nvPicPr>
+        <p:blipFill>
+          <a:blip r:embed="rId2"/>
+          <a:stretch/>
+        </p:blipFill>
+        <p:spPr>
+          <a:xfrm>
+            <a:off x="457200" y="2308320"/>
+            <a:ext cx="8770320" cy="4196160"/>
           </a:xfrm>
           <a:prstGeom prst="rect">
             <a:avLst/>
@@ -3949,14 +3975,14 @@
       </p:grpSpPr>
       <p:sp>
         <p:nvSpPr>
-          <p:cNvPr id="95" name="CustomShape 1"/>
+          <p:cNvPr id="97" name="CustomShape 1"/>
           <p:cNvSpPr/>
           <p:nvPr/>
         </p:nvSpPr>
         <p:spPr>
           <a:xfrm>
             <a:off x="504000" y="49320"/>
-            <a:ext cx="9070560" cy="1261080"/>
+            <a:ext cx="9070200" cy="1260720"/>
           </a:xfrm>
           <a:prstGeom prst="rect">
             <a:avLst/>
@@ -4011,7 +4037,7 @@
       </p:sp>
       <p:pic>
         <p:nvPicPr>
-          <p:cNvPr id="96" name="" descr=""/>
+          <p:cNvPr id="98" name="" descr=""/>
           <p:cNvPicPr/>
           <p:nvPr/>
         </p:nvPicPr>
@@ -4021,8 +4047,8 @@
         </p:blipFill>
         <p:spPr>
           <a:xfrm>
-            <a:off x="6583680" y="1920240"/>
-            <a:ext cx="2773800" cy="2127600"/>
+            <a:off x="7772400" y="419040"/>
+            <a:ext cx="1735920" cy="1735920"/>
           </a:xfrm>
           <a:prstGeom prst="rect">
             <a:avLst/>
@@ -4034,14 +4060,14 @@
       </p:pic>
       <p:sp>
         <p:nvSpPr>
-          <p:cNvPr id="97" name="TextShape 2"/>
+          <p:cNvPr id="99" name="TextShape 2"/>
           <p:cNvSpPr txBox="1"/>
           <p:nvPr/>
         </p:nvSpPr>
         <p:spPr>
           <a:xfrm>
-            <a:off x="548640" y="2286000"/>
-            <a:ext cx="4580640" cy="2905920"/>
+            <a:off x="640080" y="2103120"/>
+            <a:ext cx="7681680" cy="3673800"/>
           </a:xfrm>
           <a:prstGeom prst="rect">
             <a:avLst/>
@@ -4066,7 +4092,7 @@
                 </a:uFill>
                 <a:latin typeface="Arial"/>
               </a:rPr>
-              <a:t>Possibilité de customiser plusieurs choses :</a:t>
+              <a:t>Installation :</a:t>
             </a:r>
             <a:endParaRPr lang="en-US" sz="1800" spc="-1" strike="noStrike">
               <a:solidFill>
@@ -4120,7 +4146,7 @@
                 </a:uFill>
                 <a:latin typeface="Arial"/>
               </a:rPr>
-              <a:t>- le template final</a:t>
+              <a:t>- Ajout de la dépendance</a:t>
             </a:r>
             <a:endParaRPr lang="en-US" sz="1800" spc="-1" strike="noStrike">
               <a:solidFill>
@@ -4174,7 +4200,7 @@
                 </a:uFill>
                 <a:latin typeface="Arial"/>
               </a:rPr>
-              <a:t>- de nouveaux snippets</a:t>
+              <a:t>- Ajout des tests qui génèrent les snippets</a:t>
             </a:r>
             <a:endParaRPr lang="en-US" sz="1800" spc="-1" strike="noStrike">
               <a:solidFill>
@@ -4228,7 +4254,7 @@
                 </a:uFill>
                 <a:latin typeface="Arial"/>
               </a:rPr>
-              <a:t>- le template des snippets existants</a:t>
+              <a:t>- Ajout du template de la doc (+CSS)</a:t>
             </a:r>
             <a:endParaRPr lang="en-US" sz="1800" spc="-1" strike="noStrike">
               <a:solidFill>
@@ -4282,7 +4308,7 @@
                 </a:uFill>
                 <a:latin typeface="Arial"/>
               </a:rPr>
-              <a:t>- le style de la documentation</a:t>
+              <a:t>- Configuration d'asciidoctor pour générer la documentation</a:t>
             </a:r>
             <a:endParaRPr lang="en-US" sz="1800" spc="-1" strike="noStrike">
               <a:solidFill>
@@ -4336,7 +4362,124 @@
                 </a:uFill>
                 <a:latin typeface="Arial"/>
               </a:rPr>
-              <a:t>- ...</a:t>
+              <a:t>- Optionnel : plugin + redirection pour servir la documentation statique</a:t>
+            </a:r>
+            <a:endParaRPr lang="en-US" sz="1800" spc="-1" strike="noStrike">
+              <a:solidFill>
+                <a:srgbClr val="000000"/>
+              </a:solidFill>
+              <a:uFill>
+                <a:solidFill>
+                  <a:srgbClr val="ffffff"/>
+                </a:solidFill>
+              </a:uFill>
+              <a:latin typeface="Arial"/>
+            </a:endParaRPr>
+          </a:p>
+          <a:p>
+            <a:endParaRPr lang="en-US" sz="1800" spc="-1" strike="noStrike">
+              <a:solidFill>
+                <a:srgbClr val="000000"/>
+              </a:solidFill>
+              <a:uFill>
+                <a:solidFill>
+                  <a:srgbClr val="ffffff"/>
+                </a:solidFill>
+              </a:uFill>
+              <a:latin typeface="Arial"/>
+            </a:endParaRPr>
+          </a:p>
+          <a:p>
+            <a:r>
+              <a:rPr lang="en-US" sz="1800" spc="-1" strike="noStrike">
+                <a:solidFill>
+                  <a:srgbClr val="000000"/>
+                </a:solidFill>
+                <a:uFill>
+                  <a:solidFill>
+                    <a:srgbClr val="ffffff"/>
+                  </a:solidFill>
+                </a:uFill>
+                <a:latin typeface="Arial"/>
+              </a:rPr>
+              <a:t>	</a:t>
+            </a:r>
+            <a:r>
+              <a:rPr lang="en-US" sz="1800" spc="-1" strike="noStrike">
+                <a:solidFill>
+                  <a:srgbClr val="000000"/>
+                </a:solidFill>
+                <a:uFill>
+                  <a:solidFill>
+                    <a:srgbClr val="ffffff"/>
+                  </a:solidFill>
+                </a:uFill>
+                <a:latin typeface="Arial"/>
+              </a:rPr>
+              <a:t>- Optionnel : customiser les snippets</a:t>
+            </a:r>
+            <a:endParaRPr lang="en-US" sz="1800" spc="-1" strike="noStrike">
+              <a:solidFill>
+                <a:srgbClr val="000000"/>
+              </a:solidFill>
+              <a:uFill>
+                <a:solidFill>
+                  <a:srgbClr val="ffffff"/>
+                </a:solidFill>
+              </a:uFill>
+              <a:latin typeface="Arial"/>
+            </a:endParaRPr>
+          </a:p>
+          <a:p>
+            <a:endParaRPr lang="en-US" sz="1800" spc="-1" strike="noStrike">
+              <a:solidFill>
+                <a:srgbClr val="000000"/>
+              </a:solidFill>
+              <a:uFill>
+                <a:solidFill>
+                  <a:srgbClr val="ffffff"/>
+                </a:solidFill>
+              </a:uFill>
+              <a:latin typeface="Arial"/>
+            </a:endParaRPr>
+          </a:p>
+        </p:txBody>
+      </p:sp>
+      <p:sp>
+        <p:nvSpPr>
+          <p:cNvPr id="100" name="TextShape 3"/>
+          <p:cNvSpPr txBox="1"/>
+          <p:nvPr/>
+        </p:nvSpPr>
+        <p:spPr>
+          <a:xfrm>
+            <a:off x="731520" y="6949440"/>
+            <a:ext cx="6439680" cy="262440"/>
+          </a:xfrm>
+          <a:prstGeom prst="rect">
+            <a:avLst/>
+          </a:prstGeom>
+          <a:noFill/>
+          <a:ln>
+            <a:noFill/>
+          </a:ln>
+        </p:spPr>
+        <p:txBody>
+          <a:bodyPr lIns="90000" rIns="90000" tIns="45000" bIns="45000"/>
+          <a:p>
+            <a:r>
+              <a:rPr lang="en-US" sz="1200" spc="-1" strike="noStrike">
+                <a:solidFill>
+                  <a:srgbClr val="000000"/>
+                </a:solidFill>
+                <a:uFill>
+                  <a:solidFill>
+                    <a:srgbClr val="ffffff"/>
+                  </a:solidFill>
+                </a:uFill>
+                <a:latin typeface="Arial"/>
+              </a:rPr>
+              <a:t>Lien vers la documentation : http://docs.spring.io/spring-restdocs/docs/1.0.x/reference/html5/</a:t>
             </a:r>
             <a:endParaRPr lang="en-US" sz="1800" spc="-1" strike="noStrike">
               <a:solidFill>
@@ -4403,14 +4546,14 @@
       </p:grpSpPr>
       <p:sp>
         <p:nvSpPr>
-          <p:cNvPr id="98" name="CustomShape 1"/>
+          <p:cNvPr id="101" name="CustomShape 1"/>
           <p:cNvSpPr/>
           <p:nvPr/>
         </p:nvSpPr>
         <p:spPr>
           <a:xfrm>
             <a:off x="504000" y="49320"/>
-            <a:ext cx="9070560" cy="1261080"/>
+            <a:ext cx="9070200" cy="1260720"/>
           </a:xfrm>
           <a:prstGeom prst="rect">
             <a:avLst/>
@@ -4463,866 +4606,52 @@
           </a:p>
         </p:txBody>
       </p:sp>
-      <p:graphicFrame>
-        <p:nvGraphicFramePr>
-          <p:cNvPr id="99" name="Table 2"/>
-          <p:cNvGraphicFramePr/>
+      <p:pic>
+        <p:nvPicPr>
+          <p:cNvPr id="102" name="" descr=""/>
+          <p:cNvPicPr/>
           <p:nvPr/>
-        </p:nvGraphicFramePr>
-        <p:xfrm>
-          <a:off x="1414080" y="1780920"/>
-          <a:ext cx="7186680" cy="4125960"/>
-        </p:xfrm>
-        <a:graphic>
-          <a:graphicData uri="http://schemas.openxmlformats.org/drawingml/2006/table">
-            <a:tbl>
-              <a:tblPr/>
-              <a:tblGrid>
-                <a:gridCol w="2867400"/>
-                <a:gridCol w="4319640"/>
-              </a:tblGrid>
-              <a:tr h="320400">
-                <a:tc>
-                  <a:txBody>
-                    <a:bodyPr lIns="90000" rIns="90000"/>
-                    <a:p>
-                      <a:r>
-                        <a:rPr lang="en-US" sz="1600" spc="-1" strike="noStrike">
-                          <a:solidFill>
-                            <a:srgbClr val="000000"/>
-                          </a:solidFill>
-                          <a:uFill>
-                            <a:solidFill>
-                              <a:srgbClr val="ffffff"/>
-                            </a:solidFill>
-                          </a:uFill>
-                          <a:latin typeface="Arial"/>
-                        </a:rPr>
-                        <a:t>Point fort</a:t>
-                      </a:r>
-                      <a:endParaRPr lang="en-US" sz="1800" spc="-1" strike="noStrike">
-                        <a:solidFill>
-                          <a:srgbClr val="000000"/>
-                        </a:solidFill>
-                        <a:uFill>
-                          <a:solidFill>
-                            <a:srgbClr val="ffffff"/>
-                          </a:solidFill>
-                        </a:uFill>
-                        <a:latin typeface="Arial"/>
-                      </a:endParaRPr>
-                    </a:p>
-                  </a:txBody>
-                  <a:tcPr marL="90000" marR="90000">
-                    <a:lnL w="720">
-                      <a:solidFill>
-                        <a:srgbClr val="ffffff"/>
-                      </a:solidFill>
-                    </a:lnL>
-                    <a:lnR w="720">
-                      <a:solidFill>
-                        <a:srgbClr val="ffffff"/>
-                      </a:solidFill>
-                    </a:lnR>
-                    <a:lnT w="720">
-                      <a:solidFill>
-                        <a:srgbClr val="ffffff"/>
-                      </a:solidFill>
-                    </a:lnT>
-                    <a:lnB w="720">
-                      <a:solidFill>
-                        <a:srgbClr val="ffffff"/>
-                      </a:solidFill>
-                    </a:lnB>
-                    <a:solidFill>
-                      <a:srgbClr val="b3b3b3"/>
-                    </a:solidFill>
-                  </a:tcPr>
-                </a:tc>
-                <a:tc>
-                  <a:txBody>
-                    <a:bodyPr lIns="90000" rIns="90000"/>
-                    <a:p>
-                      <a:r>
-                        <a:rPr lang="en-US" sz="1600" spc="-1" strike="noStrike">
-                          <a:solidFill>
-                            <a:srgbClr val="000000"/>
-                          </a:solidFill>
-                          <a:uFill>
-                            <a:solidFill>
-                              <a:srgbClr val="ffffff"/>
-                            </a:solidFill>
-                          </a:uFill>
-                          <a:latin typeface="Arial"/>
-                        </a:rPr>
-                        <a:t>Point faible</a:t>
-                      </a:r>
-                      <a:endParaRPr lang="en-US" sz="1800" spc="-1" strike="noStrike">
-                        <a:solidFill>
-                          <a:srgbClr val="000000"/>
-                        </a:solidFill>
-                        <a:uFill>
-                          <a:solidFill>
-                            <a:srgbClr val="ffffff"/>
-                          </a:solidFill>
-                        </a:uFill>
-                        <a:latin typeface="Arial"/>
-                      </a:endParaRPr>
-                    </a:p>
-                  </a:txBody>
-                  <a:tcPr marL="90000" marR="90000">
-                    <a:lnL w="720">
-                      <a:solidFill>
-                        <a:srgbClr val="ffffff"/>
-                      </a:solidFill>
-                    </a:lnL>
-                    <a:lnR w="720">
-                      <a:solidFill>
-                        <a:srgbClr val="ffffff"/>
-                      </a:solidFill>
-                    </a:lnR>
-                    <a:lnT w="720">
-                      <a:solidFill>
-                        <a:srgbClr val="ffffff"/>
-                      </a:solidFill>
-                    </a:lnT>
-                    <a:lnB w="720">
-                      <a:solidFill>
-                        <a:srgbClr val="ffffff"/>
-                      </a:solidFill>
-                    </a:lnB>
-                    <a:solidFill>
-                      <a:srgbClr val="b3b3b3"/>
-                    </a:solidFill>
-                  </a:tcPr>
-                </a:tc>
-              </a:tr>
-              <a:tr h="549000">
-                <a:tc>
-                  <a:txBody>
-                    <a:bodyPr lIns="90000" rIns="90000"/>
-                    <a:p>
-                      <a:r>
-                        <a:rPr lang="en-US" sz="1600" spc="-1" strike="noStrike">
-                          <a:solidFill>
-                            <a:srgbClr val="000000"/>
-                          </a:solidFill>
-                          <a:uFill>
-                            <a:solidFill>
-                              <a:srgbClr val="ffffff"/>
-                            </a:solidFill>
-                          </a:uFill>
-                          <a:latin typeface="Arial"/>
-                        </a:rPr>
-                        <a:t>Basé sur Asciidoc ou Markdown</a:t>
-                      </a:r>
-                      <a:endParaRPr lang="en-US" sz="1800" spc="-1" strike="noStrike">
-                        <a:solidFill>
-                          <a:srgbClr val="000000"/>
-                        </a:solidFill>
-                        <a:uFill>
-                          <a:solidFill>
-                            <a:srgbClr val="ffffff"/>
-                          </a:solidFill>
-                        </a:uFill>
-                        <a:latin typeface="Arial"/>
-                      </a:endParaRPr>
-                    </a:p>
-                  </a:txBody>
-                  <a:tcPr marL="90000" marR="90000">
-                    <a:lnL w="720">
-                      <a:solidFill>
-                        <a:srgbClr val="ffffff"/>
-                      </a:solidFill>
-                    </a:lnL>
-                    <a:lnR w="720">
-                      <a:solidFill>
-                        <a:srgbClr val="ffffff"/>
-                      </a:solidFill>
-                    </a:lnR>
-                    <a:lnT w="720">
-                      <a:solidFill>
-                        <a:srgbClr val="ffffff"/>
-                      </a:solidFill>
-                    </a:lnT>
-                    <a:lnB w="720">
-                      <a:solidFill>
-                        <a:srgbClr val="ffffff"/>
-                      </a:solidFill>
-                    </a:lnB>
-                    <a:solidFill>
-                      <a:srgbClr val="cccccc"/>
-                    </a:solidFill>
-                  </a:tcPr>
-                </a:tc>
-                <a:tc>
-                  <a:txBody>
-                    <a:bodyPr lIns="90000" rIns="90000"/>
-                    <a:p>
-                      <a:r>
-                        <a:rPr lang="en-US" sz="1600" spc="-1" strike="noStrike">
-                          <a:solidFill>
-                            <a:srgbClr val="000000"/>
-                          </a:solidFill>
-                          <a:uFill>
-                            <a:solidFill>
-                              <a:srgbClr val="ffffff"/>
-                            </a:solidFill>
-                          </a:uFill>
-                          <a:latin typeface="Arial"/>
-                        </a:rPr>
-                        <a:t>Sans Spring dans le projet c'est compliqué</a:t>
-                      </a:r>
-                      <a:endParaRPr lang="en-US" sz="1800" spc="-1" strike="noStrike">
-                        <a:solidFill>
-                          <a:srgbClr val="000000"/>
-                        </a:solidFill>
-                        <a:uFill>
-                          <a:solidFill>
-                            <a:srgbClr val="ffffff"/>
-                          </a:solidFill>
-                        </a:uFill>
-                        <a:latin typeface="Arial"/>
-                      </a:endParaRPr>
-                    </a:p>
-                  </a:txBody>
-                  <a:tcPr marL="90000" marR="90000">
-                    <a:lnL w="720">
-                      <a:solidFill>
-                        <a:srgbClr val="ffffff"/>
-                      </a:solidFill>
-                    </a:lnL>
-                    <a:lnR w="720">
-                      <a:solidFill>
-                        <a:srgbClr val="ffffff"/>
-                      </a:solidFill>
-                    </a:lnR>
-                    <a:lnT w="720">
-                      <a:solidFill>
-                        <a:srgbClr val="ffffff"/>
-                      </a:solidFill>
-                    </a:lnT>
-                    <a:lnB w="720">
-                      <a:solidFill>
-                        <a:srgbClr val="ffffff"/>
-                      </a:solidFill>
-                    </a:lnB>
-                    <a:solidFill>
-                      <a:srgbClr val="cccccc"/>
-                    </a:solidFill>
-                  </a:tcPr>
-                </a:tc>
-              </a:tr>
-              <a:tr h="549000">
-                <a:tc>
-                  <a:txBody>
-                    <a:bodyPr lIns="90000" rIns="90000"/>
-                    <a:p>
-                      <a:r>
-                        <a:rPr lang="en-US" sz="1600" spc="-1" strike="noStrike">
-                          <a:solidFill>
-                            <a:srgbClr val="000000"/>
-                          </a:solidFill>
-                          <a:uFill>
-                            <a:solidFill>
-                              <a:srgbClr val="ffffff"/>
-                            </a:solidFill>
-                          </a:uFill>
-                          <a:latin typeface="Arial"/>
-                        </a:rPr>
-                        <a:t>Doc statique (facilement distribuable)</a:t>
-                      </a:r>
-                      <a:endParaRPr lang="en-US" sz="1800" spc="-1" strike="noStrike">
-                        <a:solidFill>
-                          <a:srgbClr val="000000"/>
-                        </a:solidFill>
-                        <a:uFill>
-                          <a:solidFill>
-                            <a:srgbClr val="ffffff"/>
-                          </a:solidFill>
-                        </a:uFill>
-                        <a:latin typeface="Arial"/>
-                      </a:endParaRPr>
-                    </a:p>
-                  </a:txBody>
-                  <a:tcPr marL="90000" marR="90000">
-                    <a:lnL w="720">
-                      <a:solidFill>
-                        <a:srgbClr val="ffffff"/>
-                      </a:solidFill>
-                    </a:lnL>
-                    <a:lnR w="720">
-                      <a:solidFill>
-                        <a:srgbClr val="ffffff"/>
-                      </a:solidFill>
-                    </a:lnR>
-                    <a:lnT w="720">
-                      <a:solidFill>
-                        <a:srgbClr val="ffffff"/>
-                      </a:solidFill>
-                    </a:lnT>
-                    <a:lnB w="720">
-                      <a:solidFill>
-                        <a:srgbClr val="ffffff"/>
-                      </a:solidFill>
-                    </a:lnB>
-                    <a:solidFill>
-                      <a:srgbClr val="e6e6e6"/>
-                    </a:solidFill>
-                  </a:tcPr>
-                </a:tc>
-                <a:tc>
-                  <a:txBody>
-                    <a:bodyPr lIns="90000" rIns="90000"/>
-                    <a:p>
-                      <a:r>
-                        <a:rPr lang="en-US" sz="1600" spc="-1" strike="noStrike">
-                          <a:solidFill>
-                            <a:srgbClr val="000000"/>
-                          </a:solidFill>
-                          <a:uFill>
-                            <a:solidFill>
-                              <a:srgbClr val="ffffff"/>
-                            </a:solidFill>
-                          </a:uFill>
-                          <a:latin typeface="Arial"/>
-                        </a:rPr>
-                        <a:t>Migration au milieu d'un projet prend du temps</a:t>
-                      </a:r>
-                      <a:endParaRPr lang="en-US" sz="1800" spc="-1" strike="noStrike">
-                        <a:solidFill>
-                          <a:srgbClr val="000000"/>
-                        </a:solidFill>
-                        <a:uFill>
-                          <a:solidFill>
-                            <a:srgbClr val="ffffff"/>
-                          </a:solidFill>
-                        </a:uFill>
-                        <a:latin typeface="Arial"/>
-                      </a:endParaRPr>
-                    </a:p>
-                  </a:txBody>
-                  <a:tcPr marL="90000" marR="90000">
-                    <a:lnL w="720">
-                      <a:solidFill>
-                        <a:srgbClr val="ffffff"/>
-                      </a:solidFill>
-                    </a:lnL>
-                    <a:lnR w="720">
-                      <a:solidFill>
-                        <a:srgbClr val="ffffff"/>
-                      </a:solidFill>
-                    </a:lnR>
-                    <a:lnT w="720">
-                      <a:solidFill>
-                        <a:srgbClr val="ffffff"/>
-                      </a:solidFill>
-                    </a:lnT>
-                    <a:lnB w="720">
-                      <a:solidFill>
-                        <a:srgbClr val="ffffff"/>
-                      </a:solidFill>
-                    </a:lnB>
-                    <a:solidFill>
-                      <a:srgbClr val="e6e6e6"/>
-                    </a:solidFill>
-                  </a:tcPr>
-                </a:tc>
-              </a:tr>
-              <a:tr h="777600">
-                <a:tc>
-                  <a:txBody>
-                    <a:bodyPr lIns="90000" rIns="90000"/>
-                    <a:p>
-                      <a:r>
-                        <a:rPr lang="en-US" sz="1600" spc="-1" strike="noStrike">
-                          <a:solidFill>
-                            <a:srgbClr val="000000"/>
-                          </a:solidFill>
-                          <a:uFill>
-                            <a:solidFill>
-                              <a:srgbClr val="ffffff"/>
-                            </a:solidFill>
-                          </a:uFill>
-                          <a:latin typeface="Arial"/>
-                        </a:rPr>
-                        <a:t>Force à faire des TI et à bien les faire pour avoir une bonne documentation</a:t>
-                      </a:r>
-                      <a:endParaRPr lang="en-US" sz="1800" spc="-1" strike="noStrike">
-                        <a:solidFill>
-                          <a:srgbClr val="000000"/>
-                        </a:solidFill>
-                        <a:uFill>
-                          <a:solidFill>
-                            <a:srgbClr val="ffffff"/>
-                          </a:solidFill>
-                        </a:uFill>
-                        <a:latin typeface="Arial"/>
-                      </a:endParaRPr>
-                    </a:p>
-                  </a:txBody>
-                  <a:tcPr marL="90000" marR="90000">
-                    <a:lnL w="720">
-                      <a:solidFill>
-                        <a:srgbClr val="ffffff"/>
-                      </a:solidFill>
-                    </a:lnL>
-                    <a:lnR w="720">
-                      <a:solidFill>
-                        <a:srgbClr val="ffffff"/>
-                      </a:solidFill>
-                    </a:lnR>
-                    <a:lnT w="720">
-                      <a:solidFill>
-                        <a:srgbClr val="ffffff"/>
-                      </a:solidFill>
-                    </a:lnT>
-                    <a:lnB w="720">
-                      <a:solidFill>
-                        <a:srgbClr val="ffffff"/>
-                      </a:solidFill>
-                    </a:lnB>
-                    <a:solidFill>
-                      <a:srgbClr val="cccccc"/>
-                    </a:solidFill>
-                  </a:tcPr>
-                </a:tc>
-                <a:tc>
-                  <a:txBody>
-                    <a:bodyPr lIns="90000" rIns="90000"/>
-                    <a:p>
-                      <a:r>
-                        <a:rPr lang="en-US" sz="1600" spc="-1" strike="noStrike">
-                          <a:solidFill>
-                            <a:srgbClr val="000000"/>
-                          </a:solidFill>
-                          <a:uFill>
-                            <a:solidFill>
-                              <a:srgbClr val="ffffff"/>
-                            </a:solidFill>
-                          </a:uFill>
-                          <a:latin typeface="Arial"/>
-                        </a:rPr>
-                        <a:t>Esthétisme à tuner</a:t>
-                      </a:r>
-                      <a:endParaRPr lang="en-US" sz="1800" spc="-1" strike="noStrike">
-                        <a:solidFill>
-                          <a:srgbClr val="000000"/>
-                        </a:solidFill>
-                        <a:uFill>
-                          <a:solidFill>
-                            <a:srgbClr val="ffffff"/>
-                          </a:solidFill>
-                        </a:uFill>
-                        <a:latin typeface="Arial"/>
-                      </a:endParaRPr>
-                    </a:p>
-                  </a:txBody>
-                  <a:tcPr marL="90000" marR="90000">
-                    <a:lnL w="720">
-                      <a:solidFill>
-                        <a:srgbClr val="ffffff"/>
-                      </a:solidFill>
-                    </a:lnL>
-                    <a:lnR w="720">
-                      <a:solidFill>
-                        <a:srgbClr val="ffffff"/>
-                      </a:solidFill>
-                    </a:lnR>
-                    <a:lnT w="720">
-                      <a:solidFill>
-                        <a:srgbClr val="ffffff"/>
-                      </a:solidFill>
-                    </a:lnT>
-                    <a:lnB w="720">
-                      <a:solidFill>
-                        <a:srgbClr val="ffffff"/>
-                      </a:solidFill>
-                    </a:lnB>
-                    <a:solidFill>
-                      <a:srgbClr val="cccccc"/>
-                    </a:solidFill>
-                  </a:tcPr>
-                </a:tc>
-              </a:tr>
-              <a:tr h="549000">
-                <a:tc>
-                  <a:txBody>
-                    <a:bodyPr lIns="90000" rIns="90000"/>
-                    <a:p>
-                      <a:r>
-                        <a:rPr lang="en-US" sz="1600" spc="-1" strike="noStrike">
-                          <a:solidFill>
-                            <a:srgbClr val="000000"/>
-                          </a:solidFill>
-                          <a:uFill>
-                            <a:solidFill>
-                              <a:srgbClr val="ffffff"/>
-                            </a:solidFill>
-                          </a:uFill>
-                          <a:latin typeface="Arial"/>
-                        </a:rPr>
-                        <a:t>Ne pollue pas le code applicatif</a:t>
-                      </a:r>
-                      <a:endParaRPr lang="en-US" sz="1800" spc="-1" strike="noStrike">
-                        <a:solidFill>
-                          <a:srgbClr val="000000"/>
-                        </a:solidFill>
-                        <a:uFill>
-                          <a:solidFill>
-                            <a:srgbClr val="ffffff"/>
-                          </a:solidFill>
-                        </a:uFill>
-                        <a:latin typeface="Arial"/>
-                      </a:endParaRPr>
-                    </a:p>
-                  </a:txBody>
-                  <a:tcPr marL="90000" marR="90000">
-                    <a:lnL w="720">
-                      <a:solidFill>
-                        <a:srgbClr val="ffffff"/>
-                      </a:solidFill>
-                    </a:lnL>
-                    <a:lnR w="720">
-                      <a:solidFill>
-                        <a:srgbClr val="ffffff"/>
-                      </a:solidFill>
-                    </a:lnR>
-                    <a:lnT w="720">
-                      <a:solidFill>
-                        <a:srgbClr val="ffffff"/>
-                      </a:solidFill>
-                    </a:lnT>
-                    <a:lnB w="720">
-                      <a:solidFill>
-                        <a:srgbClr val="ffffff"/>
-                      </a:solidFill>
-                    </a:lnB>
-                    <a:solidFill>
-                      <a:srgbClr val="e6e6e6"/>
-                    </a:solidFill>
-                  </a:tcPr>
-                </a:tc>
-                <a:tc>
-                  <a:txBody>
-                    <a:bodyPr lIns="90000" rIns="90000"/>
-                    <a:p>
-                      <a:r>
-                        <a:rPr lang="en-US" sz="1600" spc="-1" strike="noStrike">
-                          <a:solidFill>
-                            <a:srgbClr val="000000"/>
-                          </a:solidFill>
-                          <a:uFill>
-                            <a:solidFill>
-                              <a:srgbClr val="ffffff"/>
-                            </a:solidFill>
-                          </a:uFill>
-                          <a:latin typeface="Arial"/>
-                        </a:rPr>
-                        <a:t>Nécessite une montée en compétence</a:t>
-                      </a:r>
-                      <a:endParaRPr lang="en-US" sz="1800" spc="-1" strike="noStrike">
-                        <a:solidFill>
-                          <a:srgbClr val="000000"/>
-                        </a:solidFill>
-                        <a:uFill>
-                          <a:solidFill>
-                            <a:srgbClr val="ffffff"/>
-                          </a:solidFill>
-                        </a:uFill>
-                        <a:latin typeface="Arial"/>
-                      </a:endParaRPr>
-                    </a:p>
-                  </a:txBody>
-                  <a:tcPr marL="90000" marR="90000">
-                    <a:lnL w="720">
-                      <a:solidFill>
-                        <a:srgbClr val="ffffff"/>
-                      </a:solidFill>
-                    </a:lnL>
-                    <a:lnR w="720">
-                      <a:solidFill>
-                        <a:srgbClr val="ffffff"/>
-                      </a:solidFill>
-                    </a:lnR>
-                    <a:lnT w="720">
-                      <a:solidFill>
-                        <a:srgbClr val="ffffff"/>
-                      </a:solidFill>
-                    </a:lnT>
-                    <a:lnB w="720">
-                      <a:solidFill>
-                        <a:srgbClr val="ffffff"/>
-                      </a:solidFill>
-                    </a:lnB>
-                    <a:solidFill>
-                      <a:srgbClr val="e6e6e6"/>
-                    </a:solidFill>
-                  </a:tcPr>
-                </a:tc>
-              </a:tr>
-              <a:tr h="603720">
-                <a:tc>
-                  <a:txBody>
-                    <a:bodyPr lIns="90000" rIns="90000"/>
-                    <a:p>
-                      <a:r>
-                        <a:rPr lang="en-US" sz="1800" spc="-1" strike="noStrike">
-                          <a:solidFill>
-                            <a:srgbClr val="000000"/>
-                          </a:solidFill>
-                          <a:uFill>
-                            <a:solidFill>
-                              <a:srgbClr val="ffffff"/>
-                            </a:solidFill>
-                          </a:uFill>
-                          <a:latin typeface="Arial"/>
-                        </a:rPr>
-                        <a:t>La documentation reste à jour</a:t>
-                      </a:r>
-                      <a:endParaRPr lang="en-US" sz="1800" spc="-1" strike="noStrike">
-                        <a:solidFill>
-                          <a:srgbClr val="000000"/>
-                        </a:solidFill>
-                        <a:uFill>
-                          <a:solidFill>
-                            <a:srgbClr val="ffffff"/>
-                          </a:solidFill>
-                        </a:uFill>
-                        <a:latin typeface="Arial"/>
-                      </a:endParaRPr>
-                    </a:p>
-                  </a:txBody>
-                  <a:tcPr marL="90000" marR="90000">
-                    <a:lnL w="720">
-                      <a:solidFill>
-                        <a:srgbClr val="ffffff"/>
-                      </a:solidFill>
-                    </a:lnL>
-                    <a:lnR w="720">
-                      <a:solidFill>
-                        <a:srgbClr val="ffffff"/>
-                      </a:solidFill>
-                    </a:lnR>
-                    <a:lnT w="720">
-                      <a:solidFill>
-                        <a:srgbClr val="ffffff"/>
-                      </a:solidFill>
-                    </a:lnT>
-                    <a:lnB w="720">
-                      <a:solidFill>
-                        <a:srgbClr val="ffffff"/>
-                      </a:solidFill>
-                    </a:lnB>
-                    <a:solidFill>
-                      <a:srgbClr val="cccccc"/>
-                    </a:solidFill>
-                  </a:tcPr>
-                </a:tc>
-                <a:tc>
-                  <a:tcPr marL="90000" marR="90000">
-                    <a:lnL w="720">
-                      <a:solidFill>
-                        <a:srgbClr val="ffffff"/>
-                      </a:solidFill>
-                    </a:lnL>
-                    <a:lnR w="720">
-                      <a:solidFill>
-                        <a:srgbClr val="ffffff"/>
-                      </a:solidFill>
-                    </a:lnR>
-                    <a:lnT w="720">
-                      <a:solidFill>
-                        <a:srgbClr val="ffffff"/>
-                      </a:solidFill>
-                    </a:lnT>
-                    <a:lnB w="720">
-                      <a:solidFill>
-                        <a:srgbClr val="ffffff"/>
-                      </a:solidFill>
-                    </a:lnB>
-                    <a:solidFill>
-                      <a:srgbClr val="cccccc"/>
-                    </a:solidFill>
-                  </a:tcPr>
-                </a:tc>
-              </a:tr>
-              <a:tr h="549000">
-                <a:tc>
-                  <a:txBody>
-                    <a:bodyPr lIns="90000" rIns="90000"/>
-                    <a:p>
-                      <a:r>
-                        <a:rPr lang="en-US" sz="1600" spc="-1" strike="noStrike">
-                          <a:solidFill>
-                            <a:srgbClr val="000000"/>
-                          </a:solidFill>
-                          <a:uFill>
-                            <a:solidFill>
-                              <a:srgbClr val="ffffff"/>
-                            </a:solidFill>
-                          </a:uFill>
-                          <a:latin typeface="Arial"/>
-                        </a:rPr>
-                        <a:t>Tout est documentable, les erreurs, les cas particuliers</a:t>
-                      </a:r>
-                      <a:endParaRPr lang="en-US" sz="1800" spc="-1" strike="noStrike">
-                        <a:solidFill>
-                          <a:srgbClr val="000000"/>
-                        </a:solidFill>
-                        <a:uFill>
-                          <a:solidFill>
-                            <a:srgbClr val="ffffff"/>
-                          </a:solidFill>
-                        </a:uFill>
-                        <a:latin typeface="Arial"/>
-                      </a:endParaRPr>
-                    </a:p>
-                  </a:txBody>
-                  <a:tcPr marL="90000" marR="90000">
-                    <a:lnL w="720">
-                      <a:solidFill>
-                        <a:srgbClr val="ffffff"/>
-                      </a:solidFill>
-                    </a:lnL>
-                    <a:lnR w="720">
-                      <a:solidFill>
-                        <a:srgbClr val="ffffff"/>
-                      </a:solidFill>
-                    </a:lnR>
-                    <a:lnT w="720">
-                      <a:solidFill>
-                        <a:srgbClr val="ffffff"/>
-                      </a:solidFill>
-                    </a:lnT>
-                    <a:lnB w="720">
-                      <a:solidFill>
-                        <a:srgbClr val="ffffff"/>
-                      </a:solidFill>
-                    </a:lnB>
-                    <a:solidFill>
-                      <a:srgbClr val="e6e6e6"/>
-                    </a:solidFill>
-                  </a:tcPr>
-                </a:tc>
-                <a:tc>
-                  <a:tcPr marL="90000" marR="90000">
-                    <a:lnL w="720">
-                      <a:solidFill>
-                        <a:srgbClr val="ffffff"/>
-                      </a:solidFill>
-                    </a:lnL>
-                    <a:lnR w="720">
-                      <a:solidFill>
-                        <a:srgbClr val="ffffff"/>
-                      </a:solidFill>
-                    </a:lnR>
-                    <a:lnT w="720">
-                      <a:solidFill>
-                        <a:srgbClr val="ffffff"/>
-                      </a:solidFill>
-                    </a:lnT>
-                    <a:lnB w="720">
-                      <a:solidFill>
-                        <a:srgbClr val="ffffff"/>
-                      </a:solidFill>
-                    </a:lnB>
-                    <a:solidFill>
-                      <a:srgbClr val="e6e6e6"/>
-                    </a:solidFill>
-                  </a:tcPr>
-                </a:tc>
-              </a:tr>
-              <a:tr h="603720">
-                <a:tc>
-                  <a:txBody>
-                    <a:bodyPr lIns="90000" rIns="90000"/>
-                    <a:p>
-                      <a:r>
-                        <a:rPr lang="en-US" sz="1800" spc="-1" strike="noStrike">
-                          <a:solidFill>
-                            <a:srgbClr val="000000"/>
-                          </a:solidFill>
-                          <a:uFill>
-                            <a:solidFill>
-                              <a:srgbClr val="ffffff"/>
-                            </a:solidFill>
-                          </a:uFill>
-                          <a:latin typeface="Arial"/>
-                        </a:rPr>
-                        <a:t>Facilement customisable (PathParamSnippet...)</a:t>
-                      </a:r>
-                      <a:endParaRPr lang="en-US" sz="1800" spc="-1" strike="noStrike">
-                        <a:solidFill>
-                          <a:srgbClr val="000000"/>
-                        </a:solidFill>
-                        <a:uFill>
-                          <a:solidFill>
-                            <a:srgbClr val="ffffff"/>
-                          </a:solidFill>
-                        </a:uFill>
-                        <a:latin typeface="Arial"/>
-                      </a:endParaRPr>
-                    </a:p>
-                  </a:txBody>
-                  <a:tcPr marL="90000" marR="90000">
-                    <a:lnL w="720">
-                      <a:solidFill>
-                        <a:srgbClr val="ffffff"/>
-                      </a:solidFill>
-                    </a:lnL>
-                    <a:lnR w="720">
-                      <a:solidFill>
-                        <a:srgbClr val="ffffff"/>
-                      </a:solidFill>
-                    </a:lnR>
-                    <a:lnT w="720">
-                      <a:solidFill>
-                        <a:srgbClr val="ffffff"/>
-                      </a:solidFill>
-                    </a:lnT>
-                    <a:lnB w="720">
-                      <a:solidFill>
-                        <a:srgbClr val="ffffff"/>
-                      </a:solidFill>
-                    </a:lnB>
-                    <a:solidFill>
-                      <a:srgbClr val="cccccc"/>
-                    </a:solidFill>
-                  </a:tcPr>
-                </a:tc>
-                <a:tc>
-                  <a:tcPr marL="90000" marR="90000">
-                    <a:lnL w="720">
-                      <a:solidFill>
-                        <a:srgbClr val="ffffff"/>
-                      </a:solidFill>
-                    </a:lnL>
-                    <a:lnR w="720">
-                      <a:solidFill>
-                        <a:srgbClr val="ffffff"/>
-                      </a:solidFill>
-                    </a:lnR>
-                    <a:lnT w="720">
-                      <a:solidFill>
-                        <a:srgbClr val="ffffff"/>
-                      </a:solidFill>
-                    </a:lnT>
-                    <a:lnB w="720">
-                      <a:solidFill>
-                        <a:srgbClr val="ffffff"/>
-                      </a:solidFill>
-                    </a:lnB>
-                    <a:solidFill>
-                      <a:srgbClr val="cccccc"/>
-                    </a:solidFill>
-                  </a:tcPr>
-                </a:tc>
-              </a:tr>
-            </a:tbl>
-          </a:graphicData>
-        </a:graphic>
-      </p:graphicFrame>
+        </p:nvPicPr>
+        <p:blipFill>
+          <a:blip r:embed="rId1"/>
+          <a:stretch/>
+        </p:blipFill>
+        <p:spPr>
+          <a:xfrm>
+            <a:off x="7772400" y="419040"/>
+            <a:ext cx="1735920" cy="1735920"/>
+          </a:xfrm>
+          <a:prstGeom prst="rect">
+            <a:avLst/>
+          </a:prstGeom>
+          <a:ln>
+            <a:noFill/>
+          </a:ln>
+        </p:spPr>
+      </p:pic>
+      <p:pic>
+        <p:nvPicPr>
+          <p:cNvPr id="103" name="" descr=""/>
+          <p:cNvPicPr/>
+          <p:nvPr/>
+        </p:nvPicPr>
+        <p:blipFill>
+          <a:blip r:embed="rId2"/>
+          <a:stretch/>
+        </p:blipFill>
+        <p:spPr>
+          <a:xfrm>
+            <a:off x="457200" y="2308320"/>
+            <a:ext cx="8770320" cy="4196160"/>
+          </a:xfrm>
+          <a:prstGeom prst="rect">
+            <a:avLst/>
+          </a:prstGeom>
+          <a:ln>
+            <a:noFill/>
+          </a:ln>
+        </p:spPr>
+      </p:pic>
     </p:spTree>
   </p:cSld>
   <p:timing>
@@ -5374,14 +4703,1579 @@
       </p:grpSpPr>
       <p:sp>
         <p:nvSpPr>
-          <p:cNvPr id="100" name="CustomShape 1"/>
+          <p:cNvPr id="104" name="CustomShape 1"/>
           <p:cNvSpPr/>
           <p:nvPr/>
         </p:nvSpPr>
         <p:spPr>
           <a:xfrm>
+            <a:off x="504000" y="49320"/>
+            <a:ext cx="9070200" cy="1260720"/>
+          </a:xfrm>
+          <a:prstGeom prst="rect">
+            <a:avLst/>
+          </a:prstGeom>
+          <a:noFill/>
+          <a:ln>
+            <a:noFill/>
+          </a:ln>
+        </p:spPr>
+        <p:style>
+          <a:lnRef idx="0"/>
+          <a:fillRef idx="0"/>
+          <a:effectRef idx="0"/>
+          <a:fontRef idx="minor"/>
+        </p:style>
+        <p:txBody>
+          <a:bodyPr lIns="0" rIns="0" tIns="0" bIns="0" anchor="ctr"/>
+          <a:p>
+            <a:pPr algn="ctr">
+              <a:lnSpc>
+                <a:spcPct val="100000"/>
+              </a:lnSpc>
+            </a:pPr>
+            <a:r>
+              <a:rPr lang="en-US" sz="4400" spc="-1" strike="noStrike">
+                <a:solidFill>
+                  <a:srgbClr val="cc3300"/>
+                </a:solidFill>
+                <a:uFill>
+                  <a:solidFill>
+                    <a:srgbClr val="ffffff"/>
+                  </a:solidFill>
+                </a:uFill>
+                <a:latin typeface="Arial"/>
+                <a:ea typeface="DejaVu Sans"/>
+              </a:rPr>
+              <a:t>Spring Rest-doc</a:t>
+            </a:r>
+            <a:endParaRPr lang="en-US" sz="1800" spc="-1" strike="noStrike">
+              <a:solidFill>
+                <a:srgbClr val="000000"/>
+              </a:solidFill>
+              <a:uFill>
+                <a:solidFill>
+                  <a:srgbClr val="ffffff"/>
+                </a:solidFill>
+              </a:uFill>
+              <a:latin typeface="Arial"/>
+            </a:endParaRPr>
+          </a:p>
+        </p:txBody>
+      </p:sp>
+      <p:pic>
+        <p:nvPicPr>
+          <p:cNvPr id="105" name="" descr=""/>
+          <p:cNvPicPr/>
+          <p:nvPr/>
+        </p:nvPicPr>
+        <p:blipFill>
+          <a:blip r:embed="rId1"/>
+          <a:stretch/>
+        </p:blipFill>
+        <p:spPr>
+          <a:xfrm>
+            <a:off x="299160" y="2325240"/>
+            <a:ext cx="9542160" cy="3313080"/>
+          </a:xfrm>
+          <a:prstGeom prst="rect">
+            <a:avLst/>
+          </a:prstGeom>
+          <a:ln>
+            <a:noFill/>
+          </a:ln>
+        </p:spPr>
+      </p:pic>
+    </p:spTree>
+  </p:cSld>
+  <p:timing>
+    <p:tnLst>
+      <p:par>
+        <p:cTn id="25" dur="indefinite" restart="never" nodeType="tmRoot">
+          <p:childTnLst>
+            <p:seq>
+              <p:cTn id="26" nodeType="mainSeq"/>
+              <p:prevCondLst>
+                <p:cond delay="0" evt="onPrev">
+                  <p:tgtEl>
+                    <p:sldTgt/>
+                  </p:tgtEl>
+                </p:cond>
+              </p:prevCondLst>
+              <p:nextCondLst>
+                <p:cond delay="0" evt="onNext">
+                  <p:tgtEl>
+                    <p:sldTgt/>
+                  </p:tgtEl>
+                </p:cond>
+              </p:nextCondLst>
+            </p:seq>
+          </p:childTnLst>
+        </p:cTn>
+      </p:par>
+    </p:tnLst>
+  </p:timing>
+</p:sld>
+</file>
+
+<file path=ppt/slides/slide14.xml><?xml version="1.0" encoding="utf-8"?>
+<p:sld xmlns:a="http://schemas.openxmlformats.org/drawingml/2006/main" xmlns:p="http://schemas.openxmlformats.org/presentationml/2006/main" xmlns:r="http://schemas.openxmlformats.org/officeDocument/2006/relationships">
+  <p:cSld>
+    <p:spTree>
+      <p:nvGrpSpPr>
+        <p:cNvPr id="1" name=""/>
+        <p:cNvGrpSpPr/>
+        <p:nvPr/>
+      </p:nvGrpSpPr>
+      <p:grpSpPr>
+        <a:xfrm>
+          <a:off x="0" y="0"/>
+          <a:ext cx="0" cy="0"/>
+          <a:chOff x="0" y="0"/>
+          <a:chExt cx="0" cy="0"/>
+        </a:xfrm>
+      </p:grpSpPr>
+      <p:sp>
+        <p:nvSpPr>
+          <p:cNvPr id="106" name="CustomShape 1"/>
+          <p:cNvSpPr/>
+          <p:nvPr/>
+        </p:nvSpPr>
+        <p:spPr>
+          <a:xfrm>
+            <a:off x="504000" y="49320"/>
+            <a:ext cx="9070200" cy="1260720"/>
+          </a:xfrm>
+          <a:prstGeom prst="rect">
+            <a:avLst/>
+          </a:prstGeom>
+          <a:noFill/>
+          <a:ln>
+            <a:noFill/>
+          </a:ln>
+        </p:spPr>
+        <p:style>
+          <a:lnRef idx="0"/>
+          <a:fillRef idx="0"/>
+          <a:effectRef idx="0"/>
+          <a:fontRef idx="minor"/>
+        </p:style>
+        <p:txBody>
+          <a:bodyPr lIns="0" rIns="0" tIns="0" bIns="0" anchor="ctr"/>
+          <a:p>
+            <a:pPr algn="ctr">
+              <a:lnSpc>
+                <a:spcPct val="100000"/>
+              </a:lnSpc>
+            </a:pPr>
+            <a:r>
+              <a:rPr lang="en-US" sz="4400" spc="-1" strike="noStrike">
+                <a:solidFill>
+                  <a:srgbClr val="cc3300"/>
+                </a:solidFill>
+                <a:uFill>
+                  <a:solidFill>
+                    <a:srgbClr val="ffffff"/>
+                  </a:solidFill>
+                </a:uFill>
+                <a:latin typeface="Arial"/>
+                <a:ea typeface="DejaVu Sans"/>
+              </a:rPr>
+              <a:t>Spring Rest-doc</a:t>
+            </a:r>
+            <a:endParaRPr lang="en-US" sz="1800" spc="-1" strike="noStrike">
+              <a:solidFill>
+                <a:srgbClr val="000000"/>
+              </a:solidFill>
+              <a:uFill>
+                <a:solidFill>
+                  <a:srgbClr val="ffffff"/>
+                </a:solidFill>
+              </a:uFill>
+              <a:latin typeface="Arial"/>
+            </a:endParaRPr>
+          </a:p>
+        </p:txBody>
+      </p:sp>
+      <p:pic>
+        <p:nvPicPr>
+          <p:cNvPr id="107" name="" descr=""/>
+          <p:cNvPicPr/>
+          <p:nvPr/>
+        </p:nvPicPr>
+        <p:blipFill>
+          <a:blip r:embed="rId1"/>
+          <a:stretch/>
+        </p:blipFill>
+        <p:spPr>
+          <a:xfrm>
+            <a:off x="6583680" y="1920240"/>
+            <a:ext cx="2773440" cy="2127240"/>
+          </a:xfrm>
+          <a:prstGeom prst="rect">
+            <a:avLst/>
+          </a:prstGeom>
+          <a:ln>
+            <a:noFill/>
+          </a:ln>
+        </p:spPr>
+      </p:pic>
+      <p:sp>
+        <p:nvSpPr>
+          <p:cNvPr id="108" name="CustomShape 2"/>
+          <p:cNvSpPr/>
+          <p:nvPr/>
+        </p:nvSpPr>
+        <p:spPr>
+          <a:xfrm>
+            <a:off x="548640" y="2286000"/>
+            <a:ext cx="4580280" cy="2905560"/>
+          </a:xfrm>
+          <a:prstGeom prst="rect">
+            <a:avLst/>
+          </a:prstGeom>
+          <a:noFill/>
+          <a:ln>
+            <a:noFill/>
+          </a:ln>
+        </p:spPr>
+        <p:style>
+          <a:lnRef idx="0"/>
+          <a:fillRef idx="0"/>
+          <a:effectRef idx="0"/>
+          <a:fontRef idx="minor"/>
+        </p:style>
+        <p:txBody>
+          <a:bodyPr lIns="90000" rIns="90000" tIns="45000" bIns="45000"/>
+          <a:p>
+            <a:r>
+              <a:rPr lang="en-US" sz="1800" spc="-1" strike="noStrike">
+                <a:solidFill>
+                  <a:srgbClr val="000000"/>
+                </a:solidFill>
+                <a:uFill>
+                  <a:solidFill>
+                    <a:srgbClr val="ffffff"/>
+                  </a:solidFill>
+                </a:uFill>
+                <a:latin typeface="Arial"/>
+              </a:rPr>
+              <a:t>Possibilité de customiser plusieurs choses :</a:t>
+            </a:r>
+            <a:endParaRPr lang="en-US" sz="1800" spc="-1" strike="noStrike">
+              <a:solidFill>
+                <a:srgbClr val="000000"/>
+              </a:solidFill>
+              <a:uFill>
+                <a:solidFill>
+                  <a:srgbClr val="ffffff"/>
+                </a:solidFill>
+              </a:uFill>
+              <a:latin typeface="Arial"/>
+            </a:endParaRPr>
+          </a:p>
+          <a:p>
+            <a:endParaRPr lang="en-US" sz="1800" spc="-1" strike="noStrike">
+              <a:solidFill>
+                <a:srgbClr val="000000"/>
+              </a:solidFill>
+              <a:uFill>
+                <a:solidFill>
+                  <a:srgbClr val="ffffff"/>
+                </a:solidFill>
+              </a:uFill>
+              <a:latin typeface="Arial"/>
+            </a:endParaRPr>
+          </a:p>
+          <a:p>
+            <a:r>
+              <a:rPr lang="en-US" sz="1800" spc="-1" strike="noStrike">
+                <a:solidFill>
+                  <a:srgbClr val="000000"/>
+                </a:solidFill>
+                <a:uFill>
+                  <a:solidFill>
+                    <a:srgbClr val="ffffff"/>
+                  </a:solidFill>
+                </a:uFill>
+                <a:latin typeface="Arial"/>
+              </a:rPr>
+              <a:t>	</a:t>
+            </a:r>
+            <a:r>
+              <a:rPr lang="en-US" sz="1800" spc="-1" strike="noStrike">
+                <a:solidFill>
+                  <a:srgbClr val="000000"/>
+                </a:solidFill>
+                <a:uFill>
+                  <a:solidFill>
+                    <a:srgbClr val="ffffff"/>
+                  </a:solidFill>
+                </a:uFill>
+                <a:latin typeface="Arial"/>
+              </a:rPr>
+              <a:t>- le template final</a:t>
+            </a:r>
+            <a:endParaRPr lang="en-US" sz="1800" spc="-1" strike="noStrike">
+              <a:solidFill>
+                <a:srgbClr val="000000"/>
+              </a:solidFill>
+              <a:uFill>
+                <a:solidFill>
+                  <a:srgbClr val="ffffff"/>
+                </a:solidFill>
+              </a:uFill>
+              <a:latin typeface="Arial"/>
+            </a:endParaRPr>
+          </a:p>
+          <a:p>
+            <a:endParaRPr lang="en-US" sz="1800" spc="-1" strike="noStrike">
+              <a:solidFill>
+                <a:srgbClr val="000000"/>
+              </a:solidFill>
+              <a:uFill>
+                <a:solidFill>
+                  <a:srgbClr val="ffffff"/>
+                </a:solidFill>
+              </a:uFill>
+              <a:latin typeface="Arial"/>
+            </a:endParaRPr>
+          </a:p>
+          <a:p>
+            <a:r>
+              <a:rPr lang="en-US" sz="1800" spc="-1" strike="noStrike">
+                <a:solidFill>
+                  <a:srgbClr val="000000"/>
+                </a:solidFill>
+                <a:uFill>
+                  <a:solidFill>
+                    <a:srgbClr val="ffffff"/>
+                  </a:solidFill>
+                </a:uFill>
+                <a:latin typeface="Arial"/>
+              </a:rPr>
+              <a:t>	</a:t>
+            </a:r>
+            <a:r>
+              <a:rPr lang="en-US" sz="1800" spc="-1" strike="noStrike">
+                <a:solidFill>
+                  <a:srgbClr val="000000"/>
+                </a:solidFill>
+                <a:uFill>
+                  <a:solidFill>
+                    <a:srgbClr val="ffffff"/>
+                  </a:solidFill>
+                </a:uFill>
+                <a:latin typeface="Arial"/>
+              </a:rPr>
+              <a:t>- de nouveaux snippets</a:t>
+            </a:r>
+            <a:endParaRPr lang="en-US" sz="1800" spc="-1" strike="noStrike">
+              <a:solidFill>
+                <a:srgbClr val="000000"/>
+              </a:solidFill>
+              <a:uFill>
+                <a:solidFill>
+                  <a:srgbClr val="ffffff"/>
+                </a:solidFill>
+              </a:uFill>
+              <a:latin typeface="Arial"/>
+            </a:endParaRPr>
+          </a:p>
+          <a:p>
+            <a:endParaRPr lang="en-US" sz="1800" spc="-1" strike="noStrike">
+              <a:solidFill>
+                <a:srgbClr val="000000"/>
+              </a:solidFill>
+              <a:uFill>
+                <a:solidFill>
+                  <a:srgbClr val="ffffff"/>
+                </a:solidFill>
+              </a:uFill>
+              <a:latin typeface="Arial"/>
+            </a:endParaRPr>
+          </a:p>
+          <a:p>
+            <a:r>
+              <a:rPr lang="en-US" sz="1800" spc="-1" strike="noStrike">
+                <a:solidFill>
+                  <a:srgbClr val="000000"/>
+                </a:solidFill>
+                <a:uFill>
+                  <a:solidFill>
+                    <a:srgbClr val="ffffff"/>
+                  </a:solidFill>
+                </a:uFill>
+                <a:latin typeface="Arial"/>
+              </a:rPr>
+              <a:t>	</a:t>
+            </a:r>
+            <a:r>
+              <a:rPr lang="en-US" sz="1800" spc="-1" strike="noStrike">
+                <a:solidFill>
+                  <a:srgbClr val="000000"/>
+                </a:solidFill>
+                <a:uFill>
+                  <a:solidFill>
+                    <a:srgbClr val="ffffff"/>
+                  </a:solidFill>
+                </a:uFill>
+                <a:latin typeface="Arial"/>
+              </a:rPr>
+              <a:t>- le template des snippets existants</a:t>
+            </a:r>
+            <a:endParaRPr lang="en-US" sz="1800" spc="-1" strike="noStrike">
+              <a:solidFill>
+                <a:srgbClr val="000000"/>
+              </a:solidFill>
+              <a:uFill>
+                <a:solidFill>
+                  <a:srgbClr val="ffffff"/>
+                </a:solidFill>
+              </a:uFill>
+              <a:latin typeface="Arial"/>
+            </a:endParaRPr>
+          </a:p>
+          <a:p>
+            <a:endParaRPr lang="en-US" sz="1800" spc="-1" strike="noStrike">
+              <a:solidFill>
+                <a:srgbClr val="000000"/>
+              </a:solidFill>
+              <a:uFill>
+                <a:solidFill>
+                  <a:srgbClr val="ffffff"/>
+                </a:solidFill>
+              </a:uFill>
+              <a:latin typeface="Arial"/>
+            </a:endParaRPr>
+          </a:p>
+          <a:p>
+            <a:r>
+              <a:rPr lang="en-US" sz="1800" spc="-1" strike="noStrike">
+                <a:solidFill>
+                  <a:srgbClr val="000000"/>
+                </a:solidFill>
+                <a:uFill>
+                  <a:solidFill>
+                    <a:srgbClr val="ffffff"/>
+                  </a:solidFill>
+                </a:uFill>
+                <a:latin typeface="Arial"/>
+              </a:rPr>
+              <a:t>	</a:t>
+            </a:r>
+            <a:r>
+              <a:rPr lang="en-US" sz="1800" spc="-1" strike="noStrike">
+                <a:solidFill>
+                  <a:srgbClr val="000000"/>
+                </a:solidFill>
+                <a:uFill>
+                  <a:solidFill>
+                    <a:srgbClr val="ffffff"/>
+                  </a:solidFill>
+                </a:uFill>
+                <a:latin typeface="Arial"/>
+              </a:rPr>
+              <a:t>- le style de la documentation</a:t>
+            </a:r>
+            <a:endParaRPr lang="en-US" sz="1800" spc="-1" strike="noStrike">
+              <a:solidFill>
+                <a:srgbClr val="000000"/>
+              </a:solidFill>
+              <a:uFill>
+                <a:solidFill>
+                  <a:srgbClr val="ffffff"/>
+                </a:solidFill>
+              </a:uFill>
+              <a:latin typeface="Arial"/>
+            </a:endParaRPr>
+          </a:p>
+          <a:p>
+            <a:endParaRPr lang="en-US" sz="1800" spc="-1" strike="noStrike">
+              <a:solidFill>
+                <a:srgbClr val="000000"/>
+              </a:solidFill>
+              <a:uFill>
+                <a:solidFill>
+                  <a:srgbClr val="ffffff"/>
+                </a:solidFill>
+              </a:uFill>
+              <a:latin typeface="Arial"/>
+            </a:endParaRPr>
+          </a:p>
+          <a:p>
+            <a:r>
+              <a:rPr lang="en-US" sz="1800" spc="-1" strike="noStrike">
+                <a:solidFill>
+                  <a:srgbClr val="000000"/>
+                </a:solidFill>
+                <a:uFill>
+                  <a:solidFill>
+                    <a:srgbClr val="ffffff"/>
+                  </a:solidFill>
+                </a:uFill>
+                <a:latin typeface="Arial"/>
+              </a:rPr>
+              <a:t>	</a:t>
+            </a:r>
+            <a:r>
+              <a:rPr lang="en-US" sz="1800" spc="-1" strike="noStrike">
+                <a:solidFill>
+                  <a:srgbClr val="000000"/>
+                </a:solidFill>
+                <a:uFill>
+                  <a:solidFill>
+                    <a:srgbClr val="ffffff"/>
+                  </a:solidFill>
+                </a:uFill>
+                <a:latin typeface="Arial"/>
+              </a:rPr>
+              <a:t>- ...</a:t>
+            </a:r>
+            <a:endParaRPr lang="en-US" sz="1800" spc="-1" strike="noStrike">
+              <a:solidFill>
+                <a:srgbClr val="000000"/>
+              </a:solidFill>
+              <a:uFill>
+                <a:solidFill>
+                  <a:srgbClr val="ffffff"/>
+                </a:solidFill>
+              </a:uFill>
+              <a:latin typeface="Arial"/>
+            </a:endParaRPr>
+          </a:p>
+        </p:txBody>
+      </p:sp>
+    </p:spTree>
+  </p:cSld>
+  <p:timing>
+    <p:tnLst>
+      <p:par>
+        <p:cTn id="27" dur="indefinite" restart="never" nodeType="tmRoot">
+          <p:childTnLst>
+            <p:seq>
+              <p:cTn id="28" nodeType="mainSeq"/>
+              <p:prevCondLst>
+                <p:cond delay="0" evt="onPrev">
+                  <p:tgtEl>
+                    <p:sldTgt/>
+                  </p:tgtEl>
+                </p:cond>
+              </p:prevCondLst>
+              <p:nextCondLst>
+                <p:cond delay="0" evt="onNext">
+                  <p:tgtEl>
+                    <p:sldTgt/>
+                  </p:tgtEl>
+                </p:cond>
+              </p:nextCondLst>
+            </p:seq>
+          </p:childTnLst>
+        </p:cTn>
+      </p:par>
+    </p:tnLst>
+  </p:timing>
+</p:sld>
+</file>
+
+<file path=ppt/slides/slide15.xml><?xml version="1.0" encoding="utf-8"?>
+<p:sld xmlns:a="http://schemas.openxmlformats.org/drawingml/2006/main" xmlns:p="http://schemas.openxmlformats.org/presentationml/2006/main" xmlns:r="http://schemas.openxmlformats.org/officeDocument/2006/relationships">
+  <p:cSld>
+    <p:spTree>
+      <p:nvGrpSpPr>
+        <p:cNvPr id="1" name=""/>
+        <p:cNvGrpSpPr/>
+        <p:nvPr/>
+      </p:nvGrpSpPr>
+      <p:grpSpPr>
+        <a:xfrm>
+          <a:off x="0" y="0"/>
+          <a:ext cx="0" cy="0"/>
+          <a:chOff x="0" y="0"/>
+          <a:chExt cx="0" cy="0"/>
+        </a:xfrm>
+      </p:grpSpPr>
+      <p:sp>
+        <p:nvSpPr>
+          <p:cNvPr id="109" name="CustomShape 1"/>
+          <p:cNvSpPr/>
+          <p:nvPr/>
+        </p:nvSpPr>
+        <p:spPr>
+          <a:xfrm>
+            <a:off x="504000" y="49320"/>
+            <a:ext cx="9070200" cy="1260720"/>
+          </a:xfrm>
+          <a:prstGeom prst="rect">
+            <a:avLst/>
+          </a:prstGeom>
+          <a:noFill/>
+          <a:ln>
+            <a:noFill/>
+          </a:ln>
+        </p:spPr>
+        <p:style>
+          <a:lnRef idx="0"/>
+          <a:fillRef idx="0"/>
+          <a:effectRef idx="0"/>
+          <a:fontRef idx="minor"/>
+        </p:style>
+        <p:txBody>
+          <a:bodyPr lIns="0" rIns="0" tIns="0" bIns="0" anchor="ctr"/>
+          <a:p>
+            <a:pPr algn="ctr">
+              <a:lnSpc>
+                <a:spcPct val="100000"/>
+              </a:lnSpc>
+            </a:pPr>
+            <a:r>
+              <a:rPr lang="en-US" sz="4400" spc="-1" strike="noStrike">
+                <a:solidFill>
+                  <a:srgbClr val="cc3300"/>
+                </a:solidFill>
+                <a:uFill>
+                  <a:solidFill>
+                    <a:srgbClr val="ffffff"/>
+                  </a:solidFill>
+                </a:uFill>
+                <a:latin typeface="Arial"/>
+                <a:ea typeface="DejaVu Sans"/>
+              </a:rPr>
+              <a:t>Spring Rest-doc</a:t>
+            </a:r>
+            <a:endParaRPr lang="en-US" sz="1800" spc="-1" strike="noStrike">
+              <a:solidFill>
+                <a:srgbClr val="000000"/>
+              </a:solidFill>
+              <a:uFill>
+                <a:solidFill>
+                  <a:srgbClr val="ffffff"/>
+                </a:solidFill>
+              </a:uFill>
+              <a:latin typeface="Arial"/>
+            </a:endParaRPr>
+          </a:p>
+        </p:txBody>
+      </p:sp>
+      <p:graphicFrame>
+        <p:nvGraphicFramePr>
+          <p:cNvPr id="110" name="Table 2"/>
+          <p:cNvGraphicFramePr/>
+          <p:nvPr/>
+        </p:nvGraphicFramePr>
+        <p:xfrm>
+          <a:off x="1414080" y="1780920"/>
+          <a:ext cx="7186680" cy="4501080"/>
+        </p:xfrm>
+        <a:graphic>
+          <a:graphicData uri="http://schemas.openxmlformats.org/drawingml/2006/table">
+            <a:tbl>
+              <a:tblPr/>
+              <a:tblGrid>
+                <a:gridCol w="2867400"/>
+                <a:gridCol w="4319640"/>
+              </a:tblGrid>
+              <a:tr h="320400">
+                <a:tc>
+                  <a:txBody>
+                    <a:bodyPr lIns="90000" rIns="90000"/>
+                    <a:p>
+                      <a:r>
+                        <a:rPr lang="en-US" sz="1600" spc="-1" strike="noStrike">
+                          <a:solidFill>
+                            <a:srgbClr val="000000"/>
+                          </a:solidFill>
+                          <a:uFill>
+                            <a:solidFill>
+                              <a:srgbClr val="ffffff"/>
+                            </a:solidFill>
+                          </a:uFill>
+                          <a:latin typeface="Arial"/>
+                        </a:rPr>
+                        <a:t>Point fort</a:t>
+                      </a:r>
+                      <a:endParaRPr lang="en-US" sz="1800" spc="-1" strike="noStrike">
+                        <a:solidFill>
+                          <a:srgbClr val="000000"/>
+                        </a:solidFill>
+                        <a:uFill>
+                          <a:solidFill>
+                            <a:srgbClr val="ffffff"/>
+                          </a:solidFill>
+                        </a:uFill>
+                        <a:latin typeface="Arial"/>
+                      </a:endParaRPr>
+                    </a:p>
+                  </a:txBody>
+                  <a:tcPr marL="90000" marR="90000">
+                    <a:lnL w="720">
+                      <a:solidFill>
+                        <a:srgbClr val="ffffff"/>
+                      </a:solidFill>
+                    </a:lnL>
+                    <a:lnR w="720">
+                      <a:solidFill>
+                        <a:srgbClr val="ffffff"/>
+                      </a:solidFill>
+                    </a:lnR>
+                    <a:lnT w="720">
+                      <a:solidFill>
+                        <a:srgbClr val="ffffff"/>
+                      </a:solidFill>
+                    </a:lnT>
+                    <a:lnB w="720">
+                      <a:solidFill>
+                        <a:srgbClr val="ffffff"/>
+                      </a:solidFill>
+                    </a:lnB>
+                    <a:solidFill>
+                      <a:srgbClr val="b3b3b3"/>
+                    </a:solidFill>
+                  </a:tcPr>
+                </a:tc>
+                <a:tc>
+                  <a:txBody>
+                    <a:bodyPr lIns="90000" rIns="90000"/>
+                    <a:p>
+                      <a:r>
+                        <a:rPr lang="en-US" sz="1600" spc="-1" strike="noStrike">
+                          <a:solidFill>
+                            <a:srgbClr val="000000"/>
+                          </a:solidFill>
+                          <a:uFill>
+                            <a:solidFill>
+                              <a:srgbClr val="ffffff"/>
+                            </a:solidFill>
+                          </a:uFill>
+                          <a:latin typeface="Arial"/>
+                        </a:rPr>
+                        <a:t>Point faible</a:t>
+                      </a:r>
+                      <a:endParaRPr lang="en-US" sz="1800" spc="-1" strike="noStrike">
+                        <a:solidFill>
+                          <a:srgbClr val="000000"/>
+                        </a:solidFill>
+                        <a:uFill>
+                          <a:solidFill>
+                            <a:srgbClr val="ffffff"/>
+                          </a:solidFill>
+                        </a:uFill>
+                        <a:latin typeface="Arial"/>
+                      </a:endParaRPr>
+                    </a:p>
+                  </a:txBody>
+                  <a:tcPr marL="90000" marR="90000">
+                    <a:lnL w="720">
+                      <a:solidFill>
+                        <a:srgbClr val="ffffff"/>
+                      </a:solidFill>
+                    </a:lnL>
+                    <a:lnR w="720">
+                      <a:solidFill>
+                        <a:srgbClr val="ffffff"/>
+                      </a:solidFill>
+                    </a:lnR>
+                    <a:lnT w="720">
+                      <a:solidFill>
+                        <a:srgbClr val="ffffff"/>
+                      </a:solidFill>
+                    </a:lnT>
+                    <a:lnB w="720">
+                      <a:solidFill>
+                        <a:srgbClr val="ffffff"/>
+                      </a:solidFill>
+                    </a:lnB>
+                    <a:solidFill>
+                      <a:srgbClr val="b3b3b3"/>
+                    </a:solidFill>
+                  </a:tcPr>
+                </a:tc>
+              </a:tr>
+              <a:tr h="549000">
+                <a:tc>
+                  <a:txBody>
+                    <a:bodyPr lIns="90000" rIns="90000"/>
+                    <a:p>
+                      <a:r>
+                        <a:rPr lang="en-US" sz="1600" spc="-1" strike="noStrike">
+                          <a:solidFill>
+                            <a:srgbClr val="000000"/>
+                          </a:solidFill>
+                          <a:uFill>
+                            <a:solidFill>
+                              <a:srgbClr val="ffffff"/>
+                            </a:solidFill>
+                          </a:uFill>
+                          <a:latin typeface="Arial"/>
+                        </a:rPr>
+                        <a:t>Basé sur Asciidoc ou Markdown</a:t>
+                      </a:r>
+                      <a:endParaRPr lang="en-US" sz="1800" spc="-1" strike="noStrike">
+                        <a:solidFill>
+                          <a:srgbClr val="000000"/>
+                        </a:solidFill>
+                        <a:uFill>
+                          <a:solidFill>
+                            <a:srgbClr val="ffffff"/>
+                          </a:solidFill>
+                        </a:uFill>
+                        <a:latin typeface="Arial"/>
+                      </a:endParaRPr>
+                    </a:p>
+                  </a:txBody>
+                  <a:tcPr marL="90000" marR="90000">
+                    <a:lnL w="720">
+                      <a:solidFill>
+                        <a:srgbClr val="ffffff"/>
+                      </a:solidFill>
+                    </a:lnL>
+                    <a:lnR w="720">
+                      <a:solidFill>
+                        <a:srgbClr val="ffffff"/>
+                      </a:solidFill>
+                    </a:lnR>
+                    <a:lnT w="720">
+                      <a:solidFill>
+                        <a:srgbClr val="ffffff"/>
+                      </a:solidFill>
+                    </a:lnT>
+                    <a:lnB w="720">
+                      <a:solidFill>
+                        <a:srgbClr val="ffffff"/>
+                      </a:solidFill>
+                    </a:lnB>
+                    <a:solidFill>
+                      <a:srgbClr val="cccccc"/>
+                    </a:solidFill>
+                  </a:tcPr>
+                </a:tc>
+                <a:tc>
+                  <a:txBody>
+                    <a:bodyPr lIns="90000" rIns="90000"/>
+                    <a:p>
+                      <a:r>
+                        <a:rPr lang="en-US" sz="1600" spc="-1" strike="noStrike">
+                          <a:solidFill>
+                            <a:srgbClr val="000000"/>
+                          </a:solidFill>
+                          <a:uFill>
+                            <a:solidFill>
+                              <a:srgbClr val="ffffff"/>
+                            </a:solidFill>
+                          </a:uFill>
+                          <a:latin typeface="Arial"/>
+                        </a:rPr>
+                        <a:t>Sans Spring dans le projet c'est compliqué</a:t>
+                      </a:r>
+                      <a:endParaRPr lang="en-US" sz="1800" spc="-1" strike="noStrike">
+                        <a:solidFill>
+                          <a:srgbClr val="000000"/>
+                        </a:solidFill>
+                        <a:uFill>
+                          <a:solidFill>
+                            <a:srgbClr val="ffffff"/>
+                          </a:solidFill>
+                        </a:uFill>
+                        <a:latin typeface="Arial"/>
+                      </a:endParaRPr>
+                    </a:p>
+                  </a:txBody>
+                  <a:tcPr marL="90000" marR="90000">
+                    <a:lnL w="720">
+                      <a:solidFill>
+                        <a:srgbClr val="ffffff"/>
+                      </a:solidFill>
+                    </a:lnL>
+                    <a:lnR w="720">
+                      <a:solidFill>
+                        <a:srgbClr val="ffffff"/>
+                      </a:solidFill>
+                    </a:lnR>
+                    <a:lnT w="720">
+                      <a:solidFill>
+                        <a:srgbClr val="ffffff"/>
+                      </a:solidFill>
+                    </a:lnT>
+                    <a:lnB w="720">
+                      <a:solidFill>
+                        <a:srgbClr val="ffffff"/>
+                      </a:solidFill>
+                    </a:lnB>
+                    <a:solidFill>
+                      <a:srgbClr val="cccccc"/>
+                    </a:solidFill>
+                  </a:tcPr>
+                </a:tc>
+              </a:tr>
+              <a:tr h="549000">
+                <a:tc>
+                  <a:txBody>
+                    <a:bodyPr lIns="90000" rIns="90000"/>
+                    <a:p>
+                      <a:r>
+                        <a:rPr lang="en-US" sz="1600" spc="-1" strike="noStrike">
+                          <a:solidFill>
+                            <a:srgbClr val="000000"/>
+                          </a:solidFill>
+                          <a:uFill>
+                            <a:solidFill>
+                              <a:srgbClr val="ffffff"/>
+                            </a:solidFill>
+                          </a:uFill>
+                          <a:latin typeface="Arial"/>
+                        </a:rPr>
+                        <a:t>Doc statique (facilement distribuable)</a:t>
+                      </a:r>
+                      <a:endParaRPr lang="en-US" sz="1800" spc="-1" strike="noStrike">
+                        <a:solidFill>
+                          <a:srgbClr val="000000"/>
+                        </a:solidFill>
+                        <a:uFill>
+                          <a:solidFill>
+                            <a:srgbClr val="ffffff"/>
+                          </a:solidFill>
+                        </a:uFill>
+                        <a:latin typeface="Arial"/>
+                      </a:endParaRPr>
+                    </a:p>
+                  </a:txBody>
+                  <a:tcPr marL="90000" marR="90000">
+                    <a:lnL w="720">
+                      <a:solidFill>
+                        <a:srgbClr val="ffffff"/>
+                      </a:solidFill>
+                    </a:lnL>
+                    <a:lnR w="720">
+                      <a:solidFill>
+                        <a:srgbClr val="ffffff"/>
+                      </a:solidFill>
+                    </a:lnR>
+                    <a:lnT w="720">
+                      <a:solidFill>
+                        <a:srgbClr val="ffffff"/>
+                      </a:solidFill>
+                    </a:lnT>
+                    <a:lnB w="720">
+                      <a:solidFill>
+                        <a:srgbClr val="ffffff"/>
+                      </a:solidFill>
+                    </a:lnB>
+                    <a:solidFill>
+                      <a:srgbClr val="e6e6e6"/>
+                    </a:solidFill>
+                  </a:tcPr>
+                </a:tc>
+                <a:tc>
+                  <a:txBody>
+                    <a:bodyPr lIns="90000" rIns="90000"/>
+                    <a:p>
+                      <a:r>
+                        <a:rPr lang="en-US" sz="1600" spc="-1" strike="noStrike">
+                          <a:solidFill>
+                            <a:srgbClr val="000000"/>
+                          </a:solidFill>
+                          <a:uFill>
+                            <a:solidFill>
+                              <a:srgbClr val="ffffff"/>
+                            </a:solidFill>
+                          </a:uFill>
+                          <a:latin typeface="Arial"/>
+                        </a:rPr>
+                        <a:t>Migration au milieu d'un projet prend du temps</a:t>
+                      </a:r>
+                      <a:endParaRPr lang="en-US" sz="1800" spc="-1" strike="noStrike">
+                        <a:solidFill>
+                          <a:srgbClr val="000000"/>
+                        </a:solidFill>
+                        <a:uFill>
+                          <a:solidFill>
+                            <a:srgbClr val="ffffff"/>
+                          </a:solidFill>
+                        </a:uFill>
+                        <a:latin typeface="Arial"/>
+                      </a:endParaRPr>
+                    </a:p>
+                  </a:txBody>
+                  <a:tcPr marL="90000" marR="90000">
+                    <a:lnL w="720">
+                      <a:solidFill>
+                        <a:srgbClr val="ffffff"/>
+                      </a:solidFill>
+                    </a:lnL>
+                    <a:lnR w="720">
+                      <a:solidFill>
+                        <a:srgbClr val="ffffff"/>
+                      </a:solidFill>
+                    </a:lnR>
+                    <a:lnT w="720">
+                      <a:solidFill>
+                        <a:srgbClr val="ffffff"/>
+                      </a:solidFill>
+                    </a:lnT>
+                    <a:lnB w="720">
+                      <a:solidFill>
+                        <a:srgbClr val="ffffff"/>
+                      </a:solidFill>
+                    </a:lnB>
+                    <a:solidFill>
+                      <a:srgbClr val="e6e6e6"/>
+                    </a:solidFill>
+                  </a:tcPr>
+                </a:tc>
+              </a:tr>
+              <a:tr h="777600">
+                <a:tc>
+                  <a:txBody>
+                    <a:bodyPr lIns="90000" rIns="90000"/>
+                    <a:p>
+                      <a:r>
+                        <a:rPr lang="en-US" sz="1600" spc="-1" strike="noStrike">
+                          <a:solidFill>
+                            <a:srgbClr val="000000"/>
+                          </a:solidFill>
+                          <a:uFill>
+                            <a:solidFill>
+                              <a:srgbClr val="ffffff"/>
+                            </a:solidFill>
+                          </a:uFill>
+                          <a:latin typeface="Arial"/>
+                        </a:rPr>
+                        <a:t>Force à faire des TI et à bien les faire pour avoir une bonne documentation</a:t>
+                      </a:r>
+                      <a:endParaRPr lang="en-US" sz="1800" spc="-1" strike="noStrike">
+                        <a:solidFill>
+                          <a:srgbClr val="000000"/>
+                        </a:solidFill>
+                        <a:uFill>
+                          <a:solidFill>
+                            <a:srgbClr val="ffffff"/>
+                          </a:solidFill>
+                        </a:uFill>
+                        <a:latin typeface="Arial"/>
+                      </a:endParaRPr>
+                    </a:p>
+                  </a:txBody>
+                  <a:tcPr marL="90000" marR="90000">
+                    <a:lnL w="720">
+                      <a:solidFill>
+                        <a:srgbClr val="ffffff"/>
+                      </a:solidFill>
+                    </a:lnL>
+                    <a:lnR w="720">
+                      <a:solidFill>
+                        <a:srgbClr val="ffffff"/>
+                      </a:solidFill>
+                    </a:lnR>
+                    <a:lnT w="720">
+                      <a:solidFill>
+                        <a:srgbClr val="ffffff"/>
+                      </a:solidFill>
+                    </a:lnT>
+                    <a:lnB w="720">
+                      <a:solidFill>
+                        <a:srgbClr val="ffffff"/>
+                      </a:solidFill>
+                    </a:lnB>
+                    <a:solidFill>
+                      <a:srgbClr val="cccccc"/>
+                    </a:solidFill>
+                  </a:tcPr>
+                </a:tc>
+                <a:tc>
+                  <a:txBody>
+                    <a:bodyPr lIns="90000" rIns="90000"/>
+                    <a:p>
+                      <a:r>
+                        <a:rPr lang="en-US" sz="1600" spc="-1" strike="noStrike">
+                          <a:solidFill>
+                            <a:srgbClr val="000000"/>
+                          </a:solidFill>
+                          <a:uFill>
+                            <a:solidFill>
+                              <a:srgbClr val="ffffff"/>
+                            </a:solidFill>
+                          </a:uFill>
+                          <a:latin typeface="Arial"/>
+                        </a:rPr>
+                        <a:t>Esthétisme à tuner</a:t>
+                      </a:r>
+                      <a:endParaRPr lang="en-US" sz="1800" spc="-1" strike="noStrike">
+                        <a:solidFill>
+                          <a:srgbClr val="000000"/>
+                        </a:solidFill>
+                        <a:uFill>
+                          <a:solidFill>
+                            <a:srgbClr val="ffffff"/>
+                          </a:solidFill>
+                        </a:uFill>
+                        <a:latin typeface="Arial"/>
+                      </a:endParaRPr>
+                    </a:p>
+                  </a:txBody>
+                  <a:tcPr marL="90000" marR="90000">
+                    <a:lnL w="720">
+                      <a:solidFill>
+                        <a:srgbClr val="ffffff"/>
+                      </a:solidFill>
+                    </a:lnL>
+                    <a:lnR w="720">
+                      <a:solidFill>
+                        <a:srgbClr val="ffffff"/>
+                      </a:solidFill>
+                    </a:lnR>
+                    <a:lnT w="720">
+                      <a:solidFill>
+                        <a:srgbClr val="ffffff"/>
+                      </a:solidFill>
+                    </a:lnT>
+                    <a:lnB w="720">
+                      <a:solidFill>
+                        <a:srgbClr val="ffffff"/>
+                      </a:solidFill>
+                    </a:lnB>
+                    <a:solidFill>
+                      <a:srgbClr val="cccccc"/>
+                    </a:solidFill>
+                  </a:tcPr>
+                </a:tc>
+              </a:tr>
+              <a:tr h="549000">
+                <a:tc>
+                  <a:txBody>
+                    <a:bodyPr lIns="90000" rIns="90000"/>
+                    <a:p>
+                      <a:r>
+                        <a:rPr lang="en-US" sz="1600" spc="-1" strike="noStrike">
+                          <a:solidFill>
+                            <a:srgbClr val="000000"/>
+                          </a:solidFill>
+                          <a:uFill>
+                            <a:solidFill>
+                              <a:srgbClr val="ffffff"/>
+                            </a:solidFill>
+                          </a:uFill>
+                          <a:latin typeface="Arial"/>
+                        </a:rPr>
+                        <a:t>Ne pollue pas le code applicatif</a:t>
+                      </a:r>
+                      <a:endParaRPr lang="en-US" sz="1800" spc="-1" strike="noStrike">
+                        <a:solidFill>
+                          <a:srgbClr val="000000"/>
+                        </a:solidFill>
+                        <a:uFill>
+                          <a:solidFill>
+                            <a:srgbClr val="ffffff"/>
+                          </a:solidFill>
+                        </a:uFill>
+                        <a:latin typeface="Arial"/>
+                      </a:endParaRPr>
+                    </a:p>
+                  </a:txBody>
+                  <a:tcPr marL="90000" marR="90000">
+                    <a:lnL w="720">
+                      <a:solidFill>
+                        <a:srgbClr val="ffffff"/>
+                      </a:solidFill>
+                    </a:lnL>
+                    <a:lnR w="720">
+                      <a:solidFill>
+                        <a:srgbClr val="ffffff"/>
+                      </a:solidFill>
+                    </a:lnR>
+                    <a:lnT w="720">
+                      <a:solidFill>
+                        <a:srgbClr val="ffffff"/>
+                      </a:solidFill>
+                    </a:lnT>
+                    <a:lnB w="720">
+                      <a:solidFill>
+                        <a:srgbClr val="ffffff"/>
+                      </a:solidFill>
+                    </a:lnB>
+                    <a:solidFill>
+                      <a:srgbClr val="e6e6e6"/>
+                    </a:solidFill>
+                  </a:tcPr>
+                </a:tc>
+                <a:tc>
+                  <a:txBody>
+                    <a:bodyPr lIns="90000" rIns="90000"/>
+                    <a:p>
+                      <a:r>
+                        <a:rPr lang="en-US" sz="1600" spc="-1" strike="noStrike">
+                          <a:solidFill>
+                            <a:srgbClr val="000000"/>
+                          </a:solidFill>
+                          <a:uFill>
+                            <a:solidFill>
+                              <a:srgbClr val="ffffff"/>
+                            </a:solidFill>
+                          </a:uFill>
+                          <a:latin typeface="Arial"/>
+                        </a:rPr>
+                        <a:t>Nécessite une montée en compétence</a:t>
+                      </a:r>
+                      <a:endParaRPr lang="en-US" sz="1800" spc="-1" strike="noStrike">
+                        <a:solidFill>
+                          <a:srgbClr val="000000"/>
+                        </a:solidFill>
+                        <a:uFill>
+                          <a:solidFill>
+                            <a:srgbClr val="ffffff"/>
+                          </a:solidFill>
+                        </a:uFill>
+                        <a:latin typeface="Arial"/>
+                      </a:endParaRPr>
+                    </a:p>
+                  </a:txBody>
+                  <a:tcPr marL="90000" marR="90000">
+                    <a:lnL w="720">
+                      <a:solidFill>
+                        <a:srgbClr val="ffffff"/>
+                      </a:solidFill>
+                    </a:lnL>
+                    <a:lnR w="720">
+                      <a:solidFill>
+                        <a:srgbClr val="ffffff"/>
+                      </a:solidFill>
+                    </a:lnR>
+                    <a:lnT w="720">
+                      <a:solidFill>
+                        <a:srgbClr val="ffffff"/>
+                      </a:solidFill>
+                    </a:lnT>
+                    <a:lnB w="720">
+                      <a:solidFill>
+                        <a:srgbClr val="ffffff"/>
+                      </a:solidFill>
+                    </a:lnB>
+                    <a:solidFill>
+                      <a:srgbClr val="e6e6e6"/>
+                    </a:solidFill>
+                  </a:tcPr>
+                </a:tc>
+              </a:tr>
+              <a:tr h="603720">
+                <a:tc>
+                  <a:txBody>
+                    <a:bodyPr lIns="90000" rIns="90000"/>
+                    <a:p>
+                      <a:r>
+                        <a:rPr lang="en-US" sz="1800" spc="-1" strike="noStrike">
+                          <a:solidFill>
+                            <a:srgbClr val="000000"/>
+                          </a:solidFill>
+                          <a:uFill>
+                            <a:solidFill>
+                              <a:srgbClr val="ffffff"/>
+                            </a:solidFill>
+                          </a:uFill>
+                          <a:latin typeface="Arial"/>
+                        </a:rPr>
+                        <a:t>La documentation reste à jour</a:t>
+                      </a:r>
+                      <a:endParaRPr lang="en-US" sz="1800" spc="-1" strike="noStrike">
+                        <a:solidFill>
+                          <a:srgbClr val="000000"/>
+                        </a:solidFill>
+                        <a:uFill>
+                          <a:solidFill>
+                            <a:srgbClr val="ffffff"/>
+                          </a:solidFill>
+                        </a:uFill>
+                        <a:latin typeface="Arial"/>
+                      </a:endParaRPr>
+                    </a:p>
+                  </a:txBody>
+                  <a:tcPr marL="90000" marR="90000">
+                    <a:lnL w="720">
+                      <a:solidFill>
+                        <a:srgbClr val="ffffff"/>
+                      </a:solidFill>
+                    </a:lnL>
+                    <a:lnR w="720">
+                      <a:solidFill>
+                        <a:srgbClr val="ffffff"/>
+                      </a:solidFill>
+                    </a:lnR>
+                    <a:lnT w="720">
+                      <a:solidFill>
+                        <a:srgbClr val="ffffff"/>
+                      </a:solidFill>
+                    </a:lnT>
+                    <a:lnB w="720">
+                      <a:solidFill>
+                        <a:srgbClr val="ffffff"/>
+                      </a:solidFill>
+                    </a:lnB>
+                    <a:solidFill>
+                      <a:srgbClr val="cccccc"/>
+                    </a:solidFill>
+                  </a:tcPr>
+                </a:tc>
+                <a:tc>
+                  <a:tcPr marL="90000" marR="90000">
+                    <a:lnL w="720">
+                      <a:solidFill>
+                        <a:srgbClr val="ffffff"/>
+                      </a:solidFill>
+                    </a:lnL>
+                    <a:lnR w="720">
+                      <a:solidFill>
+                        <a:srgbClr val="ffffff"/>
+                      </a:solidFill>
+                    </a:lnR>
+                    <a:lnT w="720">
+                      <a:solidFill>
+                        <a:srgbClr val="ffffff"/>
+                      </a:solidFill>
+                    </a:lnT>
+                    <a:lnB w="720">
+                      <a:solidFill>
+                        <a:srgbClr val="ffffff"/>
+                      </a:solidFill>
+                    </a:lnB>
+                    <a:solidFill>
+                      <a:srgbClr val="cccccc"/>
+                    </a:solidFill>
+                  </a:tcPr>
+                </a:tc>
+              </a:tr>
+              <a:tr h="549000">
+                <a:tc>
+                  <a:txBody>
+                    <a:bodyPr lIns="90000" rIns="90000"/>
+                    <a:p>
+                      <a:r>
+                        <a:rPr lang="en-US" sz="1600" spc="-1" strike="noStrike">
+                          <a:solidFill>
+                            <a:srgbClr val="000000"/>
+                          </a:solidFill>
+                          <a:uFill>
+                            <a:solidFill>
+                              <a:srgbClr val="ffffff"/>
+                            </a:solidFill>
+                          </a:uFill>
+                          <a:latin typeface="Arial"/>
+                        </a:rPr>
+                        <a:t>Tout est documentable, les erreurs, les cas particuliers</a:t>
+                      </a:r>
+                      <a:endParaRPr lang="en-US" sz="1800" spc="-1" strike="noStrike">
+                        <a:solidFill>
+                          <a:srgbClr val="000000"/>
+                        </a:solidFill>
+                        <a:uFill>
+                          <a:solidFill>
+                            <a:srgbClr val="ffffff"/>
+                          </a:solidFill>
+                        </a:uFill>
+                        <a:latin typeface="Arial"/>
+                      </a:endParaRPr>
+                    </a:p>
+                  </a:txBody>
+                  <a:tcPr marL="90000" marR="90000">
+                    <a:lnL w="720">
+                      <a:solidFill>
+                        <a:srgbClr val="ffffff"/>
+                      </a:solidFill>
+                    </a:lnL>
+                    <a:lnR w="720">
+                      <a:solidFill>
+                        <a:srgbClr val="ffffff"/>
+                      </a:solidFill>
+                    </a:lnR>
+                    <a:lnT w="720">
+                      <a:solidFill>
+                        <a:srgbClr val="ffffff"/>
+                      </a:solidFill>
+                    </a:lnT>
+                    <a:lnB w="720">
+                      <a:solidFill>
+                        <a:srgbClr val="ffffff"/>
+                      </a:solidFill>
+                    </a:lnB>
+                    <a:solidFill>
+                      <a:srgbClr val="e6e6e6"/>
+                    </a:solidFill>
+                  </a:tcPr>
+                </a:tc>
+                <a:tc>
+                  <a:tcPr marL="90000" marR="90000">
+                    <a:lnL w="720">
+                      <a:solidFill>
+                        <a:srgbClr val="ffffff"/>
+                      </a:solidFill>
+                    </a:lnL>
+                    <a:lnR w="720">
+                      <a:solidFill>
+                        <a:srgbClr val="ffffff"/>
+                      </a:solidFill>
+                    </a:lnR>
+                    <a:lnT w="720">
+                      <a:solidFill>
+                        <a:srgbClr val="ffffff"/>
+                      </a:solidFill>
+                    </a:lnT>
+                    <a:lnB w="720">
+                      <a:solidFill>
+                        <a:srgbClr val="ffffff"/>
+                      </a:solidFill>
+                    </a:lnB>
+                    <a:solidFill>
+                      <a:srgbClr val="e6e6e6"/>
+                    </a:solidFill>
+                  </a:tcPr>
+                </a:tc>
+              </a:tr>
+              <a:tr h="603720">
+                <a:tc>
+                  <a:txBody>
+                    <a:bodyPr lIns="90000" rIns="90000"/>
+                    <a:p>
+                      <a:r>
+                        <a:rPr lang="en-US" sz="1800" spc="-1" strike="noStrike">
+                          <a:solidFill>
+                            <a:srgbClr val="000000"/>
+                          </a:solidFill>
+                          <a:uFill>
+                            <a:solidFill>
+                              <a:srgbClr val="ffffff"/>
+                            </a:solidFill>
+                          </a:uFill>
+                          <a:latin typeface="Arial"/>
+                        </a:rPr>
+                        <a:t>Facilement customisable (PathParamSnippet...)</a:t>
+                      </a:r>
+                      <a:endParaRPr lang="en-US" sz="1800" spc="-1" strike="noStrike">
+                        <a:solidFill>
+                          <a:srgbClr val="000000"/>
+                        </a:solidFill>
+                        <a:uFill>
+                          <a:solidFill>
+                            <a:srgbClr val="ffffff"/>
+                          </a:solidFill>
+                        </a:uFill>
+                        <a:latin typeface="Arial"/>
+                      </a:endParaRPr>
+                    </a:p>
+                  </a:txBody>
+                  <a:tcPr marL="90000" marR="90000">
+                    <a:lnL w="720">
+                      <a:solidFill>
+                        <a:srgbClr val="ffffff"/>
+                      </a:solidFill>
+                    </a:lnL>
+                    <a:lnR w="720">
+                      <a:solidFill>
+                        <a:srgbClr val="ffffff"/>
+                      </a:solidFill>
+                    </a:lnR>
+                    <a:lnT w="720">
+                      <a:solidFill>
+                        <a:srgbClr val="ffffff"/>
+                      </a:solidFill>
+                    </a:lnT>
+                    <a:lnB w="720">
+                      <a:solidFill>
+                        <a:srgbClr val="ffffff"/>
+                      </a:solidFill>
+                    </a:lnB>
+                    <a:solidFill>
+                      <a:srgbClr val="cccccc"/>
+                    </a:solidFill>
+                  </a:tcPr>
+                </a:tc>
+                <a:tc>
+                  <a:tcPr marL="90000" marR="90000">
+                    <a:lnL w="720">
+                      <a:solidFill>
+                        <a:srgbClr val="ffffff"/>
+                      </a:solidFill>
+                    </a:lnL>
+                    <a:lnR w="720">
+                      <a:solidFill>
+                        <a:srgbClr val="ffffff"/>
+                      </a:solidFill>
+                    </a:lnR>
+                    <a:lnT w="720">
+                      <a:solidFill>
+                        <a:srgbClr val="ffffff"/>
+                      </a:solidFill>
+                    </a:lnT>
+                    <a:lnB w="720">
+                      <a:solidFill>
+                        <a:srgbClr val="ffffff"/>
+                      </a:solidFill>
+                    </a:lnB>
+                    <a:solidFill>
+                      <a:srgbClr val="cccccc"/>
+                    </a:solidFill>
+                  </a:tcPr>
+                </a:tc>
+              </a:tr>
+            </a:tbl>
+          </a:graphicData>
+        </a:graphic>
+      </p:graphicFrame>
+    </p:spTree>
+  </p:cSld>
+  <p:timing>
+    <p:tnLst>
+      <p:par>
+        <p:cTn id="29" dur="indefinite" restart="never" nodeType="tmRoot">
+          <p:childTnLst>
+            <p:seq>
+              <p:cTn id="30" nodeType="mainSeq"/>
+              <p:prevCondLst>
+                <p:cond delay="0" evt="onPrev">
+                  <p:tgtEl>
+                    <p:sldTgt/>
+                  </p:tgtEl>
+                </p:cond>
+              </p:prevCondLst>
+              <p:nextCondLst>
+                <p:cond delay="0" evt="onNext">
+                  <p:tgtEl>
+                    <p:sldTgt/>
+                  </p:tgtEl>
+                </p:cond>
+              </p:nextCondLst>
+            </p:seq>
+          </p:childTnLst>
+        </p:cTn>
+      </p:par>
+    </p:tnLst>
+  </p:timing>
+</p:sld>
+</file>
+
+<file path=ppt/slides/slide16.xml><?xml version="1.0" encoding="utf-8"?>
+<p:sld xmlns:a="http://schemas.openxmlformats.org/drawingml/2006/main" xmlns:p="http://schemas.openxmlformats.org/presentationml/2006/main" xmlns:r="http://schemas.openxmlformats.org/officeDocument/2006/relationships">
+  <p:cSld>
+    <p:spTree>
+      <p:nvGrpSpPr>
+        <p:cNvPr id="1" name=""/>
+        <p:cNvGrpSpPr/>
+        <p:nvPr/>
+      </p:nvGrpSpPr>
+      <p:grpSpPr>
+        <a:xfrm>
+          <a:off x="0" y="0"/>
+          <a:ext cx="0" cy="0"/>
+          <a:chOff x="0" y="0"/>
+          <a:chExt cx="0" cy="0"/>
+        </a:xfrm>
+      </p:grpSpPr>
+      <p:sp>
+        <p:nvSpPr>
+          <p:cNvPr id="111" name="CustomShape 1"/>
+          <p:cNvSpPr/>
+          <p:nvPr/>
+        </p:nvSpPr>
+        <p:spPr>
+          <a:xfrm>
             <a:off x="457200" y="1695600"/>
-            <a:ext cx="9070560" cy="3181320"/>
+            <a:ext cx="9070200" cy="3180960"/>
           </a:xfrm>
           <a:prstGeom prst="rect">
             <a:avLst/>
@@ -5439,10 +6333,10 @@
   <p:timing>
     <p:tnLst>
       <p:par>
-        <p:cTn id="25" dur="indefinite" restart="never" nodeType="tmRoot">
+        <p:cTn id="31" dur="indefinite" restart="never" nodeType="tmRoot">
           <p:childTnLst>
             <p:seq>
-              <p:cTn id="26" nodeType="mainSeq"/>
+              <p:cTn id="32" nodeType="mainSeq"/>
               <p:prevCondLst>
                 <p:cond delay="0" evt="onPrev">
                   <p:tgtEl>
@@ -5492,7 +6386,7 @@
         <p:spPr>
           <a:xfrm>
             <a:off x="504000" y="301320"/>
-            <a:ext cx="9070560" cy="1261080"/>
+            <a:ext cx="9070200" cy="1260720"/>
           </a:xfrm>
           <a:prstGeom prst="rect">
             <a:avLst/>
@@ -5554,7 +6448,7 @@
         <p:spPr>
           <a:xfrm>
             <a:off x="504000" y="2016360"/>
-            <a:ext cx="9070560" cy="4383360"/>
+            <a:ext cx="9070200" cy="4383000"/>
           </a:xfrm>
           <a:prstGeom prst="rect">
             <a:avLst/>
@@ -5573,7 +6467,7 @@
         <p:txBody>
           <a:bodyPr lIns="0" rIns="0" tIns="0" bIns="0"/>
           <a:p>
-            <a:pPr marL="432000" indent="-322920">
+            <a:pPr marL="432000" indent="-322560">
               <a:lnSpc>
                 <a:spcPct val="100000"/>
               </a:lnSpc>
@@ -5612,7 +6506,7 @@
             </a:endParaRPr>
           </a:p>
           <a:p>
-            <a:pPr marL="432000" indent="-322920">
+            <a:pPr marL="432000" indent="-322560">
               <a:lnSpc>
                 <a:spcPct val="100000"/>
               </a:lnSpc>
@@ -5651,7 +6545,7 @@
             </a:endParaRPr>
           </a:p>
           <a:p>
-            <a:pPr marL="432000" indent="-322920">
+            <a:pPr marL="432000" indent="-322560">
               <a:lnSpc>
                 <a:spcPct val="100000"/>
               </a:lnSpc>
@@ -5690,7 +6584,7 @@
             </a:endParaRPr>
           </a:p>
           <a:p>
-            <a:pPr marL="432000" indent="-322920">
+            <a:pPr marL="432000" indent="-322560">
               <a:lnSpc>
                 <a:spcPct val="100000"/>
               </a:lnSpc>
@@ -5788,7 +6682,7 @@
         <p:spPr>
           <a:xfrm>
             <a:off x="504000" y="301320"/>
-            <a:ext cx="9070560" cy="1261080"/>
+            <a:ext cx="9070200" cy="1260720"/>
           </a:xfrm>
           <a:prstGeom prst="rect">
             <a:avLst/>
@@ -5854,7 +6748,7 @@
         <p:spPr>
           <a:xfrm>
             <a:off x="2377440" y="2269080"/>
-            <a:ext cx="5346360" cy="3124800"/>
+            <a:ext cx="5346000" cy="3124440"/>
           </a:xfrm>
           <a:prstGeom prst="rect">
             <a:avLst/>
@@ -5922,7 +6816,7 @@
         <p:spPr>
           <a:xfrm>
             <a:off x="504000" y="49320"/>
-            <a:ext cx="9070560" cy="1261080"/>
+            <a:ext cx="9070200" cy="1260720"/>
           </a:xfrm>
           <a:prstGeom prst="rect">
             <a:avLst/>
@@ -5988,7 +6882,7 @@
         <p:spPr>
           <a:xfrm>
             <a:off x="2743200" y="1188720"/>
-            <a:ext cx="5211000" cy="5809320"/>
+            <a:ext cx="5210640" cy="5808960"/>
           </a:xfrm>
           <a:prstGeom prst="rect">
             <a:avLst/>
@@ -6056,7 +6950,7 @@
         <p:spPr>
           <a:xfrm>
             <a:off x="504000" y="49320"/>
-            <a:ext cx="9070560" cy="1261080"/>
+            <a:ext cx="9070200" cy="1260720"/>
           </a:xfrm>
           <a:prstGeom prst="rect">
             <a:avLst/>
@@ -6122,7 +7016,7 @@
         <p:spPr>
           <a:xfrm>
             <a:off x="6309360" y="1221480"/>
-            <a:ext cx="3427560" cy="1246320"/>
+            <a:ext cx="3427200" cy="1245960"/>
           </a:xfrm>
           <a:prstGeom prst="rect">
             <a:avLst/>
@@ -6141,7 +7035,7 @@
         <p:spPr>
           <a:xfrm>
             <a:off x="822960" y="1391400"/>
-            <a:ext cx="4479480" cy="1076760"/>
+            <a:ext cx="4479120" cy="1076400"/>
           </a:xfrm>
           <a:prstGeom prst="rect">
             <a:avLst/>
@@ -6202,7 +7096,7 @@
         <p:spPr>
           <a:xfrm>
             <a:off x="1676880" y="2743200"/>
-            <a:ext cx="6734520" cy="4288680"/>
+            <a:ext cx="6734160" cy="4288320"/>
           </a:xfrm>
           <a:prstGeom prst="rect">
             <a:avLst/>
@@ -6270,7 +7164,7 @@
         <p:spPr>
           <a:xfrm>
             <a:off x="504000" y="49320"/>
-            <a:ext cx="9070560" cy="1261080"/>
+            <a:ext cx="9070200" cy="1260720"/>
           </a:xfrm>
           <a:prstGeom prst="rect">
             <a:avLst/>
@@ -6336,7 +7230,7 @@
         <p:spPr>
           <a:xfrm>
             <a:off x="1005840" y="2011680"/>
-            <a:ext cx="8035200" cy="4163760"/>
+            <a:ext cx="8034840" cy="4163400"/>
           </a:xfrm>
           <a:prstGeom prst="rect">
             <a:avLst/>
@@ -6359,7 +7253,7 @@
         <p:spPr>
           <a:xfrm>
             <a:off x="8157960" y="365760"/>
-            <a:ext cx="1350720" cy="1322280"/>
+            <a:ext cx="1350360" cy="1321920"/>
           </a:xfrm>
           <a:prstGeom prst="rect">
             <a:avLst/>
@@ -6427,7 +7321,7 @@
         <p:spPr>
           <a:xfrm>
             <a:off x="504000" y="49320"/>
-            <a:ext cx="9070560" cy="1261080"/>
+            <a:ext cx="9070200" cy="1260720"/>
           </a:xfrm>
           <a:prstGeom prst="rect">
             <a:avLst/>
@@ -6492,8 +7386,8 @@
         </p:blipFill>
         <p:spPr>
           <a:xfrm>
-            <a:off x="914400" y="2406240"/>
-            <a:ext cx="8432280" cy="2804760"/>
+            <a:off x="8157960" y="365760"/>
+            <a:ext cx="1350360" cy="1321920"/>
           </a:xfrm>
           <a:prstGeom prst="rect">
             <a:avLst/>
@@ -6503,6 +7397,335 @@
           </a:ln>
         </p:spPr>
       </p:pic>
+      <p:sp>
+        <p:nvSpPr>
+          <p:cNvPr id="88" name="TextShape 2"/>
+          <p:cNvSpPr txBox="1"/>
+          <p:nvPr/>
+        </p:nvSpPr>
+        <p:spPr>
+          <a:xfrm>
+            <a:off x="731520" y="2560320"/>
+            <a:ext cx="7110360" cy="2649960"/>
+          </a:xfrm>
+          <a:prstGeom prst="rect">
+            <a:avLst/>
+          </a:prstGeom>
+          <a:noFill/>
+          <a:ln>
+            <a:noFill/>
+          </a:ln>
+        </p:spPr>
+        <p:txBody>
+          <a:bodyPr lIns="90000" rIns="90000" tIns="45000" bIns="45000"/>
+          <a:p>
+            <a:r>
+              <a:rPr lang="en-US" sz="1800" spc="-1" strike="noStrike">
+                <a:solidFill>
+                  <a:srgbClr val="000000"/>
+                </a:solidFill>
+                <a:uFill>
+                  <a:solidFill>
+                    <a:srgbClr val="ffffff"/>
+                  </a:solidFill>
+                </a:uFill>
+                <a:latin typeface="Arial"/>
+              </a:rPr>
+              <a:t>Installation :</a:t>
+            </a:r>
+            <a:endParaRPr lang="en-US" sz="1800" spc="-1" strike="noStrike">
+              <a:solidFill>
+                <a:srgbClr val="000000"/>
+              </a:solidFill>
+              <a:uFill>
+                <a:solidFill>
+                  <a:srgbClr val="ffffff"/>
+                </a:solidFill>
+              </a:uFill>
+              <a:latin typeface="Arial"/>
+            </a:endParaRPr>
+          </a:p>
+          <a:p>
+            <a:endParaRPr lang="en-US" sz="1800" spc="-1" strike="noStrike">
+              <a:solidFill>
+                <a:srgbClr val="000000"/>
+              </a:solidFill>
+              <a:uFill>
+                <a:solidFill>
+                  <a:srgbClr val="ffffff"/>
+                </a:solidFill>
+              </a:uFill>
+              <a:latin typeface="Arial"/>
+            </a:endParaRPr>
+          </a:p>
+          <a:p>
+            <a:r>
+              <a:rPr lang="en-US" sz="1800" spc="-1" strike="noStrike">
+                <a:solidFill>
+                  <a:srgbClr val="000000"/>
+                </a:solidFill>
+                <a:uFill>
+                  <a:solidFill>
+                    <a:srgbClr val="ffffff"/>
+                  </a:solidFill>
+                </a:uFill>
+                <a:latin typeface="Arial"/>
+              </a:rPr>
+              <a:t>	</a:t>
+            </a:r>
+            <a:r>
+              <a:rPr lang="en-US" sz="1800" spc="-1" strike="noStrike">
+                <a:solidFill>
+                  <a:srgbClr val="000000"/>
+                </a:solidFill>
+                <a:uFill>
+                  <a:solidFill>
+                    <a:srgbClr val="ffffff"/>
+                  </a:solidFill>
+                </a:uFill>
+                <a:latin typeface="Arial"/>
+              </a:rPr>
+              <a:t>- Ajouter la dépendance principale</a:t>
+            </a:r>
+            <a:endParaRPr lang="en-US" sz="1800" spc="-1" strike="noStrike">
+              <a:solidFill>
+                <a:srgbClr val="000000"/>
+              </a:solidFill>
+              <a:uFill>
+                <a:solidFill>
+                  <a:srgbClr val="ffffff"/>
+                </a:solidFill>
+              </a:uFill>
+              <a:latin typeface="Arial"/>
+            </a:endParaRPr>
+          </a:p>
+          <a:p>
+            <a:endParaRPr lang="en-US" sz="1800" spc="-1" strike="noStrike">
+              <a:solidFill>
+                <a:srgbClr val="000000"/>
+              </a:solidFill>
+              <a:uFill>
+                <a:solidFill>
+                  <a:srgbClr val="ffffff"/>
+                </a:solidFill>
+              </a:uFill>
+              <a:latin typeface="Arial"/>
+            </a:endParaRPr>
+          </a:p>
+          <a:p>
+            <a:r>
+              <a:rPr lang="en-US" sz="1800" spc="-1" strike="noStrike">
+                <a:solidFill>
+                  <a:srgbClr val="000000"/>
+                </a:solidFill>
+                <a:uFill>
+                  <a:solidFill>
+                    <a:srgbClr val="ffffff"/>
+                  </a:solidFill>
+                </a:uFill>
+                <a:latin typeface="Arial"/>
+              </a:rPr>
+              <a:t>	</a:t>
+            </a:r>
+            <a:r>
+              <a:rPr lang="en-US" sz="1800" spc="-1" strike="noStrike">
+                <a:solidFill>
+                  <a:srgbClr val="000000"/>
+                </a:solidFill>
+                <a:uFill>
+                  <a:solidFill>
+                    <a:srgbClr val="ffffff"/>
+                  </a:solidFill>
+                </a:uFill>
+                <a:latin typeface="Arial"/>
+              </a:rPr>
+              <a:t>- Ajouter des annotations sur les controllers</a:t>
+            </a:r>
+            <a:endParaRPr lang="en-US" sz="1800" spc="-1" strike="noStrike">
+              <a:solidFill>
+                <a:srgbClr val="000000"/>
+              </a:solidFill>
+              <a:uFill>
+                <a:solidFill>
+                  <a:srgbClr val="ffffff"/>
+                </a:solidFill>
+              </a:uFill>
+              <a:latin typeface="Arial"/>
+            </a:endParaRPr>
+          </a:p>
+          <a:p>
+            <a:endParaRPr lang="en-US" sz="1800" spc="-1" strike="noStrike">
+              <a:solidFill>
+                <a:srgbClr val="000000"/>
+              </a:solidFill>
+              <a:uFill>
+                <a:solidFill>
+                  <a:srgbClr val="ffffff"/>
+                </a:solidFill>
+              </a:uFill>
+              <a:latin typeface="Arial"/>
+            </a:endParaRPr>
+          </a:p>
+          <a:p>
+            <a:r>
+              <a:rPr lang="en-US" sz="1800" spc="-1" strike="noStrike">
+                <a:solidFill>
+                  <a:srgbClr val="000000"/>
+                </a:solidFill>
+                <a:uFill>
+                  <a:solidFill>
+                    <a:srgbClr val="ffffff"/>
+                  </a:solidFill>
+                </a:uFill>
+                <a:latin typeface="Arial"/>
+              </a:rPr>
+              <a:t>	</a:t>
+            </a:r>
+            <a:r>
+              <a:rPr lang="en-US" sz="1800" spc="-1" strike="noStrike">
+                <a:solidFill>
+                  <a:srgbClr val="000000"/>
+                </a:solidFill>
+                <a:uFill>
+                  <a:solidFill>
+                    <a:srgbClr val="ffffff"/>
+                  </a:solidFill>
+                </a:uFill>
+                <a:latin typeface="Arial"/>
+              </a:rPr>
+              <a:t>- Ajouter la dépendance swagger-ui</a:t>
+            </a:r>
+            <a:endParaRPr lang="en-US" sz="1800" spc="-1" strike="noStrike">
+              <a:solidFill>
+                <a:srgbClr val="000000"/>
+              </a:solidFill>
+              <a:uFill>
+                <a:solidFill>
+                  <a:srgbClr val="ffffff"/>
+                </a:solidFill>
+              </a:uFill>
+              <a:latin typeface="Arial"/>
+            </a:endParaRPr>
+          </a:p>
+          <a:p>
+            <a:endParaRPr lang="en-US" sz="1800" spc="-1" strike="noStrike">
+              <a:solidFill>
+                <a:srgbClr val="000000"/>
+              </a:solidFill>
+              <a:uFill>
+                <a:solidFill>
+                  <a:srgbClr val="ffffff"/>
+                </a:solidFill>
+              </a:uFill>
+              <a:latin typeface="Arial"/>
+            </a:endParaRPr>
+          </a:p>
+          <a:p>
+            <a:r>
+              <a:rPr lang="en-US" sz="1800" spc="-1" strike="noStrike">
+                <a:solidFill>
+                  <a:srgbClr val="000000"/>
+                </a:solidFill>
+                <a:uFill>
+                  <a:solidFill>
+                    <a:srgbClr val="ffffff"/>
+                  </a:solidFill>
+                </a:uFill>
+                <a:latin typeface="Arial"/>
+              </a:rPr>
+              <a:t>	</a:t>
+            </a:r>
+            <a:r>
+              <a:rPr lang="en-US" sz="1800" spc="-1" strike="noStrike">
+                <a:solidFill>
+                  <a:srgbClr val="000000"/>
+                </a:solidFill>
+                <a:uFill>
+                  <a:solidFill>
+                    <a:srgbClr val="ffffff"/>
+                  </a:solidFill>
+                </a:uFill>
+                <a:latin typeface="Arial"/>
+              </a:rPr>
+              <a:t>- Ajouter la configuration de Swagger UI (+ redirection si besoin)</a:t>
+            </a:r>
+            <a:endParaRPr lang="en-US" sz="1800" spc="-1" strike="noStrike">
+              <a:solidFill>
+                <a:srgbClr val="000000"/>
+              </a:solidFill>
+              <a:uFill>
+                <a:solidFill>
+                  <a:srgbClr val="ffffff"/>
+                </a:solidFill>
+              </a:uFill>
+              <a:latin typeface="Arial"/>
+            </a:endParaRPr>
+          </a:p>
+          <a:p>
+            <a:endParaRPr lang="en-US" sz="1800" spc="-1" strike="noStrike">
+              <a:solidFill>
+                <a:srgbClr val="000000"/>
+              </a:solidFill>
+              <a:uFill>
+                <a:solidFill>
+                  <a:srgbClr val="ffffff"/>
+                </a:solidFill>
+              </a:uFill>
+              <a:latin typeface="Arial"/>
+            </a:endParaRPr>
+          </a:p>
+        </p:txBody>
+      </p:sp>
+      <p:sp>
+        <p:nvSpPr>
+          <p:cNvPr id="89" name="TextShape 3"/>
+          <p:cNvSpPr txBox="1"/>
+          <p:nvPr/>
+        </p:nvSpPr>
+        <p:spPr>
+          <a:xfrm>
+            <a:off x="816120" y="6766560"/>
+            <a:ext cx="5241960" cy="249120"/>
+          </a:xfrm>
+          <a:prstGeom prst="rect">
+            <a:avLst/>
+          </a:prstGeom>
+          <a:noFill/>
+          <a:ln>
+            <a:noFill/>
+          </a:ln>
+        </p:spPr>
+        <p:txBody>
+          <a:bodyPr lIns="90000" rIns="90000" tIns="45000" bIns="45000"/>
+          <a:p>
+            <a:r>
+              <a:rPr lang="en-US" sz="1100" spc="-1" strike="noStrike">
+                <a:solidFill>
+                  <a:srgbClr val="000000"/>
+                </a:solidFill>
+                <a:uFill>
+                  <a:solidFill>
+                    <a:srgbClr val="ffffff"/>
+                  </a:solidFill>
+                </a:uFill>
+                <a:latin typeface="Arial"/>
+              </a:rPr>
+              <a:t>Bon tuto : http://www.baeldung.com/swagger-2-documentation-for-spring-rest-api </a:t>
+            </a:r>
+            <a:endParaRPr lang="en-US" sz="1800" spc="-1" strike="noStrike">
+              <a:solidFill>
+                <a:srgbClr val="000000"/>
+              </a:solidFill>
+              <a:uFill>
+                <a:solidFill>
+                  <a:srgbClr val="ffffff"/>
+                </a:solidFill>
+              </a:uFill>
+              <a:latin typeface="Arial"/>
+            </a:endParaRPr>
+          </a:p>
+        </p:txBody>
+      </p:sp>
     </p:spTree>
   </p:cSld>
   <p:timing>
@@ -6554,14 +7777,14 @@
       </p:grpSpPr>
       <p:sp>
         <p:nvSpPr>
-          <p:cNvPr id="88" name="CustomShape 1"/>
+          <p:cNvPr id="90" name="CustomShape 1"/>
           <p:cNvSpPr/>
           <p:nvPr/>
         </p:nvSpPr>
         <p:spPr>
           <a:xfrm>
             <a:off x="504000" y="49320"/>
-            <a:ext cx="9070560" cy="1261080"/>
+            <a:ext cx="9070200" cy="1260720"/>
           </a:xfrm>
           <a:prstGeom prst="rect">
             <a:avLst/>
@@ -6614,840 +7837,29 @@
           </a:p>
         </p:txBody>
       </p:sp>
-      <p:graphicFrame>
-        <p:nvGraphicFramePr>
-          <p:cNvPr id="89" name="Table 2"/>
-          <p:cNvGraphicFramePr/>
+      <p:pic>
+        <p:nvPicPr>
+          <p:cNvPr id="91" name="" descr=""/>
+          <p:cNvPicPr/>
           <p:nvPr/>
-        </p:nvGraphicFramePr>
-        <p:xfrm>
-          <a:off x="1774080" y="1780920"/>
-          <a:ext cx="6854400" cy="93240"/>
-        </p:xfrm>
-        <a:graphic>
-          <a:graphicData uri="http://schemas.openxmlformats.org/drawingml/2006/table">
-            <a:tbl>
-              <a:tblPr/>
-              <a:tblGrid>
-                <a:gridCol w="2734920"/>
-                <a:gridCol w="4119840"/>
-              </a:tblGrid>
-              <a:tr h="93600">
-                <a:tc>
-                  <a:txBody>
-                    <a:bodyPr lIns="90000" rIns="90000"/>
-                    <a:p>
-                      <a:r>
-                        <a:rPr lang="en-US" sz="1600" spc="-1" strike="noStrike">
-                          <a:solidFill>
-                            <a:srgbClr val="000000"/>
-                          </a:solidFill>
-                          <a:uFill>
-                            <a:solidFill>
-                              <a:srgbClr val="ffffff"/>
-                            </a:solidFill>
-                          </a:uFill>
-                          <a:latin typeface="Arial"/>
-                        </a:rPr>
-                        <a:t>Point fort</a:t>
-                      </a:r>
-                      <a:endParaRPr lang="en-US" sz="1800" spc="-1" strike="noStrike">
-                        <a:solidFill>
-                          <a:srgbClr val="000000"/>
-                        </a:solidFill>
-                        <a:uFill>
-                          <a:solidFill>
-                            <a:srgbClr val="ffffff"/>
-                          </a:solidFill>
-                        </a:uFill>
-                        <a:latin typeface="Arial"/>
-                      </a:endParaRPr>
-                    </a:p>
-                  </a:txBody>
-                  <a:tcPr marL="90000" marR="90000">
-                    <a:lnL w="720">
-                      <a:solidFill>
-                        <a:srgbClr val="ffffff"/>
-                      </a:solidFill>
-                    </a:lnL>
-                    <a:lnR w="720">
-                      <a:solidFill>
-                        <a:srgbClr val="ffffff"/>
-                      </a:solidFill>
-                    </a:lnR>
-                    <a:lnT w="720">
-                      <a:solidFill>
-                        <a:srgbClr val="ffffff"/>
-                      </a:solidFill>
-                    </a:lnT>
-                    <a:lnB w="720">
-                      <a:solidFill>
-                        <a:srgbClr val="ffffff"/>
-                      </a:solidFill>
-                    </a:lnB>
-                    <a:solidFill>
-                      <a:srgbClr val="b3b3b3"/>
-                    </a:solidFill>
-                  </a:tcPr>
-                </a:tc>
-                <a:tc>
-                  <a:txBody>
-                    <a:bodyPr lIns="90000" rIns="90000"/>
-                    <a:p>
-                      <a:r>
-                        <a:rPr lang="en-US" sz="1600" spc="-1" strike="noStrike">
-                          <a:solidFill>
-                            <a:srgbClr val="000000"/>
-                          </a:solidFill>
-                          <a:uFill>
-                            <a:solidFill>
-                              <a:srgbClr val="ffffff"/>
-                            </a:solidFill>
-                          </a:uFill>
-                          <a:latin typeface="Arial"/>
-                        </a:rPr>
-                        <a:t>Point faible</a:t>
-                      </a:r>
-                      <a:endParaRPr lang="en-US" sz="1800" spc="-1" strike="noStrike">
-                        <a:solidFill>
-                          <a:srgbClr val="000000"/>
-                        </a:solidFill>
-                        <a:uFill>
-                          <a:solidFill>
-                            <a:srgbClr val="ffffff"/>
-                          </a:solidFill>
-                        </a:uFill>
-                        <a:latin typeface="Arial"/>
-                      </a:endParaRPr>
-                    </a:p>
-                  </a:txBody>
-                  <a:tcPr marL="90000" marR="90000">
-                    <a:lnL w="720">
-                      <a:solidFill>
-                        <a:srgbClr val="ffffff"/>
-                      </a:solidFill>
-                    </a:lnL>
-                    <a:lnR w="720">
-                      <a:solidFill>
-                        <a:srgbClr val="ffffff"/>
-                      </a:solidFill>
-                    </a:lnR>
-                    <a:lnT w="720">
-                      <a:solidFill>
-                        <a:srgbClr val="ffffff"/>
-                      </a:solidFill>
-                    </a:lnT>
-                    <a:lnB w="720">
-                      <a:solidFill>
-                        <a:srgbClr val="ffffff"/>
-                      </a:solidFill>
-                    </a:lnB>
-                    <a:solidFill>
-                      <a:srgbClr val="b3b3b3"/>
-                    </a:solidFill>
-                  </a:tcPr>
-                </a:tc>
-              </a:tr>
-              <a:tr h="0">
-                <a:tc>
-                  <a:txBody>
-                    <a:bodyPr lIns="90000" rIns="90000"/>
-                    <a:p>
-                      <a:r>
-                        <a:rPr lang="en-US" sz="1600" spc="-1" strike="noStrike">
-                          <a:solidFill>
-                            <a:srgbClr val="000000"/>
-                          </a:solidFill>
-                          <a:uFill>
-                            <a:solidFill>
-                              <a:srgbClr val="ffffff"/>
-                            </a:solidFill>
-                          </a:uFill>
-                          <a:latin typeface="Arial"/>
-                        </a:rPr>
-                        <a:t>Solution leader</a:t>
-                      </a:r>
-                      <a:endParaRPr lang="en-US" sz="1800" spc="-1" strike="noStrike">
-                        <a:solidFill>
-                          <a:srgbClr val="000000"/>
-                        </a:solidFill>
-                        <a:uFill>
-                          <a:solidFill>
-                            <a:srgbClr val="ffffff"/>
-                          </a:solidFill>
-                        </a:uFill>
-                        <a:latin typeface="Arial"/>
-                      </a:endParaRPr>
-                    </a:p>
-                  </a:txBody>
-                  <a:tcPr marL="90000" marR="90000">
-                    <a:lnL w="720">
-                      <a:solidFill>
-                        <a:srgbClr val="ffffff"/>
-                      </a:solidFill>
-                    </a:lnL>
-                    <a:lnR w="720">
-                      <a:solidFill>
-                        <a:srgbClr val="ffffff"/>
-                      </a:solidFill>
-                    </a:lnR>
-                    <a:lnT w="720">
-                      <a:solidFill>
-                        <a:srgbClr val="ffffff"/>
-                      </a:solidFill>
-                    </a:lnT>
-                    <a:lnB w="720">
-                      <a:solidFill>
-                        <a:srgbClr val="ffffff"/>
-                      </a:solidFill>
-                    </a:lnB>
-                    <a:solidFill>
-                      <a:srgbClr val="cccccc"/>
-                    </a:solidFill>
-                  </a:tcPr>
-                </a:tc>
-                <a:tc>
-                  <a:txBody>
-                    <a:bodyPr lIns="90000" rIns="90000"/>
-                    <a:p>
-                      <a:r>
-                        <a:rPr lang="en-US" sz="1600" spc="-1" strike="noStrike">
-                          <a:solidFill>
-                            <a:srgbClr val="000000"/>
-                          </a:solidFill>
-                          <a:uFill>
-                            <a:solidFill>
-                              <a:srgbClr val="ffffff"/>
-                            </a:solidFill>
-                          </a:uFill>
-                          <a:latin typeface="Arial"/>
-                        </a:rPr>
-                        <a:t>Impossible d'ajouter de la documentation custom (cas d'erreur,...)</a:t>
-                      </a:r>
-                      <a:endParaRPr lang="en-US" sz="1800" spc="-1" strike="noStrike">
-                        <a:solidFill>
-                          <a:srgbClr val="000000"/>
-                        </a:solidFill>
-                        <a:uFill>
-                          <a:solidFill>
-                            <a:srgbClr val="ffffff"/>
-                          </a:solidFill>
-                        </a:uFill>
-                        <a:latin typeface="Arial"/>
-                      </a:endParaRPr>
-                    </a:p>
-                  </a:txBody>
-                  <a:tcPr marL="90000" marR="90000">
-                    <a:lnL w="720">
-                      <a:solidFill>
-                        <a:srgbClr val="ffffff"/>
-                      </a:solidFill>
-                    </a:lnL>
-                    <a:lnR w="720">
-                      <a:solidFill>
-                        <a:srgbClr val="ffffff"/>
-                      </a:solidFill>
-                    </a:lnR>
-                    <a:lnT w="720">
-                      <a:solidFill>
-                        <a:srgbClr val="ffffff"/>
-                      </a:solidFill>
-                    </a:lnT>
-                    <a:lnB w="720">
-                      <a:solidFill>
-                        <a:srgbClr val="ffffff"/>
-                      </a:solidFill>
-                    </a:lnB>
-                    <a:solidFill>
-                      <a:srgbClr val="cccccc"/>
-                    </a:solidFill>
-                  </a:tcPr>
-                </a:tc>
-              </a:tr>
-              <a:tr h="0">
-                <a:tc>
-                  <a:txBody>
-                    <a:bodyPr lIns="90000" rIns="90000"/>
-                    <a:p>
-                      <a:r>
-                        <a:rPr lang="en-US" sz="1600" spc="-1" strike="noStrike">
-                          <a:solidFill>
-                            <a:srgbClr val="000000"/>
-                          </a:solidFill>
-                          <a:uFill>
-                            <a:solidFill>
-                              <a:srgbClr val="ffffff"/>
-                            </a:solidFill>
-                          </a:uFill>
-                          <a:latin typeface="Arial"/>
-                        </a:rPr>
-                        <a:t>Simple</a:t>
-                      </a:r>
-                      <a:endParaRPr lang="en-US" sz="1800" spc="-1" strike="noStrike">
-                        <a:solidFill>
-                          <a:srgbClr val="000000"/>
-                        </a:solidFill>
-                        <a:uFill>
-                          <a:solidFill>
-                            <a:srgbClr val="ffffff"/>
-                          </a:solidFill>
-                        </a:uFill>
-                        <a:latin typeface="Arial"/>
-                      </a:endParaRPr>
-                    </a:p>
-                  </a:txBody>
-                  <a:tcPr marL="90000" marR="90000">
-                    <a:lnL w="720">
-                      <a:solidFill>
-                        <a:srgbClr val="ffffff"/>
-                      </a:solidFill>
-                    </a:lnL>
-                    <a:lnR w="720">
-                      <a:solidFill>
-                        <a:srgbClr val="ffffff"/>
-                      </a:solidFill>
-                    </a:lnR>
-                    <a:lnT w="720">
-                      <a:solidFill>
-                        <a:srgbClr val="ffffff"/>
-                      </a:solidFill>
-                    </a:lnT>
-                    <a:lnB w="720">
-                      <a:solidFill>
-                        <a:srgbClr val="ffffff"/>
-                      </a:solidFill>
-                    </a:lnB>
-                    <a:solidFill>
-                      <a:srgbClr val="e6e6e6"/>
-                    </a:solidFill>
-                  </a:tcPr>
-                </a:tc>
-                <a:tc>
-                  <a:txBody>
-                    <a:bodyPr lIns="90000" rIns="90000"/>
-                    <a:p>
-                      <a:r>
-                        <a:rPr lang="en-US" sz="1600" spc="-1" strike="noStrike">
-                          <a:solidFill>
-                            <a:srgbClr val="000000"/>
-                          </a:solidFill>
-                          <a:uFill>
-                            <a:solidFill>
-                              <a:srgbClr val="ffffff"/>
-                            </a:solidFill>
-                          </a:uFill>
-                          <a:latin typeface="Arial"/>
-                        </a:rPr>
-                        <a:t>L'application doit être déployée</a:t>
-                      </a:r>
-                      <a:endParaRPr lang="en-US" sz="1800" spc="-1" strike="noStrike">
-                        <a:solidFill>
-                          <a:srgbClr val="000000"/>
-                        </a:solidFill>
-                        <a:uFill>
-                          <a:solidFill>
-                            <a:srgbClr val="ffffff"/>
-                          </a:solidFill>
-                        </a:uFill>
-                        <a:latin typeface="Arial"/>
-                      </a:endParaRPr>
-                    </a:p>
-                  </a:txBody>
-                  <a:tcPr marL="90000" marR="90000">
-                    <a:lnL w="720">
-                      <a:solidFill>
-                        <a:srgbClr val="ffffff"/>
-                      </a:solidFill>
-                    </a:lnL>
-                    <a:lnR w="720">
-                      <a:solidFill>
-                        <a:srgbClr val="ffffff"/>
-                      </a:solidFill>
-                    </a:lnR>
-                    <a:lnT w="720">
-                      <a:solidFill>
-                        <a:srgbClr val="ffffff"/>
-                      </a:solidFill>
-                    </a:lnT>
-                    <a:lnB w="720">
-                      <a:solidFill>
-                        <a:srgbClr val="ffffff"/>
-                      </a:solidFill>
-                    </a:lnB>
-                    <a:solidFill>
-                      <a:srgbClr val="e6e6e6"/>
-                    </a:solidFill>
-                  </a:tcPr>
-                </a:tc>
-              </a:tr>
-              <a:tr h="0">
-                <a:tc>
-                  <a:txBody>
-                    <a:bodyPr lIns="90000" rIns="90000"/>
-                    <a:p>
-                      <a:r>
-                        <a:rPr lang="en-US" sz="1600" spc="-1" strike="noStrike">
-                          <a:solidFill>
-                            <a:srgbClr val="000000"/>
-                          </a:solidFill>
-                          <a:uFill>
-                            <a:solidFill>
-                              <a:srgbClr val="ffffff"/>
-                            </a:solidFill>
-                          </a:uFill>
-                          <a:latin typeface="Arial"/>
-                        </a:rPr>
-                        <a:t>IHM esthétique</a:t>
-                      </a:r>
-                      <a:endParaRPr lang="en-US" sz="1800" spc="-1" strike="noStrike">
-                        <a:solidFill>
-                          <a:srgbClr val="000000"/>
-                        </a:solidFill>
-                        <a:uFill>
-                          <a:solidFill>
-                            <a:srgbClr val="ffffff"/>
-                          </a:solidFill>
-                        </a:uFill>
-                        <a:latin typeface="Arial"/>
-                      </a:endParaRPr>
-                    </a:p>
-                  </a:txBody>
-                  <a:tcPr marL="90000" marR="90000">
-                    <a:lnL w="720">
-                      <a:solidFill>
-                        <a:srgbClr val="ffffff"/>
-                      </a:solidFill>
-                    </a:lnL>
-                    <a:lnR w="720">
-                      <a:solidFill>
-                        <a:srgbClr val="ffffff"/>
-                      </a:solidFill>
-                    </a:lnR>
-                    <a:lnT w="720">
-                      <a:solidFill>
-                        <a:srgbClr val="ffffff"/>
-                      </a:solidFill>
-                    </a:lnT>
-                    <a:lnB w="720">
-                      <a:solidFill>
-                        <a:srgbClr val="ffffff"/>
-                      </a:solidFill>
-                    </a:lnB>
-                    <a:solidFill>
-                      <a:srgbClr val="cccccc"/>
-                    </a:solidFill>
-                  </a:tcPr>
-                </a:tc>
-                <a:tc>
-                  <a:txBody>
-                    <a:bodyPr lIns="90000" rIns="90000"/>
-                    <a:p>
-                      <a:r>
-                        <a:rPr lang="en-US" sz="1600" spc="-1" strike="noStrike">
-                          <a:solidFill>
-                            <a:srgbClr val="000000"/>
-                          </a:solidFill>
-                          <a:uFill>
-                            <a:solidFill>
-                              <a:srgbClr val="ffffff"/>
-                            </a:solidFill>
-                          </a:uFill>
-                          <a:latin typeface="Arial"/>
-                        </a:rPr>
-                        <a:t>Assez lourd à déclarer dans les classes java</a:t>
-                      </a:r>
-                      <a:endParaRPr lang="en-US" sz="1800" spc="-1" strike="noStrike">
-                        <a:solidFill>
-                          <a:srgbClr val="000000"/>
-                        </a:solidFill>
-                        <a:uFill>
-                          <a:solidFill>
-                            <a:srgbClr val="ffffff"/>
-                          </a:solidFill>
-                        </a:uFill>
-                        <a:latin typeface="Arial"/>
-                      </a:endParaRPr>
-                    </a:p>
-                  </a:txBody>
-                  <a:tcPr marL="90000" marR="90000">
-                    <a:lnL w="720">
-                      <a:solidFill>
-                        <a:srgbClr val="ffffff"/>
-                      </a:solidFill>
-                    </a:lnL>
-                    <a:lnR w="720">
-                      <a:solidFill>
-                        <a:srgbClr val="ffffff"/>
-                      </a:solidFill>
-                    </a:lnR>
-                    <a:lnT w="720">
-                      <a:solidFill>
-                        <a:srgbClr val="ffffff"/>
-                      </a:solidFill>
-                    </a:lnT>
-                    <a:lnB w="720">
-                      <a:solidFill>
-                        <a:srgbClr val="ffffff"/>
-                      </a:solidFill>
-                    </a:lnB>
-                    <a:solidFill>
-                      <a:srgbClr val="cccccc"/>
-                    </a:solidFill>
-                  </a:tcPr>
-                </a:tc>
-              </a:tr>
-              <a:tr h="0">
-                <a:tc>
-                  <a:txBody>
-                    <a:bodyPr lIns="90000" rIns="90000"/>
-                    <a:p>
-                      <a:r>
-                        <a:rPr lang="en-US" sz="1600" spc="-1" strike="noStrike">
-                          <a:solidFill>
-                            <a:srgbClr val="000000"/>
-                          </a:solidFill>
-                          <a:uFill>
-                            <a:solidFill>
-                              <a:srgbClr val="ffffff"/>
-                            </a:solidFill>
-                          </a:uFill>
-                          <a:latin typeface="Arial"/>
-                        </a:rPr>
-                        <a:t>Permet de tester</a:t>
-                      </a:r>
-                      <a:endParaRPr lang="en-US" sz="1800" spc="-1" strike="noStrike">
-                        <a:solidFill>
-                          <a:srgbClr val="000000"/>
-                        </a:solidFill>
-                        <a:uFill>
-                          <a:solidFill>
-                            <a:srgbClr val="ffffff"/>
-                          </a:solidFill>
-                        </a:uFill>
-                        <a:latin typeface="Arial"/>
-                      </a:endParaRPr>
-                    </a:p>
-                  </a:txBody>
-                  <a:tcPr marL="90000" marR="90000">
-                    <a:lnL w="720">
-                      <a:solidFill>
-                        <a:srgbClr val="ffffff"/>
-                      </a:solidFill>
-                    </a:lnL>
-                    <a:lnR w="720">
-                      <a:solidFill>
-                        <a:srgbClr val="ffffff"/>
-                      </a:solidFill>
-                    </a:lnR>
-                    <a:lnT w="720">
-                      <a:solidFill>
-                        <a:srgbClr val="ffffff"/>
-                      </a:solidFill>
-                    </a:lnT>
-                    <a:lnB w="720">
-                      <a:solidFill>
-                        <a:srgbClr val="ffffff"/>
-                      </a:solidFill>
-                    </a:lnB>
-                    <a:solidFill>
-                      <a:srgbClr val="e6e6e6"/>
-                    </a:solidFill>
-                  </a:tcPr>
-                </a:tc>
-                <a:tc>
-                  <a:txBody>
-                    <a:bodyPr lIns="90000" rIns="90000"/>
-                    <a:p>
-                      <a:r>
-                        <a:rPr lang="en-US" sz="1600" spc="-1" strike="noStrike">
-                          <a:solidFill>
-                            <a:srgbClr val="000000"/>
-                          </a:solidFill>
-                          <a:uFill>
-                            <a:solidFill>
-                              <a:srgbClr val="ffffff"/>
-                            </a:solidFill>
-                          </a:uFill>
-                          <a:latin typeface="Arial"/>
-                        </a:rPr>
-                        <a:t>Pas de support d'HATEAOS</a:t>
-                      </a:r>
-                      <a:endParaRPr lang="en-US" sz="1800" spc="-1" strike="noStrike">
-                        <a:solidFill>
-                          <a:srgbClr val="000000"/>
-                        </a:solidFill>
-                        <a:uFill>
-                          <a:solidFill>
-                            <a:srgbClr val="ffffff"/>
-                          </a:solidFill>
-                        </a:uFill>
-                        <a:latin typeface="Arial"/>
-                      </a:endParaRPr>
-                    </a:p>
-                  </a:txBody>
-                  <a:tcPr marL="90000" marR="90000">
-                    <a:lnL w="720">
-                      <a:solidFill>
-                        <a:srgbClr val="ffffff"/>
-                      </a:solidFill>
-                    </a:lnL>
-                    <a:lnR w="720">
-                      <a:solidFill>
-                        <a:srgbClr val="ffffff"/>
-                      </a:solidFill>
-                    </a:lnR>
-                    <a:lnT w="720">
-                      <a:solidFill>
-                        <a:srgbClr val="ffffff"/>
-                      </a:solidFill>
-                    </a:lnT>
-                    <a:lnB w="720">
-                      <a:solidFill>
-                        <a:srgbClr val="ffffff"/>
-                      </a:solidFill>
-                    </a:lnB>
-                    <a:solidFill>
-                      <a:srgbClr val="e6e6e6"/>
-                    </a:solidFill>
-                  </a:tcPr>
-                </a:tc>
-              </a:tr>
-              <a:tr h="0">
-                <a:tc>
-                  <a:txBody>
-                    <a:bodyPr lIns="90000" rIns="90000"/>
-                    <a:p>
-                      <a:r>
-                        <a:rPr lang="en-US" sz="1600" spc="-1" strike="noStrike">
-                          <a:solidFill>
-                            <a:srgbClr val="000000"/>
-                          </a:solidFill>
-                          <a:uFill>
-                            <a:solidFill>
-                              <a:srgbClr val="ffffff"/>
-                            </a:solidFill>
-                          </a:uFill>
-                          <a:latin typeface="Arial"/>
-                        </a:rPr>
-                        <a:t>Annotation facile à utiliser</a:t>
-                      </a:r>
-                      <a:endParaRPr lang="en-US" sz="1800" spc="-1" strike="noStrike">
-                        <a:solidFill>
-                          <a:srgbClr val="000000"/>
-                        </a:solidFill>
-                        <a:uFill>
-                          <a:solidFill>
-                            <a:srgbClr val="ffffff"/>
-                          </a:solidFill>
-                        </a:uFill>
-                        <a:latin typeface="Arial"/>
-                      </a:endParaRPr>
-                    </a:p>
-                  </a:txBody>
-                  <a:tcPr marL="90000" marR="90000">
-                    <a:lnL w="720">
-                      <a:solidFill>
-                        <a:srgbClr val="ffffff"/>
-                      </a:solidFill>
-                    </a:lnL>
-                    <a:lnR w="720">
-                      <a:solidFill>
-                        <a:srgbClr val="ffffff"/>
-                      </a:solidFill>
-                    </a:lnR>
-                    <a:lnT w="720">
-                      <a:solidFill>
-                        <a:srgbClr val="ffffff"/>
-                      </a:solidFill>
-                    </a:lnT>
-                    <a:lnB w="720">
-                      <a:solidFill>
-                        <a:srgbClr val="ffffff"/>
-                      </a:solidFill>
-                    </a:lnB>
-                    <a:solidFill>
-                      <a:srgbClr val="cccccc"/>
-                    </a:solidFill>
-                  </a:tcPr>
-                </a:tc>
-                <a:tc>
-                  <a:txBody>
-                    <a:bodyPr lIns="90000" rIns="90000"/>
-                    <a:p>
-                      <a:r>
-                        <a:rPr lang="en-US" sz="1600" spc="-1" strike="noStrike">
-                          <a:solidFill>
-                            <a:srgbClr val="000000"/>
-                          </a:solidFill>
-                          <a:uFill>
-                            <a:solidFill>
-                              <a:srgbClr val="ffffff"/>
-                            </a:solidFill>
-                          </a:uFill>
-                          <a:latin typeface="Arial"/>
-                        </a:rPr>
-                        <a:t>On doit faire réellement les appels pour avoir la doc de la réponse, c'est dangereux pour les POST/PUT/DELETE !</a:t>
-                      </a:r>
-                      <a:endParaRPr lang="en-US" sz="1800" spc="-1" strike="noStrike">
-                        <a:solidFill>
-                          <a:srgbClr val="000000"/>
-                        </a:solidFill>
-                        <a:uFill>
-                          <a:solidFill>
-                            <a:srgbClr val="ffffff"/>
-                          </a:solidFill>
-                        </a:uFill>
-                        <a:latin typeface="Arial"/>
-                      </a:endParaRPr>
-                    </a:p>
-                  </a:txBody>
-                  <a:tcPr marL="90000" marR="90000">
-                    <a:lnL w="720">
-                      <a:solidFill>
-                        <a:srgbClr val="ffffff"/>
-                      </a:solidFill>
-                    </a:lnL>
-                    <a:lnR w="720">
-                      <a:solidFill>
-                        <a:srgbClr val="ffffff"/>
-                      </a:solidFill>
-                    </a:lnR>
-                    <a:lnT w="720">
-                      <a:solidFill>
-                        <a:srgbClr val="ffffff"/>
-                      </a:solidFill>
-                    </a:lnT>
-                    <a:lnB w="720">
-                      <a:solidFill>
-                        <a:srgbClr val="ffffff"/>
-                      </a:solidFill>
-                    </a:lnB>
-                    <a:solidFill>
-                      <a:srgbClr val="cccccc"/>
-                    </a:solidFill>
-                  </a:tcPr>
-                </a:tc>
-              </a:tr>
-              <a:tr h="0">
-                <a:tc>
-                  <a:txBody>
-                    <a:bodyPr lIns="90000" rIns="90000"/>
-                    <a:p>
-                      <a:r>
-                        <a:rPr lang="en-US" sz="1600" spc="-1" strike="noStrike">
-                          <a:solidFill>
-                            <a:srgbClr val="000000"/>
-                          </a:solidFill>
-                          <a:uFill>
-                            <a:solidFill>
-                              <a:srgbClr val="ffffff"/>
-                            </a:solidFill>
-                          </a:uFill>
-                          <a:latin typeface="Arial"/>
-                        </a:rPr>
-                        <a:t>Grosse communauté</a:t>
-                      </a:r>
-                      <a:endParaRPr lang="en-US" sz="1800" spc="-1" strike="noStrike">
-                        <a:solidFill>
-                          <a:srgbClr val="000000"/>
-                        </a:solidFill>
-                        <a:uFill>
-                          <a:solidFill>
-                            <a:srgbClr val="ffffff"/>
-                          </a:solidFill>
-                        </a:uFill>
-                        <a:latin typeface="Arial"/>
-                      </a:endParaRPr>
-                    </a:p>
-                  </a:txBody>
-                  <a:tcPr marL="90000" marR="90000">
-                    <a:lnL w="720">
-                      <a:solidFill>
-                        <a:srgbClr val="ffffff"/>
-                      </a:solidFill>
-                    </a:lnL>
-                    <a:lnR w="720">
-                      <a:solidFill>
-                        <a:srgbClr val="ffffff"/>
-                      </a:solidFill>
-                    </a:lnR>
-                    <a:lnT w="720">
-                      <a:solidFill>
-                        <a:srgbClr val="ffffff"/>
-                      </a:solidFill>
-                    </a:lnT>
-                    <a:lnB w="720">
-                      <a:solidFill>
-                        <a:srgbClr val="ffffff"/>
-                      </a:solidFill>
-                    </a:lnB>
-                    <a:solidFill>
-                      <a:srgbClr val="e6e6e6"/>
-                    </a:solidFill>
-                  </a:tcPr>
-                </a:tc>
-                <a:tc>
-                  <a:txBody>
-                    <a:bodyPr lIns="90000" rIns="90000"/>
-                    <a:p>
-                      <a:r>
-                        <a:rPr lang="en-US" sz="1600" spc="-1" strike="noStrike">
-                          <a:solidFill>
-                            <a:srgbClr val="000000"/>
-                          </a:solidFill>
-                          <a:uFill>
-                            <a:solidFill>
-                              <a:srgbClr val="ffffff"/>
-                            </a:solidFill>
-                          </a:uFill>
-                          <a:latin typeface="Arial"/>
-                        </a:rPr>
-                        <a:t>Difficile de maintenir la doc à jour</a:t>
-                      </a:r>
-                      <a:endParaRPr lang="en-US" sz="1800" spc="-1" strike="noStrike">
-                        <a:solidFill>
-                          <a:srgbClr val="000000"/>
-                        </a:solidFill>
-                        <a:uFill>
-                          <a:solidFill>
-                            <a:srgbClr val="ffffff"/>
-                          </a:solidFill>
-                        </a:uFill>
-                        <a:latin typeface="Arial"/>
-                      </a:endParaRPr>
-                    </a:p>
-                  </a:txBody>
-                  <a:tcPr marL="90000" marR="90000">
-                    <a:lnL w="720">
-                      <a:solidFill>
-                        <a:srgbClr val="ffffff"/>
-                      </a:solidFill>
-                    </a:lnL>
-                    <a:lnR w="720">
-                      <a:solidFill>
-                        <a:srgbClr val="ffffff"/>
-                      </a:solidFill>
-                    </a:lnR>
-                    <a:lnT w="720">
-                      <a:solidFill>
-                        <a:srgbClr val="ffffff"/>
-                      </a:solidFill>
-                    </a:lnT>
-                    <a:lnB w="720">
-                      <a:solidFill>
-                        <a:srgbClr val="ffffff"/>
-                      </a:solidFill>
-                    </a:lnB>
-                    <a:solidFill>
-                      <a:srgbClr val="e6e6e6"/>
-                    </a:solidFill>
-                  </a:tcPr>
-                </a:tc>
-              </a:tr>
-            </a:tbl>
-          </a:graphicData>
-        </a:graphic>
-      </p:graphicFrame>
+        </p:nvPicPr>
+        <p:blipFill>
+          <a:blip r:embed="rId1"/>
+          <a:stretch/>
+        </p:blipFill>
+        <p:spPr>
+          <a:xfrm>
+            <a:off x="914400" y="2406240"/>
+            <a:ext cx="8431920" cy="2804400"/>
+          </a:xfrm>
+          <a:prstGeom prst="rect">
+            <a:avLst/>
+          </a:prstGeom>
+          <a:ln>
+            <a:noFill/>
+          </a:ln>
+        </p:spPr>
+      </p:pic>
     </p:spTree>
   </p:cSld>
   <p:timing>
@@ -7499,14 +7911,14 @@
       </p:grpSpPr>
       <p:sp>
         <p:nvSpPr>
-          <p:cNvPr id="90" name="CustomShape 1"/>
+          <p:cNvPr id="92" name="CustomShape 1"/>
           <p:cNvSpPr/>
           <p:nvPr/>
         </p:nvSpPr>
         <p:spPr>
           <a:xfrm>
             <a:off x="504000" y="49320"/>
-            <a:ext cx="9070560" cy="1261080"/>
+            <a:ext cx="9070200" cy="1260720"/>
           </a:xfrm>
           <a:prstGeom prst="rect">
             <a:avLst/>
@@ -7543,7 +7955,7 @@
                 <a:latin typeface="Arial"/>
                 <a:ea typeface="DejaVu Sans"/>
               </a:rPr>
-              <a:t>Spring Rest-doc</a:t>
+              <a:t>Swagger</a:t>
             </a:r>
             <a:endParaRPr lang="en-US" sz="1800" spc="-1" strike="noStrike">
               <a:solidFill>
@@ -7559,52 +7971,840 @@
           </a:p>
         </p:txBody>
       </p:sp>
-      <p:pic>
-        <p:nvPicPr>
-          <p:cNvPr id="91" name="" descr=""/>
-          <p:cNvPicPr/>
+      <p:graphicFrame>
+        <p:nvGraphicFramePr>
+          <p:cNvPr id="93" name="Table 2"/>
+          <p:cNvGraphicFramePr/>
           <p:nvPr/>
-        </p:nvPicPr>
-        <p:blipFill>
-          <a:blip r:embed="rId1"/>
-          <a:stretch/>
-        </p:blipFill>
-        <p:spPr>
-          <a:xfrm>
-            <a:off x="7772400" y="419040"/>
-            <a:ext cx="1736280" cy="1736280"/>
-          </a:xfrm>
-          <a:prstGeom prst="rect">
-            <a:avLst/>
-          </a:prstGeom>
-          <a:ln>
-            <a:noFill/>
-          </a:ln>
-        </p:spPr>
-      </p:pic>
-      <p:pic>
-        <p:nvPicPr>
-          <p:cNvPr id="92" name="" descr=""/>
-          <p:cNvPicPr/>
-          <p:nvPr/>
-        </p:nvPicPr>
-        <p:blipFill>
-          <a:blip r:embed="rId2"/>
-          <a:stretch/>
-        </p:blipFill>
-        <p:spPr>
-          <a:xfrm>
-            <a:off x="457200" y="2308320"/>
-            <a:ext cx="8770680" cy="4196520"/>
-          </a:xfrm>
-          <a:prstGeom prst="rect">
-            <a:avLst/>
-          </a:prstGeom>
-          <a:ln>
-            <a:noFill/>
-          </a:ln>
-        </p:spPr>
-      </p:pic>
+        </p:nvGraphicFramePr>
+        <p:xfrm>
+          <a:off x="1774080" y="1780920"/>
+          <a:ext cx="6854400" cy="93240"/>
+        </p:xfrm>
+        <a:graphic>
+          <a:graphicData uri="http://schemas.openxmlformats.org/drawingml/2006/table">
+            <a:tbl>
+              <a:tblPr/>
+              <a:tblGrid>
+                <a:gridCol w="2734920"/>
+                <a:gridCol w="4119840"/>
+              </a:tblGrid>
+              <a:tr h="93600">
+                <a:tc>
+                  <a:txBody>
+                    <a:bodyPr lIns="90000" rIns="90000"/>
+                    <a:p>
+                      <a:r>
+                        <a:rPr lang="en-US" sz="1600" spc="-1" strike="noStrike">
+                          <a:solidFill>
+                            <a:srgbClr val="000000"/>
+                          </a:solidFill>
+                          <a:uFill>
+                            <a:solidFill>
+                              <a:srgbClr val="ffffff"/>
+                            </a:solidFill>
+                          </a:uFill>
+                          <a:latin typeface="Arial"/>
+                        </a:rPr>
+                        <a:t>Point fort</a:t>
+                      </a:r>
+                      <a:endParaRPr lang="en-US" sz="1800" spc="-1" strike="noStrike">
+                        <a:solidFill>
+                          <a:srgbClr val="000000"/>
+                        </a:solidFill>
+                        <a:uFill>
+                          <a:solidFill>
+                            <a:srgbClr val="ffffff"/>
+                          </a:solidFill>
+                        </a:uFill>
+                        <a:latin typeface="Arial"/>
+                      </a:endParaRPr>
+                    </a:p>
+                  </a:txBody>
+                  <a:tcPr marL="90000" marR="90000">
+                    <a:lnL w="720">
+                      <a:solidFill>
+                        <a:srgbClr val="ffffff"/>
+                      </a:solidFill>
+                    </a:lnL>
+                    <a:lnR w="720">
+                      <a:solidFill>
+                        <a:srgbClr val="ffffff"/>
+                      </a:solidFill>
+                    </a:lnR>
+                    <a:lnT w="720">
+                      <a:solidFill>
+                        <a:srgbClr val="ffffff"/>
+                      </a:solidFill>
+                    </a:lnT>
+                    <a:lnB w="720">
+                      <a:solidFill>
+                        <a:srgbClr val="ffffff"/>
+                      </a:solidFill>
+                    </a:lnB>
+                    <a:solidFill>
+                      <a:srgbClr val="b3b3b3"/>
+                    </a:solidFill>
+                  </a:tcPr>
+                </a:tc>
+                <a:tc>
+                  <a:txBody>
+                    <a:bodyPr lIns="90000" rIns="90000"/>
+                    <a:p>
+                      <a:r>
+                        <a:rPr lang="en-US" sz="1600" spc="-1" strike="noStrike">
+                          <a:solidFill>
+                            <a:srgbClr val="000000"/>
+                          </a:solidFill>
+                          <a:uFill>
+                            <a:solidFill>
+                              <a:srgbClr val="ffffff"/>
+                            </a:solidFill>
+                          </a:uFill>
+                          <a:latin typeface="Arial"/>
+                        </a:rPr>
+                        <a:t>Point faible</a:t>
+                      </a:r>
+                      <a:endParaRPr lang="en-US" sz="1800" spc="-1" strike="noStrike">
+                        <a:solidFill>
+                          <a:srgbClr val="000000"/>
+                        </a:solidFill>
+                        <a:uFill>
+                          <a:solidFill>
+                            <a:srgbClr val="ffffff"/>
+                          </a:solidFill>
+                        </a:uFill>
+                        <a:latin typeface="Arial"/>
+                      </a:endParaRPr>
+                    </a:p>
+                  </a:txBody>
+                  <a:tcPr marL="90000" marR="90000">
+                    <a:lnL w="720">
+                      <a:solidFill>
+                        <a:srgbClr val="ffffff"/>
+                      </a:solidFill>
+                    </a:lnL>
+                    <a:lnR w="720">
+                      <a:solidFill>
+                        <a:srgbClr val="ffffff"/>
+                      </a:solidFill>
+                    </a:lnR>
+                    <a:lnT w="720">
+                      <a:solidFill>
+                        <a:srgbClr val="ffffff"/>
+                      </a:solidFill>
+                    </a:lnT>
+                    <a:lnB w="720">
+                      <a:solidFill>
+                        <a:srgbClr val="ffffff"/>
+                      </a:solidFill>
+                    </a:lnB>
+                    <a:solidFill>
+                      <a:srgbClr val="b3b3b3"/>
+                    </a:solidFill>
+                  </a:tcPr>
+                </a:tc>
+              </a:tr>
+              <a:tr h="0">
+                <a:tc>
+                  <a:txBody>
+                    <a:bodyPr lIns="90000" rIns="90000"/>
+                    <a:p>
+                      <a:r>
+                        <a:rPr lang="en-US" sz="1600" spc="-1" strike="noStrike">
+                          <a:solidFill>
+                            <a:srgbClr val="000000"/>
+                          </a:solidFill>
+                          <a:uFill>
+                            <a:solidFill>
+                              <a:srgbClr val="ffffff"/>
+                            </a:solidFill>
+                          </a:uFill>
+                          <a:latin typeface="Arial"/>
+                        </a:rPr>
+                        <a:t>Solution leader</a:t>
+                      </a:r>
+                      <a:endParaRPr lang="en-US" sz="1800" spc="-1" strike="noStrike">
+                        <a:solidFill>
+                          <a:srgbClr val="000000"/>
+                        </a:solidFill>
+                        <a:uFill>
+                          <a:solidFill>
+                            <a:srgbClr val="ffffff"/>
+                          </a:solidFill>
+                        </a:uFill>
+                        <a:latin typeface="Arial"/>
+                      </a:endParaRPr>
+                    </a:p>
+                  </a:txBody>
+                  <a:tcPr marL="90000" marR="90000">
+                    <a:lnL w="720">
+                      <a:solidFill>
+                        <a:srgbClr val="ffffff"/>
+                      </a:solidFill>
+                    </a:lnL>
+                    <a:lnR w="720">
+                      <a:solidFill>
+                        <a:srgbClr val="ffffff"/>
+                      </a:solidFill>
+                    </a:lnR>
+                    <a:lnT w="720">
+                      <a:solidFill>
+                        <a:srgbClr val="ffffff"/>
+                      </a:solidFill>
+                    </a:lnT>
+                    <a:lnB w="720">
+                      <a:solidFill>
+                        <a:srgbClr val="ffffff"/>
+                      </a:solidFill>
+                    </a:lnB>
+                    <a:solidFill>
+                      <a:srgbClr val="cccccc"/>
+                    </a:solidFill>
+                  </a:tcPr>
+                </a:tc>
+                <a:tc>
+                  <a:txBody>
+                    <a:bodyPr lIns="90000" rIns="90000"/>
+                    <a:p>
+                      <a:r>
+                        <a:rPr lang="en-US" sz="1600" spc="-1" strike="noStrike">
+                          <a:solidFill>
+                            <a:srgbClr val="000000"/>
+                          </a:solidFill>
+                          <a:uFill>
+                            <a:solidFill>
+                              <a:srgbClr val="ffffff"/>
+                            </a:solidFill>
+                          </a:uFill>
+                          <a:latin typeface="Arial"/>
+                        </a:rPr>
+                        <a:t>Impossible d'ajouter de la documentation custom (cas d'erreur,...)</a:t>
+                      </a:r>
+                      <a:endParaRPr lang="en-US" sz="1800" spc="-1" strike="noStrike">
+                        <a:solidFill>
+                          <a:srgbClr val="000000"/>
+                        </a:solidFill>
+                        <a:uFill>
+                          <a:solidFill>
+                            <a:srgbClr val="ffffff"/>
+                          </a:solidFill>
+                        </a:uFill>
+                        <a:latin typeface="Arial"/>
+                      </a:endParaRPr>
+                    </a:p>
+                  </a:txBody>
+                  <a:tcPr marL="90000" marR="90000">
+                    <a:lnL w="720">
+                      <a:solidFill>
+                        <a:srgbClr val="ffffff"/>
+                      </a:solidFill>
+                    </a:lnL>
+                    <a:lnR w="720">
+                      <a:solidFill>
+                        <a:srgbClr val="ffffff"/>
+                      </a:solidFill>
+                    </a:lnR>
+                    <a:lnT w="720">
+                      <a:solidFill>
+                        <a:srgbClr val="ffffff"/>
+                      </a:solidFill>
+                    </a:lnT>
+                    <a:lnB w="720">
+                      <a:solidFill>
+                        <a:srgbClr val="ffffff"/>
+                      </a:solidFill>
+                    </a:lnB>
+                    <a:solidFill>
+                      <a:srgbClr val="cccccc"/>
+                    </a:solidFill>
+                  </a:tcPr>
+                </a:tc>
+              </a:tr>
+              <a:tr h="0">
+                <a:tc>
+                  <a:txBody>
+                    <a:bodyPr lIns="90000" rIns="90000"/>
+                    <a:p>
+                      <a:r>
+                        <a:rPr lang="en-US" sz="1600" spc="-1" strike="noStrike">
+                          <a:solidFill>
+                            <a:srgbClr val="000000"/>
+                          </a:solidFill>
+                          <a:uFill>
+                            <a:solidFill>
+                              <a:srgbClr val="ffffff"/>
+                            </a:solidFill>
+                          </a:uFill>
+                          <a:latin typeface="Arial"/>
+                        </a:rPr>
+                        <a:t>Simple</a:t>
+                      </a:r>
+                      <a:endParaRPr lang="en-US" sz="1800" spc="-1" strike="noStrike">
+                        <a:solidFill>
+                          <a:srgbClr val="000000"/>
+                        </a:solidFill>
+                        <a:uFill>
+                          <a:solidFill>
+                            <a:srgbClr val="ffffff"/>
+                          </a:solidFill>
+                        </a:uFill>
+                        <a:latin typeface="Arial"/>
+                      </a:endParaRPr>
+                    </a:p>
+                  </a:txBody>
+                  <a:tcPr marL="90000" marR="90000">
+                    <a:lnL w="720">
+                      <a:solidFill>
+                        <a:srgbClr val="ffffff"/>
+                      </a:solidFill>
+                    </a:lnL>
+                    <a:lnR w="720">
+                      <a:solidFill>
+                        <a:srgbClr val="ffffff"/>
+                      </a:solidFill>
+                    </a:lnR>
+                    <a:lnT w="720">
+                      <a:solidFill>
+                        <a:srgbClr val="ffffff"/>
+                      </a:solidFill>
+                    </a:lnT>
+                    <a:lnB w="720">
+                      <a:solidFill>
+                        <a:srgbClr val="ffffff"/>
+                      </a:solidFill>
+                    </a:lnB>
+                    <a:solidFill>
+                      <a:srgbClr val="e6e6e6"/>
+                    </a:solidFill>
+                  </a:tcPr>
+                </a:tc>
+                <a:tc>
+                  <a:txBody>
+                    <a:bodyPr lIns="90000" rIns="90000"/>
+                    <a:p>
+                      <a:r>
+                        <a:rPr lang="en-US" sz="1600" spc="-1" strike="noStrike">
+                          <a:solidFill>
+                            <a:srgbClr val="000000"/>
+                          </a:solidFill>
+                          <a:uFill>
+                            <a:solidFill>
+                              <a:srgbClr val="ffffff"/>
+                            </a:solidFill>
+                          </a:uFill>
+                          <a:latin typeface="Arial"/>
+                        </a:rPr>
+                        <a:t>L'application doit être déployée</a:t>
+                      </a:r>
+                      <a:endParaRPr lang="en-US" sz="1800" spc="-1" strike="noStrike">
+                        <a:solidFill>
+                          <a:srgbClr val="000000"/>
+                        </a:solidFill>
+                        <a:uFill>
+                          <a:solidFill>
+                            <a:srgbClr val="ffffff"/>
+                          </a:solidFill>
+                        </a:uFill>
+                        <a:latin typeface="Arial"/>
+                      </a:endParaRPr>
+                    </a:p>
+                  </a:txBody>
+                  <a:tcPr marL="90000" marR="90000">
+                    <a:lnL w="720">
+                      <a:solidFill>
+                        <a:srgbClr val="ffffff"/>
+                      </a:solidFill>
+                    </a:lnL>
+                    <a:lnR w="720">
+                      <a:solidFill>
+                        <a:srgbClr val="ffffff"/>
+                      </a:solidFill>
+                    </a:lnR>
+                    <a:lnT w="720">
+                      <a:solidFill>
+                        <a:srgbClr val="ffffff"/>
+                      </a:solidFill>
+                    </a:lnT>
+                    <a:lnB w="720">
+                      <a:solidFill>
+                        <a:srgbClr val="ffffff"/>
+                      </a:solidFill>
+                    </a:lnB>
+                    <a:solidFill>
+                      <a:srgbClr val="e6e6e6"/>
+                    </a:solidFill>
+                  </a:tcPr>
+                </a:tc>
+              </a:tr>
+              <a:tr h="0">
+                <a:tc>
+                  <a:txBody>
+                    <a:bodyPr lIns="90000" rIns="90000"/>
+                    <a:p>
+                      <a:r>
+                        <a:rPr lang="en-US" sz="1600" spc="-1" strike="noStrike">
+                          <a:solidFill>
+                            <a:srgbClr val="000000"/>
+                          </a:solidFill>
+                          <a:uFill>
+                            <a:solidFill>
+                              <a:srgbClr val="ffffff"/>
+                            </a:solidFill>
+                          </a:uFill>
+                          <a:latin typeface="Arial"/>
+                        </a:rPr>
+                        <a:t>IHM esthétique</a:t>
+                      </a:r>
+                      <a:endParaRPr lang="en-US" sz="1800" spc="-1" strike="noStrike">
+                        <a:solidFill>
+                          <a:srgbClr val="000000"/>
+                        </a:solidFill>
+                        <a:uFill>
+                          <a:solidFill>
+                            <a:srgbClr val="ffffff"/>
+                          </a:solidFill>
+                        </a:uFill>
+                        <a:latin typeface="Arial"/>
+                      </a:endParaRPr>
+                    </a:p>
+                  </a:txBody>
+                  <a:tcPr marL="90000" marR="90000">
+                    <a:lnL w="720">
+                      <a:solidFill>
+                        <a:srgbClr val="ffffff"/>
+                      </a:solidFill>
+                    </a:lnL>
+                    <a:lnR w="720">
+                      <a:solidFill>
+                        <a:srgbClr val="ffffff"/>
+                      </a:solidFill>
+                    </a:lnR>
+                    <a:lnT w="720">
+                      <a:solidFill>
+                        <a:srgbClr val="ffffff"/>
+                      </a:solidFill>
+                    </a:lnT>
+                    <a:lnB w="720">
+                      <a:solidFill>
+                        <a:srgbClr val="ffffff"/>
+                      </a:solidFill>
+                    </a:lnB>
+                    <a:solidFill>
+                      <a:srgbClr val="cccccc"/>
+                    </a:solidFill>
+                  </a:tcPr>
+                </a:tc>
+                <a:tc>
+                  <a:txBody>
+                    <a:bodyPr lIns="90000" rIns="90000"/>
+                    <a:p>
+                      <a:r>
+                        <a:rPr lang="en-US" sz="1600" spc="-1" strike="noStrike">
+                          <a:solidFill>
+                            <a:srgbClr val="000000"/>
+                          </a:solidFill>
+                          <a:uFill>
+                            <a:solidFill>
+                              <a:srgbClr val="ffffff"/>
+                            </a:solidFill>
+                          </a:uFill>
+                          <a:latin typeface="Arial"/>
+                        </a:rPr>
+                        <a:t>Assez lourd à déclarer dans les classes java</a:t>
+                      </a:r>
+                      <a:endParaRPr lang="en-US" sz="1800" spc="-1" strike="noStrike">
+                        <a:solidFill>
+                          <a:srgbClr val="000000"/>
+                        </a:solidFill>
+                        <a:uFill>
+                          <a:solidFill>
+                            <a:srgbClr val="ffffff"/>
+                          </a:solidFill>
+                        </a:uFill>
+                        <a:latin typeface="Arial"/>
+                      </a:endParaRPr>
+                    </a:p>
+                  </a:txBody>
+                  <a:tcPr marL="90000" marR="90000">
+                    <a:lnL w="720">
+                      <a:solidFill>
+                        <a:srgbClr val="ffffff"/>
+                      </a:solidFill>
+                    </a:lnL>
+                    <a:lnR w="720">
+                      <a:solidFill>
+                        <a:srgbClr val="ffffff"/>
+                      </a:solidFill>
+                    </a:lnR>
+                    <a:lnT w="720">
+                      <a:solidFill>
+                        <a:srgbClr val="ffffff"/>
+                      </a:solidFill>
+                    </a:lnT>
+                    <a:lnB w="720">
+                      <a:solidFill>
+                        <a:srgbClr val="ffffff"/>
+                      </a:solidFill>
+                    </a:lnB>
+                    <a:solidFill>
+                      <a:srgbClr val="cccccc"/>
+                    </a:solidFill>
+                  </a:tcPr>
+                </a:tc>
+              </a:tr>
+              <a:tr h="0">
+                <a:tc>
+                  <a:txBody>
+                    <a:bodyPr lIns="90000" rIns="90000"/>
+                    <a:p>
+                      <a:r>
+                        <a:rPr lang="en-US" sz="1600" spc="-1" strike="noStrike">
+                          <a:solidFill>
+                            <a:srgbClr val="000000"/>
+                          </a:solidFill>
+                          <a:uFill>
+                            <a:solidFill>
+                              <a:srgbClr val="ffffff"/>
+                            </a:solidFill>
+                          </a:uFill>
+                          <a:latin typeface="Arial"/>
+                        </a:rPr>
+                        <a:t>Permet de tester</a:t>
+                      </a:r>
+                      <a:endParaRPr lang="en-US" sz="1800" spc="-1" strike="noStrike">
+                        <a:solidFill>
+                          <a:srgbClr val="000000"/>
+                        </a:solidFill>
+                        <a:uFill>
+                          <a:solidFill>
+                            <a:srgbClr val="ffffff"/>
+                          </a:solidFill>
+                        </a:uFill>
+                        <a:latin typeface="Arial"/>
+                      </a:endParaRPr>
+                    </a:p>
+                  </a:txBody>
+                  <a:tcPr marL="90000" marR="90000">
+                    <a:lnL w="720">
+                      <a:solidFill>
+                        <a:srgbClr val="ffffff"/>
+                      </a:solidFill>
+                    </a:lnL>
+                    <a:lnR w="720">
+                      <a:solidFill>
+                        <a:srgbClr val="ffffff"/>
+                      </a:solidFill>
+                    </a:lnR>
+                    <a:lnT w="720">
+                      <a:solidFill>
+                        <a:srgbClr val="ffffff"/>
+                      </a:solidFill>
+                    </a:lnT>
+                    <a:lnB w="720">
+                      <a:solidFill>
+                        <a:srgbClr val="ffffff"/>
+                      </a:solidFill>
+                    </a:lnB>
+                    <a:solidFill>
+                      <a:srgbClr val="e6e6e6"/>
+                    </a:solidFill>
+                  </a:tcPr>
+                </a:tc>
+                <a:tc>
+                  <a:txBody>
+                    <a:bodyPr lIns="90000" rIns="90000"/>
+                    <a:p>
+                      <a:r>
+                        <a:rPr lang="en-US" sz="1600" spc="-1" strike="noStrike">
+                          <a:solidFill>
+                            <a:srgbClr val="000000"/>
+                          </a:solidFill>
+                          <a:uFill>
+                            <a:solidFill>
+                              <a:srgbClr val="ffffff"/>
+                            </a:solidFill>
+                          </a:uFill>
+                          <a:latin typeface="Arial"/>
+                        </a:rPr>
+                        <a:t>Pas de support d'HATEAOS</a:t>
+                      </a:r>
+                      <a:endParaRPr lang="en-US" sz="1800" spc="-1" strike="noStrike">
+                        <a:solidFill>
+                          <a:srgbClr val="000000"/>
+                        </a:solidFill>
+                        <a:uFill>
+                          <a:solidFill>
+                            <a:srgbClr val="ffffff"/>
+                          </a:solidFill>
+                        </a:uFill>
+                        <a:latin typeface="Arial"/>
+                      </a:endParaRPr>
+                    </a:p>
+                  </a:txBody>
+                  <a:tcPr marL="90000" marR="90000">
+                    <a:lnL w="720">
+                      <a:solidFill>
+                        <a:srgbClr val="ffffff"/>
+                      </a:solidFill>
+                    </a:lnL>
+                    <a:lnR w="720">
+                      <a:solidFill>
+                        <a:srgbClr val="ffffff"/>
+                      </a:solidFill>
+                    </a:lnR>
+                    <a:lnT w="720">
+                      <a:solidFill>
+                        <a:srgbClr val="ffffff"/>
+                      </a:solidFill>
+                    </a:lnT>
+                    <a:lnB w="720">
+                      <a:solidFill>
+                        <a:srgbClr val="ffffff"/>
+                      </a:solidFill>
+                    </a:lnB>
+                    <a:solidFill>
+                      <a:srgbClr val="e6e6e6"/>
+                    </a:solidFill>
+                  </a:tcPr>
+                </a:tc>
+              </a:tr>
+              <a:tr h="0">
+                <a:tc>
+                  <a:txBody>
+                    <a:bodyPr lIns="90000" rIns="90000"/>
+                    <a:p>
+                      <a:r>
+                        <a:rPr lang="en-US" sz="1600" spc="-1" strike="noStrike">
+                          <a:solidFill>
+                            <a:srgbClr val="000000"/>
+                          </a:solidFill>
+                          <a:uFill>
+                            <a:solidFill>
+                              <a:srgbClr val="ffffff"/>
+                            </a:solidFill>
+                          </a:uFill>
+                          <a:latin typeface="Arial"/>
+                        </a:rPr>
+                        <a:t>Annotation facile à utiliser</a:t>
+                      </a:r>
+                      <a:endParaRPr lang="en-US" sz="1800" spc="-1" strike="noStrike">
+                        <a:solidFill>
+                          <a:srgbClr val="000000"/>
+                        </a:solidFill>
+                        <a:uFill>
+                          <a:solidFill>
+                            <a:srgbClr val="ffffff"/>
+                          </a:solidFill>
+                        </a:uFill>
+                        <a:latin typeface="Arial"/>
+                      </a:endParaRPr>
+                    </a:p>
+                  </a:txBody>
+                  <a:tcPr marL="90000" marR="90000">
+                    <a:lnL w="720">
+                      <a:solidFill>
+                        <a:srgbClr val="ffffff"/>
+                      </a:solidFill>
+                    </a:lnL>
+                    <a:lnR w="720">
+                      <a:solidFill>
+                        <a:srgbClr val="ffffff"/>
+                      </a:solidFill>
+                    </a:lnR>
+                    <a:lnT w="720">
+                      <a:solidFill>
+                        <a:srgbClr val="ffffff"/>
+                      </a:solidFill>
+                    </a:lnT>
+                    <a:lnB w="720">
+                      <a:solidFill>
+                        <a:srgbClr val="ffffff"/>
+                      </a:solidFill>
+                    </a:lnB>
+                    <a:solidFill>
+                      <a:srgbClr val="cccccc"/>
+                    </a:solidFill>
+                  </a:tcPr>
+                </a:tc>
+                <a:tc>
+                  <a:txBody>
+                    <a:bodyPr lIns="90000" rIns="90000"/>
+                    <a:p>
+                      <a:r>
+                        <a:rPr lang="en-US" sz="1600" spc="-1" strike="noStrike">
+                          <a:solidFill>
+                            <a:srgbClr val="000000"/>
+                          </a:solidFill>
+                          <a:uFill>
+                            <a:solidFill>
+                              <a:srgbClr val="ffffff"/>
+                            </a:solidFill>
+                          </a:uFill>
+                          <a:latin typeface="Arial"/>
+                        </a:rPr>
+                        <a:t>On doit faire réellement les appels pour avoir la doc de la réponse, c'est dangereux pour les POST/PUT/DELETE !</a:t>
+                      </a:r>
+                      <a:endParaRPr lang="en-US" sz="1800" spc="-1" strike="noStrike">
+                        <a:solidFill>
+                          <a:srgbClr val="000000"/>
+                        </a:solidFill>
+                        <a:uFill>
+                          <a:solidFill>
+                            <a:srgbClr val="ffffff"/>
+                          </a:solidFill>
+                        </a:uFill>
+                        <a:latin typeface="Arial"/>
+                      </a:endParaRPr>
+                    </a:p>
+                  </a:txBody>
+                  <a:tcPr marL="90000" marR="90000">
+                    <a:lnL w="720">
+                      <a:solidFill>
+                        <a:srgbClr val="ffffff"/>
+                      </a:solidFill>
+                    </a:lnL>
+                    <a:lnR w="720">
+                      <a:solidFill>
+                        <a:srgbClr val="ffffff"/>
+                      </a:solidFill>
+                    </a:lnR>
+                    <a:lnT w="720">
+                      <a:solidFill>
+                        <a:srgbClr val="ffffff"/>
+                      </a:solidFill>
+                    </a:lnT>
+                    <a:lnB w="720">
+                      <a:solidFill>
+                        <a:srgbClr val="ffffff"/>
+                      </a:solidFill>
+                    </a:lnB>
+                    <a:solidFill>
+                      <a:srgbClr val="cccccc"/>
+                    </a:solidFill>
+                  </a:tcPr>
+                </a:tc>
+              </a:tr>
+              <a:tr h="0">
+                <a:tc>
+                  <a:txBody>
+                    <a:bodyPr lIns="90000" rIns="90000"/>
+                    <a:p>
+                      <a:r>
+                        <a:rPr lang="en-US" sz="1600" spc="-1" strike="noStrike">
+                          <a:solidFill>
+                            <a:srgbClr val="000000"/>
+                          </a:solidFill>
+                          <a:uFill>
+                            <a:solidFill>
+                              <a:srgbClr val="ffffff"/>
+                            </a:solidFill>
+                          </a:uFill>
+                          <a:latin typeface="Arial"/>
+                        </a:rPr>
+                        <a:t>Grosse communauté</a:t>
+                      </a:r>
+                      <a:endParaRPr lang="en-US" sz="1800" spc="-1" strike="noStrike">
+                        <a:solidFill>
+                          <a:srgbClr val="000000"/>
+                        </a:solidFill>
+                        <a:uFill>
+                          <a:solidFill>
+                            <a:srgbClr val="ffffff"/>
+                          </a:solidFill>
+                        </a:uFill>
+                        <a:latin typeface="Arial"/>
+                      </a:endParaRPr>
+                    </a:p>
+                  </a:txBody>
+                  <a:tcPr marL="90000" marR="90000">
+                    <a:lnL w="720">
+                      <a:solidFill>
+                        <a:srgbClr val="ffffff"/>
+                      </a:solidFill>
+                    </a:lnL>
+                    <a:lnR w="720">
+                      <a:solidFill>
+                        <a:srgbClr val="ffffff"/>
+                      </a:solidFill>
+                    </a:lnR>
+                    <a:lnT w="720">
+                      <a:solidFill>
+                        <a:srgbClr val="ffffff"/>
+                      </a:solidFill>
+                    </a:lnT>
+                    <a:lnB w="720">
+                      <a:solidFill>
+                        <a:srgbClr val="ffffff"/>
+                      </a:solidFill>
+                    </a:lnB>
+                    <a:solidFill>
+                      <a:srgbClr val="e6e6e6"/>
+                    </a:solidFill>
+                  </a:tcPr>
+                </a:tc>
+                <a:tc>
+                  <a:txBody>
+                    <a:bodyPr lIns="90000" rIns="90000"/>
+                    <a:p>
+                      <a:r>
+                        <a:rPr lang="en-US" sz="1600" spc="-1" strike="noStrike">
+                          <a:solidFill>
+                            <a:srgbClr val="000000"/>
+                          </a:solidFill>
+                          <a:uFill>
+                            <a:solidFill>
+                              <a:srgbClr val="ffffff"/>
+                            </a:solidFill>
+                          </a:uFill>
+                          <a:latin typeface="Arial"/>
+                        </a:rPr>
+                        <a:t>Difficile de maintenir la doc à jour</a:t>
+                      </a:r>
+                      <a:endParaRPr lang="en-US" sz="1800" spc="-1" strike="noStrike">
+                        <a:solidFill>
+                          <a:srgbClr val="000000"/>
+                        </a:solidFill>
+                        <a:uFill>
+                          <a:solidFill>
+                            <a:srgbClr val="ffffff"/>
+                          </a:solidFill>
+                        </a:uFill>
+                        <a:latin typeface="Arial"/>
+                      </a:endParaRPr>
+                    </a:p>
+                  </a:txBody>
+                  <a:tcPr marL="90000" marR="90000">
+                    <a:lnL w="720">
+                      <a:solidFill>
+                        <a:srgbClr val="ffffff"/>
+                      </a:solidFill>
+                    </a:lnL>
+                    <a:lnR w="720">
+                      <a:solidFill>
+                        <a:srgbClr val="ffffff"/>
+                      </a:solidFill>
+                    </a:lnR>
+                    <a:lnT w="720">
+                      <a:solidFill>
+                        <a:srgbClr val="ffffff"/>
+                      </a:solidFill>
+                    </a:lnT>
+                    <a:lnB w="720">
+                      <a:solidFill>
+                        <a:srgbClr val="ffffff"/>
+                      </a:solidFill>
+                    </a:lnB>
+                    <a:solidFill>
+                      <a:srgbClr val="e6e6e6"/>
+                    </a:solidFill>
+                  </a:tcPr>
+                </a:tc>
+              </a:tr>
+            </a:tbl>
+          </a:graphicData>
+        </a:graphic>
+      </p:graphicFrame>
     </p:spTree>
   </p:cSld>
   <p:timing>

--- a/src/main/resources/prez.pptx
+++ b/src/main/resources/prez.pptx
@@ -1,6 +1,6 @@
 
 <file path=ppt/presentation.xml><?xml version="1.0" encoding="utf-8"?>
-<p:presentation xmlns:a="http://schemas.openxmlformats.org/drawingml/2006/main" xmlns:p="http://schemas.openxmlformats.org/presentationml/2006/main" xmlns:r="http://schemas.openxmlformats.org/officeDocument/2006/relationships">
+<p:presentation xmlns:a="http://schemas.openxmlformats.org/drawingml/2006/main" xmlns:p="http://schemas.openxmlformats.org/presentationml/2006/main" xmlns:r="http://schemas.openxmlformats.org/officeDocument/2006/relationships" xmlns:p14="http://schemas.microsoft.com/office/powerpoint/2010/main" xmlns:p15="http://schemas.microsoft.com/office/powerpoint/2012/main" xmlns:mc="http://schemas.openxmlformats.org/markup-compatibility/2006">
   <p:sldMasterIdLst>
     <p:sldMasterId id="2147483648" r:id="rId2"/>
     <p:sldMasterId id="2147483661" r:id="rId3"/>
@@ -21,15 +21,14 @@
     <p:sldId id="268" r:id="rId16"/>
     <p:sldId id="269" r:id="rId17"/>
     <p:sldId id="270" r:id="rId18"/>
-    <p:sldId id="271" r:id="rId19"/>
   </p:sldIdLst>
   <p:sldSz cx="10080625" cy="7559675"/>
-  <p:notesSz cx="7772400" cy="10058400"/>
+  <p:notesSz cx="7559675" cy="10691812"/>
 </p:presentation>
 </file>
 
 <file path=ppt/slideLayouts/slideLayout1.xml><?xml version="1.0" encoding="utf-8"?>
-<p:sldLayout xmlns:a="http://schemas.openxmlformats.org/drawingml/2006/main" xmlns:p="http://schemas.openxmlformats.org/presentationml/2006/main" xmlns:r="http://schemas.openxmlformats.org/officeDocument/2006/relationships" type="blank" preserve="1">
+<p:sldLayout xmlns:a="http://schemas.openxmlformats.org/drawingml/2006/main" xmlns:p="http://schemas.openxmlformats.org/presentationml/2006/main" xmlns:r="http://schemas.openxmlformats.org/officeDocument/2006/relationships" xmlns:p14="http://schemas.microsoft.com/office/powerpoint/2010/main" xmlns:p15="http://schemas.microsoft.com/office/powerpoint/2012/main" xmlns:mc="http://schemas.openxmlformats.org/markup-compatibility/2006" type="blank" preserve="1">
   <p:cSld name="Blank Slide">
     <p:spTree>
       <p:nvGrpSpPr>
@@ -51,7 +50,7 @@
 </file>
 
 <file path=ppt/slideLayouts/slideLayout10.xml><?xml version="1.0" encoding="utf-8"?>
-<p:sldLayout xmlns:a="http://schemas.openxmlformats.org/drawingml/2006/main" xmlns:p="http://schemas.openxmlformats.org/presentationml/2006/main" xmlns:r="http://schemas.openxmlformats.org/officeDocument/2006/relationships" type="objOverTx" preserve="1">
+<p:sldLayout xmlns:a="http://schemas.openxmlformats.org/drawingml/2006/main" xmlns:p="http://schemas.openxmlformats.org/presentationml/2006/main" xmlns:r="http://schemas.openxmlformats.org/officeDocument/2006/relationships" xmlns:p14="http://schemas.microsoft.com/office/powerpoint/2010/main" xmlns:p15="http://schemas.microsoft.com/office/powerpoint/2012/main" xmlns:mc="http://schemas.openxmlformats.org/markup-compatibility/2006" type="objOverTx" preserve="1">
   <p:cSld name="Title, Content over Content">
     <p:spTree>
       <p:nvGrpSpPr>
@@ -90,7 +89,7 @@
           <a:bodyPr lIns="0" rIns="0" tIns="0" bIns="0" anchor="ctr"/>
           <a:p>
             <a:pPr algn="ctr"/>
-            <a:endParaRPr lang="en-US" sz="4400" spc="-1" strike="noStrike">
+            <a:endParaRPr b="0" lang="fr-FR" sz="4400" spc="-1" strike="noStrike">
               <a:solidFill>
                 <a:srgbClr val="000000"/>
               </a:solidFill>
@@ -126,7 +125,7 @@
         <p:txBody>
           <a:bodyPr lIns="0" rIns="0" tIns="0" bIns="0"/>
           <a:p>
-            <a:endParaRPr lang="en-US" sz="3200" spc="-1" strike="noStrike">
+            <a:endParaRPr b="0" lang="fr-FR" sz="3200" spc="-1" strike="noStrike">
               <a:solidFill>
                 <a:srgbClr val="000000"/>
               </a:solidFill>
@@ -162,7 +161,7 @@
         <p:txBody>
           <a:bodyPr lIns="0" rIns="0" tIns="0" bIns="0"/>
           <a:p>
-            <a:endParaRPr lang="en-US" sz="3200" spc="-1" strike="noStrike">
+            <a:endParaRPr b="0" lang="fr-FR" sz="3200" spc="-1" strike="noStrike">
               <a:solidFill>
                 <a:srgbClr val="000000"/>
               </a:solidFill>
@@ -182,7 +181,7 @@
 </file>
 
 <file path=ppt/slideLayouts/slideLayout11.xml><?xml version="1.0" encoding="utf-8"?>
-<p:sldLayout xmlns:a="http://schemas.openxmlformats.org/drawingml/2006/main" xmlns:p="http://schemas.openxmlformats.org/presentationml/2006/main" xmlns:r="http://schemas.openxmlformats.org/officeDocument/2006/relationships" type="fourObj" preserve="1">
+<p:sldLayout xmlns:a="http://schemas.openxmlformats.org/drawingml/2006/main" xmlns:p="http://schemas.openxmlformats.org/presentationml/2006/main" xmlns:r="http://schemas.openxmlformats.org/officeDocument/2006/relationships" xmlns:p14="http://schemas.microsoft.com/office/powerpoint/2010/main" xmlns:p15="http://schemas.microsoft.com/office/powerpoint/2012/main" xmlns:mc="http://schemas.openxmlformats.org/markup-compatibility/2006" type="fourObj" preserve="1">
   <p:cSld name="Title, 4 Content">
     <p:spTree>
       <p:nvGrpSpPr>
@@ -221,7 +220,7 @@
           <a:bodyPr lIns="0" rIns="0" tIns="0" bIns="0" anchor="ctr"/>
           <a:p>
             <a:pPr algn="ctr"/>
-            <a:endParaRPr lang="en-US" sz="4400" spc="-1" strike="noStrike">
+            <a:endParaRPr b="0" lang="fr-FR" sz="4400" spc="-1" strike="noStrike">
               <a:solidFill>
                 <a:srgbClr val="000000"/>
               </a:solidFill>
@@ -257,7 +256,7 @@
         <p:txBody>
           <a:bodyPr lIns="0" rIns="0" tIns="0" bIns="0"/>
           <a:p>
-            <a:endParaRPr lang="en-US" sz="3200" spc="-1" strike="noStrike">
+            <a:endParaRPr b="0" lang="fr-FR" sz="3200" spc="-1" strike="noStrike">
               <a:solidFill>
                 <a:srgbClr val="000000"/>
               </a:solidFill>
@@ -293,7 +292,7 @@
         <p:txBody>
           <a:bodyPr lIns="0" rIns="0" tIns="0" bIns="0"/>
           <a:p>
-            <a:endParaRPr lang="en-US" sz="3200" spc="-1" strike="noStrike">
+            <a:endParaRPr b="0" lang="fr-FR" sz="3200" spc="-1" strike="noStrike">
               <a:solidFill>
                 <a:srgbClr val="000000"/>
               </a:solidFill>
@@ -329,7 +328,7 @@
         <p:txBody>
           <a:bodyPr lIns="0" rIns="0" tIns="0" bIns="0"/>
           <a:p>
-            <a:endParaRPr lang="en-US" sz="3200" spc="-1" strike="noStrike">
+            <a:endParaRPr b="0" lang="fr-FR" sz="3200" spc="-1" strike="noStrike">
               <a:solidFill>
                 <a:srgbClr val="000000"/>
               </a:solidFill>
@@ -365,7 +364,7 @@
         <p:txBody>
           <a:bodyPr lIns="0" rIns="0" tIns="0" bIns="0"/>
           <a:p>
-            <a:endParaRPr lang="en-US" sz="3200" spc="-1" strike="noStrike">
+            <a:endParaRPr b="0" lang="fr-FR" sz="3200" spc="-1" strike="noStrike">
               <a:solidFill>
                 <a:srgbClr val="000000"/>
               </a:solidFill>
@@ -385,7 +384,7 @@
 </file>
 
 <file path=ppt/slideLayouts/slideLayout12.xml><?xml version="1.0" encoding="utf-8"?>
-<p:sldLayout xmlns:a="http://schemas.openxmlformats.org/drawingml/2006/main" xmlns:p="http://schemas.openxmlformats.org/presentationml/2006/main" xmlns:r="http://schemas.openxmlformats.org/officeDocument/2006/relationships" type="blank" preserve="1">
+<p:sldLayout xmlns:a="http://schemas.openxmlformats.org/drawingml/2006/main" xmlns:p="http://schemas.openxmlformats.org/presentationml/2006/main" xmlns:r="http://schemas.openxmlformats.org/officeDocument/2006/relationships" xmlns:p14="http://schemas.microsoft.com/office/powerpoint/2010/main" xmlns:p15="http://schemas.microsoft.com/office/powerpoint/2012/main" xmlns:mc="http://schemas.openxmlformats.org/markup-compatibility/2006" type="blank" preserve="1">
   <p:cSld name="Title, 6 Content">
     <p:spTree>
       <p:nvGrpSpPr>
@@ -424,7 +423,7 @@
           <a:bodyPr lIns="0" rIns="0" tIns="0" bIns="0" anchor="ctr"/>
           <a:p>
             <a:pPr algn="ctr"/>
-            <a:endParaRPr lang="en-US" sz="4400" spc="-1" strike="noStrike">
+            <a:endParaRPr b="0" lang="fr-FR" sz="4400" spc="-1" strike="noStrike">
               <a:solidFill>
                 <a:srgbClr val="000000"/>
               </a:solidFill>
@@ -460,7 +459,7 @@
         <p:txBody>
           <a:bodyPr lIns="0" rIns="0" tIns="0" bIns="0"/>
           <a:p>
-            <a:endParaRPr lang="en-US" sz="3200" spc="-1" strike="noStrike">
+            <a:endParaRPr b="0" lang="fr-FR" sz="3200" spc="-1" strike="noStrike">
               <a:solidFill>
                 <a:srgbClr val="000000"/>
               </a:solidFill>
@@ -496,7 +495,7 @@
         <p:txBody>
           <a:bodyPr lIns="0" rIns="0" tIns="0" bIns="0"/>
           <a:p>
-            <a:endParaRPr lang="en-US" sz="3200" spc="-1" strike="noStrike">
+            <a:endParaRPr b="0" lang="fr-FR" sz="3200" spc="-1" strike="noStrike">
               <a:solidFill>
                 <a:srgbClr val="000000"/>
               </a:solidFill>
@@ -562,7 +561,7 @@
 </file>
 
 <file path=ppt/slideLayouts/slideLayout13.xml><?xml version="1.0" encoding="utf-8"?>
-<p:sldLayout xmlns:a="http://schemas.openxmlformats.org/drawingml/2006/main" xmlns:p="http://schemas.openxmlformats.org/presentationml/2006/main" xmlns:r="http://schemas.openxmlformats.org/officeDocument/2006/relationships" type="blank" preserve="1">
+<p:sldLayout xmlns:a="http://schemas.openxmlformats.org/drawingml/2006/main" xmlns:p="http://schemas.openxmlformats.org/presentationml/2006/main" xmlns:r="http://schemas.openxmlformats.org/officeDocument/2006/relationships" xmlns:p14="http://schemas.microsoft.com/office/powerpoint/2010/main" xmlns:p15="http://schemas.microsoft.com/office/powerpoint/2012/main" xmlns:mc="http://schemas.openxmlformats.org/markup-compatibility/2006" type="blank" preserve="1">
   <p:cSld name="Blank Slide">
     <p:spTree>
       <p:nvGrpSpPr>
@@ -584,7 +583,7 @@
 </file>
 
 <file path=ppt/slideLayouts/slideLayout14.xml><?xml version="1.0" encoding="utf-8"?>
-<p:sldLayout xmlns:a="http://schemas.openxmlformats.org/drawingml/2006/main" xmlns:p="http://schemas.openxmlformats.org/presentationml/2006/main" xmlns:r="http://schemas.openxmlformats.org/officeDocument/2006/relationships" type="tx" preserve="1">
+<p:sldLayout xmlns:a="http://schemas.openxmlformats.org/drawingml/2006/main" xmlns:p="http://schemas.openxmlformats.org/presentationml/2006/main" xmlns:r="http://schemas.openxmlformats.org/officeDocument/2006/relationships" xmlns:p14="http://schemas.microsoft.com/office/powerpoint/2010/main" xmlns:p15="http://schemas.microsoft.com/office/powerpoint/2012/main" xmlns:mc="http://schemas.openxmlformats.org/markup-compatibility/2006" type="tx" preserve="1">
   <p:cSld name="Title Slide">
     <p:spTree>
       <p:nvGrpSpPr>
@@ -623,7 +622,7 @@
           <a:bodyPr lIns="0" rIns="0" tIns="0" bIns="0" anchor="ctr"/>
           <a:p>
             <a:pPr algn="ctr"/>
-            <a:endParaRPr lang="en-US" sz="4400" spc="-1" strike="noStrike">
+            <a:endParaRPr b="0" lang="fr-FR" sz="4400" spc="-1" strike="noStrike">
               <a:solidFill>
                 <a:srgbClr val="000000"/>
               </a:solidFill>
@@ -660,7 +659,7 @@
           <a:bodyPr lIns="0" rIns="0" tIns="0" bIns="0" anchor="ctr"/>
           <a:p>
             <a:pPr algn="ctr"/>
-            <a:endParaRPr lang="en-US" sz="3200" spc="-1" strike="noStrike">
+            <a:endParaRPr b="0" lang="fr-FR" sz="3200" spc="-1" strike="noStrike">
               <a:solidFill>
                 <a:srgbClr val="000000"/>
               </a:solidFill>
@@ -680,7 +679,7 @@
 </file>
 
 <file path=ppt/slideLayouts/slideLayout15.xml><?xml version="1.0" encoding="utf-8"?>
-<p:sldLayout xmlns:a="http://schemas.openxmlformats.org/drawingml/2006/main" xmlns:p="http://schemas.openxmlformats.org/presentationml/2006/main" xmlns:r="http://schemas.openxmlformats.org/officeDocument/2006/relationships" type="obj" preserve="1">
+<p:sldLayout xmlns:a="http://schemas.openxmlformats.org/drawingml/2006/main" xmlns:p="http://schemas.openxmlformats.org/presentationml/2006/main" xmlns:r="http://schemas.openxmlformats.org/officeDocument/2006/relationships" xmlns:p14="http://schemas.microsoft.com/office/powerpoint/2010/main" xmlns:p15="http://schemas.microsoft.com/office/powerpoint/2012/main" xmlns:mc="http://schemas.openxmlformats.org/markup-compatibility/2006" type="obj" preserve="1">
   <p:cSld name="Title, Content">
     <p:spTree>
       <p:nvGrpSpPr>
@@ -719,7 +718,7 @@
           <a:bodyPr lIns="0" rIns="0" tIns="0" bIns="0" anchor="ctr"/>
           <a:p>
             <a:pPr algn="ctr"/>
-            <a:endParaRPr lang="en-US" sz="4400" spc="-1" strike="noStrike">
+            <a:endParaRPr b="0" lang="fr-FR" sz="4400" spc="-1" strike="noStrike">
               <a:solidFill>
                 <a:srgbClr val="000000"/>
               </a:solidFill>
@@ -755,7 +754,7 @@
         <p:txBody>
           <a:bodyPr lIns="0" rIns="0" tIns="0" bIns="0"/>
           <a:p>
-            <a:endParaRPr lang="en-US" sz="3200" spc="-1" strike="noStrike">
+            <a:endParaRPr b="0" lang="fr-FR" sz="3200" spc="-1" strike="noStrike">
               <a:solidFill>
                 <a:srgbClr val="000000"/>
               </a:solidFill>
@@ -775,7 +774,7 @@
 </file>
 
 <file path=ppt/slideLayouts/slideLayout16.xml><?xml version="1.0" encoding="utf-8"?>
-<p:sldLayout xmlns:a="http://schemas.openxmlformats.org/drawingml/2006/main" xmlns:p="http://schemas.openxmlformats.org/presentationml/2006/main" xmlns:r="http://schemas.openxmlformats.org/officeDocument/2006/relationships" type="twoObj" preserve="1">
+<p:sldLayout xmlns:a="http://schemas.openxmlformats.org/drawingml/2006/main" xmlns:p="http://schemas.openxmlformats.org/presentationml/2006/main" xmlns:r="http://schemas.openxmlformats.org/officeDocument/2006/relationships" xmlns:p14="http://schemas.microsoft.com/office/powerpoint/2010/main" xmlns:p15="http://schemas.microsoft.com/office/powerpoint/2012/main" xmlns:mc="http://schemas.openxmlformats.org/markup-compatibility/2006" type="twoObj" preserve="1">
   <p:cSld name="Title, 2 Content">
     <p:spTree>
       <p:nvGrpSpPr>
@@ -814,7 +813,7 @@
           <a:bodyPr lIns="0" rIns="0" tIns="0" bIns="0" anchor="ctr"/>
           <a:p>
             <a:pPr algn="ctr"/>
-            <a:endParaRPr lang="en-US" sz="4400" spc="-1" strike="noStrike">
+            <a:endParaRPr b="0" lang="fr-FR" sz="4400" spc="-1" strike="noStrike">
               <a:solidFill>
                 <a:srgbClr val="000000"/>
               </a:solidFill>
@@ -850,7 +849,7 @@
         <p:txBody>
           <a:bodyPr lIns="0" rIns="0" tIns="0" bIns="0"/>
           <a:p>
-            <a:endParaRPr lang="en-US" sz="3200" spc="-1" strike="noStrike">
+            <a:endParaRPr b="0" lang="fr-FR" sz="3200" spc="-1" strike="noStrike">
               <a:solidFill>
                 <a:srgbClr val="000000"/>
               </a:solidFill>
@@ -886,7 +885,7 @@
         <p:txBody>
           <a:bodyPr lIns="0" rIns="0" tIns="0" bIns="0"/>
           <a:p>
-            <a:endParaRPr lang="en-US" sz="3200" spc="-1" strike="noStrike">
+            <a:endParaRPr b="0" lang="fr-FR" sz="3200" spc="-1" strike="noStrike">
               <a:solidFill>
                 <a:srgbClr val="000000"/>
               </a:solidFill>
@@ -906,7 +905,7 @@
 </file>
 
 <file path=ppt/slideLayouts/slideLayout17.xml><?xml version="1.0" encoding="utf-8"?>
-<p:sldLayout xmlns:a="http://schemas.openxmlformats.org/drawingml/2006/main" xmlns:p="http://schemas.openxmlformats.org/presentationml/2006/main" xmlns:r="http://schemas.openxmlformats.org/officeDocument/2006/relationships" type="titleOnly" preserve="1">
+<p:sldLayout xmlns:a="http://schemas.openxmlformats.org/drawingml/2006/main" xmlns:p="http://schemas.openxmlformats.org/presentationml/2006/main" xmlns:r="http://schemas.openxmlformats.org/officeDocument/2006/relationships" xmlns:p14="http://schemas.microsoft.com/office/powerpoint/2010/main" xmlns:p15="http://schemas.microsoft.com/office/powerpoint/2012/main" xmlns:mc="http://schemas.openxmlformats.org/markup-compatibility/2006" type="titleOnly" preserve="1">
   <p:cSld name="Title Only">
     <p:spTree>
       <p:nvGrpSpPr>
@@ -945,7 +944,7 @@
           <a:bodyPr lIns="0" rIns="0" tIns="0" bIns="0" anchor="ctr"/>
           <a:p>
             <a:pPr algn="ctr"/>
-            <a:endParaRPr lang="en-US" sz="4400" spc="-1" strike="noStrike">
+            <a:endParaRPr b="0" lang="fr-FR" sz="4400" spc="-1" strike="noStrike">
               <a:solidFill>
                 <a:srgbClr val="000000"/>
               </a:solidFill>
@@ -965,7 +964,7 @@
 </file>
 
 <file path=ppt/slideLayouts/slideLayout18.xml><?xml version="1.0" encoding="utf-8"?>
-<p:sldLayout xmlns:a="http://schemas.openxmlformats.org/drawingml/2006/main" xmlns:p="http://schemas.openxmlformats.org/presentationml/2006/main" xmlns:r="http://schemas.openxmlformats.org/officeDocument/2006/relationships" type="objOnly" preserve="1">
+<p:sldLayout xmlns:a="http://schemas.openxmlformats.org/drawingml/2006/main" xmlns:p="http://schemas.openxmlformats.org/presentationml/2006/main" xmlns:r="http://schemas.openxmlformats.org/officeDocument/2006/relationships" xmlns:p14="http://schemas.microsoft.com/office/powerpoint/2010/main" xmlns:p15="http://schemas.microsoft.com/office/powerpoint/2012/main" xmlns:mc="http://schemas.openxmlformats.org/markup-compatibility/2006" type="objOnly" preserve="1">
   <p:cSld name="Centered Text">
     <p:spTree>
       <p:nvGrpSpPr>
@@ -1004,7 +1003,7 @@
           <a:bodyPr lIns="0" rIns="0" tIns="0" bIns="0" anchor="ctr"/>
           <a:p>
             <a:pPr algn="ctr"/>
-            <a:endParaRPr lang="en-US" sz="3200" spc="-1" strike="noStrike">
+            <a:endParaRPr b="0" lang="fr-FR" sz="3200" spc="-1" strike="noStrike">
               <a:solidFill>
                 <a:srgbClr val="000000"/>
               </a:solidFill>
@@ -1024,7 +1023,7 @@
 </file>
 
 <file path=ppt/slideLayouts/slideLayout19.xml><?xml version="1.0" encoding="utf-8"?>
-<p:sldLayout xmlns:a="http://schemas.openxmlformats.org/drawingml/2006/main" xmlns:p="http://schemas.openxmlformats.org/presentationml/2006/main" xmlns:r="http://schemas.openxmlformats.org/officeDocument/2006/relationships" type="twoObjAndObj" preserve="1">
+<p:sldLayout xmlns:a="http://schemas.openxmlformats.org/drawingml/2006/main" xmlns:p="http://schemas.openxmlformats.org/presentationml/2006/main" xmlns:r="http://schemas.openxmlformats.org/officeDocument/2006/relationships" xmlns:p14="http://schemas.microsoft.com/office/powerpoint/2010/main" xmlns:p15="http://schemas.microsoft.com/office/powerpoint/2012/main" xmlns:mc="http://schemas.openxmlformats.org/markup-compatibility/2006" type="twoObjAndObj" preserve="1">
   <p:cSld name="Title, 2 Content and Content">
     <p:spTree>
       <p:nvGrpSpPr>
@@ -1063,7 +1062,7 @@
           <a:bodyPr lIns="0" rIns="0" tIns="0" bIns="0" anchor="ctr"/>
           <a:p>
             <a:pPr algn="ctr"/>
-            <a:endParaRPr lang="en-US" sz="4400" spc="-1" strike="noStrike">
+            <a:endParaRPr b="0" lang="fr-FR" sz="4400" spc="-1" strike="noStrike">
               <a:solidFill>
                 <a:srgbClr val="000000"/>
               </a:solidFill>
@@ -1099,7 +1098,7 @@
         <p:txBody>
           <a:bodyPr lIns="0" rIns="0" tIns="0" bIns="0"/>
           <a:p>
-            <a:endParaRPr lang="en-US" sz="3200" spc="-1" strike="noStrike">
+            <a:endParaRPr b="0" lang="fr-FR" sz="3200" spc="-1" strike="noStrike">
               <a:solidFill>
                 <a:srgbClr val="000000"/>
               </a:solidFill>
@@ -1135,7 +1134,7 @@
         <p:txBody>
           <a:bodyPr lIns="0" rIns="0" tIns="0" bIns="0"/>
           <a:p>
-            <a:endParaRPr lang="en-US" sz="3200" spc="-1" strike="noStrike">
+            <a:endParaRPr b="0" lang="fr-FR" sz="3200" spc="-1" strike="noStrike">
               <a:solidFill>
                 <a:srgbClr val="000000"/>
               </a:solidFill>
@@ -1171,7 +1170,7 @@
         <p:txBody>
           <a:bodyPr lIns="0" rIns="0" tIns="0" bIns="0"/>
           <a:p>
-            <a:endParaRPr lang="en-US" sz="3200" spc="-1" strike="noStrike">
+            <a:endParaRPr b="0" lang="fr-FR" sz="3200" spc="-1" strike="noStrike">
               <a:solidFill>
                 <a:srgbClr val="000000"/>
               </a:solidFill>
@@ -1191,7 +1190,7 @@
 </file>
 
 <file path=ppt/slideLayouts/slideLayout2.xml><?xml version="1.0" encoding="utf-8"?>
-<p:sldLayout xmlns:a="http://schemas.openxmlformats.org/drawingml/2006/main" xmlns:p="http://schemas.openxmlformats.org/presentationml/2006/main" xmlns:r="http://schemas.openxmlformats.org/officeDocument/2006/relationships" type="tx" preserve="1">
+<p:sldLayout xmlns:a="http://schemas.openxmlformats.org/drawingml/2006/main" xmlns:p="http://schemas.openxmlformats.org/presentationml/2006/main" xmlns:r="http://schemas.openxmlformats.org/officeDocument/2006/relationships" xmlns:p14="http://schemas.microsoft.com/office/powerpoint/2010/main" xmlns:p15="http://schemas.microsoft.com/office/powerpoint/2012/main" xmlns:mc="http://schemas.openxmlformats.org/markup-compatibility/2006" type="tx" preserve="1">
   <p:cSld name="Title Slide">
     <p:spTree>
       <p:nvGrpSpPr>
@@ -1230,7 +1229,7 @@
           <a:bodyPr lIns="0" rIns="0" tIns="0" bIns="0" anchor="ctr"/>
           <a:p>
             <a:pPr algn="ctr"/>
-            <a:endParaRPr lang="en-US" sz="4400" spc="-1" strike="noStrike">
+            <a:endParaRPr b="0" lang="fr-FR" sz="4400" spc="-1" strike="noStrike">
               <a:solidFill>
                 <a:srgbClr val="000000"/>
               </a:solidFill>
@@ -1267,7 +1266,7 @@
           <a:bodyPr lIns="0" rIns="0" tIns="0" bIns="0" anchor="ctr"/>
           <a:p>
             <a:pPr algn="ctr"/>
-            <a:endParaRPr lang="en-US" sz="3200" spc="-1" strike="noStrike">
+            <a:endParaRPr b="0" lang="fr-FR" sz="3200" spc="-1" strike="noStrike">
               <a:solidFill>
                 <a:srgbClr val="000000"/>
               </a:solidFill>
@@ -1287,7 +1286,7 @@
 </file>
 
 <file path=ppt/slideLayouts/slideLayout20.xml><?xml version="1.0" encoding="utf-8"?>
-<p:sldLayout xmlns:a="http://schemas.openxmlformats.org/drawingml/2006/main" xmlns:p="http://schemas.openxmlformats.org/presentationml/2006/main" xmlns:r="http://schemas.openxmlformats.org/officeDocument/2006/relationships" type="objAndTwoObj" preserve="1">
+<p:sldLayout xmlns:a="http://schemas.openxmlformats.org/drawingml/2006/main" xmlns:p="http://schemas.openxmlformats.org/presentationml/2006/main" xmlns:r="http://schemas.openxmlformats.org/officeDocument/2006/relationships" xmlns:p14="http://schemas.microsoft.com/office/powerpoint/2010/main" xmlns:p15="http://schemas.microsoft.com/office/powerpoint/2012/main" xmlns:mc="http://schemas.openxmlformats.org/markup-compatibility/2006" type="objAndTwoObj" preserve="1">
   <p:cSld name="Title Content and 2 Content">
     <p:spTree>
       <p:nvGrpSpPr>
@@ -1326,7 +1325,7 @@
           <a:bodyPr lIns="0" rIns="0" tIns="0" bIns="0" anchor="ctr"/>
           <a:p>
             <a:pPr algn="ctr"/>
-            <a:endParaRPr lang="en-US" sz="4400" spc="-1" strike="noStrike">
+            <a:endParaRPr b="0" lang="fr-FR" sz="4400" spc="-1" strike="noStrike">
               <a:solidFill>
                 <a:srgbClr val="000000"/>
               </a:solidFill>
@@ -1362,7 +1361,7 @@
         <p:txBody>
           <a:bodyPr lIns="0" rIns="0" tIns="0" bIns="0"/>
           <a:p>
-            <a:endParaRPr lang="en-US" sz="3200" spc="-1" strike="noStrike">
+            <a:endParaRPr b="0" lang="fr-FR" sz="3200" spc="-1" strike="noStrike">
               <a:solidFill>
                 <a:srgbClr val="000000"/>
               </a:solidFill>
@@ -1398,7 +1397,7 @@
         <p:txBody>
           <a:bodyPr lIns="0" rIns="0" tIns="0" bIns="0"/>
           <a:p>
-            <a:endParaRPr lang="en-US" sz="3200" spc="-1" strike="noStrike">
+            <a:endParaRPr b="0" lang="fr-FR" sz="3200" spc="-1" strike="noStrike">
               <a:solidFill>
                 <a:srgbClr val="000000"/>
               </a:solidFill>
@@ -1434,7 +1433,7 @@
         <p:txBody>
           <a:bodyPr lIns="0" rIns="0" tIns="0" bIns="0"/>
           <a:p>
-            <a:endParaRPr lang="en-US" sz="3200" spc="-1" strike="noStrike">
+            <a:endParaRPr b="0" lang="fr-FR" sz="3200" spc="-1" strike="noStrike">
               <a:solidFill>
                 <a:srgbClr val="000000"/>
               </a:solidFill>
@@ -1454,7 +1453,7 @@
 </file>
 
 <file path=ppt/slideLayouts/slideLayout21.xml><?xml version="1.0" encoding="utf-8"?>
-<p:sldLayout xmlns:a="http://schemas.openxmlformats.org/drawingml/2006/main" xmlns:p="http://schemas.openxmlformats.org/presentationml/2006/main" xmlns:r="http://schemas.openxmlformats.org/officeDocument/2006/relationships" type="twoObjOverTx" preserve="1">
+<p:sldLayout xmlns:a="http://schemas.openxmlformats.org/drawingml/2006/main" xmlns:p="http://schemas.openxmlformats.org/presentationml/2006/main" xmlns:r="http://schemas.openxmlformats.org/officeDocument/2006/relationships" xmlns:p14="http://schemas.microsoft.com/office/powerpoint/2010/main" xmlns:p15="http://schemas.microsoft.com/office/powerpoint/2012/main" xmlns:mc="http://schemas.openxmlformats.org/markup-compatibility/2006" type="twoObjOverTx" preserve="1">
   <p:cSld name="Title, 2 Content over Content">
     <p:spTree>
       <p:nvGrpSpPr>
@@ -1493,7 +1492,7 @@
           <a:bodyPr lIns="0" rIns="0" tIns="0" bIns="0" anchor="ctr"/>
           <a:p>
             <a:pPr algn="ctr"/>
-            <a:endParaRPr lang="en-US" sz="4400" spc="-1" strike="noStrike">
+            <a:endParaRPr b="0" lang="fr-FR" sz="4400" spc="-1" strike="noStrike">
               <a:solidFill>
                 <a:srgbClr val="000000"/>
               </a:solidFill>
@@ -1529,7 +1528,7 @@
         <p:txBody>
           <a:bodyPr lIns="0" rIns="0" tIns="0" bIns="0"/>
           <a:p>
-            <a:endParaRPr lang="en-US" sz="3200" spc="-1" strike="noStrike">
+            <a:endParaRPr b="0" lang="fr-FR" sz="3200" spc="-1" strike="noStrike">
               <a:solidFill>
                 <a:srgbClr val="000000"/>
               </a:solidFill>
@@ -1565,7 +1564,7 @@
         <p:txBody>
           <a:bodyPr lIns="0" rIns="0" tIns="0" bIns="0"/>
           <a:p>
-            <a:endParaRPr lang="en-US" sz="3200" spc="-1" strike="noStrike">
+            <a:endParaRPr b="0" lang="fr-FR" sz="3200" spc="-1" strike="noStrike">
               <a:solidFill>
                 <a:srgbClr val="000000"/>
               </a:solidFill>
@@ -1601,7 +1600,7 @@
         <p:txBody>
           <a:bodyPr lIns="0" rIns="0" tIns="0" bIns="0"/>
           <a:p>
-            <a:endParaRPr lang="en-US" sz="3200" spc="-1" strike="noStrike">
+            <a:endParaRPr b="0" lang="fr-FR" sz="3200" spc="-1" strike="noStrike">
               <a:solidFill>
                 <a:srgbClr val="000000"/>
               </a:solidFill>
@@ -1621,7 +1620,7 @@
 </file>
 
 <file path=ppt/slideLayouts/slideLayout22.xml><?xml version="1.0" encoding="utf-8"?>
-<p:sldLayout xmlns:a="http://schemas.openxmlformats.org/drawingml/2006/main" xmlns:p="http://schemas.openxmlformats.org/presentationml/2006/main" xmlns:r="http://schemas.openxmlformats.org/officeDocument/2006/relationships" type="objOverTx" preserve="1">
+<p:sldLayout xmlns:a="http://schemas.openxmlformats.org/drawingml/2006/main" xmlns:p="http://schemas.openxmlformats.org/presentationml/2006/main" xmlns:r="http://schemas.openxmlformats.org/officeDocument/2006/relationships" xmlns:p14="http://schemas.microsoft.com/office/powerpoint/2010/main" xmlns:p15="http://schemas.microsoft.com/office/powerpoint/2012/main" xmlns:mc="http://schemas.openxmlformats.org/markup-compatibility/2006" type="objOverTx" preserve="1">
   <p:cSld name="Title, Content over Content">
     <p:spTree>
       <p:nvGrpSpPr>
@@ -1660,7 +1659,7 @@
           <a:bodyPr lIns="0" rIns="0" tIns="0" bIns="0" anchor="ctr"/>
           <a:p>
             <a:pPr algn="ctr"/>
-            <a:endParaRPr lang="en-US" sz="4400" spc="-1" strike="noStrike">
+            <a:endParaRPr b="0" lang="fr-FR" sz="4400" spc="-1" strike="noStrike">
               <a:solidFill>
                 <a:srgbClr val="000000"/>
               </a:solidFill>
@@ -1696,7 +1695,7 @@
         <p:txBody>
           <a:bodyPr lIns="0" rIns="0" tIns="0" bIns="0"/>
           <a:p>
-            <a:endParaRPr lang="en-US" sz="3200" spc="-1" strike="noStrike">
+            <a:endParaRPr b="0" lang="fr-FR" sz="3200" spc="-1" strike="noStrike">
               <a:solidFill>
                 <a:srgbClr val="000000"/>
               </a:solidFill>
@@ -1732,7 +1731,7 @@
         <p:txBody>
           <a:bodyPr lIns="0" rIns="0" tIns="0" bIns="0"/>
           <a:p>
-            <a:endParaRPr lang="en-US" sz="3200" spc="-1" strike="noStrike">
+            <a:endParaRPr b="0" lang="fr-FR" sz="3200" spc="-1" strike="noStrike">
               <a:solidFill>
                 <a:srgbClr val="000000"/>
               </a:solidFill>
@@ -1752,7 +1751,7 @@
 </file>
 
 <file path=ppt/slideLayouts/slideLayout23.xml><?xml version="1.0" encoding="utf-8"?>
-<p:sldLayout xmlns:a="http://schemas.openxmlformats.org/drawingml/2006/main" xmlns:p="http://schemas.openxmlformats.org/presentationml/2006/main" xmlns:r="http://schemas.openxmlformats.org/officeDocument/2006/relationships" type="fourObj" preserve="1">
+<p:sldLayout xmlns:a="http://schemas.openxmlformats.org/drawingml/2006/main" xmlns:p="http://schemas.openxmlformats.org/presentationml/2006/main" xmlns:r="http://schemas.openxmlformats.org/officeDocument/2006/relationships" xmlns:p14="http://schemas.microsoft.com/office/powerpoint/2010/main" xmlns:p15="http://schemas.microsoft.com/office/powerpoint/2012/main" xmlns:mc="http://schemas.openxmlformats.org/markup-compatibility/2006" type="fourObj" preserve="1">
   <p:cSld name="Title, 4 Content">
     <p:spTree>
       <p:nvGrpSpPr>
@@ -1791,7 +1790,7 @@
           <a:bodyPr lIns="0" rIns="0" tIns="0" bIns="0" anchor="ctr"/>
           <a:p>
             <a:pPr algn="ctr"/>
-            <a:endParaRPr lang="en-US" sz="4400" spc="-1" strike="noStrike">
+            <a:endParaRPr b="0" lang="fr-FR" sz="4400" spc="-1" strike="noStrike">
               <a:solidFill>
                 <a:srgbClr val="000000"/>
               </a:solidFill>
@@ -1827,7 +1826,7 @@
         <p:txBody>
           <a:bodyPr lIns="0" rIns="0" tIns="0" bIns="0"/>
           <a:p>
-            <a:endParaRPr lang="en-US" sz="3200" spc="-1" strike="noStrike">
+            <a:endParaRPr b="0" lang="fr-FR" sz="3200" spc="-1" strike="noStrike">
               <a:solidFill>
                 <a:srgbClr val="000000"/>
               </a:solidFill>
@@ -1863,7 +1862,7 @@
         <p:txBody>
           <a:bodyPr lIns="0" rIns="0" tIns="0" bIns="0"/>
           <a:p>
-            <a:endParaRPr lang="en-US" sz="3200" spc="-1" strike="noStrike">
+            <a:endParaRPr b="0" lang="fr-FR" sz="3200" spc="-1" strike="noStrike">
               <a:solidFill>
                 <a:srgbClr val="000000"/>
               </a:solidFill>
@@ -1899,7 +1898,7 @@
         <p:txBody>
           <a:bodyPr lIns="0" rIns="0" tIns="0" bIns="0"/>
           <a:p>
-            <a:endParaRPr lang="en-US" sz="3200" spc="-1" strike="noStrike">
+            <a:endParaRPr b="0" lang="fr-FR" sz="3200" spc="-1" strike="noStrike">
               <a:solidFill>
                 <a:srgbClr val="000000"/>
               </a:solidFill>
@@ -1935,7 +1934,7 @@
         <p:txBody>
           <a:bodyPr lIns="0" rIns="0" tIns="0" bIns="0"/>
           <a:p>
-            <a:endParaRPr lang="en-US" sz="3200" spc="-1" strike="noStrike">
+            <a:endParaRPr b="0" lang="fr-FR" sz="3200" spc="-1" strike="noStrike">
               <a:solidFill>
                 <a:srgbClr val="000000"/>
               </a:solidFill>
@@ -1955,7 +1954,7 @@
 </file>
 
 <file path=ppt/slideLayouts/slideLayout24.xml><?xml version="1.0" encoding="utf-8"?>
-<p:sldLayout xmlns:a="http://schemas.openxmlformats.org/drawingml/2006/main" xmlns:p="http://schemas.openxmlformats.org/presentationml/2006/main" xmlns:r="http://schemas.openxmlformats.org/officeDocument/2006/relationships" type="blank" preserve="1">
+<p:sldLayout xmlns:a="http://schemas.openxmlformats.org/drawingml/2006/main" xmlns:p="http://schemas.openxmlformats.org/presentationml/2006/main" xmlns:r="http://schemas.openxmlformats.org/officeDocument/2006/relationships" xmlns:p14="http://schemas.microsoft.com/office/powerpoint/2010/main" xmlns:p15="http://schemas.microsoft.com/office/powerpoint/2012/main" xmlns:mc="http://schemas.openxmlformats.org/markup-compatibility/2006" type="blank" preserve="1">
   <p:cSld name="Title, 6 Content">
     <p:spTree>
       <p:nvGrpSpPr>
@@ -1994,7 +1993,7 @@
           <a:bodyPr lIns="0" rIns="0" tIns="0" bIns="0" anchor="ctr"/>
           <a:p>
             <a:pPr algn="ctr"/>
-            <a:endParaRPr lang="en-US" sz="4400" spc="-1" strike="noStrike">
+            <a:endParaRPr b="0" lang="fr-FR" sz="4400" spc="-1" strike="noStrike">
               <a:solidFill>
                 <a:srgbClr val="000000"/>
               </a:solidFill>
@@ -2030,7 +2029,7 @@
         <p:txBody>
           <a:bodyPr lIns="0" rIns="0" tIns="0" bIns="0"/>
           <a:p>
-            <a:endParaRPr lang="en-US" sz="3200" spc="-1" strike="noStrike">
+            <a:endParaRPr b="0" lang="fr-FR" sz="3200" spc="-1" strike="noStrike">
               <a:solidFill>
                 <a:srgbClr val="000000"/>
               </a:solidFill>
@@ -2066,7 +2065,7 @@
         <p:txBody>
           <a:bodyPr lIns="0" rIns="0" tIns="0" bIns="0"/>
           <a:p>
-            <a:endParaRPr lang="en-US" sz="3200" spc="-1" strike="noStrike">
+            <a:endParaRPr b="0" lang="fr-FR" sz="3200" spc="-1" strike="noStrike">
               <a:solidFill>
                 <a:srgbClr val="000000"/>
               </a:solidFill>
@@ -2132,7 +2131,7 @@
 </file>
 
 <file path=ppt/slideLayouts/slideLayout3.xml><?xml version="1.0" encoding="utf-8"?>
-<p:sldLayout xmlns:a="http://schemas.openxmlformats.org/drawingml/2006/main" xmlns:p="http://schemas.openxmlformats.org/presentationml/2006/main" xmlns:r="http://schemas.openxmlformats.org/officeDocument/2006/relationships" type="obj" preserve="1">
+<p:sldLayout xmlns:a="http://schemas.openxmlformats.org/drawingml/2006/main" xmlns:p="http://schemas.openxmlformats.org/presentationml/2006/main" xmlns:r="http://schemas.openxmlformats.org/officeDocument/2006/relationships" xmlns:p14="http://schemas.microsoft.com/office/powerpoint/2010/main" xmlns:p15="http://schemas.microsoft.com/office/powerpoint/2012/main" xmlns:mc="http://schemas.openxmlformats.org/markup-compatibility/2006" type="obj" preserve="1">
   <p:cSld name="Title, Content">
     <p:spTree>
       <p:nvGrpSpPr>
@@ -2171,7 +2170,7 @@
           <a:bodyPr lIns="0" rIns="0" tIns="0" bIns="0" anchor="ctr"/>
           <a:p>
             <a:pPr algn="ctr"/>
-            <a:endParaRPr lang="en-US" sz="4400" spc="-1" strike="noStrike">
+            <a:endParaRPr b="0" lang="fr-FR" sz="4400" spc="-1" strike="noStrike">
               <a:solidFill>
                 <a:srgbClr val="000000"/>
               </a:solidFill>
@@ -2207,7 +2206,7 @@
         <p:txBody>
           <a:bodyPr lIns="0" rIns="0" tIns="0" bIns="0"/>
           <a:p>
-            <a:endParaRPr lang="en-US" sz="3200" spc="-1" strike="noStrike">
+            <a:endParaRPr b="0" lang="fr-FR" sz="3200" spc="-1" strike="noStrike">
               <a:solidFill>
                 <a:srgbClr val="000000"/>
               </a:solidFill>
@@ -2227,7 +2226,7 @@
 </file>
 
 <file path=ppt/slideLayouts/slideLayout4.xml><?xml version="1.0" encoding="utf-8"?>
-<p:sldLayout xmlns:a="http://schemas.openxmlformats.org/drawingml/2006/main" xmlns:p="http://schemas.openxmlformats.org/presentationml/2006/main" xmlns:r="http://schemas.openxmlformats.org/officeDocument/2006/relationships" type="twoObj" preserve="1">
+<p:sldLayout xmlns:a="http://schemas.openxmlformats.org/drawingml/2006/main" xmlns:p="http://schemas.openxmlformats.org/presentationml/2006/main" xmlns:r="http://schemas.openxmlformats.org/officeDocument/2006/relationships" xmlns:p14="http://schemas.microsoft.com/office/powerpoint/2010/main" xmlns:p15="http://schemas.microsoft.com/office/powerpoint/2012/main" xmlns:mc="http://schemas.openxmlformats.org/markup-compatibility/2006" type="twoObj" preserve="1">
   <p:cSld name="Title, 2 Content">
     <p:spTree>
       <p:nvGrpSpPr>
@@ -2266,7 +2265,7 @@
           <a:bodyPr lIns="0" rIns="0" tIns="0" bIns="0" anchor="ctr"/>
           <a:p>
             <a:pPr algn="ctr"/>
-            <a:endParaRPr lang="en-US" sz="4400" spc="-1" strike="noStrike">
+            <a:endParaRPr b="0" lang="fr-FR" sz="4400" spc="-1" strike="noStrike">
               <a:solidFill>
                 <a:srgbClr val="000000"/>
               </a:solidFill>
@@ -2302,7 +2301,7 @@
         <p:txBody>
           <a:bodyPr lIns="0" rIns="0" tIns="0" bIns="0"/>
           <a:p>
-            <a:endParaRPr lang="en-US" sz="3200" spc="-1" strike="noStrike">
+            <a:endParaRPr b="0" lang="fr-FR" sz="3200" spc="-1" strike="noStrike">
               <a:solidFill>
                 <a:srgbClr val="000000"/>
               </a:solidFill>
@@ -2338,7 +2337,7 @@
         <p:txBody>
           <a:bodyPr lIns="0" rIns="0" tIns="0" bIns="0"/>
           <a:p>
-            <a:endParaRPr lang="en-US" sz="3200" spc="-1" strike="noStrike">
+            <a:endParaRPr b="0" lang="fr-FR" sz="3200" spc="-1" strike="noStrike">
               <a:solidFill>
                 <a:srgbClr val="000000"/>
               </a:solidFill>
@@ -2358,7 +2357,7 @@
 </file>
 
 <file path=ppt/slideLayouts/slideLayout5.xml><?xml version="1.0" encoding="utf-8"?>
-<p:sldLayout xmlns:a="http://schemas.openxmlformats.org/drawingml/2006/main" xmlns:p="http://schemas.openxmlformats.org/presentationml/2006/main" xmlns:r="http://schemas.openxmlformats.org/officeDocument/2006/relationships" type="titleOnly" preserve="1">
+<p:sldLayout xmlns:a="http://schemas.openxmlformats.org/drawingml/2006/main" xmlns:p="http://schemas.openxmlformats.org/presentationml/2006/main" xmlns:r="http://schemas.openxmlformats.org/officeDocument/2006/relationships" xmlns:p14="http://schemas.microsoft.com/office/powerpoint/2010/main" xmlns:p15="http://schemas.microsoft.com/office/powerpoint/2012/main" xmlns:mc="http://schemas.openxmlformats.org/markup-compatibility/2006" type="titleOnly" preserve="1">
   <p:cSld name="Title Only">
     <p:spTree>
       <p:nvGrpSpPr>
@@ -2397,7 +2396,7 @@
           <a:bodyPr lIns="0" rIns="0" tIns="0" bIns="0" anchor="ctr"/>
           <a:p>
             <a:pPr algn="ctr"/>
-            <a:endParaRPr lang="en-US" sz="4400" spc="-1" strike="noStrike">
+            <a:endParaRPr b="0" lang="fr-FR" sz="4400" spc="-1" strike="noStrike">
               <a:solidFill>
                 <a:srgbClr val="000000"/>
               </a:solidFill>
@@ -2417,7 +2416,7 @@
 </file>
 
 <file path=ppt/slideLayouts/slideLayout6.xml><?xml version="1.0" encoding="utf-8"?>
-<p:sldLayout xmlns:a="http://schemas.openxmlformats.org/drawingml/2006/main" xmlns:p="http://schemas.openxmlformats.org/presentationml/2006/main" xmlns:r="http://schemas.openxmlformats.org/officeDocument/2006/relationships" type="objOnly" preserve="1">
+<p:sldLayout xmlns:a="http://schemas.openxmlformats.org/drawingml/2006/main" xmlns:p="http://schemas.openxmlformats.org/presentationml/2006/main" xmlns:r="http://schemas.openxmlformats.org/officeDocument/2006/relationships" xmlns:p14="http://schemas.microsoft.com/office/powerpoint/2010/main" xmlns:p15="http://schemas.microsoft.com/office/powerpoint/2012/main" xmlns:mc="http://schemas.openxmlformats.org/markup-compatibility/2006" type="objOnly" preserve="1">
   <p:cSld name="Centered Text">
     <p:spTree>
       <p:nvGrpSpPr>
@@ -2456,7 +2455,7 @@
           <a:bodyPr lIns="0" rIns="0" tIns="0" bIns="0" anchor="ctr"/>
           <a:p>
             <a:pPr algn="ctr"/>
-            <a:endParaRPr lang="en-US" sz="3200" spc="-1" strike="noStrike">
+            <a:endParaRPr b="0" lang="fr-FR" sz="3200" spc="-1" strike="noStrike">
               <a:solidFill>
                 <a:srgbClr val="000000"/>
               </a:solidFill>
@@ -2476,7 +2475,7 @@
 </file>
 
 <file path=ppt/slideLayouts/slideLayout7.xml><?xml version="1.0" encoding="utf-8"?>
-<p:sldLayout xmlns:a="http://schemas.openxmlformats.org/drawingml/2006/main" xmlns:p="http://schemas.openxmlformats.org/presentationml/2006/main" xmlns:r="http://schemas.openxmlformats.org/officeDocument/2006/relationships" type="twoObjAndObj" preserve="1">
+<p:sldLayout xmlns:a="http://schemas.openxmlformats.org/drawingml/2006/main" xmlns:p="http://schemas.openxmlformats.org/presentationml/2006/main" xmlns:r="http://schemas.openxmlformats.org/officeDocument/2006/relationships" xmlns:p14="http://schemas.microsoft.com/office/powerpoint/2010/main" xmlns:p15="http://schemas.microsoft.com/office/powerpoint/2012/main" xmlns:mc="http://schemas.openxmlformats.org/markup-compatibility/2006" type="twoObjAndObj" preserve="1">
   <p:cSld name="Title, 2 Content and Content">
     <p:spTree>
       <p:nvGrpSpPr>
@@ -2515,7 +2514,7 @@
           <a:bodyPr lIns="0" rIns="0" tIns="0" bIns="0" anchor="ctr"/>
           <a:p>
             <a:pPr algn="ctr"/>
-            <a:endParaRPr lang="en-US" sz="4400" spc="-1" strike="noStrike">
+            <a:endParaRPr b="0" lang="fr-FR" sz="4400" spc="-1" strike="noStrike">
               <a:solidFill>
                 <a:srgbClr val="000000"/>
               </a:solidFill>
@@ -2551,7 +2550,7 @@
         <p:txBody>
           <a:bodyPr lIns="0" rIns="0" tIns="0" bIns="0"/>
           <a:p>
-            <a:endParaRPr lang="en-US" sz="3200" spc="-1" strike="noStrike">
+            <a:endParaRPr b="0" lang="fr-FR" sz="3200" spc="-1" strike="noStrike">
               <a:solidFill>
                 <a:srgbClr val="000000"/>
               </a:solidFill>
@@ -2587,7 +2586,7 @@
         <p:txBody>
           <a:bodyPr lIns="0" rIns="0" tIns="0" bIns="0"/>
           <a:p>
-            <a:endParaRPr lang="en-US" sz="3200" spc="-1" strike="noStrike">
+            <a:endParaRPr b="0" lang="fr-FR" sz="3200" spc="-1" strike="noStrike">
               <a:solidFill>
                 <a:srgbClr val="000000"/>
               </a:solidFill>
@@ -2623,7 +2622,7 @@
         <p:txBody>
           <a:bodyPr lIns="0" rIns="0" tIns="0" bIns="0"/>
           <a:p>
-            <a:endParaRPr lang="en-US" sz="3200" spc="-1" strike="noStrike">
+            <a:endParaRPr b="0" lang="fr-FR" sz="3200" spc="-1" strike="noStrike">
               <a:solidFill>
                 <a:srgbClr val="000000"/>
               </a:solidFill>
@@ -2643,7 +2642,7 @@
 </file>
 
 <file path=ppt/slideLayouts/slideLayout8.xml><?xml version="1.0" encoding="utf-8"?>
-<p:sldLayout xmlns:a="http://schemas.openxmlformats.org/drawingml/2006/main" xmlns:p="http://schemas.openxmlformats.org/presentationml/2006/main" xmlns:r="http://schemas.openxmlformats.org/officeDocument/2006/relationships" type="objAndTwoObj" preserve="1">
+<p:sldLayout xmlns:a="http://schemas.openxmlformats.org/drawingml/2006/main" xmlns:p="http://schemas.openxmlformats.org/presentationml/2006/main" xmlns:r="http://schemas.openxmlformats.org/officeDocument/2006/relationships" xmlns:p14="http://schemas.microsoft.com/office/powerpoint/2010/main" xmlns:p15="http://schemas.microsoft.com/office/powerpoint/2012/main" xmlns:mc="http://schemas.openxmlformats.org/markup-compatibility/2006" type="objAndTwoObj" preserve="1">
   <p:cSld name="Title Content and 2 Content">
     <p:spTree>
       <p:nvGrpSpPr>
@@ -2682,7 +2681,7 @@
           <a:bodyPr lIns="0" rIns="0" tIns="0" bIns="0" anchor="ctr"/>
           <a:p>
             <a:pPr algn="ctr"/>
-            <a:endParaRPr lang="en-US" sz="4400" spc="-1" strike="noStrike">
+            <a:endParaRPr b="0" lang="fr-FR" sz="4400" spc="-1" strike="noStrike">
               <a:solidFill>
                 <a:srgbClr val="000000"/>
               </a:solidFill>
@@ -2718,7 +2717,7 @@
         <p:txBody>
           <a:bodyPr lIns="0" rIns="0" tIns="0" bIns="0"/>
           <a:p>
-            <a:endParaRPr lang="en-US" sz="3200" spc="-1" strike="noStrike">
+            <a:endParaRPr b="0" lang="fr-FR" sz="3200" spc="-1" strike="noStrike">
               <a:solidFill>
                 <a:srgbClr val="000000"/>
               </a:solidFill>
@@ -2754,7 +2753,7 @@
         <p:txBody>
           <a:bodyPr lIns="0" rIns="0" tIns="0" bIns="0"/>
           <a:p>
-            <a:endParaRPr lang="en-US" sz="3200" spc="-1" strike="noStrike">
+            <a:endParaRPr b="0" lang="fr-FR" sz="3200" spc="-1" strike="noStrike">
               <a:solidFill>
                 <a:srgbClr val="000000"/>
               </a:solidFill>
@@ -2790,7 +2789,7 @@
         <p:txBody>
           <a:bodyPr lIns="0" rIns="0" tIns="0" bIns="0"/>
           <a:p>
-            <a:endParaRPr lang="en-US" sz="3200" spc="-1" strike="noStrike">
+            <a:endParaRPr b="0" lang="fr-FR" sz="3200" spc="-1" strike="noStrike">
               <a:solidFill>
                 <a:srgbClr val="000000"/>
               </a:solidFill>
@@ -2810,7 +2809,7 @@
 </file>
 
 <file path=ppt/slideLayouts/slideLayout9.xml><?xml version="1.0" encoding="utf-8"?>
-<p:sldLayout xmlns:a="http://schemas.openxmlformats.org/drawingml/2006/main" xmlns:p="http://schemas.openxmlformats.org/presentationml/2006/main" xmlns:r="http://schemas.openxmlformats.org/officeDocument/2006/relationships" type="twoObjOverTx" preserve="1">
+<p:sldLayout xmlns:a="http://schemas.openxmlformats.org/drawingml/2006/main" xmlns:p="http://schemas.openxmlformats.org/presentationml/2006/main" xmlns:r="http://schemas.openxmlformats.org/officeDocument/2006/relationships" xmlns:p14="http://schemas.microsoft.com/office/powerpoint/2010/main" xmlns:p15="http://schemas.microsoft.com/office/powerpoint/2012/main" xmlns:mc="http://schemas.openxmlformats.org/markup-compatibility/2006" type="twoObjOverTx" preserve="1">
   <p:cSld name="Title, 2 Content over Content">
     <p:spTree>
       <p:nvGrpSpPr>
@@ -2849,7 +2848,7 @@
           <a:bodyPr lIns="0" rIns="0" tIns="0" bIns="0" anchor="ctr"/>
           <a:p>
             <a:pPr algn="ctr"/>
-            <a:endParaRPr lang="en-US" sz="4400" spc="-1" strike="noStrike">
+            <a:endParaRPr b="0" lang="fr-FR" sz="4400" spc="-1" strike="noStrike">
               <a:solidFill>
                 <a:srgbClr val="000000"/>
               </a:solidFill>
@@ -2885,7 +2884,7 @@
         <p:txBody>
           <a:bodyPr lIns="0" rIns="0" tIns="0" bIns="0"/>
           <a:p>
-            <a:endParaRPr lang="en-US" sz="3200" spc="-1" strike="noStrike">
+            <a:endParaRPr b="0" lang="fr-FR" sz="3200" spc="-1" strike="noStrike">
               <a:solidFill>
                 <a:srgbClr val="000000"/>
               </a:solidFill>
@@ -2921,7 +2920,7 @@
         <p:txBody>
           <a:bodyPr lIns="0" rIns="0" tIns="0" bIns="0"/>
           <a:p>
-            <a:endParaRPr lang="en-US" sz="3200" spc="-1" strike="noStrike">
+            <a:endParaRPr b="0" lang="fr-FR" sz="3200" spc="-1" strike="noStrike">
               <a:solidFill>
                 <a:srgbClr val="000000"/>
               </a:solidFill>
@@ -2957,7 +2956,7 @@
         <p:txBody>
           <a:bodyPr lIns="0" rIns="0" tIns="0" bIns="0"/>
           <a:p>
-            <a:endParaRPr lang="en-US" sz="3200" spc="-1" strike="noStrike">
+            <a:endParaRPr b="0" lang="fr-FR" sz="3200" spc="-1" strike="noStrike">
               <a:solidFill>
                 <a:srgbClr val="000000"/>
               </a:solidFill>
@@ -2977,7 +2976,7 @@
 </file>
 
 <file path=ppt/slideMasters/slideMaster1.xml><?xml version="1.0" encoding="utf-8"?>
-<p:sldMaster xmlns:a="http://schemas.openxmlformats.org/drawingml/2006/main" xmlns:p="http://schemas.openxmlformats.org/presentationml/2006/main" xmlns:r="http://schemas.openxmlformats.org/officeDocument/2006/relationships">
+<p:sldMaster xmlns:a="http://schemas.openxmlformats.org/drawingml/2006/main" xmlns:p="http://schemas.openxmlformats.org/presentationml/2006/main" xmlns:r="http://schemas.openxmlformats.org/officeDocument/2006/relationships" xmlns:p14="http://schemas.microsoft.com/office/powerpoint/2010/main" xmlns:p15="http://schemas.microsoft.com/office/powerpoint/2012/main" xmlns:mc="http://schemas.openxmlformats.org/markup-compatibility/2006">
   <p:cSld>
     <p:spTree>
       <p:nvGrpSpPr>
@@ -3017,7 +3016,7 @@
           <a:p>
             <a:pPr algn="ctr"/>
             <a:r>
-              <a:rPr lang="en-US" sz="4400" spc="-1" strike="noStrike">
+              <a:rPr b="0" lang="fr-FR" sz="4400" spc="-1" strike="noStrike">
                 <a:solidFill>
                   <a:srgbClr val="000000"/>
                 </a:solidFill>
@@ -3028,9 +3027,51 @@
                 </a:uFill>
                 <a:latin typeface="Arial"/>
               </a:rPr>
-              <a:t>Click to edit the title text format</a:t>
+              <a:t>Click to </a:t>
             </a:r>
-            <a:endParaRPr lang="en-US" sz="4400" spc="-1" strike="noStrike">
+            <a:r>
+              <a:rPr b="0" lang="fr-FR" sz="4400" spc="-1" strike="noStrike">
+                <a:solidFill>
+                  <a:srgbClr val="000000"/>
+                </a:solidFill>
+                <a:uFill>
+                  <a:solidFill>
+                    <a:srgbClr val="ffffff"/>
+                  </a:solidFill>
+                </a:uFill>
+                <a:latin typeface="Arial"/>
+              </a:rPr>
+              <a:t>edit the </a:t>
+            </a:r>
+            <a:r>
+              <a:rPr b="0" lang="fr-FR" sz="4400" spc="-1" strike="noStrike">
+                <a:solidFill>
+                  <a:srgbClr val="000000"/>
+                </a:solidFill>
+                <a:uFill>
+                  <a:solidFill>
+                    <a:srgbClr val="ffffff"/>
+                  </a:solidFill>
+                </a:uFill>
+                <a:latin typeface="Arial"/>
+              </a:rPr>
+              <a:t>title text </a:t>
+            </a:r>
+            <a:r>
+              <a:rPr b="0" lang="fr-FR" sz="4400" spc="-1" strike="noStrike">
+                <a:solidFill>
+                  <a:srgbClr val="000000"/>
+                </a:solidFill>
+                <a:uFill>
+                  <a:solidFill>
+                    <a:srgbClr val="ffffff"/>
+                  </a:solidFill>
+                </a:uFill>
+                <a:latin typeface="Arial"/>
+              </a:rPr>
+              <a:t>format</a:t>
+            </a:r>
+            <a:endParaRPr b="0" lang="fr-FR" sz="4400" spc="-1" strike="noStrike">
               <a:solidFill>
                 <a:srgbClr val="000000"/>
               </a:solidFill>
@@ -3075,7 +3116,7 @@
               <a:buChar char=""/>
             </a:pPr>
             <a:r>
-              <a:rPr lang="en-US" sz="3200" spc="-1" strike="noStrike">
+              <a:rPr b="0" lang="fr-FR" sz="3200" spc="-1" strike="noStrike">
                 <a:solidFill>
                   <a:srgbClr val="000000"/>
                 </a:solidFill>
@@ -3088,7 +3129,7 @@
               </a:rPr>
               <a:t>Click to edit the outline text format</a:t>
             </a:r>
-            <a:endParaRPr lang="en-US" sz="3200" spc="-1" strike="noStrike">
+            <a:endParaRPr b="0" lang="fr-FR" sz="3200" spc="-1" strike="noStrike">
               <a:solidFill>
                 <a:srgbClr val="000000"/>
               </a:solidFill>
@@ -3110,7 +3151,7 @@
               <a:buChar char=""/>
             </a:pPr>
             <a:r>
-              <a:rPr lang="en-US" sz="2800" spc="-1" strike="noStrike">
+              <a:rPr b="0" lang="fr-FR" sz="2800" spc="-1" strike="noStrike">
                 <a:solidFill>
                   <a:srgbClr val="000000"/>
                 </a:solidFill>
@@ -3123,7 +3164,7 @@
               </a:rPr>
               <a:t>Second Outline Level</a:t>
             </a:r>
-            <a:endParaRPr lang="en-US" sz="2800" spc="-1" strike="noStrike">
+            <a:endParaRPr b="0" lang="fr-FR" sz="2800" spc="-1" strike="noStrike">
               <a:solidFill>
                 <a:srgbClr val="000000"/>
               </a:solidFill>
@@ -3145,7 +3186,7 @@
               <a:buChar char=""/>
             </a:pPr>
             <a:r>
-              <a:rPr lang="en-US" sz="2400" spc="-1" strike="noStrike">
+              <a:rPr b="0" lang="fr-FR" sz="2400" spc="-1" strike="noStrike">
                 <a:solidFill>
                   <a:srgbClr val="000000"/>
                 </a:solidFill>
@@ -3158,7 +3199,7 @@
               </a:rPr>
               <a:t>Third Outline Level</a:t>
             </a:r>
-            <a:endParaRPr lang="en-US" sz="2400" spc="-1" strike="noStrike">
+            <a:endParaRPr b="0" lang="fr-FR" sz="2400" spc="-1" strike="noStrike">
               <a:solidFill>
                 <a:srgbClr val="000000"/>
               </a:solidFill>
@@ -3180,7 +3221,7 @@
               <a:buChar char=""/>
             </a:pPr>
             <a:r>
-              <a:rPr lang="en-US" sz="2000" spc="-1" strike="noStrike">
+              <a:rPr b="0" lang="fr-FR" sz="2000" spc="-1" strike="noStrike">
                 <a:solidFill>
                   <a:srgbClr val="000000"/>
                 </a:solidFill>
@@ -3193,7 +3234,7 @@
               </a:rPr>
               <a:t>Fourth Outline Level</a:t>
             </a:r>
-            <a:endParaRPr lang="en-US" sz="2000" spc="-1" strike="noStrike">
+            <a:endParaRPr b="0" lang="fr-FR" sz="2000" spc="-1" strike="noStrike">
               <a:solidFill>
                 <a:srgbClr val="000000"/>
               </a:solidFill>
@@ -3215,7 +3256,7 @@
               <a:buChar char=""/>
             </a:pPr>
             <a:r>
-              <a:rPr lang="en-US" sz="2000" spc="-1" strike="noStrike">
+              <a:rPr b="0" lang="fr-FR" sz="2000" spc="-1" strike="noStrike">
                 <a:solidFill>
                   <a:srgbClr val="000000"/>
                 </a:solidFill>
@@ -3228,7 +3269,7 @@
               </a:rPr>
               <a:t>Fifth Outline Level</a:t>
             </a:r>
-            <a:endParaRPr lang="en-US" sz="2000" spc="-1" strike="noStrike">
+            <a:endParaRPr b="0" lang="fr-FR" sz="2000" spc="-1" strike="noStrike">
               <a:solidFill>
                 <a:srgbClr val="000000"/>
               </a:solidFill>
@@ -3250,7 +3291,7 @@
               <a:buChar char=""/>
             </a:pPr>
             <a:r>
-              <a:rPr lang="en-US" sz="2000" spc="-1" strike="noStrike">
+              <a:rPr b="0" lang="fr-FR" sz="2000" spc="-1" strike="noStrike">
                 <a:solidFill>
                   <a:srgbClr val="000000"/>
                 </a:solidFill>
@@ -3263,7 +3304,7 @@
               </a:rPr>
               <a:t>Sixth Outline Level</a:t>
             </a:r>
-            <a:endParaRPr lang="en-US" sz="2000" spc="-1" strike="noStrike">
+            <a:endParaRPr b="0" lang="fr-FR" sz="2000" spc="-1" strike="noStrike">
               <a:solidFill>
                 <a:srgbClr val="000000"/>
               </a:solidFill>
@@ -3285,7 +3326,7 @@
               <a:buChar char=""/>
             </a:pPr>
             <a:r>
-              <a:rPr lang="en-US" sz="2000" spc="-1" strike="noStrike">
+              <a:rPr b="0" lang="fr-FR" sz="2000" spc="-1" strike="noStrike">
                 <a:solidFill>
                   <a:srgbClr val="000000"/>
                 </a:solidFill>
@@ -3298,7 +3339,7 @@
               </a:rPr>
               <a:t>Seventh Outline Level</a:t>
             </a:r>
-            <a:endParaRPr lang="en-US" sz="2000" spc="-1" strike="noStrike">
+            <a:endParaRPr b="0" lang="fr-FR" sz="2000" spc="-1" strike="noStrike">
               <a:solidFill>
                 <a:srgbClr val="000000"/>
               </a:solidFill>
@@ -3333,7 +3374,7 @@
 </file>
 
 <file path=ppt/slideMasters/slideMaster2.xml><?xml version="1.0" encoding="utf-8"?>
-<p:sldMaster xmlns:a="http://schemas.openxmlformats.org/drawingml/2006/main" xmlns:p="http://schemas.openxmlformats.org/presentationml/2006/main" xmlns:r="http://schemas.openxmlformats.org/officeDocument/2006/relationships">
+<p:sldMaster xmlns:a="http://schemas.openxmlformats.org/drawingml/2006/main" xmlns:p="http://schemas.openxmlformats.org/presentationml/2006/main" xmlns:r="http://schemas.openxmlformats.org/officeDocument/2006/relationships" xmlns:p14="http://schemas.microsoft.com/office/powerpoint/2010/main" xmlns:p15="http://schemas.microsoft.com/office/powerpoint/2012/main" xmlns:mc="http://schemas.openxmlformats.org/markup-compatibility/2006">
   <p:cSld>
     <p:spTree>
       <p:nvGrpSpPr>
@@ -3373,7 +3414,7 @@
           <a:p>
             <a:pPr algn="ctr"/>
             <a:r>
-              <a:rPr lang="en-US" sz="4400" spc="-1" strike="noStrike">
+              <a:rPr b="0" lang="fr-FR" sz="4400" spc="-1" strike="noStrike">
                 <a:solidFill>
                   <a:srgbClr val="000000"/>
                 </a:solidFill>
@@ -3386,7 +3427,7 @@
               </a:rPr>
               <a:t>Click to edit the title text format</a:t>
             </a:r>
-            <a:endParaRPr lang="en-US" sz="4400" spc="-1" strike="noStrike">
+            <a:endParaRPr b="0" lang="fr-FR" sz="4400" spc="-1" strike="noStrike">
               <a:solidFill>
                 <a:srgbClr val="000000"/>
               </a:solidFill>
@@ -3431,7 +3472,7 @@
               <a:buChar char=""/>
             </a:pPr>
             <a:r>
-              <a:rPr lang="en-US" sz="3200" spc="-1" strike="noStrike">
+              <a:rPr b="0" lang="fr-FR" sz="3200" spc="-1" strike="noStrike">
                 <a:solidFill>
                   <a:srgbClr val="000000"/>
                 </a:solidFill>
@@ -3444,7 +3485,7 @@
               </a:rPr>
               <a:t>Click to edit the outline text format</a:t>
             </a:r>
-            <a:endParaRPr lang="en-US" sz="3200" spc="-1" strike="noStrike">
+            <a:endParaRPr b="0" lang="fr-FR" sz="3200" spc="-1" strike="noStrike">
               <a:solidFill>
                 <a:srgbClr val="000000"/>
               </a:solidFill>
@@ -3466,7 +3507,7 @@
               <a:buChar char=""/>
             </a:pPr>
             <a:r>
-              <a:rPr lang="en-US" sz="2800" spc="-1" strike="noStrike">
+              <a:rPr b="0" lang="fr-FR" sz="2800" spc="-1" strike="noStrike">
                 <a:solidFill>
                   <a:srgbClr val="000000"/>
                 </a:solidFill>
@@ -3479,7 +3520,7 @@
               </a:rPr>
               <a:t>Second Outline Level</a:t>
             </a:r>
-            <a:endParaRPr lang="en-US" sz="2800" spc="-1" strike="noStrike">
+            <a:endParaRPr b="0" lang="fr-FR" sz="2800" spc="-1" strike="noStrike">
               <a:solidFill>
                 <a:srgbClr val="000000"/>
               </a:solidFill>
@@ -3501,7 +3542,7 @@
               <a:buChar char=""/>
             </a:pPr>
             <a:r>
-              <a:rPr lang="en-US" sz="2400" spc="-1" strike="noStrike">
+              <a:rPr b="0" lang="fr-FR" sz="2400" spc="-1" strike="noStrike">
                 <a:solidFill>
                   <a:srgbClr val="000000"/>
                 </a:solidFill>
@@ -3514,7 +3555,7 @@
               </a:rPr>
               <a:t>Third Outline Level</a:t>
             </a:r>
-            <a:endParaRPr lang="en-US" sz="2400" spc="-1" strike="noStrike">
+            <a:endParaRPr b="0" lang="fr-FR" sz="2400" spc="-1" strike="noStrike">
               <a:solidFill>
                 <a:srgbClr val="000000"/>
               </a:solidFill>
@@ -3536,7 +3577,7 @@
               <a:buChar char=""/>
             </a:pPr>
             <a:r>
-              <a:rPr lang="en-US" sz="2000" spc="-1" strike="noStrike">
+              <a:rPr b="0" lang="fr-FR" sz="2000" spc="-1" strike="noStrike">
                 <a:solidFill>
                   <a:srgbClr val="000000"/>
                 </a:solidFill>
@@ -3549,7 +3590,7 @@
               </a:rPr>
               <a:t>Fourth Outline Level</a:t>
             </a:r>
-            <a:endParaRPr lang="en-US" sz="2000" spc="-1" strike="noStrike">
+            <a:endParaRPr b="0" lang="fr-FR" sz="2000" spc="-1" strike="noStrike">
               <a:solidFill>
                 <a:srgbClr val="000000"/>
               </a:solidFill>
@@ -3571,7 +3612,7 @@
               <a:buChar char=""/>
             </a:pPr>
             <a:r>
-              <a:rPr lang="en-US" sz="2000" spc="-1" strike="noStrike">
+              <a:rPr b="0" lang="fr-FR" sz="2000" spc="-1" strike="noStrike">
                 <a:solidFill>
                   <a:srgbClr val="000000"/>
                 </a:solidFill>
@@ -3584,7 +3625,7 @@
               </a:rPr>
               <a:t>Fifth Outline Level</a:t>
             </a:r>
-            <a:endParaRPr lang="en-US" sz="2000" spc="-1" strike="noStrike">
+            <a:endParaRPr b="0" lang="fr-FR" sz="2000" spc="-1" strike="noStrike">
               <a:solidFill>
                 <a:srgbClr val="000000"/>
               </a:solidFill>
@@ -3606,7 +3647,7 @@
               <a:buChar char=""/>
             </a:pPr>
             <a:r>
-              <a:rPr lang="en-US" sz="2000" spc="-1" strike="noStrike">
+              <a:rPr b="0" lang="fr-FR" sz="2000" spc="-1" strike="noStrike">
                 <a:solidFill>
                   <a:srgbClr val="000000"/>
                 </a:solidFill>
@@ -3619,7 +3660,7 @@
               </a:rPr>
               <a:t>Sixth Outline Level</a:t>
             </a:r>
-            <a:endParaRPr lang="en-US" sz="2000" spc="-1" strike="noStrike">
+            <a:endParaRPr b="0" lang="fr-FR" sz="2000" spc="-1" strike="noStrike">
               <a:solidFill>
                 <a:srgbClr val="000000"/>
               </a:solidFill>
@@ -3641,7 +3682,7 @@
               <a:buChar char=""/>
             </a:pPr>
             <a:r>
-              <a:rPr lang="en-US" sz="2000" spc="-1" strike="noStrike">
+              <a:rPr b="0" lang="fr-FR" sz="2000" spc="-1" strike="noStrike">
                 <a:solidFill>
                   <a:srgbClr val="000000"/>
                 </a:solidFill>
@@ -3654,7 +3695,7 @@
               </a:rPr>
               <a:t>Seventh Outline Level</a:t>
             </a:r>
-            <a:endParaRPr lang="en-US" sz="2000" spc="-1" strike="noStrike">
+            <a:endParaRPr b="0" lang="fr-FR" sz="2000" spc="-1" strike="noStrike">
               <a:solidFill>
                 <a:srgbClr val="000000"/>
               </a:solidFill>
@@ -3689,7 +3730,7 @@
 </file>
 
 <file path=ppt/slides/slide1.xml><?xml version="1.0" encoding="utf-8"?>
-<p:sld xmlns:a="http://schemas.openxmlformats.org/drawingml/2006/main" xmlns:p="http://schemas.openxmlformats.org/presentationml/2006/main" xmlns:r="http://schemas.openxmlformats.org/officeDocument/2006/relationships">
+<p:sld xmlns:a="http://schemas.openxmlformats.org/drawingml/2006/main" xmlns:p="http://schemas.openxmlformats.org/presentationml/2006/main" xmlns:r="http://schemas.openxmlformats.org/officeDocument/2006/relationships" xmlns:p14="http://schemas.microsoft.com/office/powerpoint/2010/main" xmlns:p15="http://schemas.microsoft.com/office/powerpoint/2012/main" xmlns:mc="http://schemas.openxmlformats.org/markup-compatibility/2006">
   <p:cSld>
     <p:spTree>
       <p:nvGrpSpPr>
@@ -3714,7 +3755,7 @@
         <p:spPr>
           <a:xfrm>
             <a:off x="621000" y="2560320"/>
-            <a:ext cx="9070200" cy="1260720"/>
+            <a:ext cx="9069840" cy="1260360"/>
           </a:xfrm>
           <a:prstGeom prst="rect">
             <a:avLst/>
@@ -3739,7 +3780,7 @@
               </a:lnSpc>
             </a:pPr>
             <a:r>
-              <a:rPr b="1" lang="en-US" sz="4400" spc="-1" strike="noStrike">
+              <a:rPr b="1" lang="fr-FR" sz="4400" spc="-1" strike="noStrike">
                 <a:solidFill>
                   <a:srgbClr val="cc3300"/>
                 </a:solidFill>
@@ -3753,7 +3794,7 @@
               </a:rPr>
               <a:t>Documenter son API</a:t>
             </a:r>
-            <a:endParaRPr lang="en-US" sz="1800" spc="-1" strike="noStrike">
+            <a:endParaRPr b="0" lang="fr-FR" sz="1800" spc="-1" strike="noStrike">
               <a:solidFill>
                 <a:srgbClr val="000000"/>
               </a:solidFill>
@@ -3800,7 +3841,7 @@
 </file>
 
 <file path=ppt/slides/slide10.xml><?xml version="1.0" encoding="utf-8"?>
-<p:sld xmlns:a="http://schemas.openxmlformats.org/drawingml/2006/main" xmlns:p="http://schemas.openxmlformats.org/presentationml/2006/main" xmlns:r="http://schemas.openxmlformats.org/officeDocument/2006/relationships">
+<p:sld xmlns:a="http://schemas.openxmlformats.org/drawingml/2006/main" xmlns:p="http://schemas.openxmlformats.org/presentationml/2006/main" xmlns:r="http://schemas.openxmlformats.org/officeDocument/2006/relationships" xmlns:p14="http://schemas.microsoft.com/office/powerpoint/2010/main" xmlns:p15="http://schemas.microsoft.com/office/powerpoint/2012/main" xmlns:mc="http://schemas.openxmlformats.org/markup-compatibility/2006">
   <p:cSld>
     <p:spTree>
       <p:nvGrpSpPr>
@@ -3825,7 +3866,7 @@
         <p:spPr>
           <a:xfrm>
             <a:off x="504000" y="49320"/>
-            <a:ext cx="9070200" cy="1260720"/>
+            <a:ext cx="9069840" cy="1260360"/>
           </a:xfrm>
           <a:prstGeom prst="rect">
             <a:avLst/>
@@ -3850,7 +3891,7 @@
               </a:lnSpc>
             </a:pPr>
             <a:r>
-              <a:rPr lang="en-US" sz="4400" spc="-1" strike="noStrike">
+              <a:rPr b="0" lang="fr-FR" sz="4400" spc="-1" strike="noStrike">
                 <a:solidFill>
                   <a:srgbClr val="cc3300"/>
                 </a:solidFill>
@@ -3864,7 +3905,7 @@
               </a:rPr>
               <a:t>Spring Rest-doc</a:t>
             </a:r>
-            <a:endParaRPr lang="en-US" sz="1800" spc="-1" strike="noStrike">
+            <a:endParaRPr b="0" lang="fr-FR" sz="1800" spc="-1" strike="noStrike">
               <a:solidFill>
                 <a:srgbClr val="000000"/>
               </a:solidFill>
@@ -3891,7 +3932,7 @@
         <p:spPr>
           <a:xfrm>
             <a:off x="7772400" y="419040"/>
-            <a:ext cx="1735920" cy="1735920"/>
+            <a:ext cx="1735560" cy="1735560"/>
           </a:xfrm>
           <a:prstGeom prst="rect">
             <a:avLst/>
@@ -3914,7 +3955,7 @@
         <p:spPr>
           <a:xfrm>
             <a:off x="457200" y="2308320"/>
-            <a:ext cx="8770320" cy="4196160"/>
+            <a:ext cx="8769960" cy="4195800"/>
           </a:xfrm>
           <a:prstGeom prst="rect">
             <a:avLst/>
@@ -3957,7 +3998,7 @@
 </file>
 
 <file path=ppt/slides/slide11.xml><?xml version="1.0" encoding="utf-8"?>
-<p:sld xmlns:a="http://schemas.openxmlformats.org/drawingml/2006/main" xmlns:p="http://schemas.openxmlformats.org/presentationml/2006/main" xmlns:r="http://schemas.openxmlformats.org/officeDocument/2006/relationships">
+<p:sld xmlns:a="http://schemas.openxmlformats.org/drawingml/2006/main" xmlns:p="http://schemas.openxmlformats.org/presentationml/2006/main" xmlns:r="http://schemas.openxmlformats.org/officeDocument/2006/relationships" xmlns:p14="http://schemas.microsoft.com/office/powerpoint/2010/main" xmlns:p15="http://schemas.microsoft.com/office/powerpoint/2012/main" xmlns:mc="http://schemas.openxmlformats.org/markup-compatibility/2006">
   <p:cSld>
     <p:spTree>
       <p:nvGrpSpPr>
@@ -3982,7 +4023,7 @@
         <p:spPr>
           <a:xfrm>
             <a:off x="504000" y="49320"/>
-            <a:ext cx="9070200" cy="1260720"/>
+            <a:ext cx="9069840" cy="1260360"/>
           </a:xfrm>
           <a:prstGeom prst="rect">
             <a:avLst/>
@@ -4007,7 +4048,7 @@
               </a:lnSpc>
             </a:pPr>
             <a:r>
-              <a:rPr lang="en-US" sz="4400" spc="-1" strike="noStrike">
+              <a:rPr b="0" lang="fr-FR" sz="4400" spc="-1" strike="noStrike">
                 <a:solidFill>
                   <a:srgbClr val="cc3300"/>
                 </a:solidFill>
@@ -4021,7 +4062,7 @@
               </a:rPr>
               <a:t>Spring Rest-doc</a:t>
             </a:r>
-            <a:endParaRPr lang="en-US" sz="1800" spc="-1" strike="noStrike">
+            <a:endParaRPr b="0" lang="fr-FR" sz="1800" spc="-1" strike="noStrike">
               <a:solidFill>
                 <a:srgbClr val="000000"/>
               </a:solidFill>
@@ -4048,7 +4089,7 @@
         <p:spPr>
           <a:xfrm>
             <a:off x="7772400" y="419040"/>
-            <a:ext cx="1735920" cy="1735920"/>
+            <a:ext cx="1735560" cy="1735560"/>
           </a:xfrm>
           <a:prstGeom prst="rect">
             <a:avLst/>
@@ -4060,14 +4101,14 @@
       </p:pic>
       <p:sp>
         <p:nvSpPr>
-          <p:cNvPr id="99" name="TextShape 2"/>
-          <p:cNvSpPr txBox="1"/>
+          <p:cNvPr id="99" name="CustomShape 2"/>
+          <p:cNvSpPr/>
           <p:nvPr/>
         </p:nvSpPr>
         <p:spPr>
           <a:xfrm>
             <a:off x="640080" y="2103120"/>
-            <a:ext cx="7681680" cy="3673800"/>
+            <a:ext cx="7681320" cy="3673440"/>
           </a:xfrm>
           <a:prstGeom prst="rect">
             <a:avLst/>
@@ -4077,11 +4118,17 @@
             <a:noFill/>
           </a:ln>
         </p:spPr>
+        <p:style>
+          <a:lnRef idx="0"/>
+          <a:fillRef idx="0"/>
+          <a:effectRef idx="0"/>
+          <a:fontRef idx="minor"/>
+        </p:style>
         <p:txBody>
           <a:bodyPr lIns="90000" rIns="90000" tIns="45000" bIns="45000"/>
           <a:p>
             <a:r>
-              <a:rPr lang="en-US" sz="1800" spc="-1" strike="noStrike">
+              <a:rPr b="0" lang="fr-FR" sz="1800" spc="-1" strike="noStrike">
                 <a:solidFill>
                   <a:srgbClr val="000000"/>
                 </a:solidFill>
@@ -4094,20 +4141,20 @@
               </a:rPr>
               <a:t>Installation :</a:t>
             </a:r>
-            <a:endParaRPr lang="en-US" sz="1800" spc="-1" strike="noStrike">
-              <a:solidFill>
-                <a:srgbClr val="000000"/>
-              </a:solidFill>
-              <a:uFill>
-                <a:solidFill>
-                  <a:srgbClr val="ffffff"/>
-                </a:solidFill>
-              </a:uFill>
-              <a:latin typeface="Arial"/>
-            </a:endParaRPr>
-          </a:p>
-          <a:p>
-            <a:endParaRPr lang="en-US" sz="1800" spc="-1" strike="noStrike">
+            <a:endParaRPr b="0" lang="fr-FR" sz="1800" spc="-1" strike="noStrike">
+              <a:solidFill>
+                <a:srgbClr val="000000"/>
+              </a:solidFill>
+              <a:uFill>
+                <a:solidFill>
+                  <a:srgbClr val="ffffff"/>
+                </a:solidFill>
+              </a:uFill>
+              <a:latin typeface="Arial"/>
+            </a:endParaRPr>
+          </a:p>
+          <a:p>
+            <a:endParaRPr b="0" lang="fr-FR" sz="1800" spc="-1" strike="noStrike">
               <a:solidFill>
                 <a:srgbClr val="000000"/>
               </a:solidFill>
@@ -4121,7 +4168,7 @@
           </a:p>
           <a:p>
             <a:r>
-              <a:rPr lang="en-US" sz="1800" spc="-1" strike="noStrike">
+              <a:rPr b="0" lang="fr-FR" sz="1800" spc="-1" strike="noStrike">
                 <a:solidFill>
                   <a:srgbClr val="000000"/>
                 </a:solidFill>
@@ -4135,7 +4182,7 @@
               <a:t>	</a:t>
             </a:r>
             <a:r>
-              <a:rPr lang="en-US" sz="1800" spc="-1" strike="noStrike">
+              <a:rPr b="0" lang="fr-FR" sz="1800" spc="-1" strike="noStrike">
                 <a:solidFill>
                   <a:srgbClr val="000000"/>
                 </a:solidFill>
@@ -4148,20 +4195,20 @@
               </a:rPr>
               <a:t>- Ajout de la dépendance</a:t>
             </a:r>
-            <a:endParaRPr lang="en-US" sz="1800" spc="-1" strike="noStrike">
-              <a:solidFill>
-                <a:srgbClr val="000000"/>
-              </a:solidFill>
-              <a:uFill>
-                <a:solidFill>
-                  <a:srgbClr val="ffffff"/>
-                </a:solidFill>
-              </a:uFill>
-              <a:latin typeface="Arial"/>
-            </a:endParaRPr>
-          </a:p>
-          <a:p>
-            <a:endParaRPr lang="en-US" sz="1800" spc="-1" strike="noStrike">
+            <a:endParaRPr b="0" lang="fr-FR" sz="1800" spc="-1" strike="noStrike">
+              <a:solidFill>
+                <a:srgbClr val="000000"/>
+              </a:solidFill>
+              <a:uFill>
+                <a:solidFill>
+                  <a:srgbClr val="ffffff"/>
+                </a:solidFill>
+              </a:uFill>
+              <a:latin typeface="Arial"/>
+            </a:endParaRPr>
+          </a:p>
+          <a:p>
+            <a:endParaRPr b="0" lang="fr-FR" sz="1800" spc="-1" strike="noStrike">
               <a:solidFill>
                 <a:srgbClr val="000000"/>
               </a:solidFill>
@@ -4175,7 +4222,7 @@
           </a:p>
           <a:p>
             <a:r>
-              <a:rPr lang="en-US" sz="1800" spc="-1" strike="noStrike">
+              <a:rPr b="0" lang="fr-FR" sz="1800" spc="-1" strike="noStrike">
                 <a:solidFill>
                   <a:srgbClr val="000000"/>
                 </a:solidFill>
@@ -4189,7 +4236,7 @@
               <a:t>	</a:t>
             </a:r>
             <a:r>
-              <a:rPr lang="en-US" sz="1800" spc="-1" strike="noStrike">
+              <a:rPr b="0" lang="fr-FR" sz="1800" spc="-1" strike="noStrike">
                 <a:solidFill>
                   <a:srgbClr val="000000"/>
                 </a:solidFill>
@@ -4202,20 +4249,20 @@
               </a:rPr>
               <a:t>- Ajout des tests qui génèrent les snippets</a:t>
             </a:r>
-            <a:endParaRPr lang="en-US" sz="1800" spc="-1" strike="noStrike">
-              <a:solidFill>
-                <a:srgbClr val="000000"/>
-              </a:solidFill>
-              <a:uFill>
-                <a:solidFill>
-                  <a:srgbClr val="ffffff"/>
-                </a:solidFill>
-              </a:uFill>
-              <a:latin typeface="Arial"/>
-            </a:endParaRPr>
-          </a:p>
-          <a:p>
-            <a:endParaRPr lang="en-US" sz="1800" spc="-1" strike="noStrike">
+            <a:endParaRPr b="0" lang="fr-FR" sz="1800" spc="-1" strike="noStrike">
+              <a:solidFill>
+                <a:srgbClr val="000000"/>
+              </a:solidFill>
+              <a:uFill>
+                <a:solidFill>
+                  <a:srgbClr val="ffffff"/>
+                </a:solidFill>
+              </a:uFill>
+              <a:latin typeface="Arial"/>
+            </a:endParaRPr>
+          </a:p>
+          <a:p>
+            <a:endParaRPr b="0" lang="fr-FR" sz="1800" spc="-1" strike="noStrike">
               <a:solidFill>
                 <a:srgbClr val="000000"/>
               </a:solidFill>
@@ -4229,7 +4276,7 @@
           </a:p>
           <a:p>
             <a:r>
-              <a:rPr lang="en-US" sz="1800" spc="-1" strike="noStrike">
+              <a:rPr b="0" lang="fr-FR" sz="1800" spc="-1" strike="noStrike">
                 <a:solidFill>
                   <a:srgbClr val="000000"/>
                 </a:solidFill>
@@ -4243,7 +4290,7 @@
               <a:t>	</a:t>
             </a:r>
             <a:r>
-              <a:rPr lang="en-US" sz="1800" spc="-1" strike="noStrike">
+              <a:rPr b="0" lang="fr-FR" sz="1800" spc="-1" strike="noStrike">
                 <a:solidFill>
                   <a:srgbClr val="000000"/>
                 </a:solidFill>
@@ -4256,20 +4303,20 @@
               </a:rPr>
               <a:t>- Ajout du template de la doc (+CSS)</a:t>
             </a:r>
-            <a:endParaRPr lang="en-US" sz="1800" spc="-1" strike="noStrike">
-              <a:solidFill>
-                <a:srgbClr val="000000"/>
-              </a:solidFill>
-              <a:uFill>
-                <a:solidFill>
-                  <a:srgbClr val="ffffff"/>
-                </a:solidFill>
-              </a:uFill>
-              <a:latin typeface="Arial"/>
-            </a:endParaRPr>
-          </a:p>
-          <a:p>
-            <a:endParaRPr lang="en-US" sz="1800" spc="-1" strike="noStrike">
+            <a:endParaRPr b="0" lang="fr-FR" sz="1800" spc="-1" strike="noStrike">
+              <a:solidFill>
+                <a:srgbClr val="000000"/>
+              </a:solidFill>
+              <a:uFill>
+                <a:solidFill>
+                  <a:srgbClr val="ffffff"/>
+                </a:solidFill>
+              </a:uFill>
+              <a:latin typeface="Arial"/>
+            </a:endParaRPr>
+          </a:p>
+          <a:p>
+            <a:endParaRPr b="0" lang="fr-FR" sz="1800" spc="-1" strike="noStrike">
               <a:solidFill>
                 <a:srgbClr val="000000"/>
               </a:solidFill>
@@ -4283,7 +4330,7 @@
           </a:p>
           <a:p>
             <a:r>
-              <a:rPr lang="en-US" sz="1800" spc="-1" strike="noStrike">
+              <a:rPr b="0" lang="fr-FR" sz="1800" spc="-1" strike="noStrike">
                 <a:solidFill>
                   <a:srgbClr val="000000"/>
                 </a:solidFill>
@@ -4297,7 +4344,7 @@
               <a:t>	</a:t>
             </a:r>
             <a:r>
-              <a:rPr lang="en-US" sz="1800" spc="-1" strike="noStrike">
+              <a:rPr b="0" lang="fr-FR" sz="1800" spc="-1" strike="noStrike">
                 <a:solidFill>
                   <a:srgbClr val="000000"/>
                 </a:solidFill>
@@ -4310,20 +4357,20 @@
               </a:rPr>
               <a:t>- Configuration d'asciidoctor pour générer la documentation</a:t>
             </a:r>
-            <a:endParaRPr lang="en-US" sz="1800" spc="-1" strike="noStrike">
-              <a:solidFill>
-                <a:srgbClr val="000000"/>
-              </a:solidFill>
-              <a:uFill>
-                <a:solidFill>
-                  <a:srgbClr val="ffffff"/>
-                </a:solidFill>
-              </a:uFill>
-              <a:latin typeface="Arial"/>
-            </a:endParaRPr>
-          </a:p>
-          <a:p>
-            <a:endParaRPr lang="en-US" sz="1800" spc="-1" strike="noStrike">
+            <a:endParaRPr b="0" lang="fr-FR" sz="1800" spc="-1" strike="noStrike">
+              <a:solidFill>
+                <a:srgbClr val="000000"/>
+              </a:solidFill>
+              <a:uFill>
+                <a:solidFill>
+                  <a:srgbClr val="ffffff"/>
+                </a:solidFill>
+              </a:uFill>
+              <a:latin typeface="Arial"/>
+            </a:endParaRPr>
+          </a:p>
+          <a:p>
+            <a:endParaRPr b="0" lang="fr-FR" sz="1800" spc="-1" strike="noStrike">
               <a:solidFill>
                 <a:srgbClr val="000000"/>
               </a:solidFill>
@@ -4337,7 +4384,7 @@
           </a:p>
           <a:p>
             <a:r>
-              <a:rPr lang="en-US" sz="1800" spc="-1" strike="noStrike">
+              <a:rPr b="0" lang="fr-FR" sz="1800" spc="-1" strike="noStrike">
                 <a:solidFill>
                   <a:srgbClr val="000000"/>
                 </a:solidFill>
@@ -4351,7 +4398,7 @@
               <a:t>	</a:t>
             </a:r>
             <a:r>
-              <a:rPr lang="en-US" sz="1800" spc="-1" strike="noStrike">
+              <a:rPr b="0" lang="fr-FR" sz="1800" spc="-1" strike="noStrike">
                 <a:solidFill>
                   <a:srgbClr val="000000"/>
                 </a:solidFill>
@@ -4364,20 +4411,20 @@
               </a:rPr>
               <a:t>- Optionnel : plugin + redirection pour servir la documentation statique</a:t>
             </a:r>
-            <a:endParaRPr lang="en-US" sz="1800" spc="-1" strike="noStrike">
-              <a:solidFill>
-                <a:srgbClr val="000000"/>
-              </a:solidFill>
-              <a:uFill>
-                <a:solidFill>
-                  <a:srgbClr val="ffffff"/>
-                </a:solidFill>
-              </a:uFill>
-              <a:latin typeface="Arial"/>
-            </a:endParaRPr>
-          </a:p>
-          <a:p>
-            <a:endParaRPr lang="en-US" sz="1800" spc="-1" strike="noStrike">
+            <a:endParaRPr b="0" lang="fr-FR" sz="1800" spc="-1" strike="noStrike">
+              <a:solidFill>
+                <a:srgbClr val="000000"/>
+              </a:solidFill>
+              <a:uFill>
+                <a:solidFill>
+                  <a:srgbClr val="ffffff"/>
+                </a:solidFill>
+              </a:uFill>
+              <a:latin typeface="Arial"/>
+            </a:endParaRPr>
+          </a:p>
+          <a:p>
+            <a:endParaRPr b="0" lang="fr-FR" sz="1800" spc="-1" strike="noStrike">
               <a:solidFill>
                 <a:srgbClr val="000000"/>
               </a:solidFill>
@@ -4391,7 +4438,7 @@
           </a:p>
           <a:p>
             <a:r>
-              <a:rPr lang="en-US" sz="1800" spc="-1" strike="noStrike">
+              <a:rPr b="0" lang="fr-FR" sz="1800" spc="-1" strike="noStrike">
                 <a:solidFill>
                   <a:srgbClr val="000000"/>
                 </a:solidFill>
@@ -4405,7 +4452,7 @@
               <a:t>	</a:t>
             </a:r>
             <a:r>
-              <a:rPr lang="en-US" sz="1800" spc="-1" strike="noStrike">
+              <a:rPr b="0" lang="fr-FR" sz="1800" spc="-1" strike="noStrike">
                 <a:solidFill>
                   <a:srgbClr val="000000"/>
                 </a:solidFill>
@@ -4418,20 +4465,20 @@
               </a:rPr>
               <a:t>- Optionnel : customiser les snippets</a:t>
             </a:r>
-            <a:endParaRPr lang="en-US" sz="1800" spc="-1" strike="noStrike">
-              <a:solidFill>
-                <a:srgbClr val="000000"/>
-              </a:solidFill>
-              <a:uFill>
-                <a:solidFill>
-                  <a:srgbClr val="ffffff"/>
-                </a:solidFill>
-              </a:uFill>
-              <a:latin typeface="Arial"/>
-            </a:endParaRPr>
-          </a:p>
-          <a:p>
-            <a:endParaRPr lang="en-US" sz="1800" spc="-1" strike="noStrike">
+            <a:endParaRPr b="0" lang="fr-FR" sz="1800" spc="-1" strike="noStrike">
+              <a:solidFill>
+                <a:srgbClr val="000000"/>
+              </a:solidFill>
+              <a:uFill>
+                <a:solidFill>
+                  <a:srgbClr val="ffffff"/>
+                </a:solidFill>
+              </a:uFill>
+              <a:latin typeface="Arial"/>
+            </a:endParaRPr>
+          </a:p>
+          <a:p>
+            <a:endParaRPr b="0" lang="fr-FR" sz="1800" spc="-1" strike="noStrike">
               <a:solidFill>
                 <a:srgbClr val="000000"/>
               </a:solidFill>
@@ -4447,14 +4494,14 @@
       </p:sp>
       <p:sp>
         <p:nvSpPr>
-          <p:cNvPr id="100" name="TextShape 3"/>
-          <p:cNvSpPr txBox="1"/>
+          <p:cNvPr id="100" name="CustomShape 3"/>
+          <p:cNvSpPr/>
           <p:nvPr/>
         </p:nvSpPr>
         <p:spPr>
           <a:xfrm>
             <a:off x="731520" y="6949440"/>
-            <a:ext cx="6439680" cy="262440"/>
+            <a:ext cx="6439320" cy="262080"/>
           </a:xfrm>
           <a:prstGeom prst="rect">
             <a:avLst/>
@@ -4464,11 +4511,17 @@
             <a:noFill/>
           </a:ln>
         </p:spPr>
+        <p:style>
+          <a:lnRef idx="0"/>
+          <a:fillRef idx="0"/>
+          <a:effectRef idx="0"/>
+          <a:fontRef idx="minor"/>
+        </p:style>
         <p:txBody>
           <a:bodyPr lIns="90000" rIns="90000" tIns="45000" bIns="45000"/>
           <a:p>
             <a:r>
-              <a:rPr lang="en-US" sz="1200" spc="-1" strike="noStrike">
+              <a:rPr b="0" lang="fr-FR" sz="1200" spc="-1" strike="noStrike">
                 <a:solidFill>
                   <a:srgbClr val="000000"/>
                 </a:solidFill>
@@ -4481,7 +4534,7 @@
               </a:rPr>
               <a:t>Lien vers la documentation : http://docs.spring.io/spring-restdocs/docs/1.0.x/reference/html5/</a:t>
             </a:r>
-            <a:endParaRPr lang="en-US" sz="1800" spc="-1" strike="noStrike">
+            <a:endParaRPr b="0" lang="fr-FR" sz="1800" spc="-1" strike="noStrike">
               <a:solidFill>
                 <a:srgbClr val="000000"/>
               </a:solidFill>
@@ -4528,7 +4581,7 @@
 </file>
 
 <file path=ppt/slides/slide12.xml><?xml version="1.0" encoding="utf-8"?>
-<p:sld xmlns:a="http://schemas.openxmlformats.org/drawingml/2006/main" xmlns:p="http://schemas.openxmlformats.org/presentationml/2006/main" xmlns:r="http://schemas.openxmlformats.org/officeDocument/2006/relationships">
+<p:sld xmlns:a="http://schemas.openxmlformats.org/drawingml/2006/main" xmlns:p="http://schemas.openxmlformats.org/presentationml/2006/main" xmlns:r="http://schemas.openxmlformats.org/officeDocument/2006/relationships" xmlns:p14="http://schemas.microsoft.com/office/powerpoint/2010/main" xmlns:p15="http://schemas.microsoft.com/office/powerpoint/2012/main" xmlns:mc="http://schemas.openxmlformats.org/markup-compatibility/2006">
   <p:cSld>
     <p:spTree>
       <p:nvGrpSpPr>
@@ -4553,7 +4606,7 @@
         <p:spPr>
           <a:xfrm>
             <a:off x="504000" y="49320"/>
-            <a:ext cx="9070200" cy="1260720"/>
+            <a:ext cx="9069840" cy="1260360"/>
           </a:xfrm>
           <a:prstGeom prst="rect">
             <a:avLst/>
@@ -4578,7 +4631,7 @@
               </a:lnSpc>
             </a:pPr>
             <a:r>
-              <a:rPr lang="en-US" sz="4400" spc="-1" strike="noStrike">
+              <a:rPr b="0" lang="fr-FR" sz="4400" spc="-1" strike="noStrike">
                 <a:solidFill>
                   <a:srgbClr val="cc3300"/>
                 </a:solidFill>
@@ -4592,7 +4645,7 @@
               </a:rPr>
               <a:t>Spring Rest-doc</a:t>
             </a:r>
-            <a:endParaRPr lang="en-US" sz="1800" spc="-1" strike="noStrike">
+            <a:endParaRPr b="0" lang="fr-FR" sz="1800" spc="-1" strike="noStrike">
               <a:solidFill>
                 <a:srgbClr val="000000"/>
               </a:solidFill>
@@ -4618,31 +4671,8 @@
         </p:blipFill>
         <p:spPr>
           <a:xfrm>
-            <a:off x="7772400" y="419040"/>
-            <a:ext cx="1735920" cy="1735920"/>
-          </a:xfrm>
-          <a:prstGeom prst="rect">
-            <a:avLst/>
-          </a:prstGeom>
-          <a:ln>
-            <a:noFill/>
-          </a:ln>
-        </p:spPr>
-      </p:pic>
-      <p:pic>
-        <p:nvPicPr>
-          <p:cNvPr id="103" name="" descr=""/>
-          <p:cNvPicPr/>
-          <p:nvPr/>
-        </p:nvPicPr>
-        <p:blipFill>
-          <a:blip r:embed="rId2"/>
-          <a:stretch/>
-        </p:blipFill>
-        <p:spPr>
-          <a:xfrm>
-            <a:off x="457200" y="2308320"/>
-            <a:ext cx="8770320" cy="4196160"/>
+            <a:off x="299160" y="2325240"/>
+            <a:ext cx="9541800" cy="3312720"/>
           </a:xfrm>
           <a:prstGeom prst="rect">
             <a:avLst/>
@@ -4685,7 +4715,7 @@
 </file>
 
 <file path=ppt/slides/slide13.xml><?xml version="1.0" encoding="utf-8"?>
-<p:sld xmlns:a="http://schemas.openxmlformats.org/drawingml/2006/main" xmlns:p="http://schemas.openxmlformats.org/presentationml/2006/main" xmlns:r="http://schemas.openxmlformats.org/officeDocument/2006/relationships">
+<p:sld xmlns:a="http://schemas.openxmlformats.org/drawingml/2006/main" xmlns:p="http://schemas.openxmlformats.org/presentationml/2006/main" xmlns:r="http://schemas.openxmlformats.org/officeDocument/2006/relationships" xmlns:p14="http://schemas.microsoft.com/office/powerpoint/2010/main" xmlns:p15="http://schemas.microsoft.com/office/powerpoint/2012/main" xmlns:mc="http://schemas.openxmlformats.org/markup-compatibility/2006">
   <p:cSld>
     <p:spTree>
       <p:nvGrpSpPr>
@@ -4703,14 +4733,14 @@
       </p:grpSpPr>
       <p:sp>
         <p:nvSpPr>
-          <p:cNvPr id="104" name="CustomShape 1"/>
+          <p:cNvPr id="103" name="CustomShape 1"/>
           <p:cNvSpPr/>
           <p:nvPr/>
         </p:nvSpPr>
         <p:spPr>
           <a:xfrm>
             <a:off x="504000" y="49320"/>
-            <a:ext cx="9070200" cy="1260720"/>
+            <a:ext cx="9069840" cy="1260360"/>
           </a:xfrm>
           <a:prstGeom prst="rect">
             <a:avLst/>
@@ -4735,7 +4765,7 @@
               </a:lnSpc>
             </a:pPr>
             <a:r>
-              <a:rPr lang="en-US" sz="4400" spc="-1" strike="noStrike">
+              <a:rPr b="0" lang="fr-FR" sz="4400" spc="-1" strike="noStrike">
                 <a:solidFill>
                   <a:srgbClr val="cc3300"/>
                 </a:solidFill>
@@ -4749,7 +4779,7 @@
               </a:rPr>
               <a:t>Spring Rest-doc</a:t>
             </a:r>
-            <a:endParaRPr lang="en-US" sz="1800" spc="-1" strike="noStrike">
+            <a:endParaRPr b="0" lang="fr-FR" sz="1800" spc="-1" strike="noStrike">
               <a:solidFill>
                 <a:srgbClr val="000000"/>
               </a:solidFill>
@@ -4765,7 +4795,7 @@
       </p:sp>
       <p:pic>
         <p:nvPicPr>
-          <p:cNvPr id="105" name="" descr=""/>
+          <p:cNvPr id="104" name="" descr=""/>
           <p:cNvPicPr/>
           <p:nvPr/>
         </p:nvPicPr>
@@ -4775,8 +4805,8 @@
         </p:blipFill>
         <p:spPr>
           <a:xfrm>
-            <a:off x="299160" y="2325240"/>
-            <a:ext cx="9542160" cy="3313080"/>
+            <a:off x="6583680" y="1920240"/>
+            <a:ext cx="2773080" cy="2126880"/>
           </a:xfrm>
           <a:prstGeom prst="rect">
             <a:avLst/>
@@ -4786,6 +4816,343 @@
           </a:ln>
         </p:spPr>
       </p:pic>
+      <p:sp>
+        <p:nvSpPr>
+          <p:cNvPr id="105" name="CustomShape 2"/>
+          <p:cNvSpPr/>
+          <p:nvPr/>
+        </p:nvSpPr>
+        <p:spPr>
+          <a:xfrm>
+            <a:off x="548640" y="2286000"/>
+            <a:ext cx="4579920" cy="2905200"/>
+          </a:xfrm>
+          <a:prstGeom prst="rect">
+            <a:avLst/>
+          </a:prstGeom>
+          <a:noFill/>
+          <a:ln>
+            <a:noFill/>
+          </a:ln>
+        </p:spPr>
+        <p:style>
+          <a:lnRef idx="0"/>
+          <a:fillRef idx="0"/>
+          <a:effectRef idx="0"/>
+          <a:fontRef idx="minor"/>
+        </p:style>
+        <p:txBody>
+          <a:bodyPr lIns="90000" rIns="90000" tIns="45000" bIns="45000"/>
+          <a:p>
+            <a:r>
+              <a:rPr b="0" lang="fr-FR" sz="1800" spc="-1" strike="noStrike">
+                <a:solidFill>
+                  <a:srgbClr val="000000"/>
+                </a:solidFill>
+                <a:uFill>
+                  <a:solidFill>
+                    <a:srgbClr val="ffffff"/>
+                  </a:solidFill>
+                </a:uFill>
+                <a:latin typeface="Arial"/>
+                <a:ea typeface="DejaVu Sans"/>
+              </a:rPr>
+              <a:t>Possibilité de customiser plusieurs choses :</a:t>
+            </a:r>
+            <a:endParaRPr b="0" lang="fr-FR" sz="1800" spc="-1" strike="noStrike">
+              <a:solidFill>
+                <a:srgbClr val="000000"/>
+              </a:solidFill>
+              <a:uFill>
+                <a:solidFill>
+                  <a:srgbClr val="ffffff"/>
+                </a:solidFill>
+              </a:uFill>
+              <a:latin typeface="Arial"/>
+            </a:endParaRPr>
+          </a:p>
+          <a:p>
+            <a:endParaRPr b="0" lang="fr-FR" sz="1800" spc="-1" strike="noStrike">
+              <a:solidFill>
+                <a:srgbClr val="000000"/>
+              </a:solidFill>
+              <a:uFill>
+                <a:solidFill>
+                  <a:srgbClr val="ffffff"/>
+                </a:solidFill>
+              </a:uFill>
+              <a:latin typeface="Arial"/>
+            </a:endParaRPr>
+          </a:p>
+          <a:p>
+            <a:r>
+              <a:rPr b="0" lang="fr-FR" sz="1800" spc="-1" strike="noStrike">
+                <a:solidFill>
+                  <a:srgbClr val="000000"/>
+                </a:solidFill>
+                <a:uFill>
+                  <a:solidFill>
+                    <a:srgbClr val="ffffff"/>
+                  </a:solidFill>
+                </a:uFill>
+                <a:latin typeface="Arial"/>
+                <a:ea typeface="DejaVu Sans"/>
+              </a:rPr>
+              <a:t>	</a:t>
+            </a:r>
+            <a:r>
+              <a:rPr b="0" lang="fr-FR" sz="1800" spc="-1" strike="noStrike">
+                <a:solidFill>
+                  <a:srgbClr val="000000"/>
+                </a:solidFill>
+                <a:uFill>
+                  <a:solidFill>
+                    <a:srgbClr val="ffffff"/>
+                  </a:solidFill>
+                </a:uFill>
+                <a:latin typeface="Arial"/>
+                <a:ea typeface="DejaVu Sans"/>
+              </a:rPr>
+              <a:t>- le template final</a:t>
+            </a:r>
+            <a:endParaRPr b="0" lang="fr-FR" sz="1800" spc="-1" strike="noStrike">
+              <a:solidFill>
+                <a:srgbClr val="000000"/>
+              </a:solidFill>
+              <a:uFill>
+                <a:solidFill>
+                  <a:srgbClr val="ffffff"/>
+                </a:solidFill>
+              </a:uFill>
+              <a:latin typeface="Arial"/>
+            </a:endParaRPr>
+          </a:p>
+          <a:p>
+            <a:endParaRPr b="0" lang="fr-FR" sz="1800" spc="-1" strike="noStrike">
+              <a:solidFill>
+                <a:srgbClr val="000000"/>
+              </a:solidFill>
+              <a:uFill>
+                <a:solidFill>
+                  <a:srgbClr val="ffffff"/>
+                </a:solidFill>
+              </a:uFill>
+              <a:latin typeface="Arial"/>
+            </a:endParaRPr>
+          </a:p>
+          <a:p>
+            <a:r>
+              <a:rPr b="0" lang="fr-FR" sz="1800" spc="-1" strike="noStrike">
+                <a:solidFill>
+                  <a:srgbClr val="000000"/>
+                </a:solidFill>
+                <a:uFill>
+                  <a:solidFill>
+                    <a:srgbClr val="ffffff"/>
+                  </a:solidFill>
+                </a:uFill>
+                <a:latin typeface="Arial"/>
+                <a:ea typeface="DejaVu Sans"/>
+              </a:rPr>
+              <a:t>	</a:t>
+            </a:r>
+            <a:r>
+              <a:rPr b="0" lang="fr-FR" sz="1800" spc="-1" strike="noStrike">
+                <a:solidFill>
+                  <a:srgbClr val="000000"/>
+                </a:solidFill>
+                <a:uFill>
+                  <a:solidFill>
+                    <a:srgbClr val="ffffff"/>
+                  </a:solidFill>
+                </a:uFill>
+                <a:latin typeface="Arial"/>
+                <a:ea typeface="DejaVu Sans"/>
+              </a:rPr>
+              <a:t>- de nouveaux snippets</a:t>
+            </a:r>
+            <a:endParaRPr b="0" lang="fr-FR" sz="1800" spc="-1" strike="noStrike">
+              <a:solidFill>
+                <a:srgbClr val="000000"/>
+              </a:solidFill>
+              <a:uFill>
+                <a:solidFill>
+                  <a:srgbClr val="ffffff"/>
+                </a:solidFill>
+              </a:uFill>
+              <a:latin typeface="Arial"/>
+            </a:endParaRPr>
+          </a:p>
+          <a:p>
+            <a:endParaRPr b="0" lang="fr-FR" sz="1800" spc="-1" strike="noStrike">
+              <a:solidFill>
+                <a:srgbClr val="000000"/>
+              </a:solidFill>
+              <a:uFill>
+                <a:solidFill>
+                  <a:srgbClr val="ffffff"/>
+                </a:solidFill>
+              </a:uFill>
+              <a:latin typeface="Arial"/>
+            </a:endParaRPr>
+          </a:p>
+          <a:p>
+            <a:r>
+              <a:rPr b="0" lang="fr-FR" sz="1800" spc="-1" strike="noStrike">
+                <a:solidFill>
+                  <a:srgbClr val="000000"/>
+                </a:solidFill>
+                <a:uFill>
+                  <a:solidFill>
+                    <a:srgbClr val="ffffff"/>
+                  </a:solidFill>
+                </a:uFill>
+                <a:latin typeface="Arial"/>
+                <a:ea typeface="DejaVu Sans"/>
+              </a:rPr>
+              <a:t>	</a:t>
+            </a:r>
+            <a:r>
+              <a:rPr b="0" lang="fr-FR" sz="1800" spc="-1" strike="noStrike">
+                <a:solidFill>
+                  <a:srgbClr val="000000"/>
+                </a:solidFill>
+                <a:uFill>
+                  <a:solidFill>
+                    <a:srgbClr val="ffffff"/>
+                  </a:solidFill>
+                </a:uFill>
+                <a:latin typeface="Arial"/>
+                <a:ea typeface="DejaVu Sans"/>
+              </a:rPr>
+              <a:t>- le template des snippets existants</a:t>
+            </a:r>
+            <a:endParaRPr b="0" lang="fr-FR" sz="1800" spc="-1" strike="noStrike">
+              <a:solidFill>
+                <a:srgbClr val="000000"/>
+              </a:solidFill>
+              <a:uFill>
+                <a:solidFill>
+                  <a:srgbClr val="ffffff"/>
+                </a:solidFill>
+              </a:uFill>
+              <a:latin typeface="Arial"/>
+            </a:endParaRPr>
+          </a:p>
+          <a:p>
+            <a:endParaRPr b="0" lang="fr-FR" sz="1800" spc="-1" strike="noStrike">
+              <a:solidFill>
+                <a:srgbClr val="000000"/>
+              </a:solidFill>
+              <a:uFill>
+                <a:solidFill>
+                  <a:srgbClr val="ffffff"/>
+                </a:solidFill>
+              </a:uFill>
+              <a:latin typeface="Arial"/>
+            </a:endParaRPr>
+          </a:p>
+          <a:p>
+            <a:r>
+              <a:rPr b="0" lang="fr-FR" sz="1800" spc="-1" strike="noStrike">
+                <a:solidFill>
+                  <a:srgbClr val="000000"/>
+                </a:solidFill>
+                <a:uFill>
+                  <a:solidFill>
+                    <a:srgbClr val="ffffff"/>
+                  </a:solidFill>
+                </a:uFill>
+                <a:latin typeface="Arial"/>
+                <a:ea typeface="DejaVu Sans"/>
+              </a:rPr>
+              <a:t>	</a:t>
+            </a:r>
+            <a:r>
+              <a:rPr b="0" lang="fr-FR" sz="1800" spc="-1" strike="noStrike">
+                <a:solidFill>
+                  <a:srgbClr val="000000"/>
+                </a:solidFill>
+                <a:uFill>
+                  <a:solidFill>
+                    <a:srgbClr val="ffffff"/>
+                  </a:solidFill>
+                </a:uFill>
+                <a:latin typeface="Arial"/>
+                <a:ea typeface="DejaVu Sans"/>
+              </a:rPr>
+              <a:t>- le style de la documentation</a:t>
+            </a:r>
+            <a:endParaRPr b="0" lang="fr-FR" sz="1800" spc="-1" strike="noStrike">
+              <a:solidFill>
+                <a:srgbClr val="000000"/>
+              </a:solidFill>
+              <a:uFill>
+                <a:solidFill>
+                  <a:srgbClr val="ffffff"/>
+                </a:solidFill>
+              </a:uFill>
+              <a:latin typeface="Arial"/>
+            </a:endParaRPr>
+          </a:p>
+          <a:p>
+            <a:endParaRPr b="0" lang="fr-FR" sz="1800" spc="-1" strike="noStrike">
+              <a:solidFill>
+                <a:srgbClr val="000000"/>
+              </a:solidFill>
+              <a:uFill>
+                <a:solidFill>
+                  <a:srgbClr val="ffffff"/>
+                </a:solidFill>
+              </a:uFill>
+              <a:latin typeface="Arial"/>
+            </a:endParaRPr>
+          </a:p>
+          <a:p>
+            <a:r>
+              <a:rPr b="0" lang="fr-FR" sz="1800" spc="-1" strike="noStrike">
+                <a:solidFill>
+                  <a:srgbClr val="000000"/>
+                </a:solidFill>
+                <a:uFill>
+                  <a:solidFill>
+                    <a:srgbClr val="ffffff"/>
+                  </a:solidFill>
+                </a:uFill>
+                <a:latin typeface="Arial"/>
+                <a:ea typeface="DejaVu Sans"/>
+              </a:rPr>
+              <a:t>	</a:t>
+            </a:r>
+            <a:r>
+              <a:rPr b="0" lang="fr-FR" sz="1800" spc="-1" strike="noStrike">
+                <a:solidFill>
+                  <a:srgbClr val="000000"/>
+                </a:solidFill>
+                <a:uFill>
+                  <a:solidFill>
+                    <a:srgbClr val="ffffff"/>
+                  </a:solidFill>
+                </a:uFill>
+                <a:latin typeface="Arial"/>
+                <a:ea typeface="DejaVu Sans"/>
+              </a:rPr>
+              <a:t>- Et le reste ! (projet récent, pull-request...)</a:t>
+            </a:r>
+            <a:endParaRPr b="0" lang="fr-FR" sz="1800" spc="-1" strike="noStrike">
+              <a:solidFill>
+                <a:srgbClr val="000000"/>
+              </a:solidFill>
+              <a:uFill>
+                <a:solidFill>
+                  <a:srgbClr val="ffffff"/>
+                </a:solidFill>
+              </a:uFill>
+              <a:latin typeface="Arial"/>
+            </a:endParaRPr>
+          </a:p>
+        </p:txBody>
+      </p:sp>
     </p:spTree>
   </p:cSld>
   <p:timing>
@@ -4819,7 +5186,7 @@
 </file>
 
 <file path=ppt/slides/slide14.xml><?xml version="1.0" encoding="utf-8"?>
-<p:sld xmlns:a="http://schemas.openxmlformats.org/drawingml/2006/main" xmlns:p="http://schemas.openxmlformats.org/presentationml/2006/main" xmlns:r="http://schemas.openxmlformats.org/officeDocument/2006/relationships">
+<p:sld xmlns:a="http://schemas.openxmlformats.org/drawingml/2006/main" xmlns:p="http://schemas.openxmlformats.org/presentationml/2006/main" xmlns:r="http://schemas.openxmlformats.org/officeDocument/2006/relationships" xmlns:p14="http://schemas.microsoft.com/office/powerpoint/2010/main" xmlns:p15="http://schemas.microsoft.com/office/powerpoint/2012/main" xmlns:mc="http://schemas.openxmlformats.org/markup-compatibility/2006">
   <p:cSld>
     <p:spTree>
       <p:nvGrpSpPr>
@@ -4844,7 +5211,7 @@
         <p:spPr>
           <a:xfrm>
             <a:off x="504000" y="49320"/>
-            <a:ext cx="9070200" cy="1260720"/>
+            <a:ext cx="9069840" cy="1260360"/>
           </a:xfrm>
           <a:prstGeom prst="rect">
             <a:avLst/>
@@ -4869,7 +5236,7 @@
               </a:lnSpc>
             </a:pPr>
             <a:r>
-              <a:rPr lang="en-US" sz="4400" spc="-1" strike="noStrike">
+              <a:rPr b="0" lang="fr-FR" sz="4400" spc="-1" strike="noStrike">
                 <a:solidFill>
                   <a:srgbClr val="cc3300"/>
                 </a:solidFill>
@@ -4883,7 +5250,7 @@
               </a:rPr>
               <a:t>Spring Rest-doc</a:t>
             </a:r>
-            <a:endParaRPr lang="en-US" sz="1800" spc="-1" strike="noStrike">
+            <a:endParaRPr b="0" lang="fr-FR" sz="1800" spc="-1" strike="noStrike">
               <a:solidFill>
                 <a:srgbClr val="000000"/>
               </a:solidFill>
@@ -4897,355 +5264,866 @@
           </a:p>
         </p:txBody>
       </p:sp>
-      <p:pic>
-        <p:nvPicPr>
-          <p:cNvPr id="107" name="" descr=""/>
-          <p:cNvPicPr/>
+      <p:graphicFrame>
+        <p:nvGraphicFramePr>
+          <p:cNvPr id="107" name="Table 2"/>
+          <p:cNvGraphicFramePr/>
           <p:nvPr/>
-        </p:nvPicPr>
-        <p:blipFill>
-          <a:blip r:embed="rId1"/>
-          <a:stretch/>
-        </p:blipFill>
-        <p:spPr>
-          <a:xfrm>
-            <a:off x="6583680" y="1920240"/>
-            <a:ext cx="2773440" cy="2127240"/>
-          </a:xfrm>
-          <a:prstGeom prst="rect">
-            <a:avLst/>
-          </a:prstGeom>
-          <a:ln>
-            <a:noFill/>
-          </a:ln>
-        </p:spPr>
-      </p:pic>
-      <p:sp>
-        <p:nvSpPr>
-          <p:cNvPr id="108" name="CustomShape 2"/>
-          <p:cNvSpPr/>
-          <p:nvPr/>
-        </p:nvSpPr>
-        <p:spPr>
-          <a:xfrm>
-            <a:off x="548640" y="2286000"/>
-            <a:ext cx="4580280" cy="2905560"/>
-          </a:xfrm>
-          <a:prstGeom prst="rect">
-            <a:avLst/>
-          </a:prstGeom>
-          <a:noFill/>
-          <a:ln>
-            <a:noFill/>
-          </a:ln>
-        </p:spPr>
-        <p:style>
-          <a:lnRef idx="0"/>
-          <a:fillRef idx="0"/>
-          <a:effectRef idx="0"/>
-          <a:fontRef idx="minor"/>
-        </p:style>
-        <p:txBody>
-          <a:bodyPr lIns="90000" rIns="90000" tIns="45000" bIns="45000"/>
-          <a:p>
-            <a:r>
-              <a:rPr lang="en-US" sz="1800" spc="-1" strike="noStrike">
-                <a:solidFill>
-                  <a:srgbClr val="000000"/>
-                </a:solidFill>
-                <a:uFill>
-                  <a:solidFill>
-                    <a:srgbClr val="ffffff"/>
-                  </a:solidFill>
-                </a:uFill>
-                <a:latin typeface="Arial"/>
-              </a:rPr>
-              <a:t>Possibilité de customiser plusieurs choses :</a:t>
-            </a:r>
-            <a:endParaRPr lang="en-US" sz="1800" spc="-1" strike="noStrike">
-              <a:solidFill>
-                <a:srgbClr val="000000"/>
-              </a:solidFill>
-              <a:uFill>
-                <a:solidFill>
-                  <a:srgbClr val="ffffff"/>
-                </a:solidFill>
-              </a:uFill>
-              <a:latin typeface="Arial"/>
-            </a:endParaRPr>
-          </a:p>
-          <a:p>
-            <a:endParaRPr lang="en-US" sz="1800" spc="-1" strike="noStrike">
-              <a:solidFill>
-                <a:srgbClr val="000000"/>
-              </a:solidFill>
-              <a:uFill>
-                <a:solidFill>
-                  <a:srgbClr val="ffffff"/>
-                </a:solidFill>
-              </a:uFill>
-              <a:latin typeface="Arial"/>
-            </a:endParaRPr>
-          </a:p>
-          <a:p>
-            <a:r>
-              <a:rPr lang="en-US" sz="1800" spc="-1" strike="noStrike">
-                <a:solidFill>
-                  <a:srgbClr val="000000"/>
-                </a:solidFill>
-                <a:uFill>
-                  <a:solidFill>
-                    <a:srgbClr val="ffffff"/>
-                  </a:solidFill>
-                </a:uFill>
-                <a:latin typeface="Arial"/>
-              </a:rPr>
-              <a:t>	</a:t>
-            </a:r>
-            <a:r>
-              <a:rPr lang="en-US" sz="1800" spc="-1" strike="noStrike">
-                <a:solidFill>
-                  <a:srgbClr val="000000"/>
-                </a:solidFill>
-                <a:uFill>
-                  <a:solidFill>
-                    <a:srgbClr val="ffffff"/>
-                  </a:solidFill>
-                </a:uFill>
-                <a:latin typeface="Arial"/>
-              </a:rPr>
-              <a:t>- le template final</a:t>
-            </a:r>
-            <a:endParaRPr lang="en-US" sz="1800" spc="-1" strike="noStrike">
-              <a:solidFill>
-                <a:srgbClr val="000000"/>
-              </a:solidFill>
-              <a:uFill>
-                <a:solidFill>
-                  <a:srgbClr val="ffffff"/>
-                </a:solidFill>
-              </a:uFill>
-              <a:latin typeface="Arial"/>
-            </a:endParaRPr>
-          </a:p>
-          <a:p>
-            <a:endParaRPr lang="en-US" sz="1800" spc="-1" strike="noStrike">
-              <a:solidFill>
-                <a:srgbClr val="000000"/>
-              </a:solidFill>
-              <a:uFill>
-                <a:solidFill>
-                  <a:srgbClr val="ffffff"/>
-                </a:solidFill>
-              </a:uFill>
-              <a:latin typeface="Arial"/>
-            </a:endParaRPr>
-          </a:p>
-          <a:p>
-            <a:r>
-              <a:rPr lang="en-US" sz="1800" spc="-1" strike="noStrike">
-                <a:solidFill>
-                  <a:srgbClr val="000000"/>
-                </a:solidFill>
-                <a:uFill>
-                  <a:solidFill>
-                    <a:srgbClr val="ffffff"/>
-                  </a:solidFill>
-                </a:uFill>
-                <a:latin typeface="Arial"/>
-              </a:rPr>
-              <a:t>	</a:t>
-            </a:r>
-            <a:r>
-              <a:rPr lang="en-US" sz="1800" spc="-1" strike="noStrike">
-                <a:solidFill>
-                  <a:srgbClr val="000000"/>
-                </a:solidFill>
-                <a:uFill>
-                  <a:solidFill>
-                    <a:srgbClr val="ffffff"/>
-                  </a:solidFill>
-                </a:uFill>
-                <a:latin typeface="Arial"/>
-              </a:rPr>
-              <a:t>- de nouveaux snippets</a:t>
-            </a:r>
-            <a:endParaRPr lang="en-US" sz="1800" spc="-1" strike="noStrike">
-              <a:solidFill>
-                <a:srgbClr val="000000"/>
-              </a:solidFill>
-              <a:uFill>
-                <a:solidFill>
-                  <a:srgbClr val="ffffff"/>
-                </a:solidFill>
-              </a:uFill>
-              <a:latin typeface="Arial"/>
-            </a:endParaRPr>
-          </a:p>
-          <a:p>
-            <a:endParaRPr lang="en-US" sz="1800" spc="-1" strike="noStrike">
-              <a:solidFill>
-                <a:srgbClr val="000000"/>
-              </a:solidFill>
-              <a:uFill>
-                <a:solidFill>
-                  <a:srgbClr val="ffffff"/>
-                </a:solidFill>
-              </a:uFill>
-              <a:latin typeface="Arial"/>
-            </a:endParaRPr>
-          </a:p>
-          <a:p>
-            <a:r>
-              <a:rPr lang="en-US" sz="1800" spc="-1" strike="noStrike">
-                <a:solidFill>
-                  <a:srgbClr val="000000"/>
-                </a:solidFill>
-                <a:uFill>
-                  <a:solidFill>
-                    <a:srgbClr val="ffffff"/>
-                  </a:solidFill>
-                </a:uFill>
-                <a:latin typeface="Arial"/>
-              </a:rPr>
-              <a:t>	</a:t>
-            </a:r>
-            <a:r>
-              <a:rPr lang="en-US" sz="1800" spc="-1" strike="noStrike">
-                <a:solidFill>
-                  <a:srgbClr val="000000"/>
-                </a:solidFill>
-                <a:uFill>
-                  <a:solidFill>
-                    <a:srgbClr val="ffffff"/>
-                  </a:solidFill>
-                </a:uFill>
-                <a:latin typeface="Arial"/>
-              </a:rPr>
-              <a:t>- le template des snippets existants</a:t>
-            </a:r>
-            <a:endParaRPr lang="en-US" sz="1800" spc="-1" strike="noStrike">
-              <a:solidFill>
-                <a:srgbClr val="000000"/>
-              </a:solidFill>
-              <a:uFill>
-                <a:solidFill>
-                  <a:srgbClr val="ffffff"/>
-                </a:solidFill>
-              </a:uFill>
-              <a:latin typeface="Arial"/>
-            </a:endParaRPr>
-          </a:p>
-          <a:p>
-            <a:endParaRPr lang="en-US" sz="1800" spc="-1" strike="noStrike">
-              <a:solidFill>
-                <a:srgbClr val="000000"/>
-              </a:solidFill>
-              <a:uFill>
-                <a:solidFill>
-                  <a:srgbClr val="ffffff"/>
-                </a:solidFill>
-              </a:uFill>
-              <a:latin typeface="Arial"/>
-            </a:endParaRPr>
-          </a:p>
-          <a:p>
-            <a:r>
-              <a:rPr lang="en-US" sz="1800" spc="-1" strike="noStrike">
-                <a:solidFill>
-                  <a:srgbClr val="000000"/>
-                </a:solidFill>
-                <a:uFill>
-                  <a:solidFill>
-                    <a:srgbClr val="ffffff"/>
-                  </a:solidFill>
-                </a:uFill>
-                <a:latin typeface="Arial"/>
-              </a:rPr>
-              <a:t>	</a:t>
-            </a:r>
-            <a:r>
-              <a:rPr lang="en-US" sz="1800" spc="-1" strike="noStrike">
-                <a:solidFill>
-                  <a:srgbClr val="000000"/>
-                </a:solidFill>
-                <a:uFill>
-                  <a:solidFill>
-                    <a:srgbClr val="ffffff"/>
-                  </a:solidFill>
-                </a:uFill>
-                <a:latin typeface="Arial"/>
-              </a:rPr>
-              <a:t>- le style de la documentation</a:t>
-            </a:r>
-            <a:endParaRPr lang="en-US" sz="1800" spc="-1" strike="noStrike">
-              <a:solidFill>
-                <a:srgbClr val="000000"/>
-              </a:solidFill>
-              <a:uFill>
-                <a:solidFill>
-                  <a:srgbClr val="ffffff"/>
-                </a:solidFill>
-              </a:uFill>
-              <a:latin typeface="Arial"/>
-            </a:endParaRPr>
-          </a:p>
-          <a:p>
-            <a:endParaRPr lang="en-US" sz="1800" spc="-1" strike="noStrike">
-              <a:solidFill>
-                <a:srgbClr val="000000"/>
-              </a:solidFill>
-              <a:uFill>
-                <a:solidFill>
-                  <a:srgbClr val="ffffff"/>
-                </a:solidFill>
-              </a:uFill>
-              <a:latin typeface="Arial"/>
-            </a:endParaRPr>
-          </a:p>
-          <a:p>
-            <a:r>
-              <a:rPr lang="en-US" sz="1800" spc="-1" strike="noStrike">
-                <a:solidFill>
-                  <a:srgbClr val="000000"/>
-                </a:solidFill>
-                <a:uFill>
-                  <a:solidFill>
-                    <a:srgbClr val="ffffff"/>
-                  </a:solidFill>
-                </a:uFill>
-                <a:latin typeface="Arial"/>
-              </a:rPr>
-              <a:t>	</a:t>
-            </a:r>
-            <a:r>
-              <a:rPr lang="en-US" sz="1800" spc="-1" strike="noStrike">
-                <a:solidFill>
-                  <a:srgbClr val="000000"/>
-                </a:solidFill>
-                <a:uFill>
-                  <a:solidFill>
-                    <a:srgbClr val="ffffff"/>
-                  </a:solidFill>
-                </a:uFill>
-                <a:latin typeface="Arial"/>
-              </a:rPr>
-              <a:t>- ...</a:t>
-            </a:r>
-            <a:endParaRPr lang="en-US" sz="1800" spc="-1" strike="noStrike">
-              <a:solidFill>
-                <a:srgbClr val="000000"/>
-              </a:solidFill>
-              <a:uFill>
-                <a:solidFill>
-                  <a:srgbClr val="ffffff"/>
-                </a:solidFill>
-              </a:uFill>
-              <a:latin typeface="Arial"/>
-            </a:endParaRPr>
-          </a:p>
-        </p:txBody>
-      </p:sp>
+        </p:nvGraphicFramePr>
+        <p:xfrm>
+          <a:off x="1414080" y="1780920"/>
+          <a:ext cx="7186680" cy="4501080"/>
+        </p:xfrm>
+        <a:graphic>
+          <a:graphicData uri="http://schemas.openxmlformats.org/drawingml/2006/table">
+            <a:tbl>
+              <a:tblPr/>
+              <a:tblGrid>
+                <a:gridCol w="2867400"/>
+                <a:gridCol w="4319640"/>
+              </a:tblGrid>
+              <a:tr h="320400">
+                <a:tc>
+                  <a:txBody>
+                    <a:bodyPr lIns="90000" rIns="90000"/>
+                    <a:p>
+                      <a:r>
+                        <a:rPr b="0" lang="fr-FR" sz="1600" spc="-1" strike="noStrike">
+                          <a:solidFill>
+                            <a:srgbClr val="000000"/>
+                          </a:solidFill>
+                          <a:uFill>
+                            <a:solidFill>
+                              <a:srgbClr val="ffffff"/>
+                            </a:solidFill>
+                          </a:uFill>
+                          <a:latin typeface="Arial"/>
+                        </a:rPr>
+                        <a:t>Point fort</a:t>
+                      </a:r>
+                      <a:endParaRPr b="0" lang="fr-FR" sz="1800" spc="-1" strike="noStrike">
+                        <a:solidFill>
+                          <a:srgbClr val="000000"/>
+                        </a:solidFill>
+                        <a:uFill>
+                          <a:solidFill>
+                            <a:srgbClr val="ffffff"/>
+                          </a:solidFill>
+                        </a:uFill>
+                        <a:latin typeface="Arial"/>
+                      </a:endParaRPr>
+                    </a:p>
+                  </a:txBody>
+                  <a:tcPr marL="90000" marR="90000">
+                    <a:lnL w="720">
+                      <a:solidFill>
+                        <a:srgbClr val="ffffff"/>
+                      </a:solidFill>
+                    </a:lnL>
+                    <a:lnR w="720">
+                      <a:solidFill>
+                        <a:srgbClr val="ffffff"/>
+                      </a:solidFill>
+                    </a:lnR>
+                    <a:lnT w="720">
+                      <a:solidFill>
+                        <a:srgbClr val="ffffff"/>
+                      </a:solidFill>
+                    </a:lnT>
+                    <a:lnB w="720">
+                      <a:solidFill>
+                        <a:srgbClr val="ffffff"/>
+                      </a:solidFill>
+                    </a:lnB>
+                    <a:solidFill>
+                      <a:srgbClr val="b3b3b3"/>
+                    </a:solidFill>
+                  </a:tcPr>
+                </a:tc>
+                <a:tc>
+                  <a:txBody>
+                    <a:bodyPr lIns="90000" rIns="90000"/>
+                    <a:p>
+                      <a:r>
+                        <a:rPr b="0" lang="fr-FR" sz="1600" spc="-1" strike="noStrike">
+                          <a:solidFill>
+                            <a:srgbClr val="000000"/>
+                          </a:solidFill>
+                          <a:uFill>
+                            <a:solidFill>
+                              <a:srgbClr val="ffffff"/>
+                            </a:solidFill>
+                          </a:uFill>
+                          <a:latin typeface="Arial"/>
+                        </a:rPr>
+                        <a:t>Point faible</a:t>
+                      </a:r>
+                      <a:endParaRPr b="0" lang="fr-FR" sz="1800" spc="-1" strike="noStrike">
+                        <a:solidFill>
+                          <a:srgbClr val="000000"/>
+                        </a:solidFill>
+                        <a:uFill>
+                          <a:solidFill>
+                            <a:srgbClr val="ffffff"/>
+                          </a:solidFill>
+                        </a:uFill>
+                        <a:latin typeface="Arial"/>
+                      </a:endParaRPr>
+                    </a:p>
+                  </a:txBody>
+                  <a:tcPr marL="90000" marR="90000">
+                    <a:lnL w="720">
+                      <a:solidFill>
+                        <a:srgbClr val="ffffff"/>
+                      </a:solidFill>
+                    </a:lnL>
+                    <a:lnR w="720">
+                      <a:solidFill>
+                        <a:srgbClr val="ffffff"/>
+                      </a:solidFill>
+                    </a:lnR>
+                    <a:lnT w="720">
+                      <a:solidFill>
+                        <a:srgbClr val="ffffff"/>
+                      </a:solidFill>
+                    </a:lnT>
+                    <a:lnB w="720">
+                      <a:solidFill>
+                        <a:srgbClr val="ffffff"/>
+                      </a:solidFill>
+                    </a:lnB>
+                    <a:solidFill>
+                      <a:srgbClr val="b3b3b3"/>
+                    </a:solidFill>
+                  </a:tcPr>
+                </a:tc>
+              </a:tr>
+              <a:tr h="549000">
+                <a:tc>
+                  <a:txBody>
+                    <a:bodyPr lIns="90000" rIns="90000"/>
+                    <a:p>
+                      <a:r>
+                        <a:rPr b="0" lang="fr-FR" sz="1600" spc="-1" strike="noStrike">
+                          <a:solidFill>
+                            <a:srgbClr val="000000"/>
+                          </a:solidFill>
+                          <a:uFill>
+                            <a:solidFill>
+                              <a:srgbClr val="ffffff"/>
+                            </a:solidFill>
+                          </a:uFill>
+                          <a:latin typeface="Arial"/>
+                        </a:rPr>
+                        <a:t>Basé sur Asciidoc ou Markdown</a:t>
+                      </a:r>
+                      <a:endParaRPr b="0" lang="fr-FR" sz="1800" spc="-1" strike="noStrike">
+                        <a:solidFill>
+                          <a:srgbClr val="000000"/>
+                        </a:solidFill>
+                        <a:uFill>
+                          <a:solidFill>
+                            <a:srgbClr val="ffffff"/>
+                          </a:solidFill>
+                        </a:uFill>
+                        <a:latin typeface="Arial"/>
+                      </a:endParaRPr>
+                    </a:p>
+                  </a:txBody>
+                  <a:tcPr marL="90000" marR="90000">
+                    <a:lnL w="720">
+                      <a:solidFill>
+                        <a:srgbClr val="ffffff"/>
+                      </a:solidFill>
+                    </a:lnL>
+                    <a:lnR w="720">
+                      <a:solidFill>
+                        <a:srgbClr val="ffffff"/>
+                      </a:solidFill>
+                    </a:lnR>
+                    <a:lnT w="720">
+                      <a:solidFill>
+                        <a:srgbClr val="ffffff"/>
+                      </a:solidFill>
+                    </a:lnT>
+                    <a:lnB w="720">
+                      <a:solidFill>
+                        <a:srgbClr val="ffffff"/>
+                      </a:solidFill>
+                    </a:lnB>
+                    <a:solidFill>
+                      <a:srgbClr val="cccccc"/>
+                    </a:solidFill>
+                  </a:tcPr>
+                </a:tc>
+                <a:tc>
+                  <a:txBody>
+                    <a:bodyPr lIns="90000" rIns="90000"/>
+                    <a:p>
+                      <a:r>
+                        <a:rPr b="0" lang="fr-FR" sz="1600" spc="-1" strike="noStrike">
+                          <a:solidFill>
+                            <a:srgbClr val="000000"/>
+                          </a:solidFill>
+                          <a:uFill>
+                            <a:solidFill>
+                              <a:srgbClr val="ffffff"/>
+                            </a:solidFill>
+                          </a:uFill>
+                          <a:latin typeface="Arial"/>
+                        </a:rPr>
+                        <a:t>Sans Spring dans le projet c'est compliqué</a:t>
+                      </a:r>
+                      <a:endParaRPr b="0" lang="fr-FR" sz="1800" spc="-1" strike="noStrike">
+                        <a:solidFill>
+                          <a:srgbClr val="000000"/>
+                        </a:solidFill>
+                        <a:uFill>
+                          <a:solidFill>
+                            <a:srgbClr val="ffffff"/>
+                          </a:solidFill>
+                        </a:uFill>
+                        <a:latin typeface="Arial"/>
+                      </a:endParaRPr>
+                    </a:p>
+                  </a:txBody>
+                  <a:tcPr marL="90000" marR="90000">
+                    <a:lnL w="720">
+                      <a:solidFill>
+                        <a:srgbClr val="ffffff"/>
+                      </a:solidFill>
+                    </a:lnL>
+                    <a:lnR w="720">
+                      <a:solidFill>
+                        <a:srgbClr val="ffffff"/>
+                      </a:solidFill>
+                    </a:lnR>
+                    <a:lnT w="720">
+                      <a:solidFill>
+                        <a:srgbClr val="ffffff"/>
+                      </a:solidFill>
+                    </a:lnT>
+                    <a:lnB w="720">
+                      <a:solidFill>
+                        <a:srgbClr val="ffffff"/>
+                      </a:solidFill>
+                    </a:lnB>
+                    <a:solidFill>
+                      <a:srgbClr val="cccccc"/>
+                    </a:solidFill>
+                  </a:tcPr>
+                </a:tc>
+              </a:tr>
+              <a:tr h="549000">
+                <a:tc>
+                  <a:txBody>
+                    <a:bodyPr lIns="90000" rIns="90000"/>
+                    <a:p>
+                      <a:r>
+                        <a:rPr b="0" lang="fr-FR" sz="1600" spc="-1" strike="noStrike">
+                          <a:solidFill>
+                            <a:srgbClr val="000000"/>
+                          </a:solidFill>
+                          <a:uFill>
+                            <a:solidFill>
+                              <a:srgbClr val="ffffff"/>
+                            </a:solidFill>
+                          </a:uFill>
+                          <a:latin typeface="Arial"/>
+                        </a:rPr>
+                        <a:t>Doc statique (facilement distribuable)</a:t>
+                      </a:r>
+                      <a:endParaRPr b="0" lang="fr-FR" sz="1800" spc="-1" strike="noStrike">
+                        <a:solidFill>
+                          <a:srgbClr val="000000"/>
+                        </a:solidFill>
+                        <a:uFill>
+                          <a:solidFill>
+                            <a:srgbClr val="ffffff"/>
+                          </a:solidFill>
+                        </a:uFill>
+                        <a:latin typeface="Arial"/>
+                      </a:endParaRPr>
+                    </a:p>
+                  </a:txBody>
+                  <a:tcPr marL="90000" marR="90000">
+                    <a:lnL w="720">
+                      <a:solidFill>
+                        <a:srgbClr val="ffffff"/>
+                      </a:solidFill>
+                    </a:lnL>
+                    <a:lnR w="720">
+                      <a:solidFill>
+                        <a:srgbClr val="ffffff"/>
+                      </a:solidFill>
+                    </a:lnR>
+                    <a:lnT w="720">
+                      <a:solidFill>
+                        <a:srgbClr val="ffffff"/>
+                      </a:solidFill>
+                    </a:lnT>
+                    <a:lnB w="720">
+                      <a:solidFill>
+                        <a:srgbClr val="ffffff"/>
+                      </a:solidFill>
+                    </a:lnB>
+                    <a:solidFill>
+                      <a:srgbClr val="e6e6e6"/>
+                    </a:solidFill>
+                  </a:tcPr>
+                </a:tc>
+                <a:tc>
+                  <a:txBody>
+                    <a:bodyPr lIns="90000" rIns="90000"/>
+                    <a:p>
+                      <a:r>
+                        <a:rPr b="0" lang="fr-FR" sz="1600" spc="-1" strike="noStrike">
+                          <a:solidFill>
+                            <a:srgbClr val="000000"/>
+                          </a:solidFill>
+                          <a:uFill>
+                            <a:solidFill>
+                              <a:srgbClr val="ffffff"/>
+                            </a:solidFill>
+                          </a:uFill>
+                          <a:latin typeface="Arial"/>
+                        </a:rPr>
+                        <a:t>Migration au milieu d'un projet prend du temps</a:t>
+                      </a:r>
+                      <a:endParaRPr b="0" lang="fr-FR" sz="1800" spc="-1" strike="noStrike">
+                        <a:solidFill>
+                          <a:srgbClr val="000000"/>
+                        </a:solidFill>
+                        <a:uFill>
+                          <a:solidFill>
+                            <a:srgbClr val="ffffff"/>
+                          </a:solidFill>
+                        </a:uFill>
+                        <a:latin typeface="Arial"/>
+                      </a:endParaRPr>
+                    </a:p>
+                  </a:txBody>
+                  <a:tcPr marL="90000" marR="90000">
+                    <a:lnL w="720">
+                      <a:solidFill>
+                        <a:srgbClr val="ffffff"/>
+                      </a:solidFill>
+                    </a:lnL>
+                    <a:lnR w="720">
+                      <a:solidFill>
+                        <a:srgbClr val="ffffff"/>
+                      </a:solidFill>
+                    </a:lnR>
+                    <a:lnT w="720">
+                      <a:solidFill>
+                        <a:srgbClr val="ffffff"/>
+                      </a:solidFill>
+                    </a:lnT>
+                    <a:lnB w="720">
+                      <a:solidFill>
+                        <a:srgbClr val="ffffff"/>
+                      </a:solidFill>
+                    </a:lnB>
+                    <a:solidFill>
+                      <a:srgbClr val="e6e6e6"/>
+                    </a:solidFill>
+                  </a:tcPr>
+                </a:tc>
+              </a:tr>
+              <a:tr h="777600">
+                <a:tc>
+                  <a:txBody>
+                    <a:bodyPr lIns="90000" rIns="90000"/>
+                    <a:p>
+                      <a:r>
+                        <a:rPr b="0" lang="fr-FR" sz="1600" spc="-1" strike="noStrike">
+                          <a:solidFill>
+                            <a:srgbClr val="000000"/>
+                          </a:solidFill>
+                          <a:uFill>
+                            <a:solidFill>
+                              <a:srgbClr val="ffffff"/>
+                            </a:solidFill>
+                          </a:uFill>
+                          <a:latin typeface="Arial"/>
+                        </a:rPr>
+                        <a:t>Force à faire des TI et à bien les faire pour avoir une bonne documentation</a:t>
+                      </a:r>
+                      <a:endParaRPr b="0" lang="fr-FR" sz="1800" spc="-1" strike="noStrike">
+                        <a:solidFill>
+                          <a:srgbClr val="000000"/>
+                        </a:solidFill>
+                        <a:uFill>
+                          <a:solidFill>
+                            <a:srgbClr val="ffffff"/>
+                          </a:solidFill>
+                        </a:uFill>
+                        <a:latin typeface="Arial"/>
+                      </a:endParaRPr>
+                    </a:p>
+                  </a:txBody>
+                  <a:tcPr marL="90000" marR="90000">
+                    <a:lnL w="720">
+                      <a:solidFill>
+                        <a:srgbClr val="ffffff"/>
+                      </a:solidFill>
+                    </a:lnL>
+                    <a:lnR w="720">
+                      <a:solidFill>
+                        <a:srgbClr val="ffffff"/>
+                      </a:solidFill>
+                    </a:lnR>
+                    <a:lnT w="720">
+                      <a:solidFill>
+                        <a:srgbClr val="ffffff"/>
+                      </a:solidFill>
+                    </a:lnT>
+                    <a:lnB w="720">
+                      <a:solidFill>
+                        <a:srgbClr val="ffffff"/>
+                      </a:solidFill>
+                    </a:lnB>
+                    <a:solidFill>
+                      <a:srgbClr val="cccccc"/>
+                    </a:solidFill>
+                  </a:tcPr>
+                </a:tc>
+                <a:tc>
+                  <a:txBody>
+                    <a:bodyPr lIns="90000" rIns="90000"/>
+                    <a:p>
+                      <a:r>
+                        <a:rPr b="0" lang="fr-FR" sz="1600" spc="-1" strike="noStrike">
+                          <a:solidFill>
+                            <a:srgbClr val="000000"/>
+                          </a:solidFill>
+                          <a:uFill>
+                            <a:solidFill>
+                              <a:srgbClr val="ffffff"/>
+                            </a:solidFill>
+                          </a:uFill>
+                          <a:latin typeface="Arial"/>
+                        </a:rPr>
+                        <a:t>Esthétisme à tuner</a:t>
+                      </a:r>
+                      <a:endParaRPr b="0" lang="fr-FR" sz="1800" spc="-1" strike="noStrike">
+                        <a:solidFill>
+                          <a:srgbClr val="000000"/>
+                        </a:solidFill>
+                        <a:uFill>
+                          <a:solidFill>
+                            <a:srgbClr val="ffffff"/>
+                          </a:solidFill>
+                        </a:uFill>
+                        <a:latin typeface="Arial"/>
+                      </a:endParaRPr>
+                    </a:p>
+                  </a:txBody>
+                  <a:tcPr marL="90000" marR="90000">
+                    <a:lnL w="720">
+                      <a:solidFill>
+                        <a:srgbClr val="ffffff"/>
+                      </a:solidFill>
+                    </a:lnL>
+                    <a:lnR w="720">
+                      <a:solidFill>
+                        <a:srgbClr val="ffffff"/>
+                      </a:solidFill>
+                    </a:lnR>
+                    <a:lnT w="720">
+                      <a:solidFill>
+                        <a:srgbClr val="ffffff"/>
+                      </a:solidFill>
+                    </a:lnT>
+                    <a:lnB w="720">
+                      <a:solidFill>
+                        <a:srgbClr val="ffffff"/>
+                      </a:solidFill>
+                    </a:lnB>
+                    <a:solidFill>
+                      <a:srgbClr val="cccccc"/>
+                    </a:solidFill>
+                  </a:tcPr>
+                </a:tc>
+              </a:tr>
+              <a:tr h="549000">
+                <a:tc>
+                  <a:txBody>
+                    <a:bodyPr lIns="90000" rIns="90000"/>
+                    <a:p>
+                      <a:r>
+                        <a:rPr b="0" lang="fr-FR" sz="1600" spc="-1" strike="noStrike">
+                          <a:solidFill>
+                            <a:srgbClr val="000000"/>
+                          </a:solidFill>
+                          <a:uFill>
+                            <a:solidFill>
+                              <a:srgbClr val="ffffff"/>
+                            </a:solidFill>
+                          </a:uFill>
+                          <a:latin typeface="Arial"/>
+                        </a:rPr>
+                        <a:t>Ne pollue pas le code applicatif</a:t>
+                      </a:r>
+                      <a:endParaRPr b="0" lang="fr-FR" sz="1800" spc="-1" strike="noStrike">
+                        <a:solidFill>
+                          <a:srgbClr val="000000"/>
+                        </a:solidFill>
+                        <a:uFill>
+                          <a:solidFill>
+                            <a:srgbClr val="ffffff"/>
+                          </a:solidFill>
+                        </a:uFill>
+                        <a:latin typeface="Arial"/>
+                      </a:endParaRPr>
+                    </a:p>
+                  </a:txBody>
+                  <a:tcPr marL="90000" marR="90000">
+                    <a:lnL w="720">
+                      <a:solidFill>
+                        <a:srgbClr val="ffffff"/>
+                      </a:solidFill>
+                    </a:lnL>
+                    <a:lnR w="720">
+                      <a:solidFill>
+                        <a:srgbClr val="ffffff"/>
+                      </a:solidFill>
+                    </a:lnR>
+                    <a:lnT w="720">
+                      <a:solidFill>
+                        <a:srgbClr val="ffffff"/>
+                      </a:solidFill>
+                    </a:lnT>
+                    <a:lnB w="720">
+                      <a:solidFill>
+                        <a:srgbClr val="ffffff"/>
+                      </a:solidFill>
+                    </a:lnB>
+                    <a:solidFill>
+                      <a:srgbClr val="e6e6e6"/>
+                    </a:solidFill>
+                  </a:tcPr>
+                </a:tc>
+                <a:tc>
+                  <a:txBody>
+                    <a:bodyPr lIns="90000" rIns="90000"/>
+                    <a:p>
+                      <a:r>
+                        <a:rPr b="0" lang="fr-FR" sz="1600" spc="-1" strike="noStrike">
+                          <a:solidFill>
+                            <a:srgbClr val="000000"/>
+                          </a:solidFill>
+                          <a:uFill>
+                            <a:solidFill>
+                              <a:srgbClr val="ffffff"/>
+                            </a:solidFill>
+                          </a:uFill>
+                          <a:latin typeface="Arial"/>
+                        </a:rPr>
+                        <a:t>Nécessite une montée en compétence</a:t>
+                      </a:r>
+                      <a:endParaRPr b="0" lang="fr-FR" sz="1800" spc="-1" strike="noStrike">
+                        <a:solidFill>
+                          <a:srgbClr val="000000"/>
+                        </a:solidFill>
+                        <a:uFill>
+                          <a:solidFill>
+                            <a:srgbClr val="ffffff"/>
+                          </a:solidFill>
+                        </a:uFill>
+                        <a:latin typeface="Arial"/>
+                      </a:endParaRPr>
+                    </a:p>
+                  </a:txBody>
+                  <a:tcPr marL="90000" marR="90000">
+                    <a:lnL w="720">
+                      <a:solidFill>
+                        <a:srgbClr val="ffffff"/>
+                      </a:solidFill>
+                    </a:lnL>
+                    <a:lnR w="720">
+                      <a:solidFill>
+                        <a:srgbClr val="ffffff"/>
+                      </a:solidFill>
+                    </a:lnR>
+                    <a:lnT w="720">
+                      <a:solidFill>
+                        <a:srgbClr val="ffffff"/>
+                      </a:solidFill>
+                    </a:lnT>
+                    <a:lnB w="720">
+                      <a:solidFill>
+                        <a:srgbClr val="ffffff"/>
+                      </a:solidFill>
+                    </a:lnB>
+                    <a:solidFill>
+                      <a:srgbClr val="e6e6e6"/>
+                    </a:solidFill>
+                  </a:tcPr>
+                </a:tc>
+              </a:tr>
+              <a:tr h="603720">
+                <a:tc>
+                  <a:txBody>
+                    <a:bodyPr lIns="90000" rIns="90000"/>
+                    <a:p>
+                      <a:r>
+                        <a:rPr b="0" lang="fr-FR" sz="1800" spc="-1" strike="noStrike">
+                          <a:solidFill>
+                            <a:srgbClr val="000000"/>
+                          </a:solidFill>
+                          <a:uFill>
+                            <a:solidFill>
+                              <a:srgbClr val="ffffff"/>
+                            </a:solidFill>
+                          </a:uFill>
+                          <a:latin typeface="Arial"/>
+                        </a:rPr>
+                        <a:t>La documentation reste à jour</a:t>
+                      </a:r>
+                      <a:endParaRPr b="0" lang="fr-FR" sz="1800" spc="-1" strike="noStrike">
+                        <a:solidFill>
+                          <a:srgbClr val="000000"/>
+                        </a:solidFill>
+                        <a:uFill>
+                          <a:solidFill>
+                            <a:srgbClr val="ffffff"/>
+                          </a:solidFill>
+                        </a:uFill>
+                        <a:latin typeface="Arial"/>
+                      </a:endParaRPr>
+                    </a:p>
+                  </a:txBody>
+                  <a:tcPr marL="90000" marR="90000">
+                    <a:lnL w="720">
+                      <a:solidFill>
+                        <a:srgbClr val="ffffff"/>
+                      </a:solidFill>
+                    </a:lnL>
+                    <a:lnR w="720">
+                      <a:solidFill>
+                        <a:srgbClr val="ffffff"/>
+                      </a:solidFill>
+                    </a:lnR>
+                    <a:lnT w="720">
+                      <a:solidFill>
+                        <a:srgbClr val="ffffff"/>
+                      </a:solidFill>
+                    </a:lnT>
+                    <a:lnB w="720">
+                      <a:solidFill>
+                        <a:srgbClr val="ffffff"/>
+                      </a:solidFill>
+                    </a:lnB>
+                    <a:solidFill>
+                      <a:srgbClr val="cccccc"/>
+                    </a:solidFill>
+                  </a:tcPr>
+                </a:tc>
+                <a:tc>
+                  <a:tcPr marL="90000" marR="90000">
+                    <a:lnL w="720">
+                      <a:solidFill>
+                        <a:srgbClr val="ffffff"/>
+                      </a:solidFill>
+                    </a:lnL>
+                    <a:lnR w="720">
+                      <a:solidFill>
+                        <a:srgbClr val="ffffff"/>
+                      </a:solidFill>
+                    </a:lnR>
+                    <a:lnT w="720">
+                      <a:solidFill>
+                        <a:srgbClr val="ffffff"/>
+                      </a:solidFill>
+                    </a:lnT>
+                    <a:lnB w="720">
+                      <a:solidFill>
+                        <a:srgbClr val="ffffff"/>
+                      </a:solidFill>
+                    </a:lnB>
+                    <a:solidFill>
+                      <a:srgbClr val="cccccc"/>
+                    </a:solidFill>
+                  </a:tcPr>
+                </a:tc>
+              </a:tr>
+              <a:tr h="549000">
+                <a:tc>
+                  <a:txBody>
+                    <a:bodyPr lIns="90000" rIns="90000"/>
+                    <a:p>
+                      <a:r>
+                        <a:rPr b="0" lang="fr-FR" sz="1600" spc="-1" strike="noStrike">
+                          <a:solidFill>
+                            <a:srgbClr val="000000"/>
+                          </a:solidFill>
+                          <a:uFill>
+                            <a:solidFill>
+                              <a:srgbClr val="ffffff"/>
+                            </a:solidFill>
+                          </a:uFill>
+                          <a:latin typeface="Arial"/>
+                        </a:rPr>
+                        <a:t>Tout est documentable, les erreurs, les cas particuliers</a:t>
+                      </a:r>
+                      <a:endParaRPr b="0" lang="fr-FR" sz="1800" spc="-1" strike="noStrike">
+                        <a:solidFill>
+                          <a:srgbClr val="000000"/>
+                        </a:solidFill>
+                        <a:uFill>
+                          <a:solidFill>
+                            <a:srgbClr val="ffffff"/>
+                          </a:solidFill>
+                        </a:uFill>
+                        <a:latin typeface="Arial"/>
+                      </a:endParaRPr>
+                    </a:p>
+                  </a:txBody>
+                  <a:tcPr marL="90000" marR="90000">
+                    <a:lnL w="720">
+                      <a:solidFill>
+                        <a:srgbClr val="ffffff"/>
+                      </a:solidFill>
+                    </a:lnL>
+                    <a:lnR w="720">
+                      <a:solidFill>
+                        <a:srgbClr val="ffffff"/>
+                      </a:solidFill>
+                    </a:lnR>
+                    <a:lnT w="720">
+                      <a:solidFill>
+                        <a:srgbClr val="ffffff"/>
+                      </a:solidFill>
+                    </a:lnT>
+                    <a:lnB w="720">
+                      <a:solidFill>
+                        <a:srgbClr val="ffffff"/>
+                      </a:solidFill>
+                    </a:lnB>
+                    <a:solidFill>
+                      <a:srgbClr val="e6e6e6"/>
+                    </a:solidFill>
+                  </a:tcPr>
+                </a:tc>
+                <a:tc>
+                  <a:tcPr marL="90000" marR="90000">
+                    <a:lnL w="720">
+                      <a:solidFill>
+                        <a:srgbClr val="ffffff"/>
+                      </a:solidFill>
+                    </a:lnL>
+                    <a:lnR w="720">
+                      <a:solidFill>
+                        <a:srgbClr val="ffffff"/>
+                      </a:solidFill>
+                    </a:lnR>
+                    <a:lnT w="720">
+                      <a:solidFill>
+                        <a:srgbClr val="ffffff"/>
+                      </a:solidFill>
+                    </a:lnT>
+                    <a:lnB w="720">
+                      <a:solidFill>
+                        <a:srgbClr val="ffffff"/>
+                      </a:solidFill>
+                    </a:lnB>
+                    <a:solidFill>
+                      <a:srgbClr val="e6e6e6"/>
+                    </a:solidFill>
+                  </a:tcPr>
+                </a:tc>
+              </a:tr>
+              <a:tr h="603720">
+                <a:tc>
+                  <a:txBody>
+                    <a:bodyPr lIns="90000" rIns="90000"/>
+                    <a:p>
+                      <a:r>
+                        <a:rPr b="0" lang="fr-FR" sz="1800" spc="-1" strike="noStrike">
+                          <a:solidFill>
+                            <a:srgbClr val="000000"/>
+                          </a:solidFill>
+                          <a:uFill>
+                            <a:solidFill>
+                              <a:srgbClr val="ffffff"/>
+                            </a:solidFill>
+                          </a:uFill>
+                          <a:latin typeface="Arial"/>
+                        </a:rPr>
+                        <a:t>Facilement customisable (PathParamSnippet...)</a:t>
+                      </a:r>
+                      <a:endParaRPr b="0" lang="fr-FR" sz="1800" spc="-1" strike="noStrike">
+                        <a:solidFill>
+                          <a:srgbClr val="000000"/>
+                        </a:solidFill>
+                        <a:uFill>
+                          <a:solidFill>
+                            <a:srgbClr val="ffffff"/>
+                          </a:solidFill>
+                        </a:uFill>
+                        <a:latin typeface="Arial"/>
+                      </a:endParaRPr>
+                    </a:p>
+                  </a:txBody>
+                  <a:tcPr marL="90000" marR="90000">
+                    <a:lnL w="720">
+                      <a:solidFill>
+                        <a:srgbClr val="ffffff"/>
+                      </a:solidFill>
+                    </a:lnL>
+                    <a:lnR w="720">
+                      <a:solidFill>
+                        <a:srgbClr val="ffffff"/>
+                      </a:solidFill>
+                    </a:lnR>
+                    <a:lnT w="720">
+                      <a:solidFill>
+                        <a:srgbClr val="ffffff"/>
+                      </a:solidFill>
+                    </a:lnT>
+                    <a:lnB w="720">
+                      <a:solidFill>
+                        <a:srgbClr val="ffffff"/>
+                      </a:solidFill>
+                    </a:lnB>
+                    <a:solidFill>
+                      <a:srgbClr val="cccccc"/>
+                    </a:solidFill>
+                  </a:tcPr>
+                </a:tc>
+                <a:tc>
+                  <a:tcPr marL="90000" marR="90000">
+                    <a:lnL w="720">
+                      <a:solidFill>
+                        <a:srgbClr val="ffffff"/>
+                      </a:solidFill>
+                    </a:lnL>
+                    <a:lnR w="720">
+                      <a:solidFill>
+                        <a:srgbClr val="ffffff"/>
+                      </a:solidFill>
+                    </a:lnR>
+                    <a:lnT w="720">
+                      <a:solidFill>
+                        <a:srgbClr val="ffffff"/>
+                      </a:solidFill>
+                    </a:lnT>
+                    <a:lnB w="720">
+                      <a:solidFill>
+                        <a:srgbClr val="ffffff"/>
+                      </a:solidFill>
+                    </a:lnB>
+                    <a:solidFill>
+                      <a:srgbClr val="cccccc"/>
+                    </a:solidFill>
+                  </a:tcPr>
+                </a:tc>
+              </a:tr>
+            </a:tbl>
+          </a:graphicData>
+        </a:graphic>
+      </p:graphicFrame>
     </p:spTree>
   </p:cSld>
   <p:timing>
@@ -5279,7 +6157,7 @@
 </file>
 
 <file path=ppt/slides/slide15.xml><?xml version="1.0" encoding="utf-8"?>
-<p:sld xmlns:a="http://schemas.openxmlformats.org/drawingml/2006/main" xmlns:p="http://schemas.openxmlformats.org/presentationml/2006/main" xmlns:r="http://schemas.openxmlformats.org/officeDocument/2006/relationships">
+<p:sld xmlns:a="http://schemas.openxmlformats.org/drawingml/2006/main" xmlns:p="http://schemas.openxmlformats.org/presentationml/2006/main" xmlns:r="http://schemas.openxmlformats.org/officeDocument/2006/relationships" xmlns:p14="http://schemas.microsoft.com/office/powerpoint/2010/main" xmlns:p15="http://schemas.microsoft.com/office/powerpoint/2012/main" xmlns:mc="http://schemas.openxmlformats.org/markup-compatibility/2006">
   <p:cSld>
     <p:spTree>
       <p:nvGrpSpPr>
@@ -5297,14 +6175,14 @@
       </p:grpSpPr>
       <p:sp>
         <p:nvSpPr>
-          <p:cNvPr id="109" name="CustomShape 1"/>
+          <p:cNvPr id="108" name="CustomShape 1"/>
           <p:cNvSpPr/>
           <p:nvPr/>
         </p:nvSpPr>
         <p:spPr>
           <a:xfrm>
-            <a:off x="504000" y="49320"/>
-            <a:ext cx="9070200" cy="1260720"/>
+            <a:off x="457200" y="1695600"/>
+            <a:ext cx="9069840" cy="3180600"/>
           </a:xfrm>
           <a:prstGeom prst="rect">
             <a:avLst/>
@@ -5329,7 +6207,7 @@
               </a:lnSpc>
             </a:pPr>
             <a:r>
-              <a:rPr lang="en-US" sz="4400" spc="-1" strike="noStrike">
+              <a:rPr b="0" lang="fr-FR" sz="6600" spc="-1" strike="noStrike">
                 <a:solidFill>
                   <a:srgbClr val="cc3300"/>
                 </a:solidFill>
@@ -5341,9 +6219,9 @@
                 <a:latin typeface="Arial"/>
                 <a:ea typeface="DejaVu Sans"/>
               </a:rPr>
-              <a:t>Spring Rest-doc</a:t>
+              <a:t>Merci pour votre attention</a:t>
             </a:r>
-            <a:endParaRPr lang="en-US" sz="1800" spc="-1" strike="noStrike">
+            <a:endParaRPr b="0" lang="fr-FR" sz="1800" spc="-1" strike="noStrike">
               <a:solidFill>
                 <a:srgbClr val="000000"/>
               </a:solidFill>
@@ -5357,866 +6235,6 @@
           </a:p>
         </p:txBody>
       </p:sp>
-      <p:graphicFrame>
-        <p:nvGraphicFramePr>
-          <p:cNvPr id="110" name="Table 2"/>
-          <p:cNvGraphicFramePr/>
-          <p:nvPr/>
-        </p:nvGraphicFramePr>
-        <p:xfrm>
-          <a:off x="1414080" y="1780920"/>
-          <a:ext cx="7186680" cy="4501080"/>
-        </p:xfrm>
-        <a:graphic>
-          <a:graphicData uri="http://schemas.openxmlformats.org/drawingml/2006/table">
-            <a:tbl>
-              <a:tblPr/>
-              <a:tblGrid>
-                <a:gridCol w="2867400"/>
-                <a:gridCol w="4319640"/>
-              </a:tblGrid>
-              <a:tr h="320400">
-                <a:tc>
-                  <a:txBody>
-                    <a:bodyPr lIns="90000" rIns="90000"/>
-                    <a:p>
-                      <a:r>
-                        <a:rPr lang="en-US" sz="1600" spc="-1" strike="noStrike">
-                          <a:solidFill>
-                            <a:srgbClr val="000000"/>
-                          </a:solidFill>
-                          <a:uFill>
-                            <a:solidFill>
-                              <a:srgbClr val="ffffff"/>
-                            </a:solidFill>
-                          </a:uFill>
-                          <a:latin typeface="Arial"/>
-                        </a:rPr>
-                        <a:t>Point fort</a:t>
-                      </a:r>
-                      <a:endParaRPr lang="en-US" sz="1800" spc="-1" strike="noStrike">
-                        <a:solidFill>
-                          <a:srgbClr val="000000"/>
-                        </a:solidFill>
-                        <a:uFill>
-                          <a:solidFill>
-                            <a:srgbClr val="ffffff"/>
-                          </a:solidFill>
-                        </a:uFill>
-                        <a:latin typeface="Arial"/>
-                      </a:endParaRPr>
-                    </a:p>
-                  </a:txBody>
-                  <a:tcPr marL="90000" marR="90000">
-                    <a:lnL w="720">
-                      <a:solidFill>
-                        <a:srgbClr val="ffffff"/>
-                      </a:solidFill>
-                    </a:lnL>
-                    <a:lnR w="720">
-                      <a:solidFill>
-                        <a:srgbClr val="ffffff"/>
-                      </a:solidFill>
-                    </a:lnR>
-                    <a:lnT w="720">
-                      <a:solidFill>
-                        <a:srgbClr val="ffffff"/>
-                      </a:solidFill>
-                    </a:lnT>
-                    <a:lnB w="720">
-                      <a:solidFill>
-                        <a:srgbClr val="ffffff"/>
-                      </a:solidFill>
-                    </a:lnB>
-                    <a:solidFill>
-                      <a:srgbClr val="b3b3b3"/>
-                    </a:solidFill>
-                  </a:tcPr>
-                </a:tc>
-                <a:tc>
-                  <a:txBody>
-                    <a:bodyPr lIns="90000" rIns="90000"/>
-                    <a:p>
-                      <a:r>
-                        <a:rPr lang="en-US" sz="1600" spc="-1" strike="noStrike">
-                          <a:solidFill>
-                            <a:srgbClr val="000000"/>
-                          </a:solidFill>
-                          <a:uFill>
-                            <a:solidFill>
-                              <a:srgbClr val="ffffff"/>
-                            </a:solidFill>
-                          </a:uFill>
-                          <a:latin typeface="Arial"/>
-                        </a:rPr>
-                        <a:t>Point faible</a:t>
-                      </a:r>
-                      <a:endParaRPr lang="en-US" sz="1800" spc="-1" strike="noStrike">
-                        <a:solidFill>
-                          <a:srgbClr val="000000"/>
-                        </a:solidFill>
-                        <a:uFill>
-                          <a:solidFill>
-                            <a:srgbClr val="ffffff"/>
-                          </a:solidFill>
-                        </a:uFill>
-                        <a:latin typeface="Arial"/>
-                      </a:endParaRPr>
-                    </a:p>
-                  </a:txBody>
-                  <a:tcPr marL="90000" marR="90000">
-                    <a:lnL w="720">
-                      <a:solidFill>
-                        <a:srgbClr val="ffffff"/>
-                      </a:solidFill>
-                    </a:lnL>
-                    <a:lnR w="720">
-                      <a:solidFill>
-                        <a:srgbClr val="ffffff"/>
-                      </a:solidFill>
-                    </a:lnR>
-                    <a:lnT w="720">
-                      <a:solidFill>
-                        <a:srgbClr val="ffffff"/>
-                      </a:solidFill>
-                    </a:lnT>
-                    <a:lnB w="720">
-                      <a:solidFill>
-                        <a:srgbClr val="ffffff"/>
-                      </a:solidFill>
-                    </a:lnB>
-                    <a:solidFill>
-                      <a:srgbClr val="b3b3b3"/>
-                    </a:solidFill>
-                  </a:tcPr>
-                </a:tc>
-              </a:tr>
-              <a:tr h="549000">
-                <a:tc>
-                  <a:txBody>
-                    <a:bodyPr lIns="90000" rIns="90000"/>
-                    <a:p>
-                      <a:r>
-                        <a:rPr lang="en-US" sz="1600" spc="-1" strike="noStrike">
-                          <a:solidFill>
-                            <a:srgbClr val="000000"/>
-                          </a:solidFill>
-                          <a:uFill>
-                            <a:solidFill>
-                              <a:srgbClr val="ffffff"/>
-                            </a:solidFill>
-                          </a:uFill>
-                          <a:latin typeface="Arial"/>
-                        </a:rPr>
-                        <a:t>Basé sur Asciidoc ou Markdown</a:t>
-                      </a:r>
-                      <a:endParaRPr lang="en-US" sz="1800" spc="-1" strike="noStrike">
-                        <a:solidFill>
-                          <a:srgbClr val="000000"/>
-                        </a:solidFill>
-                        <a:uFill>
-                          <a:solidFill>
-                            <a:srgbClr val="ffffff"/>
-                          </a:solidFill>
-                        </a:uFill>
-                        <a:latin typeface="Arial"/>
-                      </a:endParaRPr>
-                    </a:p>
-                  </a:txBody>
-                  <a:tcPr marL="90000" marR="90000">
-                    <a:lnL w="720">
-                      <a:solidFill>
-                        <a:srgbClr val="ffffff"/>
-                      </a:solidFill>
-                    </a:lnL>
-                    <a:lnR w="720">
-                      <a:solidFill>
-                        <a:srgbClr val="ffffff"/>
-                      </a:solidFill>
-                    </a:lnR>
-                    <a:lnT w="720">
-                      <a:solidFill>
-                        <a:srgbClr val="ffffff"/>
-                      </a:solidFill>
-                    </a:lnT>
-                    <a:lnB w="720">
-                      <a:solidFill>
-                        <a:srgbClr val="ffffff"/>
-                      </a:solidFill>
-                    </a:lnB>
-                    <a:solidFill>
-                      <a:srgbClr val="cccccc"/>
-                    </a:solidFill>
-                  </a:tcPr>
-                </a:tc>
-                <a:tc>
-                  <a:txBody>
-                    <a:bodyPr lIns="90000" rIns="90000"/>
-                    <a:p>
-                      <a:r>
-                        <a:rPr lang="en-US" sz="1600" spc="-1" strike="noStrike">
-                          <a:solidFill>
-                            <a:srgbClr val="000000"/>
-                          </a:solidFill>
-                          <a:uFill>
-                            <a:solidFill>
-                              <a:srgbClr val="ffffff"/>
-                            </a:solidFill>
-                          </a:uFill>
-                          <a:latin typeface="Arial"/>
-                        </a:rPr>
-                        <a:t>Sans Spring dans le projet c'est compliqué</a:t>
-                      </a:r>
-                      <a:endParaRPr lang="en-US" sz="1800" spc="-1" strike="noStrike">
-                        <a:solidFill>
-                          <a:srgbClr val="000000"/>
-                        </a:solidFill>
-                        <a:uFill>
-                          <a:solidFill>
-                            <a:srgbClr val="ffffff"/>
-                          </a:solidFill>
-                        </a:uFill>
-                        <a:latin typeface="Arial"/>
-                      </a:endParaRPr>
-                    </a:p>
-                  </a:txBody>
-                  <a:tcPr marL="90000" marR="90000">
-                    <a:lnL w="720">
-                      <a:solidFill>
-                        <a:srgbClr val="ffffff"/>
-                      </a:solidFill>
-                    </a:lnL>
-                    <a:lnR w="720">
-                      <a:solidFill>
-                        <a:srgbClr val="ffffff"/>
-                      </a:solidFill>
-                    </a:lnR>
-                    <a:lnT w="720">
-                      <a:solidFill>
-                        <a:srgbClr val="ffffff"/>
-                      </a:solidFill>
-                    </a:lnT>
-                    <a:lnB w="720">
-                      <a:solidFill>
-                        <a:srgbClr val="ffffff"/>
-                      </a:solidFill>
-                    </a:lnB>
-                    <a:solidFill>
-                      <a:srgbClr val="cccccc"/>
-                    </a:solidFill>
-                  </a:tcPr>
-                </a:tc>
-              </a:tr>
-              <a:tr h="549000">
-                <a:tc>
-                  <a:txBody>
-                    <a:bodyPr lIns="90000" rIns="90000"/>
-                    <a:p>
-                      <a:r>
-                        <a:rPr lang="en-US" sz="1600" spc="-1" strike="noStrike">
-                          <a:solidFill>
-                            <a:srgbClr val="000000"/>
-                          </a:solidFill>
-                          <a:uFill>
-                            <a:solidFill>
-                              <a:srgbClr val="ffffff"/>
-                            </a:solidFill>
-                          </a:uFill>
-                          <a:latin typeface="Arial"/>
-                        </a:rPr>
-                        <a:t>Doc statique (facilement distribuable)</a:t>
-                      </a:r>
-                      <a:endParaRPr lang="en-US" sz="1800" spc="-1" strike="noStrike">
-                        <a:solidFill>
-                          <a:srgbClr val="000000"/>
-                        </a:solidFill>
-                        <a:uFill>
-                          <a:solidFill>
-                            <a:srgbClr val="ffffff"/>
-                          </a:solidFill>
-                        </a:uFill>
-                        <a:latin typeface="Arial"/>
-                      </a:endParaRPr>
-                    </a:p>
-                  </a:txBody>
-                  <a:tcPr marL="90000" marR="90000">
-                    <a:lnL w="720">
-                      <a:solidFill>
-                        <a:srgbClr val="ffffff"/>
-                      </a:solidFill>
-                    </a:lnL>
-                    <a:lnR w="720">
-                      <a:solidFill>
-                        <a:srgbClr val="ffffff"/>
-                      </a:solidFill>
-                    </a:lnR>
-                    <a:lnT w="720">
-                      <a:solidFill>
-                        <a:srgbClr val="ffffff"/>
-                      </a:solidFill>
-                    </a:lnT>
-                    <a:lnB w="720">
-                      <a:solidFill>
-                        <a:srgbClr val="ffffff"/>
-                      </a:solidFill>
-                    </a:lnB>
-                    <a:solidFill>
-                      <a:srgbClr val="e6e6e6"/>
-                    </a:solidFill>
-                  </a:tcPr>
-                </a:tc>
-                <a:tc>
-                  <a:txBody>
-                    <a:bodyPr lIns="90000" rIns="90000"/>
-                    <a:p>
-                      <a:r>
-                        <a:rPr lang="en-US" sz="1600" spc="-1" strike="noStrike">
-                          <a:solidFill>
-                            <a:srgbClr val="000000"/>
-                          </a:solidFill>
-                          <a:uFill>
-                            <a:solidFill>
-                              <a:srgbClr val="ffffff"/>
-                            </a:solidFill>
-                          </a:uFill>
-                          <a:latin typeface="Arial"/>
-                        </a:rPr>
-                        <a:t>Migration au milieu d'un projet prend du temps</a:t>
-                      </a:r>
-                      <a:endParaRPr lang="en-US" sz="1800" spc="-1" strike="noStrike">
-                        <a:solidFill>
-                          <a:srgbClr val="000000"/>
-                        </a:solidFill>
-                        <a:uFill>
-                          <a:solidFill>
-                            <a:srgbClr val="ffffff"/>
-                          </a:solidFill>
-                        </a:uFill>
-                        <a:latin typeface="Arial"/>
-                      </a:endParaRPr>
-                    </a:p>
-                  </a:txBody>
-                  <a:tcPr marL="90000" marR="90000">
-                    <a:lnL w="720">
-                      <a:solidFill>
-                        <a:srgbClr val="ffffff"/>
-                      </a:solidFill>
-                    </a:lnL>
-                    <a:lnR w="720">
-                      <a:solidFill>
-                        <a:srgbClr val="ffffff"/>
-                      </a:solidFill>
-                    </a:lnR>
-                    <a:lnT w="720">
-                      <a:solidFill>
-                        <a:srgbClr val="ffffff"/>
-                      </a:solidFill>
-                    </a:lnT>
-                    <a:lnB w="720">
-                      <a:solidFill>
-                        <a:srgbClr val="ffffff"/>
-                      </a:solidFill>
-                    </a:lnB>
-                    <a:solidFill>
-                      <a:srgbClr val="e6e6e6"/>
-                    </a:solidFill>
-                  </a:tcPr>
-                </a:tc>
-              </a:tr>
-              <a:tr h="777600">
-                <a:tc>
-                  <a:txBody>
-                    <a:bodyPr lIns="90000" rIns="90000"/>
-                    <a:p>
-                      <a:r>
-                        <a:rPr lang="en-US" sz="1600" spc="-1" strike="noStrike">
-                          <a:solidFill>
-                            <a:srgbClr val="000000"/>
-                          </a:solidFill>
-                          <a:uFill>
-                            <a:solidFill>
-                              <a:srgbClr val="ffffff"/>
-                            </a:solidFill>
-                          </a:uFill>
-                          <a:latin typeface="Arial"/>
-                        </a:rPr>
-                        <a:t>Force à faire des TI et à bien les faire pour avoir une bonne documentation</a:t>
-                      </a:r>
-                      <a:endParaRPr lang="en-US" sz="1800" spc="-1" strike="noStrike">
-                        <a:solidFill>
-                          <a:srgbClr val="000000"/>
-                        </a:solidFill>
-                        <a:uFill>
-                          <a:solidFill>
-                            <a:srgbClr val="ffffff"/>
-                          </a:solidFill>
-                        </a:uFill>
-                        <a:latin typeface="Arial"/>
-                      </a:endParaRPr>
-                    </a:p>
-                  </a:txBody>
-                  <a:tcPr marL="90000" marR="90000">
-                    <a:lnL w="720">
-                      <a:solidFill>
-                        <a:srgbClr val="ffffff"/>
-                      </a:solidFill>
-                    </a:lnL>
-                    <a:lnR w="720">
-                      <a:solidFill>
-                        <a:srgbClr val="ffffff"/>
-                      </a:solidFill>
-                    </a:lnR>
-                    <a:lnT w="720">
-                      <a:solidFill>
-                        <a:srgbClr val="ffffff"/>
-                      </a:solidFill>
-                    </a:lnT>
-                    <a:lnB w="720">
-                      <a:solidFill>
-                        <a:srgbClr val="ffffff"/>
-                      </a:solidFill>
-                    </a:lnB>
-                    <a:solidFill>
-                      <a:srgbClr val="cccccc"/>
-                    </a:solidFill>
-                  </a:tcPr>
-                </a:tc>
-                <a:tc>
-                  <a:txBody>
-                    <a:bodyPr lIns="90000" rIns="90000"/>
-                    <a:p>
-                      <a:r>
-                        <a:rPr lang="en-US" sz="1600" spc="-1" strike="noStrike">
-                          <a:solidFill>
-                            <a:srgbClr val="000000"/>
-                          </a:solidFill>
-                          <a:uFill>
-                            <a:solidFill>
-                              <a:srgbClr val="ffffff"/>
-                            </a:solidFill>
-                          </a:uFill>
-                          <a:latin typeface="Arial"/>
-                        </a:rPr>
-                        <a:t>Esthétisme à tuner</a:t>
-                      </a:r>
-                      <a:endParaRPr lang="en-US" sz="1800" spc="-1" strike="noStrike">
-                        <a:solidFill>
-                          <a:srgbClr val="000000"/>
-                        </a:solidFill>
-                        <a:uFill>
-                          <a:solidFill>
-                            <a:srgbClr val="ffffff"/>
-                          </a:solidFill>
-                        </a:uFill>
-                        <a:latin typeface="Arial"/>
-                      </a:endParaRPr>
-                    </a:p>
-                  </a:txBody>
-                  <a:tcPr marL="90000" marR="90000">
-                    <a:lnL w="720">
-                      <a:solidFill>
-                        <a:srgbClr val="ffffff"/>
-                      </a:solidFill>
-                    </a:lnL>
-                    <a:lnR w="720">
-                      <a:solidFill>
-                        <a:srgbClr val="ffffff"/>
-                      </a:solidFill>
-                    </a:lnR>
-                    <a:lnT w="720">
-                      <a:solidFill>
-                        <a:srgbClr val="ffffff"/>
-                      </a:solidFill>
-                    </a:lnT>
-                    <a:lnB w="720">
-                      <a:solidFill>
-                        <a:srgbClr val="ffffff"/>
-                      </a:solidFill>
-                    </a:lnB>
-                    <a:solidFill>
-                      <a:srgbClr val="cccccc"/>
-                    </a:solidFill>
-                  </a:tcPr>
-                </a:tc>
-              </a:tr>
-              <a:tr h="549000">
-                <a:tc>
-                  <a:txBody>
-                    <a:bodyPr lIns="90000" rIns="90000"/>
-                    <a:p>
-                      <a:r>
-                        <a:rPr lang="en-US" sz="1600" spc="-1" strike="noStrike">
-                          <a:solidFill>
-                            <a:srgbClr val="000000"/>
-                          </a:solidFill>
-                          <a:uFill>
-                            <a:solidFill>
-                              <a:srgbClr val="ffffff"/>
-                            </a:solidFill>
-                          </a:uFill>
-                          <a:latin typeface="Arial"/>
-                        </a:rPr>
-                        <a:t>Ne pollue pas le code applicatif</a:t>
-                      </a:r>
-                      <a:endParaRPr lang="en-US" sz="1800" spc="-1" strike="noStrike">
-                        <a:solidFill>
-                          <a:srgbClr val="000000"/>
-                        </a:solidFill>
-                        <a:uFill>
-                          <a:solidFill>
-                            <a:srgbClr val="ffffff"/>
-                          </a:solidFill>
-                        </a:uFill>
-                        <a:latin typeface="Arial"/>
-                      </a:endParaRPr>
-                    </a:p>
-                  </a:txBody>
-                  <a:tcPr marL="90000" marR="90000">
-                    <a:lnL w="720">
-                      <a:solidFill>
-                        <a:srgbClr val="ffffff"/>
-                      </a:solidFill>
-                    </a:lnL>
-                    <a:lnR w="720">
-                      <a:solidFill>
-                        <a:srgbClr val="ffffff"/>
-                      </a:solidFill>
-                    </a:lnR>
-                    <a:lnT w="720">
-                      <a:solidFill>
-                        <a:srgbClr val="ffffff"/>
-                      </a:solidFill>
-                    </a:lnT>
-                    <a:lnB w="720">
-                      <a:solidFill>
-                        <a:srgbClr val="ffffff"/>
-                      </a:solidFill>
-                    </a:lnB>
-                    <a:solidFill>
-                      <a:srgbClr val="e6e6e6"/>
-                    </a:solidFill>
-                  </a:tcPr>
-                </a:tc>
-                <a:tc>
-                  <a:txBody>
-                    <a:bodyPr lIns="90000" rIns="90000"/>
-                    <a:p>
-                      <a:r>
-                        <a:rPr lang="en-US" sz="1600" spc="-1" strike="noStrike">
-                          <a:solidFill>
-                            <a:srgbClr val="000000"/>
-                          </a:solidFill>
-                          <a:uFill>
-                            <a:solidFill>
-                              <a:srgbClr val="ffffff"/>
-                            </a:solidFill>
-                          </a:uFill>
-                          <a:latin typeface="Arial"/>
-                        </a:rPr>
-                        <a:t>Nécessite une montée en compétence</a:t>
-                      </a:r>
-                      <a:endParaRPr lang="en-US" sz="1800" spc="-1" strike="noStrike">
-                        <a:solidFill>
-                          <a:srgbClr val="000000"/>
-                        </a:solidFill>
-                        <a:uFill>
-                          <a:solidFill>
-                            <a:srgbClr val="ffffff"/>
-                          </a:solidFill>
-                        </a:uFill>
-                        <a:latin typeface="Arial"/>
-                      </a:endParaRPr>
-                    </a:p>
-                  </a:txBody>
-                  <a:tcPr marL="90000" marR="90000">
-                    <a:lnL w="720">
-                      <a:solidFill>
-                        <a:srgbClr val="ffffff"/>
-                      </a:solidFill>
-                    </a:lnL>
-                    <a:lnR w="720">
-                      <a:solidFill>
-                        <a:srgbClr val="ffffff"/>
-                      </a:solidFill>
-                    </a:lnR>
-                    <a:lnT w="720">
-                      <a:solidFill>
-                        <a:srgbClr val="ffffff"/>
-                      </a:solidFill>
-                    </a:lnT>
-                    <a:lnB w="720">
-                      <a:solidFill>
-                        <a:srgbClr val="ffffff"/>
-                      </a:solidFill>
-                    </a:lnB>
-                    <a:solidFill>
-                      <a:srgbClr val="e6e6e6"/>
-                    </a:solidFill>
-                  </a:tcPr>
-                </a:tc>
-              </a:tr>
-              <a:tr h="603720">
-                <a:tc>
-                  <a:txBody>
-                    <a:bodyPr lIns="90000" rIns="90000"/>
-                    <a:p>
-                      <a:r>
-                        <a:rPr lang="en-US" sz="1800" spc="-1" strike="noStrike">
-                          <a:solidFill>
-                            <a:srgbClr val="000000"/>
-                          </a:solidFill>
-                          <a:uFill>
-                            <a:solidFill>
-                              <a:srgbClr val="ffffff"/>
-                            </a:solidFill>
-                          </a:uFill>
-                          <a:latin typeface="Arial"/>
-                        </a:rPr>
-                        <a:t>La documentation reste à jour</a:t>
-                      </a:r>
-                      <a:endParaRPr lang="en-US" sz="1800" spc="-1" strike="noStrike">
-                        <a:solidFill>
-                          <a:srgbClr val="000000"/>
-                        </a:solidFill>
-                        <a:uFill>
-                          <a:solidFill>
-                            <a:srgbClr val="ffffff"/>
-                          </a:solidFill>
-                        </a:uFill>
-                        <a:latin typeface="Arial"/>
-                      </a:endParaRPr>
-                    </a:p>
-                  </a:txBody>
-                  <a:tcPr marL="90000" marR="90000">
-                    <a:lnL w="720">
-                      <a:solidFill>
-                        <a:srgbClr val="ffffff"/>
-                      </a:solidFill>
-                    </a:lnL>
-                    <a:lnR w="720">
-                      <a:solidFill>
-                        <a:srgbClr val="ffffff"/>
-                      </a:solidFill>
-                    </a:lnR>
-                    <a:lnT w="720">
-                      <a:solidFill>
-                        <a:srgbClr val="ffffff"/>
-                      </a:solidFill>
-                    </a:lnT>
-                    <a:lnB w="720">
-                      <a:solidFill>
-                        <a:srgbClr val="ffffff"/>
-                      </a:solidFill>
-                    </a:lnB>
-                    <a:solidFill>
-                      <a:srgbClr val="cccccc"/>
-                    </a:solidFill>
-                  </a:tcPr>
-                </a:tc>
-                <a:tc>
-                  <a:tcPr marL="90000" marR="90000">
-                    <a:lnL w="720">
-                      <a:solidFill>
-                        <a:srgbClr val="ffffff"/>
-                      </a:solidFill>
-                    </a:lnL>
-                    <a:lnR w="720">
-                      <a:solidFill>
-                        <a:srgbClr val="ffffff"/>
-                      </a:solidFill>
-                    </a:lnR>
-                    <a:lnT w="720">
-                      <a:solidFill>
-                        <a:srgbClr val="ffffff"/>
-                      </a:solidFill>
-                    </a:lnT>
-                    <a:lnB w="720">
-                      <a:solidFill>
-                        <a:srgbClr val="ffffff"/>
-                      </a:solidFill>
-                    </a:lnB>
-                    <a:solidFill>
-                      <a:srgbClr val="cccccc"/>
-                    </a:solidFill>
-                  </a:tcPr>
-                </a:tc>
-              </a:tr>
-              <a:tr h="549000">
-                <a:tc>
-                  <a:txBody>
-                    <a:bodyPr lIns="90000" rIns="90000"/>
-                    <a:p>
-                      <a:r>
-                        <a:rPr lang="en-US" sz="1600" spc="-1" strike="noStrike">
-                          <a:solidFill>
-                            <a:srgbClr val="000000"/>
-                          </a:solidFill>
-                          <a:uFill>
-                            <a:solidFill>
-                              <a:srgbClr val="ffffff"/>
-                            </a:solidFill>
-                          </a:uFill>
-                          <a:latin typeface="Arial"/>
-                        </a:rPr>
-                        <a:t>Tout est documentable, les erreurs, les cas particuliers</a:t>
-                      </a:r>
-                      <a:endParaRPr lang="en-US" sz="1800" spc="-1" strike="noStrike">
-                        <a:solidFill>
-                          <a:srgbClr val="000000"/>
-                        </a:solidFill>
-                        <a:uFill>
-                          <a:solidFill>
-                            <a:srgbClr val="ffffff"/>
-                          </a:solidFill>
-                        </a:uFill>
-                        <a:latin typeface="Arial"/>
-                      </a:endParaRPr>
-                    </a:p>
-                  </a:txBody>
-                  <a:tcPr marL="90000" marR="90000">
-                    <a:lnL w="720">
-                      <a:solidFill>
-                        <a:srgbClr val="ffffff"/>
-                      </a:solidFill>
-                    </a:lnL>
-                    <a:lnR w="720">
-                      <a:solidFill>
-                        <a:srgbClr val="ffffff"/>
-                      </a:solidFill>
-                    </a:lnR>
-                    <a:lnT w="720">
-                      <a:solidFill>
-                        <a:srgbClr val="ffffff"/>
-                      </a:solidFill>
-                    </a:lnT>
-                    <a:lnB w="720">
-                      <a:solidFill>
-                        <a:srgbClr val="ffffff"/>
-                      </a:solidFill>
-                    </a:lnB>
-                    <a:solidFill>
-                      <a:srgbClr val="e6e6e6"/>
-                    </a:solidFill>
-                  </a:tcPr>
-                </a:tc>
-                <a:tc>
-                  <a:tcPr marL="90000" marR="90000">
-                    <a:lnL w="720">
-                      <a:solidFill>
-                        <a:srgbClr val="ffffff"/>
-                      </a:solidFill>
-                    </a:lnL>
-                    <a:lnR w="720">
-                      <a:solidFill>
-                        <a:srgbClr val="ffffff"/>
-                      </a:solidFill>
-                    </a:lnR>
-                    <a:lnT w="720">
-                      <a:solidFill>
-                        <a:srgbClr val="ffffff"/>
-                      </a:solidFill>
-                    </a:lnT>
-                    <a:lnB w="720">
-                      <a:solidFill>
-                        <a:srgbClr val="ffffff"/>
-                      </a:solidFill>
-                    </a:lnB>
-                    <a:solidFill>
-                      <a:srgbClr val="e6e6e6"/>
-                    </a:solidFill>
-                  </a:tcPr>
-                </a:tc>
-              </a:tr>
-              <a:tr h="603720">
-                <a:tc>
-                  <a:txBody>
-                    <a:bodyPr lIns="90000" rIns="90000"/>
-                    <a:p>
-                      <a:r>
-                        <a:rPr lang="en-US" sz="1800" spc="-1" strike="noStrike">
-                          <a:solidFill>
-                            <a:srgbClr val="000000"/>
-                          </a:solidFill>
-                          <a:uFill>
-                            <a:solidFill>
-                              <a:srgbClr val="ffffff"/>
-                            </a:solidFill>
-                          </a:uFill>
-                          <a:latin typeface="Arial"/>
-                        </a:rPr>
-                        <a:t>Facilement customisable (PathParamSnippet...)</a:t>
-                      </a:r>
-                      <a:endParaRPr lang="en-US" sz="1800" spc="-1" strike="noStrike">
-                        <a:solidFill>
-                          <a:srgbClr val="000000"/>
-                        </a:solidFill>
-                        <a:uFill>
-                          <a:solidFill>
-                            <a:srgbClr val="ffffff"/>
-                          </a:solidFill>
-                        </a:uFill>
-                        <a:latin typeface="Arial"/>
-                      </a:endParaRPr>
-                    </a:p>
-                  </a:txBody>
-                  <a:tcPr marL="90000" marR="90000">
-                    <a:lnL w="720">
-                      <a:solidFill>
-                        <a:srgbClr val="ffffff"/>
-                      </a:solidFill>
-                    </a:lnL>
-                    <a:lnR w="720">
-                      <a:solidFill>
-                        <a:srgbClr val="ffffff"/>
-                      </a:solidFill>
-                    </a:lnR>
-                    <a:lnT w="720">
-                      <a:solidFill>
-                        <a:srgbClr val="ffffff"/>
-                      </a:solidFill>
-                    </a:lnT>
-                    <a:lnB w="720">
-                      <a:solidFill>
-                        <a:srgbClr val="ffffff"/>
-                      </a:solidFill>
-                    </a:lnB>
-                    <a:solidFill>
-                      <a:srgbClr val="cccccc"/>
-                    </a:solidFill>
-                  </a:tcPr>
-                </a:tc>
-                <a:tc>
-                  <a:tcPr marL="90000" marR="90000">
-                    <a:lnL w="720">
-                      <a:solidFill>
-                        <a:srgbClr val="ffffff"/>
-                      </a:solidFill>
-                    </a:lnL>
-                    <a:lnR w="720">
-                      <a:solidFill>
-                        <a:srgbClr val="ffffff"/>
-                      </a:solidFill>
-                    </a:lnR>
-                    <a:lnT w="720">
-                      <a:solidFill>
-                        <a:srgbClr val="ffffff"/>
-                      </a:solidFill>
-                    </a:lnT>
-                    <a:lnB w="720">
-                      <a:solidFill>
-                        <a:srgbClr val="ffffff"/>
-                      </a:solidFill>
-                    </a:lnB>
-                    <a:solidFill>
-                      <a:srgbClr val="cccccc"/>
-                    </a:solidFill>
-                  </a:tcPr>
-                </a:tc>
-              </a:tr>
-            </a:tbl>
-          </a:graphicData>
-        </a:graphic>
-      </p:graphicFrame>
     </p:spTree>
   </p:cSld>
   <p:timing>
@@ -6249,119 +6267,8 @@
 </p:sld>
 </file>
 
-<file path=ppt/slides/slide16.xml><?xml version="1.0" encoding="utf-8"?>
-<p:sld xmlns:a="http://schemas.openxmlformats.org/drawingml/2006/main" xmlns:p="http://schemas.openxmlformats.org/presentationml/2006/main" xmlns:r="http://schemas.openxmlformats.org/officeDocument/2006/relationships">
-  <p:cSld>
-    <p:spTree>
-      <p:nvGrpSpPr>
-        <p:cNvPr id="1" name=""/>
-        <p:cNvGrpSpPr/>
-        <p:nvPr/>
-      </p:nvGrpSpPr>
-      <p:grpSpPr>
-        <a:xfrm>
-          <a:off x="0" y="0"/>
-          <a:ext cx="0" cy="0"/>
-          <a:chOff x="0" y="0"/>
-          <a:chExt cx="0" cy="0"/>
-        </a:xfrm>
-      </p:grpSpPr>
-      <p:sp>
-        <p:nvSpPr>
-          <p:cNvPr id="111" name="CustomShape 1"/>
-          <p:cNvSpPr/>
-          <p:nvPr/>
-        </p:nvSpPr>
-        <p:spPr>
-          <a:xfrm>
-            <a:off x="457200" y="1695600"/>
-            <a:ext cx="9070200" cy="3180960"/>
-          </a:xfrm>
-          <a:prstGeom prst="rect">
-            <a:avLst/>
-          </a:prstGeom>
-          <a:noFill/>
-          <a:ln>
-            <a:noFill/>
-          </a:ln>
-        </p:spPr>
-        <p:style>
-          <a:lnRef idx="0"/>
-          <a:fillRef idx="0"/>
-          <a:effectRef idx="0"/>
-          <a:fontRef idx="minor"/>
-        </p:style>
-        <p:txBody>
-          <a:bodyPr lIns="0" rIns="0" tIns="0" bIns="0" anchor="ctr"/>
-          <a:p>
-            <a:pPr algn="ctr">
-              <a:lnSpc>
-                <a:spcPct val="100000"/>
-              </a:lnSpc>
-            </a:pPr>
-            <a:r>
-              <a:rPr lang="en-US" sz="6600" spc="-1" strike="noStrike">
-                <a:solidFill>
-                  <a:srgbClr val="cc3300"/>
-                </a:solidFill>
-                <a:uFill>
-                  <a:solidFill>
-                    <a:srgbClr val="ffffff"/>
-                  </a:solidFill>
-                </a:uFill>
-                <a:latin typeface="Arial"/>
-                <a:ea typeface="DejaVu Sans"/>
-              </a:rPr>
-              <a:t>Merci pour votre attention</a:t>
-            </a:r>
-            <a:endParaRPr lang="en-US" sz="1800" spc="-1" strike="noStrike">
-              <a:solidFill>
-                <a:srgbClr val="000000"/>
-              </a:solidFill>
-              <a:uFill>
-                <a:solidFill>
-                  <a:srgbClr val="ffffff"/>
-                </a:solidFill>
-              </a:uFill>
-              <a:latin typeface="Arial"/>
-            </a:endParaRPr>
-          </a:p>
-        </p:txBody>
-      </p:sp>
-    </p:spTree>
-  </p:cSld>
-  <p:timing>
-    <p:tnLst>
-      <p:par>
-        <p:cTn id="31" dur="indefinite" restart="never" nodeType="tmRoot">
-          <p:childTnLst>
-            <p:seq>
-              <p:cTn id="32" nodeType="mainSeq"/>
-              <p:prevCondLst>
-                <p:cond delay="0" evt="onPrev">
-                  <p:tgtEl>
-                    <p:sldTgt/>
-                  </p:tgtEl>
-                </p:cond>
-              </p:prevCondLst>
-              <p:nextCondLst>
-                <p:cond delay="0" evt="onNext">
-                  <p:tgtEl>
-                    <p:sldTgt/>
-                  </p:tgtEl>
-                </p:cond>
-              </p:nextCondLst>
-            </p:seq>
-          </p:childTnLst>
-        </p:cTn>
-      </p:par>
-    </p:tnLst>
-  </p:timing>
-</p:sld>
-</file>
-
 <file path=ppt/slides/slide2.xml><?xml version="1.0" encoding="utf-8"?>
-<p:sld xmlns:a="http://schemas.openxmlformats.org/drawingml/2006/main" xmlns:p="http://schemas.openxmlformats.org/presentationml/2006/main" xmlns:r="http://schemas.openxmlformats.org/officeDocument/2006/relationships">
+<p:sld xmlns:a="http://schemas.openxmlformats.org/drawingml/2006/main" xmlns:p="http://schemas.openxmlformats.org/presentationml/2006/main" xmlns:r="http://schemas.openxmlformats.org/officeDocument/2006/relationships" xmlns:p14="http://schemas.microsoft.com/office/powerpoint/2010/main" xmlns:p15="http://schemas.microsoft.com/office/powerpoint/2012/main" xmlns:mc="http://schemas.openxmlformats.org/markup-compatibility/2006">
   <p:cSld>
     <p:spTree>
       <p:nvGrpSpPr>
@@ -6386,7 +6293,7 @@
         <p:spPr>
           <a:xfrm>
             <a:off x="504000" y="301320"/>
-            <a:ext cx="9070200" cy="1260720"/>
+            <a:ext cx="9069840" cy="1260360"/>
           </a:xfrm>
           <a:prstGeom prst="rect">
             <a:avLst/>
@@ -6411,7 +6318,7 @@
               </a:lnSpc>
             </a:pPr>
             <a:r>
-              <a:rPr lang="en-US" sz="4400" spc="-1" strike="noStrike">
+              <a:rPr b="0" lang="fr-FR" sz="4400" spc="-1" strike="noStrike">
                 <a:solidFill>
                   <a:srgbClr val="cc3300"/>
                 </a:solidFill>
@@ -6425,7 +6332,7 @@
               </a:rPr>
               <a:t>Comment faire ?</a:t>
             </a:r>
-            <a:endParaRPr lang="en-US" sz="1800" spc="-1" strike="noStrike">
+            <a:endParaRPr b="0" lang="fr-FR" sz="1800" spc="-1" strike="noStrike">
               <a:solidFill>
                 <a:srgbClr val="000000"/>
               </a:solidFill>
@@ -6448,7 +6355,7 @@
         <p:spPr>
           <a:xfrm>
             <a:off x="504000" y="2016360"/>
-            <a:ext cx="9070200" cy="4383000"/>
+            <a:ext cx="9069840" cy="4382640"/>
           </a:xfrm>
           <a:prstGeom prst="rect">
             <a:avLst/>
@@ -6467,7 +6374,7 @@
         <p:txBody>
           <a:bodyPr lIns="0" rIns="0" tIns="0" bIns="0"/>
           <a:p>
-            <a:pPr marL="432000" indent="-322560">
+            <a:pPr marL="432000" indent="-322200">
               <a:lnSpc>
                 <a:spcPct val="100000"/>
               </a:lnSpc>
@@ -6479,7 +6386,7 @@
               <a:buChar char=""/>
             </a:pPr>
             <a:r>
-              <a:rPr lang="en-US" sz="2800" spc="-1" strike="noStrike">
+              <a:rPr b="0" lang="fr-FR" sz="2800" spc="-1" strike="noStrike">
                 <a:solidFill>
                   <a:srgbClr val="000000"/>
                 </a:solidFill>
@@ -6493,20 +6400,20 @@
               </a:rPr>
               <a:t>1) WSDL</a:t>
             </a:r>
-            <a:endParaRPr lang="en-US" sz="1800" spc="-1" strike="noStrike">
-              <a:solidFill>
-                <a:srgbClr val="000000"/>
-              </a:solidFill>
-              <a:uFill>
-                <a:solidFill>
-                  <a:srgbClr val="ffffff"/>
-                </a:solidFill>
-              </a:uFill>
-              <a:latin typeface="Arial"/>
-            </a:endParaRPr>
-          </a:p>
-          <a:p>
-            <a:pPr marL="432000" indent="-322560">
+            <a:endParaRPr b="0" lang="fr-FR" sz="1800" spc="-1" strike="noStrike">
+              <a:solidFill>
+                <a:srgbClr val="000000"/>
+              </a:solidFill>
+              <a:uFill>
+                <a:solidFill>
+                  <a:srgbClr val="ffffff"/>
+                </a:solidFill>
+              </a:uFill>
+              <a:latin typeface="Arial"/>
+            </a:endParaRPr>
+          </a:p>
+          <a:p>
+            <a:pPr marL="432000" indent="-322200">
               <a:lnSpc>
                 <a:spcPct val="100000"/>
               </a:lnSpc>
@@ -6518,7 +6425,7 @@
               <a:buChar char=""/>
             </a:pPr>
             <a:r>
-              <a:rPr lang="en-US" sz="2800" spc="-1" strike="noStrike">
+              <a:rPr b="0" lang="fr-FR" sz="2800" spc="-1" strike="noStrike">
                 <a:solidFill>
                   <a:srgbClr val="000000"/>
                 </a:solidFill>
@@ -6532,20 +6439,20 @@
               </a:rPr>
               <a:t>2) Postman</a:t>
             </a:r>
-            <a:endParaRPr lang="en-US" sz="1800" spc="-1" strike="noStrike">
-              <a:solidFill>
-                <a:srgbClr val="000000"/>
-              </a:solidFill>
-              <a:uFill>
-                <a:solidFill>
-                  <a:srgbClr val="ffffff"/>
-                </a:solidFill>
-              </a:uFill>
-              <a:latin typeface="Arial"/>
-            </a:endParaRPr>
-          </a:p>
-          <a:p>
-            <a:pPr marL="432000" indent="-322560">
+            <a:endParaRPr b="0" lang="fr-FR" sz="1800" spc="-1" strike="noStrike">
+              <a:solidFill>
+                <a:srgbClr val="000000"/>
+              </a:solidFill>
+              <a:uFill>
+                <a:solidFill>
+                  <a:srgbClr val="ffffff"/>
+                </a:solidFill>
+              </a:uFill>
+              <a:latin typeface="Arial"/>
+            </a:endParaRPr>
+          </a:p>
+          <a:p>
+            <a:pPr marL="432000" indent="-322200">
               <a:lnSpc>
                 <a:spcPct val="100000"/>
               </a:lnSpc>
@@ -6557,7 +6464,7 @@
               <a:buChar char=""/>
             </a:pPr>
             <a:r>
-              <a:rPr lang="en-US" sz="2800" spc="-1" strike="noStrike">
+              <a:rPr b="0" lang="fr-FR" sz="2800" spc="-1" strike="noStrike">
                 <a:solidFill>
                   <a:srgbClr val="000000"/>
                 </a:solidFill>
@@ -6571,20 +6478,20 @@
               </a:rPr>
               <a:t>3) Swagger</a:t>
             </a:r>
-            <a:endParaRPr lang="en-US" sz="1800" spc="-1" strike="noStrike">
-              <a:solidFill>
-                <a:srgbClr val="000000"/>
-              </a:solidFill>
-              <a:uFill>
-                <a:solidFill>
-                  <a:srgbClr val="ffffff"/>
-                </a:solidFill>
-              </a:uFill>
-              <a:latin typeface="Arial"/>
-            </a:endParaRPr>
-          </a:p>
-          <a:p>
-            <a:pPr marL="432000" indent="-322560">
+            <a:endParaRPr b="0" lang="fr-FR" sz="1800" spc="-1" strike="noStrike">
+              <a:solidFill>
+                <a:srgbClr val="000000"/>
+              </a:solidFill>
+              <a:uFill>
+                <a:solidFill>
+                  <a:srgbClr val="ffffff"/>
+                </a:solidFill>
+              </a:uFill>
+              <a:latin typeface="Arial"/>
+            </a:endParaRPr>
+          </a:p>
+          <a:p>
+            <a:pPr marL="432000" indent="-322200">
               <a:lnSpc>
                 <a:spcPct val="100000"/>
               </a:lnSpc>
@@ -6596,7 +6503,7 @@
               <a:buChar char=""/>
             </a:pPr>
             <a:r>
-              <a:rPr lang="en-US" sz="2800" spc="-1" strike="noStrike">
+              <a:rPr b="0" lang="fr-FR" sz="2800" spc="-1" strike="noStrike">
                 <a:solidFill>
                   <a:srgbClr val="000000"/>
                 </a:solidFill>
@@ -6610,7 +6517,7 @@
               </a:rPr>
               <a:t>4) Spring Rest Doc</a:t>
             </a:r>
-            <a:endParaRPr lang="en-US" sz="1800" spc="-1" strike="noStrike">
+            <a:endParaRPr b="0" lang="fr-FR" sz="1800" spc="-1" strike="noStrike">
               <a:solidFill>
                 <a:srgbClr val="000000"/>
               </a:solidFill>
@@ -6657,7 +6564,7 @@
 </file>
 
 <file path=ppt/slides/slide3.xml><?xml version="1.0" encoding="utf-8"?>
-<p:sld xmlns:a="http://schemas.openxmlformats.org/drawingml/2006/main" xmlns:p="http://schemas.openxmlformats.org/presentationml/2006/main" xmlns:r="http://schemas.openxmlformats.org/officeDocument/2006/relationships">
+<p:sld xmlns:a="http://schemas.openxmlformats.org/drawingml/2006/main" xmlns:p="http://schemas.openxmlformats.org/presentationml/2006/main" xmlns:r="http://schemas.openxmlformats.org/officeDocument/2006/relationships" xmlns:p14="http://schemas.microsoft.com/office/powerpoint/2010/main" xmlns:p15="http://schemas.microsoft.com/office/powerpoint/2012/main" xmlns:mc="http://schemas.openxmlformats.org/markup-compatibility/2006">
   <p:cSld>
     <p:spTree>
       <p:nvGrpSpPr>
@@ -6682,7 +6589,7 @@
         <p:spPr>
           <a:xfrm>
             <a:off x="504000" y="301320"/>
-            <a:ext cx="9070200" cy="1260720"/>
+            <a:ext cx="9069840" cy="1260360"/>
           </a:xfrm>
           <a:prstGeom prst="rect">
             <a:avLst/>
@@ -6707,7 +6614,7 @@
               </a:lnSpc>
             </a:pPr>
             <a:r>
-              <a:rPr lang="en-US" sz="4400" spc="-1" strike="noStrike">
+              <a:rPr b="0" lang="fr-FR" sz="4400" spc="-1" strike="noStrike">
                 <a:solidFill>
                   <a:srgbClr val="cc3300"/>
                 </a:solidFill>
@@ -6721,7 +6628,7 @@
               </a:rPr>
               <a:t>WSDL</a:t>
             </a:r>
-            <a:endParaRPr lang="en-US" sz="1800" spc="-1" strike="noStrike">
+            <a:endParaRPr b="0" lang="fr-FR" sz="1800" spc="-1" strike="noStrike">
               <a:solidFill>
                 <a:srgbClr val="000000"/>
               </a:solidFill>
@@ -6748,7 +6655,7 @@
         <p:spPr>
           <a:xfrm>
             <a:off x="2377440" y="2269080"/>
-            <a:ext cx="5346000" cy="3124440"/>
+            <a:ext cx="5345640" cy="3124080"/>
           </a:xfrm>
           <a:prstGeom prst="rect">
             <a:avLst/>
@@ -6791,7 +6698,7 @@
 </file>
 
 <file path=ppt/slides/slide4.xml><?xml version="1.0" encoding="utf-8"?>
-<p:sld xmlns:a="http://schemas.openxmlformats.org/drawingml/2006/main" xmlns:p="http://schemas.openxmlformats.org/presentationml/2006/main" xmlns:r="http://schemas.openxmlformats.org/officeDocument/2006/relationships">
+<p:sld xmlns:a="http://schemas.openxmlformats.org/drawingml/2006/main" xmlns:p="http://schemas.openxmlformats.org/presentationml/2006/main" xmlns:r="http://schemas.openxmlformats.org/officeDocument/2006/relationships" xmlns:p14="http://schemas.microsoft.com/office/powerpoint/2010/main" xmlns:p15="http://schemas.microsoft.com/office/powerpoint/2012/main" xmlns:mc="http://schemas.openxmlformats.org/markup-compatibility/2006">
   <p:cSld>
     <p:spTree>
       <p:nvGrpSpPr>
@@ -6816,7 +6723,7 @@
         <p:spPr>
           <a:xfrm>
             <a:off x="504000" y="49320"/>
-            <a:ext cx="9070200" cy="1260720"/>
+            <a:ext cx="9069840" cy="1260360"/>
           </a:xfrm>
           <a:prstGeom prst="rect">
             <a:avLst/>
@@ -6841,7 +6748,7 @@
               </a:lnSpc>
             </a:pPr>
             <a:r>
-              <a:rPr lang="en-US" sz="4400" spc="-1" strike="noStrike">
+              <a:rPr b="0" lang="fr-FR" sz="4400" spc="-1" strike="noStrike">
                 <a:solidFill>
                   <a:srgbClr val="cc3300"/>
                 </a:solidFill>
@@ -6855,7 +6762,7 @@
               </a:rPr>
               <a:t>Mais...</a:t>
             </a:r>
-            <a:endParaRPr lang="en-US" sz="1800" spc="-1" strike="noStrike">
+            <a:endParaRPr b="0" lang="fr-FR" sz="1800" spc="-1" strike="noStrike">
               <a:solidFill>
                 <a:srgbClr val="000000"/>
               </a:solidFill>
@@ -6882,7 +6789,7 @@
         <p:spPr>
           <a:xfrm>
             <a:off x="2743200" y="1188720"/>
-            <a:ext cx="5210640" cy="5808960"/>
+            <a:ext cx="5210280" cy="5808600"/>
           </a:xfrm>
           <a:prstGeom prst="rect">
             <a:avLst/>
@@ -6925,7 +6832,7 @@
 </file>
 
 <file path=ppt/slides/slide5.xml><?xml version="1.0" encoding="utf-8"?>
-<p:sld xmlns:a="http://schemas.openxmlformats.org/drawingml/2006/main" xmlns:p="http://schemas.openxmlformats.org/presentationml/2006/main" xmlns:r="http://schemas.openxmlformats.org/officeDocument/2006/relationships">
+<p:sld xmlns:a="http://schemas.openxmlformats.org/drawingml/2006/main" xmlns:p="http://schemas.openxmlformats.org/presentationml/2006/main" xmlns:r="http://schemas.openxmlformats.org/officeDocument/2006/relationships" xmlns:p14="http://schemas.microsoft.com/office/powerpoint/2010/main" xmlns:p15="http://schemas.microsoft.com/office/powerpoint/2012/main" xmlns:mc="http://schemas.openxmlformats.org/markup-compatibility/2006">
   <p:cSld>
     <p:spTree>
       <p:nvGrpSpPr>
@@ -6950,7 +6857,7 @@
         <p:spPr>
           <a:xfrm>
             <a:off x="504000" y="49320"/>
-            <a:ext cx="9070200" cy="1260720"/>
+            <a:ext cx="9069840" cy="1260360"/>
           </a:xfrm>
           <a:prstGeom prst="rect">
             <a:avLst/>
@@ -6975,7 +6882,7 @@
               </a:lnSpc>
             </a:pPr>
             <a:r>
-              <a:rPr lang="en-US" sz="4400" spc="-1" strike="noStrike">
+              <a:rPr b="0" lang="fr-FR" sz="4400" spc="-1" strike="noStrike">
                 <a:solidFill>
                   <a:srgbClr val="cc3300"/>
                 </a:solidFill>
@@ -6989,7 +6896,7 @@
               </a:rPr>
               <a:t>Postman</a:t>
             </a:r>
-            <a:endParaRPr lang="en-US" sz="1800" spc="-1" strike="noStrike">
+            <a:endParaRPr b="0" lang="fr-FR" sz="1800" spc="-1" strike="noStrike">
               <a:solidFill>
                 <a:srgbClr val="000000"/>
               </a:solidFill>
@@ -7016,7 +6923,7 @@
         <p:spPr>
           <a:xfrm>
             <a:off x="6309360" y="1221480"/>
-            <a:ext cx="3427200" cy="1245960"/>
+            <a:ext cx="3426840" cy="1245600"/>
           </a:xfrm>
           <a:prstGeom prst="rect">
             <a:avLst/>
@@ -7035,7 +6942,7 @@
         <p:spPr>
           <a:xfrm>
             <a:off x="822960" y="1391400"/>
-            <a:ext cx="4479120" cy="1076400"/>
+            <a:ext cx="4478760" cy="1076040"/>
           </a:xfrm>
           <a:prstGeom prst="rect">
             <a:avLst/>
@@ -7055,7 +6962,7 @@
           <a:bodyPr lIns="90000" rIns="90000" tIns="45000" bIns="45000"/>
           <a:p>
             <a:r>
-              <a:rPr lang="en-US" sz="1800" spc="-1" strike="noStrike">
+              <a:rPr b="0" lang="fr-FR" sz="1800" spc="-1" strike="noStrike">
                 <a:solidFill>
                   <a:srgbClr val="000000"/>
                 </a:solidFill>
@@ -7069,7 +6976,7 @@
               </a:rPr>
               <a:t>Importer une collection avec Postman au format JSON.</a:t>
             </a:r>
-            <a:endParaRPr lang="en-US" sz="1800" spc="-1" strike="noStrike">
+            <a:endParaRPr b="0" lang="fr-FR" sz="1800" spc="-1" strike="noStrike">
               <a:solidFill>
                 <a:srgbClr val="000000"/>
               </a:solidFill>
@@ -7096,7 +7003,7 @@
         <p:spPr>
           <a:xfrm>
             <a:off x="1676880" y="2743200"/>
-            <a:ext cx="6734160" cy="4288320"/>
+            <a:ext cx="6733800" cy="4287960"/>
           </a:xfrm>
           <a:prstGeom prst="rect">
             <a:avLst/>
@@ -7139,7 +7046,7 @@
 </file>
 
 <file path=ppt/slides/slide6.xml><?xml version="1.0" encoding="utf-8"?>
-<p:sld xmlns:a="http://schemas.openxmlformats.org/drawingml/2006/main" xmlns:p="http://schemas.openxmlformats.org/presentationml/2006/main" xmlns:r="http://schemas.openxmlformats.org/officeDocument/2006/relationships">
+<p:sld xmlns:a="http://schemas.openxmlformats.org/drawingml/2006/main" xmlns:p="http://schemas.openxmlformats.org/presentationml/2006/main" xmlns:r="http://schemas.openxmlformats.org/officeDocument/2006/relationships" xmlns:p14="http://schemas.microsoft.com/office/powerpoint/2010/main" xmlns:p15="http://schemas.microsoft.com/office/powerpoint/2012/main" xmlns:mc="http://schemas.openxmlformats.org/markup-compatibility/2006">
   <p:cSld>
     <p:spTree>
       <p:nvGrpSpPr>
@@ -7164,7 +7071,7 @@
         <p:spPr>
           <a:xfrm>
             <a:off x="504000" y="49320"/>
-            <a:ext cx="9070200" cy="1260720"/>
+            <a:ext cx="9069840" cy="1260360"/>
           </a:xfrm>
           <a:prstGeom prst="rect">
             <a:avLst/>
@@ -7189,7 +7096,7 @@
               </a:lnSpc>
             </a:pPr>
             <a:r>
-              <a:rPr lang="en-US" sz="4400" spc="-1" strike="noStrike">
+              <a:rPr b="0" lang="fr-FR" sz="4400" spc="-1" strike="noStrike">
                 <a:solidFill>
                   <a:srgbClr val="cc3300"/>
                 </a:solidFill>
@@ -7203,7 +7110,7 @@
               </a:rPr>
               <a:t>Swagger</a:t>
             </a:r>
-            <a:endParaRPr lang="en-US" sz="1800" spc="-1" strike="noStrike">
+            <a:endParaRPr b="0" lang="fr-FR" sz="1800" spc="-1" strike="noStrike">
               <a:solidFill>
                 <a:srgbClr val="000000"/>
               </a:solidFill>
@@ -7230,7 +7137,7 @@
         <p:spPr>
           <a:xfrm>
             <a:off x="1005840" y="2011680"/>
-            <a:ext cx="8034840" cy="4163400"/>
+            <a:ext cx="8034480" cy="4163040"/>
           </a:xfrm>
           <a:prstGeom prst="rect">
             <a:avLst/>
@@ -7253,7 +7160,7 @@
         <p:spPr>
           <a:xfrm>
             <a:off x="8157960" y="365760"/>
-            <a:ext cx="1350360" cy="1321920"/>
+            <a:ext cx="1350000" cy="1321560"/>
           </a:xfrm>
           <a:prstGeom prst="rect">
             <a:avLst/>
@@ -7296,7 +7203,7 @@
 </file>
 
 <file path=ppt/slides/slide7.xml><?xml version="1.0" encoding="utf-8"?>
-<p:sld xmlns:a="http://schemas.openxmlformats.org/drawingml/2006/main" xmlns:p="http://schemas.openxmlformats.org/presentationml/2006/main" xmlns:r="http://schemas.openxmlformats.org/officeDocument/2006/relationships">
+<p:sld xmlns:a="http://schemas.openxmlformats.org/drawingml/2006/main" xmlns:p="http://schemas.openxmlformats.org/presentationml/2006/main" xmlns:r="http://schemas.openxmlformats.org/officeDocument/2006/relationships" xmlns:p14="http://schemas.microsoft.com/office/powerpoint/2010/main" xmlns:p15="http://schemas.microsoft.com/office/powerpoint/2012/main" xmlns:mc="http://schemas.openxmlformats.org/markup-compatibility/2006">
   <p:cSld>
     <p:spTree>
       <p:nvGrpSpPr>
@@ -7321,7 +7228,7 @@
         <p:spPr>
           <a:xfrm>
             <a:off x="504000" y="49320"/>
-            <a:ext cx="9070200" cy="1260720"/>
+            <a:ext cx="9069840" cy="1260360"/>
           </a:xfrm>
           <a:prstGeom prst="rect">
             <a:avLst/>
@@ -7346,7 +7253,7 @@
               </a:lnSpc>
             </a:pPr>
             <a:r>
-              <a:rPr lang="en-US" sz="4400" spc="-1" strike="noStrike">
+              <a:rPr b="0" lang="fr-FR" sz="4400" spc="-1" strike="noStrike">
                 <a:solidFill>
                   <a:srgbClr val="cc3300"/>
                 </a:solidFill>
@@ -7360,7 +7267,7 @@
               </a:rPr>
               <a:t>Swagger</a:t>
             </a:r>
-            <a:endParaRPr lang="en-US" sz="1800" spc="-1" strike="noStrike">
+            <a:endParaRPr b="0" lang="fr-FR" sz="1800" spc="-1" strike="noStrike">
               <a:solidFill>
                 <a:srgbClr val="000000"/>
               </a:solidFill>
@@ -7387,7 +7294,7 @@
         <p:spPr>
           <a:xfrm>
             <a:off x="8157960" y="365760"/>
-            <a:ext cx="1350360" cy="1321920"/>
+            <a:ext cx="1350000" cy="1321560"/>
           </a:xfrm>
           <a:prstGeom prst="rect">
             <a:avLst/>
@@ -7399,14 +7306,14 @@
       </p:pic>
       <p:sp>
         <p:nvSpPr>
-          <p:cNvPr id="88" name="TextShape 2"/>
-          <p:cNvSpPr txBox="1"/>
+          <p:cNvPr id="88" name="CustomShape 2"/>
+          <p:cNvSpPr/>
           <p:nvPr/>
         </p:nvSpPr>
         <p:spPr>
           <a:xfrm>
             <a:off x="731520" y="2560320"/>
-            <a:ext cx="7110360" cy="2649960"/>
+            <a:ext cx="7110000" cy="2649600"/>
           </a:xfrm>
           <a:prstGeom prst="rect">
             <a:avLst/>
@@ -7416,11 +7323,17 @@
             <a:noFill/>
           </a:ln>
         </p:spPr>
+        <p:style>
+          <a:lnRef idx="0"/>
+          <a:fillRef idx="0"/>
+          <a:effectRef idx="0"/>
+          <a:fontRef idx="minor"/>
+        </p:style>
         <p:txBody>
           <a:bodyPr lIns="90000" rIns="90000" tIns="45000" bIns="45000"/>
           <a:p>
             <a:r>
-              <a:rPr lang="en-US" sz="1800" spc="-1" strike="noStrike">
+              <a:rPr b="0" lang="fr-FR" sz="1800" spc="-1" strike="noStrike">
                 <a:solidFill>
                   <a:srgbClr val="000000"/>
                 </a:solidFill>
@@ -7433,20 +7346,20 @@
               </a:rPr>
               <a:t>Installation :</a:t>
             </a:r>
-            <a:endParaRPr lang="en-US" sz="1800" spc="-1" strike="noStrike">
-              <a:solidFill>
-                <a:srgbClr val="000000"/>
-              </a:solidFill>
-              <a:uFill>
-                <a:solidFill>
-                  <a:srgbClr val="ffffff"/>
-                </a:solidFill>
-              </a:uFill>
-              <a:latin typeface="Arial"/>
-            </a:endParaRPr>
-          </a:p>
-          <a:p>
-            <a:endParaRPr lang="en-US" sz="1800" spc="-1" strike="noStrike">
+            <a:endParaRPr b="0" lang="fr-FR" sz="1800" spc="-1" strike="noStrike">
+              <a:solidFill>
+                <a:srgbClr val="000000"/>
+              </a:solidFill>
+              <a:uFill>
+                <a:solidFill>
+                  <a:srgbClr val="ffffff"/>
+                </a:solidFill>
+              </a:uFill>
+              <a:latin typeface="Arial"/>
+            </a:endParaRPr>
+          </a:p>
+          <a:p>
+            <a:endParaRPr b="0" lang="fr-FR" sz="1800" spc="-1" strike="noStrike">
               <a:solidFill>
                 <a:srgbClr val="000000"/>
               </a:solidFill>
@@ -7460,7 +7373,7 @@
           </a:p>
           <a:p>
             <a:r>
-              <a:rPr lang="en-US" sz="1800" spc="-1" strike="noStrike">
+              <a:rPr b="0" lang="fr-FR" sz="1800" spc="-1" strike="noStrike">
                 <a:solidFill>
                   <a:srgbClr val="000000"/>
                 </a:solidFill>
@@ -7474,7 +7387,7 @@
               <a:t>	</a:t>
             </a:r>
             <a:r>
-              <a:rPr lang="en-US" sz="1800" spc="-1" strike="noStrike">
+              <a:rPr b="0" lang="fr-FR" sz="1800" spc="-1" strike="noStrike">
                 <a:solidFill>
                   <a:srgbClr val="000000"/>
                 </a:solidFill>
@@ -7487,20 +7400,20 @@
               </a:rPr>
               <a:t>- Ajouter la dépendance principale</a:t>
             </a:r>
-            <a:endParaRPr lang="en-US" sz="1800" spc="-1" strike="noStrike">
-              <a:solidFill>
-                <a:srgbClr val="000000"/>
-              </a:solidFill>
-              <a:uFill>
-                <a:solidFill>
-                  <a:srgbClr val="ffffff"/>
-                </a:solidFill>
-              </a:uFill>
-              <a:latin typeface="Arial"/>
-            </a:endParaRPr>
-          </a:p>
-          <a:p>
-            <a:endParaRPr lang="en-US" sz="1800" spc="-1" strike="noStrike">
+            <a:endParaRPr b="0" lang="fr-FR" sz="1800" spc="-1" strike="noStrike">
+              <a:solidFill>
+                <a:srgbClr val="000000"/>
+              </a:solidFill>
+              <a:uFill>
+                <a:solidFill>
+                  <a:srgbClr val="ffffff"/>
+                </a:solidFill>
+              </a:uFill>
+              <a:latin typeface="Arial"/>
+            </a:endParaRPr>
+          </a:p>
+          <a:p>
+            <a:endParaRPr b="0" lang="fr-FR" sz="1800" spc="-1" strike="noStrike">
               <a:solidFill>
                 <a:srgbClr val="000000"/>
               </a:solidFill>
@@ -7514,7 +7427,7 @@
           </a:p>
           <a:p>
             <a:r>
-              <a:rPr lang="en-US" sz="1800" spc="-1" strike="noStrike">
+              <a:rPr b="0" lang="fr-FR" sz="1800" spc="-1" strike="noStrike">
                 <a:solidFill>
                   <a:srgbClr val="000000"/>
                 </a:solidFill>
@@ -7528,7 +7441,7 @@
               <a:t>	</a:t>
             </a:r>
             <a:r>
-              <a:rPr lang="en-US" sz="1800" spc="-1" strike="noStrike">
+              <a:rPr b="0" lang="fr-FR" sz="1800" spc="-1" strike="noStrike">
                 <a:solidFill>
                   <a:srgbClr val="000000"/>
                 </a:solidFill>
@@ -7541,20 +7454,20 @@
               </a:rPr>
               <a:t>- Ajouter des annotations sur les controllers</a:t>
             </a:r>
-            <a:endParaRPr lang="en-US" sz="1800" spc="-1" strike="noStrike">
-              <a:solidFill>
-                <a:srgbClr val="000000"/>
-              </a:solidFill>
-              <a:uFill>
-                <a:solidFill>
-                  <a:srgbClr val="ffffff"/>
-                </a:solidFill>
-              </a:uFill>
-              <a:latin typeface="Arial"/>
-            </a:endParaRPr>
-          </a:p>
-          <a:p>
-            <a:endParaRPr lang="en-US" sz="1800" spc="-1" strike="noStrike">
+            <a:endParaRPr b="0" lang="fr-FR" sz="1800" spc="-1" strike="noStrike">
+              <a:solidFill>
+                <a:srgbClr val="000000"/>
+              </a:solidFill>
+              <a:uFill>
+                <a:solidFill>
+                  <a:srgbClr val="ffffff"/>
+                </a:solidFill>
+              </a:uFill>
+              <a:latin typeface="Arial"/>
+            </a:endParaRPr>
+          </a:p>
+          <a:p>
+            <a:endParaRPr b="0" lang="fr-FR" sz="1800" spc="-1" strike="noStrike">
               <a:solidFill>
                 <a:srgbClr val="000000"/>
               </a:solidFill>
@@ -7568,7 +7481,7 @@
           </a:p>
           <a:p>
             <a:r>
-              <a:rPr lang="en-US" sz="1800" spc="-1" strike="noStrike">
+              <a:rPr b="0" lang="fr-FR" sz="1800" spc="-1" strike="noStrike">
                 <a:solidFill>
                   <a:srgbClr val="000000"/>
                 </a:solidFill>
@@ -7582,7 +7495,7 @@
               <a:t>	</a:t>
             </a:r>
             <a:r>
-              <a:rPr lang="en-US" sz="1800" spc="-1" strike="noStrike">
+              <a:rPr b="0" lang="fr-FR" sz="1800" spc="-1" strike="noStrike">
                 <a:solidFill>
                   <a:srgbClr val="000000"/>
                 </a:solidFill>
@@ -7595,20 +7508,20 @@
               </a:rPr>
               <a:t>- Ajouter la dépendance swagger-ui</a:t>
             </a:r>
-            <a:endParaRPr lang="en-US" sz="1800" spc="-1" strike="noStrike">
-              <a:solidFill>
-                <a:srgbClr val="000000"/>
-              </a:solidFill>
-              <a:uFill>
-                <a:solidFill>
-                  <a:srgbClr val="ffffff"/>
-                </a:solidFill>
-              </a:uFill>
-              <a:latin typeface="Arial"/>
-            </a:endParaRPr>
-          </a:p>
-          <a:p>
-            <a:endParaRPr lang="en-US" sz="1800" spc="-1" strike="noStrike">
+            <a:endParaRPr b="0" lang="fr-FR" sz="1800" spc="-1" strike="noStrike">
+              <a:solidFill>
+                <a:srgbClr val="000000"/>
+              </a:solidFill>
+              <a:uFill>
+                <a:solidFill>
+                  <a:srgbClr val="ffffff"/>
+                </a:solidFill>
+              </a:uFill>
+              <a:latin typeface="Arial"/>
+            </a:endParaRPr>
+          </a:p>
+          <a:p>
+            <a:endParaRPr b="0" lang="fr-FR" sz="1800" spc="-1" strike="noStrike">
               <a:solidFill>
                 <a:srgbClr val="000000"/>
               </a:solidFill>
@@ -7622,7 +7535,7 @@
           </a:p>
           <a:p>
             <a:r>
-              <a:rPr lang="en-US" sz="1800" spc="-1" strike="noStrike">
+              <a:rPr b="0" lang="fr-FR" sz="1800" spc="-1" strike="noStrike">
                 <a:solidFill>
                   <a:srgbClr val="000000"/>
                 </a:solidFill>
@@ -7636,7 +7549,7 @@
               <a:t>	</a:t>
             </a:r>
             <a:r>
-              <a:rPr lang="en-US" sz="1800" spc="-1" strike="noStrike">
+              <a:rPr b="0" lang="fr-FR" sz="1800" spc="-1" strike="noStrike">
                 <a:solidFill>
                   <a:srgbClr val="000000"/>
                 </a:solidFill>
@@ -7649,20 +7562,20 @@
               </a:rPr>
               <a:t>- Ajouter la configuration de Swagger UI (+ redirection si besoin)</a:t>
             </a:r>
-            <a:endParaRPr lang="en-US" sz="1800" spc="-1" strike="noStrike">
-              <a:solidFill>
-                <a:srgbClr val="000000"/>
-              </a:solidFill>
-              <a:uFill>
-                <a:solidFill>
-                  <a:srgbClr val="ffffff"/>
-                </a:solidFill>
-              </a:uFill>
-              <a:latin typeface="Arial"/>
-            </a:endParaRPr>
-          </a:p>
-          <a:p>
-            <a:endParaRPr lang="en-US" sz="1800" spc="-1" strike="noStrike">
+            <a:endParaRPr b="0" lang="fr-FR" sz="1800" spc="-1" strike="noStrike">
+              <a:solidFill>
+                <a:srgbClr val="000000"/>
+              </a:solidFill>
+              <a:uFill>
+                <a:solidFill>
+                  <a:srgbClr val="ffffff"/>
+                </a:solidFill>
+              </a:uFill>
+              <a:latin typeface="Arial"/>
+            </a:endParaRPr>
+          </a:p>
+          <a:p>
+            <a:endParaRPr b="0" lang="fr-FR" sz="1800" spc="-1" strike="noStrike">
               <a:solidFill>
                 <a:srgbClr val="000000"/>
               </a:solidFill>
@@ -7678,14 +7591,14 @@
       </p:sp>
       <p:sp>
         <p:nvSpPr>
-          <p:cNvPr id="89" name="TextShape 3"/>
-          <p:cNvSpPr txBox="1"/>
+          <p:cNvPr id="89" name="CustomShape 3"/>
+          <p:cNvSpPr/>
           <p:nvPr/>
         </p:nvSpPr>
         <p:spPr>
           <a:xfrm>
             <a:off x="816120" y="6766560"/>
-            <a:ext cx="5241960" cy="249120"/>
+            <a:ext cx="5241600" cy="248760"/>
           </a:xfrm>
           <a:prstGeom prst="rect">
             <a:avLst/>
@@ -7695,11 +7608,17 @@
             <a:noFill/>
           </a:ln>
         </p:spPr>
+        <p:style>
+          <a:lnRef idx="0"/>
+          <a:fillRef idx="0"/>
+          <a:effectRef idx="0"/>
+          <a:fontRef idx="minor"/>
+        </p:style>
         <p:txBody>
           <a:bodyPr lIns="90000" rIns="90000" tIns="45000" bIns="45000"/>
           <a:p>
             <a:r>
-              <a:rPr lang="en-US" sz="1100" spc="-1" strike="noStrike">
+              <a:rPr b="0" lang="fr-FR" sz="1100" spc="-1" strike="noStrike">
                 <a:solidFill>
                   <a:srgbClr val="000000"/>
                 </a:solidFill>
@@ -7712,7 +7631,7 @@
               </a:rPr>
               <a:t>Bon tuto : http://www.baeldung.com/swagger-2-documentation-for-spring-rest-api </a:t>
             </a:r>
-            <a:endParaRPr lang="en-US" sz="1800" spc="-1" strike="noStrike">
+            <a:endParaRPr b="0" lang="fr-FR" sz="1800" spc="-1" strike="noStrike">
               <a:solidFill>
                 <a:srgbClr val="000000"/>
               </a:solidFill>
@@ -7759,7 +7678,7 @@
 </file>
 
 <file path=ppt/slides/slide8.xml><?xml version="1.0" encoding="utf-8"?>
-<p:sld xmlns:a="http://schemas.openxmlformats.org/drawingml/2006/main" xmlns:p="http://schemas.openxmlformats.org/presentationml/2006/main" xmlns:r="http://schemas.openxmlformats.org/officeDocument/2006/relationships">
+<p:sld xmlns:a="http://schemas.openxmlformats.org/drawingml/2006/main" xmlns:p="http://schemas.openxmlformats.org/presentationml/2006/main" xmlns:r="http://schemas.openxmlformats.org/officeDocument/2006/relationships" xmlns:p14="http://schemas.microsoft.com/office/powerpoint/2010/main" xmlns:p15="http://schemas.microsoft.com/office/powerpoint/2012/main" xmlns:mc="http://schemas.openxmlformats.org/markup-compatibility/2006">
   <p:cSld>
     <p:spTree>
       <p:nvGrpSpPr>
@@ -7784,7 +7703,7 @@
         <p:spPr>
           <a:xfrm>
             <a:off x="504000" y="49320"/>
-            <a:ext cx="9070200" cy="1260720"/>
+            <a:ext cx="9069840" cy="1260360"/>
           </a:xfrm>
           <a:prstGeom prst="rect">
             <a:avLst/>
@@ -7809,7 +7728,7 @@
               </a:lnSpc>
             </a:pPr>
             <a:r>
-              <a:rPr lang="en-US" sz="4400" spc="-1" strike="noStrike">
+              <a:rPr b="0" lang="fr-FR" sz="4400" spc="-1" strike="noStrike">
                 <a:solidFill>
                   <a:srgbClr val="cc3300"/>
                 </a:solidFill>
@@ -7823,7 +7742,7 @@
               </a:rPr>
               <a:t>Swagger</a:t>
             </a:r>
-            <a:endParaRPr lang="en-US" sz="1800" spc="-1" strike="noStrike">
+            <a:endParaRPr b="0" lang="fr-FR" sz="1800" spc="-1" strike="noStrike">
               <a:solidFill>
                 <a:srgbClr val="000000"/>
               </a:solidFill>
@@ -7850,7 +7769,7 @@
         <p:spPr>
           <a:xfrm>
             <a:off x="914400" y="2406240"/>
-            <a:ext cx="8431920" cy="2804400"/>
+            <a:ext cx="8431560" cy="2804040"/>
           </a:xfrm>
           <a:prstGeom prst="rect">
             <a:avLst/>
@@ -7893,7 +7812,7 @@
 </file>
 
 <file path=ppt/slides/slide9.xml><?xml version="1.0" encoding="utf-8"?>
-<p:sld xmlns:a="http://schemas.openxmlformats.org/drawingml/2006/main" xmlns:p="http://schemas.openxmlformats.org/presentationml/2006/main" xmlns:r="http://schemas.openxmlformats.org/officeDocument/2006/relationships">
+<p:sld xmlns:a="http://schemas.openxmlformats.org/drawingml/2006/main" xmlns:p="http://schemas.openxmlformats.org/presentationml/2006/main" xmlns:r="http://schemas.openxmlformats.org/officeDocument/2006/relationships" xmlns:p14="http://schemas.microsoft.com/office/powerpoint/2010/main" xmlns:p15="http://schemas.microsoft.com/office/powerpoint/2012/main" xmlns:mc="http://schemas.openxmlformats.org/markup-compatibility/2006">
   <p:cSld>
     <p:spTree>
       <p:nvGrpSpPr>
@@ -7918,7 +7837,7 @@
         <p:spPr>
           <a:xfrm>
             <a:off x="504000" y="49320"/>
-            <a:ext cx="9070200" cy="1260720"/>
+            <a:ext cx="9069840" cy="1260360"/>
           </a:xfrm>
           <a:prstGeom prst="rect">
             <a:avLst/>
@@ -7943,7 +7862,7 @@
               </a:lnSpc>
             </a:pPr>
             <a:r>
-              <a:rPr lang="en-US" sz="4400" spc="-1" strike="noStrike">
+              <a:rPr b="0" lang="fr-FR" sz="4400" spc="-1" strike="noStrike">
                 <a:solidFill>
                   <a:srgbClr val="cc3300"/>
                 </a:solidFill>
@@ -7957,7 +7876,7 @@
               </a:rPr>
               <a:t>Swagger</a:t>
             </a:r>
-            <a:endParaRPr lang="en-US" sz="1800" spc="-1" strike="noStrike">
+            <a:endParaRPr b="0" lang="fr-FR" sz="1800" spc="-1" strike="noStrike">
               <a:solidFill>
                 <a:srgbClr val="000000"/>
               </a:solidFill>
@@ -7989,13 +7908,13 @@
                 <a:gridCol w="2734920"/>
                 <a:gridCol w="4119840"/>
               </a:tblGrid>
-              <a:tr h="93600">
+              <a:tr h="317520">
                 <a:tc>
                   <a:txBody>
                     <a:bodyPr lIns="90000" rIns="90000"/>
                     <a:p>
                       <a:r>
-                        <a:rPr lang="en-US" sz="1600" spc="-1" strike="noStrike">
+                        <a:rPr b="0" lang="fr-FR" sz="1600" spc="-1" strike="noStrike">
                           <a:solidFill>
                             <a:srgbClr val="000000"/>
                           </a:solidFill>
@@ -8008,7 +7927,7 @@
                         </a:rPr>
                         <a:t>Point fort</a:t>
                       </a:r>
-                      <a:endParaRPr lang="en-US" sz="1800" spc="-1" strike="noStrike">
+                      <a:endParaRPr b="0" lang="fr-FR" sz="1800" spc="-1" strike="noStrike">
                         <a:solidFill>
                           <a:srgbClr val="000000"/>
                         </a:solidFill>
@@ -8052,7 +7971,7 @@
                     <a:bodyPr lIns="90000" rIns="90000"/>
                     <a:p>
                       <a:r>
-                        <a:rPr lang="en-US" sz="1600" spc="-1" strike="noStrike">
+                        <a:rPr b="0" lang="fr-FR" sz="1600" spc="-1" strike="noStrike">
                           <a:solidFill>
                             <a:srgbClr val="000000"/>
                           </a:solidFill>
@@ -8065,7 +7984,7 @@
                         </a:rPr>
                         <a:t>Point faible</a:t>
                       </a:r>
-                      <a:endParaRPr lang="en-US" sz="1800" spc="-1" strike="noStrike">
+                      <a:endParaRPr b="0" lang="fr-FR" sz="1800" spc="-1" strike="noStrike">
                         <a:solidFill>
                           <a:srgbClr val="000000"/>
                         </a:solidFill>
@@ -8105,13 +8024,13 @@
                   </a:tcPr>
                 </a:tc>
               </a:tr>
-              <a:tr h="0">
+              <a:tr h="543240">
                 <a:tc>
                   <a:txBody>
                     <a:bodyPr lIns="90000" rIns="90000"/>
                     <a:p>
                       <a:r>
-                        <a:rPr lang="en-US" sz="1600" spc="-1" strike="noStrike">
+                        <a:rPr b="0" lang="fr-FR" sz="1600" spc="-1" strike="noStrike">
                           <a:solidFill>
                             <a:srgbClr val="000000"/>
                           </a:solidFill>
@@ -8124,7 +8043,7 @@
                         </a:rPr>
                         <a:t>Solution leader</a:t>
                       </a:r>
-                      <a:endParaRPr lang="en-US" sz="1800" spc="-1" strike="noStrike">
+                      <a:endParaRPr b="0" lang="fr-FR" sz="1800" spc="-1" strike="noStrike">
                         <a:solidFill>
                           <a:srgbClr val="000000"/>
                         </a:solidFill>
@@ -8168,7 +8087,7 @@
                     <a:bodyPr lIns="90000" rIns="90000"/>
                     <a:p>
                       <a:r>
-                        <a:rPr lang="en-US" sz="1600" spc="-1" strike="noStrike">
+                        <a:rPr b="0" lang="fr-FR" sz="1600" spc="-1" strike="noStrike">
                           <a:solidFill>
                             <a:srgbClr val="000000"/>
                           </a:solidFill>
@@ -8181,7 +8100,7 @@
                         </a:rPr>
                         <a:t>Impossible d'ajouter de la documentation custom (cas d'erreur,...)</a:t>
                       </a:r>
-                      <a:endParaRPr lang="en-US" sz="1800" spc="-1" strike="noStrike">
+                      <a:endParaRPr b="0" lang="fr-FR" sz="1800" spc="-1" strike="noStrike">
                         <a:solidFill>
                           <a:srgbClr val="000000"/>
                         </a:solidFill>
@@ -8221,13 +8140,13 @@
                   </a:tcPr>
                 </a:tc>
               </a:tr>
-              <a:tr h="0">
+              <a:tr h="317520">
                 <a:tc>
                   <a:txBody>
                     <a:bodyPr lIns="90000" rIns="90000"/>
                     <a:p>
                       <a:r>
-                        <a:rPr lang="en-US" sz="1600" spc="-1" strike="noStrike">
+                        <a:rPr b="0" lang="fr-FR" sz="1600" spc="-1" strike="noStrike">
                           <a:solidFill>
                             <a:srgbClr val="000000"/>
                           </a:solidFill>
@@ -8240,7 +8159,7 @@
                         </a:rPr>
                         <a:t>Simple</a:t>
                       </a:r>
-                      <a:endParaRPr lang="en-US" sz="1800" spc="-1" strike="noStrike">
+                      <a:endParaRPr b="0" lang="fr-FR" sz="1800" spc="-1" strike="noStrike">
                         <a:solidFill>
                           <a:srgbClr val="000000"/>
                         </a:solidFill>
@@ -8284,7 +8203,7 @@
                     <a:bodyPr lIns="90000" rIns="90000"/>
                     <a:p>
                       <a:r>
-                        <a:rPr lang="en-US" sz="1600" spc="-1" strike="noStrike">
+                        <a:rPr b="0" lang="fr-FR" sz="1600" spc="-1" strike="noStrike">
                           <a:solidFill>
                             <a:srgbClr val="000000"/>
                           </a:solidFill>
@@ -8297,7 +8216,7 @@
                         </a:rPr>
                         <a:t>L'application doit être déployée</a:t>
                       </a:r>
-                      <a:endParaRPr lang="en-US" sz="1800" spc="-1" strike="noStrike">
+                      <a:endParaRPr b="0" lang="fr-FR" sz="1800" spc="-1" strike="noStrike">
                         <a:solidFill>
                           <a:srgbClr val="000000"/>
                         </a:solidFill>
@@ -8337,13 +8256,13 @@
                   </a:tcPr>
                 </a:tc>
               </a:tr>
-              <a:tr h="0">
+              <a:tr h="543240">
                 <a:tc>
                   <a:txBody>
                     <a:bodyPr lIns="90000" rIns="90000"/>
                     <a:p>
                       <a:r>
-                        <a:rPr lang="en-US" sz="1600" spc="-1" strike="noStrike">
+                        <a:rPr b="0" lang="fr-FR" sz="1600" spc="-1" strike="noStrike">
                           <a:solidFill>
                             <a:srgbClr val="000000"/>
                           </a:solidFill>
@@ -8356,7 +8275,7 @@
                         </a:rPr>
                         <a:t>IHM esthétique</a:t>
                       </a:r>
-                      <a:endParaRPr lang="en-US" sz="1800" spc="-1" strike="noStrike">
+                      <a:endParaRPr b="0" lang="fr-FR" sz="1800" spc="-1" strike="noStrike">
                         <a:solidFill>
                           <a:srgbClr val="000000"/>
                         </a:solidFill>
@@ -8400,7 +8319,7 @@
                     <a:bodyPr lIns="90000" rIns="90000"/>
                     <a:p>
                       <a:r>
-                        <a:rPr lang="en-US" sz="1600" spc="-1" strike="noStrike">
+                        <a:rPr b="0" lang="fr-FR" sz="1600" spc="-1" strike="noStrike">
                           <a:solidFill>
                             <a:srgbClr val="000000"/>
                           </a:solidFill>
@@ -8413,7 +8332,7 @@
                         </a:rPr>
                         <a:t>Assez lourd à déclarer dans les classes java</a:t>
                       </a:r>
-                      <a:endParaRPr lang="en-US" sz="1800" spc="-1" strike="noStrike">
+                      <a:endParaRPr b="0" lang="fr-FR" sz="1800" spc="-1" strike="noStrike">
                         <a:solidFill>
                           <a:srgbClr val="000000"/>
                         </a:solidFill>
@@ -8453,13 +8372,13 @@
                   </a:tcPr>
                 </a:tc>
               </a:tr>
-              <a:tr h="0">
+              <a:tr h="317520">
                 <a:tc>
                   <a:txBody>
                     <a:bodyPr lIns="90000" rIns="90000"/>
                     <a:p>
                       <a:r>
-                        <a:rPr lang="en-US" sz="1600" spc="-1" strike="noStrike">
+                        <a:rPr b="0" lang="fr-FR" sz="1600" spc="-1" strike="noStrike">
                           <a:solidFill>
                             <a:srgbClr val="000000"/>
                           </a:solidFill>
@@ -8472,7 +8391,7 @@
                         </a:rPr>
                         <a:t>Permet de tester</a:t>
                       </a:r>
-                      <a:endParaRPr lang="en-US" sz="1800" spc="-1" strike="noStrike">
+                      <a:endParaRPr b="0" lang="fr-FR" sz="1800" spc="-1" strike="noStrike">
                         <a:solidFill>
                           <a:srgbClr val="000000"/>
                         </a:solidFill>
@@ -8516,7 +8435,7 @@
                     <a:bodyPr lIns="90000" rIns="90000"/>
                     <a:p>
                       <a:r>
-                        <a:rPr lang="en-US" sz="1600" spc="-1" strike="noStrike">
+                        <a:rPr b="0" lang="fr-FR" sz="1600" spc="-1" strike="noStrike">
                           <a:solidFill>
                             <a:srgbClr val="000000"/>
                           </a:solidFill>
@@ -8529,7 +8448,7 @@
                         </a:rPr>
                         <a:t>Pas de support d'HATEAOS</a:t>
                       </a:r>
-                      <a:endParaRPr lang="en-US" sz="1800" spc="-1" strike="noStrike">
+                      <a:endParaRPr b="0" lang="fr-FR" sz="1800" spc="-1" strike="noStrike">
                         <a:solidFill>
                           <a:srgbClr val="000000"/>
                         </a:solidFill>
@@ -8569,13 +8488,13 @@
                   </a:tcPr>
                 </a:tc>
               </a:tr>
-              <a:tr h="0">
+              <a:tr h="768960">
                 <a:tc>
                   <a:txBody>
                     <a:bodyPr lIns="90000" rIns="90000"/>
                     <a:p>
                       <a:r>
-                        <a:rPr lang="en-US" sz="1600" spc="-1" strike="noStrike">
+                        <a:rPr b="0" lang="fr-FR" sz="1600" spc="-1" strike="noStrike">
                           <a:solidFill>
                             <a:srgbClr val="000000"/>
                           </a:solidFill>
@@ -8588,7 +8507,7 @@
                         </a:rPr>
                         <a:t>Annotation facile à utiliser</a:t>
                       </a:r>
-                      <a:endParaRPr lang="en-US" sz="1800" spc="-1" strike="noStrike">
+                      <a:endParaRPr b="0" lang="fr-FR" sz="1800" spc="-1" strike="noStrike">
                         <a:solidFill>
                           <a:srgbClr val="000000"/>
                         </a:solidFill>
@@ -8632,7 +8551,7 @@
                     <a:bodyPr lIns="90000" rIns="90000"/>
                     <a:p>
                       <a:r>
-                        <a:rPr lang="en-US" sz="1600" spc="-1" strike="noStrike">
+                        <a:rPr b="0" lang="fr-FR" sz="1600" spc="-1" strike="noStrike">
                           <a:solidFill>
                             <a:srgbClr val="000000"/>
                           </a:solidFill>
@@ -8645,7 +8564,7 @@
                         </a:rPr>
                         <a:t>On doit faire réellement les appels pour avoir la doc de la réponse, c'est dangereux pour les POST/PUT/DELETE !</a:t>
                       </a:r>
-                      <a:endParaRPr lang="en-US" sz="1800" spc="-1" strike="noStrike">
+                      <a:endParaRPr b="0" lang="fr-FR" sz="1800" spc="-1" strike="noStrike">
                         <a:solidFill>
                           <a:srgbClr val="000000"/>
                         </a:solidFill>
@@ -8685,13 +8604,13 @@
                   </a:tcPr>
                 </a:tc>
               </a:tr>
-              <a:tr h="0">
+              <a:tr h="317520">
                 <a:tc>
                   <a:txBody>
                     <a:bodyPr lIns="90000" rIns="90000"/>
                     <a:p>
                       <a:r>
-                        <a:rPr lang="en-US" sz="1600" spc="-1" strike="noStrike">
+                        <a:rPr b="0" lang="fr-FR" sz="1600" spc="-1" strike="noStrike">
                           <a:solidFill>
                             <a:srgbClr val="000000"/>
                           </a:solidFill>
@@ -8704,7 +8623,7 @@
                         </a:rPr>
                         <a:t>Grosse communauté</a:t>
                       </a:r>
-                      <a:endParaRPr lang="en-US" sz="1800" spc="-1" strike="noStrike">
+                      <a:endParaRPr b="0" lang="fr-FR" sz="1800" spc="-1" strike="noStrike">
                         <a:solidFill>
                           <a:srgbClr val="000000"/>
                         </a:solidFill>
@@ -8748,7 +8667,7 @@
                     <a:bodyPr lIns="90000" rIns="90000"/>
                     <a:p>
                       <a:r>
-                        <a:rPr lang="en-US" sz="1600" spc="-1" strike="noStrike">
+                        <a:rPr b="0" lang="fr-FR" sz="1600" spc="-1" strike="noStrike">
                           <a:solidFill>
                             <a:srgbClr val="000000"/>
                           </a:solidFill>
@@ -8761,7 +8680,7 @@
                         </a:rPr>
                         <a:t>Difficile de maintenir la doc à jour</a:t>
                       </a:r>
-                      <a:endParaRPr lang="en-US" sz="1800" spc="-1" strike="noStrike">
+                      <a:endParaRPr b="0" lang="fr-FR" sz="1800" spc="-1" strike="noStrike">
                         <a:solidFill>
                           <a:srgbClr val="000000"/>
                         </a:solidFill>
